--- a/document/PRI_040_RWKYI.pptx
+++ b/document/PRI_040_RWKYI.pptx
@@ -7,19 +7,18 @@
     <p:sldMasterId id="2147483680" r:id="rId3"/>
   </p:sldMasterIdLst>
   <p:notesMasterIdLst>
-    <p:notesMasterId r:id="rId11"/>
+    <p:notesMasterId r:id="rId10"/>
   </p:notesMasterIdLst>
   <p:handoutMasterIdLst>
-    <p:handoutMasterId r:id="rId12"/>
+    <p:handoutMasterId r:id="rId11"/>
   </p:handoutMasterIdLst>
   <p:sldIdLst>
     <p:sldId id="273" r:id="rId4"/>
     <p:sldId id="259" r:id="rId5"/>
-    <p:sldId id="260" r:id="rId6"/>
-    <p:sldId id="261" r:id="rId7"/>
-    <p:sldId id="274" r:id="rId8"/>
-    <p:sldId id="275" r:id="rId9"/>
-    <p:sldId id="262" r:id="rId10"/>
+    <p:sldId id="276" r:id="rId6"/>
+    <p:sldId id="277" r:id="rId7"/>
+    <p:sldId id="278" r:id="rId8"/>
+    <p:sldId id="262" r:id="rId9"/>
   </p:sldIdLst>
   <p:sldSz cx="15119350" cy="10691813"/>
   <p:notesSz cx="14597063" cy="21107400"/>
@@ -159,10 +158,9 @@
         <p14:section name="モデル図ページ（プライマリークラス）" id="{8B2B3982-7BAC-4EE5-974E-E0EE0719EC85}">
           <p14:sldIdLst>
             <p14:sldId id="259"/>
-            <p14:sldId id="260"/>
-            <p14:sldId id="261"/>
-            <p14:sldId id="274"/>
-            <p14:sldId id="275"/>
+            <p14:sldId id="276"/>
+            <p14:sldId id="277"/>
+            <p14:sldId id="278"/>
             <p14:sldId id="262"/>
           </p14:sldIdLst>
         </p14:section>
@@ -6890,14 +6888,7 @@
                 <a:latin typeface="HG丸ｺﾞｼｯｸM-PRO" panose="020F0600000000000000" pitchFamily="50" charset="-128"/>
                 <a:ea typeface="HG丸ｺﾞｼｯｸM-PRO" panose="020F0600000000000000" pitchFamily="50" charset="-128"/>
               </a:rPr>
-              <a:t>メンバ：</a:t>
-            </a:r>
-            <a:r>
-              <a:rPr lang="ja-JP" altLang="en-US" sz="2400" dirty="0" smtClean="0">
-                <a:latin typeface="HG丸ｺﾞｼｯｸM-PRO" panose="020F0600000000000000" pitchFamily="50" charset="-128"/>
-                <a:ea typeface="HG丸ｺﾞｼｯｸM-PRO" panose="020F0600000000000000" pitchFamily="50" charset="-128"/>
-              </a:rPr>
-              <a:t>池田 和弘、倉谷 航、</a:t>
+              <a:t>メンバ：池田 和弘、倉谷 航、</a:t>
             </a:r>
             <a:endParaRPr lang="en-US" altLang="ja-JP" sz="2400" dirty="0" smtClean="0">
               <a:latin typeface="HG丸ｺﾞｼｯｸM-PRO" panose="020F0600000000000000" pitchFamily="50" charset="-128"/>
@@ -6918,14 +6909,7 @@
                 <a:latin typeface="HG丸ｺﾞｼｯｸM-PRO" panose="020F0600000000000000" pitchFamily="50" charset="-128"/>
                 <a:ea typeface="HG丸ｺﾞｼｯｸM-PRO" panose="020F0600000000000000" pitchFamily="50" charset="-128"/>
               </a:rPr>
-              <a:t>　　　</a:t>
-            </a:r>
-            <a:r>
-              <a:rPr lang="ja-JP" altLang="en-US" sz="2400" dirty="0" smtClean="0">
-                <a:latin typeface="HG丸ｺﾞｼｯｸM-PRO" panose="020F0600000000000000" pitchFamily="50" charset="-128"/>
-                <a:ea typeface="HG丸ｺﾞｼｯｸM-PRO" panose="020F0600000000000000" pitchFamily="50" charset="-128"/>
-              </a:rPr>
-              <a:t>村瀬 遼平、若林 祐弥</a:t>
+              <a:t>　　　村瀬 遼平、若林 祐弥</a:t>
             </a:r>
             <a:endParaRPr lang="en-US" altLang="ja-JP" sz="2400" dirty="0">
               <a:latin typeface="HG丸ｺﾞｼｯｸM-PRO" panose="020F0600000000000000" pitchFamily="50" charset="-128"/>
@@ -7001,7 +6985,28 @@
                 <a:latin typeface="HG丸ｺﾞｼｯｸM-PRO" panose="020F0600000000000000" pitchFamily="50" charset="-128"/>
                 <a:ea typeface="HG丸ｺﾞｼｯｸM-PRO" panose="020F0600000000000000" pitchFamily="50" charset="-128"/>
               </a:rPr>
-              <a:t>トレジャー をクリアし、走破することを目指す！</a:t>
+              <a:t>トレジャー をクリアし、走破することを</a:t>
+            </a:r>
+            <a:r>
+              <a:rPr lang="ja-JP" altLang="en-US" sz="2400" dirty="0" smtClean="0">
+                <a:latin typeface="HG丸ｺﾞｼｯｸM-PRO" panose="020F0600000000000000" pitchFamily="50" charset="-128"/>
+                <a:ea typeface="HG丸ｺﾞｼｯｸM-PRO" panose="020F0600000000000000" pitchFamily="50" charset="-128"/>
+              </a:rPr>
+              <a:t>目指</a:t>
+            </a:r>
+            <a:r>
+              <a:rPr lang="ja-JP" altLang="en-US" sz="2400" dirty="0">
+                <a:latin typeface="HG丸ｺﾞｼｯｸM-PRO" panose="020F0600000000000000" pitchFamily="50" charset="-128"/>
+                <a:ea typeface="HG丸ｺﾞｼｯｸM-PRO" panose="020F0600000000000000" pitchFamily="50" charset="-128"/>
+              </a:rPr>
+              <a:t>します</a:t>
+            </a:r>
+            <a:r>
+              <a:rPr lang="ja-JP" altLang="en-US" sz="2400" dirty="0" smtClean="0">
+                <a:latin typeface="HG丸ｺﾞｼｯｸM-PRO" panose="020F0600000000000000" pitchFamily="50" charset="-128"/>
+                <a:ea typeface="HG丸ｺﾞｼｯｸM-PRO" panose="020F0600000000000000" pitchFamily="50" charset="-128"/>
+              </a:rPr>
+              <a:t>！</a:t>
             </a:r>
             <a:endParaRPr lang="ja-JP" altLang="en-US" sz="2400" dirty="0">
               <a:latin typeface="HG丸ｺﾞｼｯｸM-PRO" panose="020F0600000000000000" pitchFamily="50" charset="-128"/>
@@ -8122,11 +8127,7 @@
             </a:r>
             <a:r>
               <a:rPr lang="ja-JP" altLang="en-US" dirty="0" smtClean="0"/>
-              <a:t>トレジャーハンターの攻略に必要なシステムの機能をユースケース図、ユースケース記述で定義した</a:t>
-            </a:r>
-            <a:r>
-              <a:rPr lang="ja-JP" altLang="en-US" dirty="0" smtClean="0"/>
-              <a:t>。</a:t>
+              <a:t>トレジャーハンターの攻略に必要なシステムの機能をユースケース図、ユースケース記述で定義した。</a:t>
             </a:r>
             <a:r>
               <a:rPr lang="en-US" altLang="ja-JP" dirty="0" smtClean="0"/>
@@ -8235,58 +8236,94 @@
           <a:chExt cx="0" cy="0"/>
         </a:xfrm>
       </p:grpSpPr>
-      <p:sp>
-        <p:nvSpPr>
-          <p:cNvPr id="2" name="タイトル 1">
+      <p:pic>
+        <p:nvPicPr>
+          <p:cNvPr id="3" name="図 2" descr="ダイアグラム&#10;&#10;自動的に生成された説明">
             <a:extLst>
               <a:ext uri="{FF2B5EF4-FFF2-40B4-BE49-F238E27FC236}">
-                <a16:creationId xmlns:a16="http://schemas.microsoft.com/office/drawing/2014/main" id="{E6440250-F656-44C9-902A-E623DA03BB80}"/>
+                <a16:creationId xmlns:a16="http://schemas.microsoft.com/office/drawing/2014/main" id="{DD3D2E72-3DA4-A1EB-7F99-631693273BD5}"/>
               </a:ext>
             </a:extLst>
           </p:cNvPr>
-          <p:cNvSpPr>
-            <a:spLocks noGrp="1"/>
-          </p:cNvSpPr>
-          <p:nvPr>
-            <p:ph type="title"/>
-          </p:nvPr>
-        </p:nvSpPr>
-        <p:spPr/>
-        <p:txBody>
-          <a:bodyPr/>
-          <a:lstStyle/>
-          <a:p>
-            <a:r>
-              <a:rPr kumimoji="1" lang="ja-JP" altLang="en-US" dirty="0"/>
-              <a:t>構造モデル</a:t>
-            </a:r>
-          </a:p>
-        </p:txBody>
-      </p:sp>
+          <p:cNvPicPr>
+            <a:picLocks noChangeAspect="1"/>
+          </p:cNvPicPr>
+          <p:nvPr/>
+        </p:nvPicPr>
+        <p:blipFill rotWithShape="1">
+          <a:blip r:embed="rId2">
+            <a:extLst>
+              <a:ext uri="{28A0092B-C50C-407E-A947-70E740481C1C}">
+                <a14:useLocalDpi xmlns:a14="http://schemas.microsoft.com/office/drawing/2010/main" val="0"/>
+              </a:ext>
+            </a:extLst>
+          </a:blip>
+          <a:srcRect b="24888"/>
+          <a:stretch/>
+        </p:blipFill>
+        <p:spPr>
+          <a:xfrm>
+            <a:off x="169004" y="1385466"/>
+            <a:ext cx="12270855" cy="8905162"/>
+          </a:xfrm>
+          <a:prstGeom prst="rect">
+            <a:avLst/>
+          </a:prstGeom>
+        </p:spPr>
+      </p:pic>
       <p:sp>
         <p:nvSpPr>
-          <p:cNvPr id="6" name="コンテンツ プレースホルダー 5">
+          <p:cNvPr id="4" name="タイトル 1">
             <a:extLst>
               <a:ext uri="{FF2B5EF4-FFF2-40B4-BE49-F238E27FC236}">
-                <a16:creationId xmlns:a16="http://schemas.microsoft.com/office/drawing/2014/main" id="{26FAAD07-F302-42C1-85D9-C09DAB46A420}"/>
+                <a16:creationId xmlns:a16="http://schemas.microsoft.com/office/drawing/2014/main" id="{017B31C4-798E-65B4-9637-1AE0CE3532FC}"/>
               </a:ext>
             </a:extLst>
           </p:cNvPr>
-          <p:cNvSpPr>
-            <a:spLocks noGrp="1"/>
+          <p:cNvSpPr txBox="1">
+            <a:spLocks/>
           </p:cNvSpPr>
-          <p:nvPr>
-            <p:ph idx="1"/>
-          </p:nvPr>
+          <p:nvPr/>
         </p:nvSpPr>
-        <p:spPr/>
+        <p:spPr>
+          <a:xfrm>
+            <a:off x="142850" y="185161"/>
+            <a:ext cx="4792027" cy="1320280"/>
+          </a:xfrm>
+          <a:prstGeom prst="rect">
+            <a:avLst/>
+          </a:prstGeom>
+        </p:spPr>
         <p:txBody>
           <a:bodyPr/>
-          <a:lstStyle/>
-          <a:p>
-            <a:r>
-              <a:rPr kumimoji="1" lang="ja-JP" altLang="en-US" dirty="0"/>
-              <a:t>ここに構造のモデルを書く</a:t>
+          <a:lstStyle>
+            <a:lvl1pPr algn="l" defTabSz="1425550" rtl="0" eaLnBrk="1" latinLnBrk="0" hangingPunct="1">
+              <a:lnSpc>
+                <a:spcPct val="90000"/>
+              </a:lnSpc>
+              <a:spcBef>
+                <a:spcPct val="0"/>
+              </a:spcBef>
+              <a:buNone/>
+              <a:defRPr kumimoji="1" sz="6860" kern="1200">
+                <a:solidFill>
+                  <a:schemeClr val="tx1"/>
+                </a:solidFill>
+                <a:latin typeface="+mj-lt"/>
+                <a:ea typeface="+mj-ea"/>
+                <a:cs typeface="+mj-cs"/>
+              </a:defRPr>
+            </a:lvl1pPr>
+          </a:lstStyle>
+          <a:p>
+            <a:pPr fontAlgn="auto">
+              <a:spcAft>
+                <a:spcPts val="0"/>
+              </a:spcAft>
+            </a:pPr>
+            <a:r>
+              <a:rPr lang="ja-JP" altLang="en-US" dirty="0"/>
+              <a:t>構造モデル</a:t>
             </a:r>
           </a:p>
         </p:txBody>
@@ -8294,7 +8331,7 @@
     </p:spTree>
     <p:extLst>
       <p:ext uri="{BB962C8B-B14F-4D97-AF65-F5344CB8AC3E}">
-        <p14:creationId xmlns:p14="http://schemas.microsoft.com/office/powerpoint/2010/main" val="3609020167"/>
+        <p14:creationId xmlns:p14="http://schemas.microsoft.com/office/powerpoint/2010/main" val="3437812161"/>
       </p:ext>
     </p:extLst>
   </p:cSld>
@@ -8323,65 +8360,1202 @@
       </p:grpSpPr>
       <p:sp>
         <p:nvSpPr>
-          <p:cNvPr id="2" name="タイトル 1">
+          <p:cNvPr id="7" name="Rectangle 4">
             <a:extLst>
               <a:ext uri="{FF2B5EF4-FFF2-40B4-BE49-F238E27FC236}">
-                <a16:creationId xmlns:a16="http://schemas.microsoft.com/office/drawing/2014/main" id="{5AD8C0B5-06BB-41B2-8E22-3BCAD69EBEF4}"/>
+                <a16:creationId xmlns:a16="http://schemas.microsoft.com/office/drawing/2014/main" id="{4DCE695B-C0E7-7944-89B8-D691FAEA74EE}"/>
               </a:ext>
             </a:extLst>
           </p:cNvPr>
           <p:cNvSpPr>
-            <a:spLocks noGrp="1"/>
+            <a:spLocks noChangeArrowheads="1"/>
           </p:cNvSpPr>
-          <p:nvPr>
-            <p:ph type="title"/>
-          </p:nvPr>
+          <p:nvPr/>
         </p:nvSpPr>
-        <p:spPr/>
+        <p:spPr bwMode="auto">
+          <a:xfrm>
+            <a:off x="7559674" y="4193778"/>
+            <a:ext cx="7344815" cy="6203939"/>
+          </a:xfrm>
+          <a:prstGeom prst="rect">
+            <a:avLst/>
+          </a:prstGeom>
+          <a:noFill/>
+          <a:ln w="9525">
+            <a:solidFill>
+              <a:schemeClr val="accent6">
+                <a:lumMod val="75000"/>
+              </a:schemeClr>
+            </a:solidFill>
+            <a:miter lim="800000"/>
+            <a:headEnd/>
+            <a:tailEnd/>
+          </a:ln>
+          <a:extLst>
+            <a:ext uri="{909E8E84-426E-40DD-AFC4-6F175D3DCCD1}">
+              <a14:hiddenFill xmlns:a14="http://schemas.microsoft.com/office/drawing/2010/main">
+                <a:solidFill>
+                  <a:srgbClr val="FFFFFF"/>
+                </a:solidFill>
+              </a14:hiddenFill>
+            </a:ext>
+          </a:extLst>
+        </p:spPr>
         <p:txBody>
-          <a:bodyPr/>
-          <a:lstStyle/>
-          <a:p>
-            <a:r>
-              <a:rPr lang="ja-JP" altLang="en-US" dirty="0"/>
-              <a:t>振舞いモデル</a:t>
-            </a:r>
-            <a:endParaRPr kumimoji="1" lang="ja-JP" altLang="en-US" dirty="0"/>
+          <a:bodyPr lIns="120687" tIns="60343" rIns="120687" bIns="60343"/>
+          <a:lstStyle>
+            <a:lvl1pPr marL="481013" indent="-481013" defTabSz="1279525" eaLnBrk="0" hangingPunct="0">
+              <a:defRPr kumimoji="1" sz="1600">
+                <a:solidFill>
+                  <a:schemeClr val="tx1"/>
+                </a:solidFill>
+                <a:latin typeface="Times New Roman" panose="02020603050405020304" pitchFamily="18" charset="0"/>
+                <a:ea typeface="ＭＳ Ｐゴシック" panose="020B0600070205080204" pitchFamily="34" charset="-128"/>
+              </a:defRPr>
+            </a:lvl1pPr>
+            <a:lvl2pPr marL="742950" indent="-285750" defTabSz="1279525" eaLnBrk="0" hangingPunct="0">
+              <a:defRPr kumimoji="1" sz="1600">
+                <a:solidFill>
+                  <a:schemeClr val="tx1"/>
+                </a:solidFill>
+                <a:latin typeface="Times New Roman" panose="02020603050405020304" pitchFamily="18" charset="0"/>
+                <a:ea typeface="ＭＳ Ｐゴシック" panose="020B0600070205080204" pitchFamily="34" charset="-128"/>
+              </a:defRPr>
+            </a:lvl2pPr>
+            <a:lvl3pPr marL="1143000" indent="-228600" defTabSz="1279525" eaLnBrk="0" hangingPunct="0">
+              <a:defRPr kumimoji="1" sz="1600">
+                <a:solidFill>
+                  <a:schemeClr val="tx1"/>
+                </a:solidFill>
+                <a:latin typeface="Times New Roman" panose="02020603050405020304" pitchFamily="18" charset="0"/>
+                <a:ea typeface="ＭＳ Ｐゴシック" panose="020B0600070205080204" pitchFamily="34" charset="-128"/>
+              </a:defRPr>
+            </a:lvl3pPr>
+            <a:lvl4pPr marL="1600200" indent="-228600" defTabSz="1279525" eaLnBrk="0" hangingPunct="0">
+              <a:defRPr kumimoji="1" sz="1600">
+                <a:solidFill>
+                  <a:schemeClr val="tx1"/>
+                </a:solidFill>
+                <a:latin typeface="Times New Roman" panose="02020603050405020304" pitchFamily="18" charset="0"/>
+                <a:ea typeface="ＭＳ Ｐゴシック" panose="020B0600070205080204" pitchFamily="34" charset="-128"/>
+              </a:defRPr>
+            </a:lvl4pPr>
+            <a:lvl5pPr marL="2057400" indent="-228600" defTabSz="1279525" eaLnBrk="0" hangingPunct="0">
+              <a:defRPr kumimoji="1" sz="1600">
+                <a:solidFill>
+                  <a:schemeClr val="tx1"/>
+                </a:solidFill>
+                <a:latin typeface="Times New Roman" panose="02020603050405020304" pitchFamily="18" charset="0"/>
+                <a:ea typeface="ＭＳ Ｐゴシック" panose="020B0600070205080204" pitchFamily="34" charset="-128"/>
+              </a:defRPr>
+            </a:lvl5pPr>
+            <a:lvl6pPr marL="2514600" indent="-228600" defTabSz="1279525" eaLnBrk="0" fontAlgn="base" hangingPunct="0">
+              <a:spcBef>
+                <a:spcPct val="0"/>
+              </a:spcBef>
+              <a:spcAft>
+                <a:spcPct val="0"/>
+              </a:spcAft>
+              <a:defRPr kumimoji="1" sz="1600">
+                <a:solidFill>
+                  <a:schemeClr val="tx1"/>
+                </a:solidFill>
+                <a:latin typeface="Times New Roman" panose="02020603050405020304" pitchFamily="18" charset="0"/>
+                <a:ea typeface="ＭＳ Ｐゴシック" panose="020B0600070205080204" pitchFamily="34" charset="-128"/>
+              </a:defRPr>
+            </a:lvl6pPr>
+            <a:lvl7pPr marL="2971800" indent="-228600" defTabSz="1279525" eaLnBrk="0" fontAlgn="base" hangingPunct="0">
+              <a:spcBef>
+                <a:spcPct val="0"/>
+              </a:spcBef>
+              <a:spcAft>
+                <a:spcPct val="0"/>
+              </a:spcAft>
+              <a:defRPr kumimoji="1" sz="1600">
+                <a:solidFill>
+                  <a:schemeClr val="tx1"/>
+                </a:solidFill>
+                <a:latin typeface="Times New Roman" panose="02020603050405020304" pitchFamily="18" charset="0"/>
+                <a:ea typeface="ＭＳ Ｐゴシック" panose="020B0600070205080204" pitchFamily="34" charset="-128"/>
+              </a:defRPr>
+            </a:lvl7pPr>
+            <a:lvl8pPr marL="3429000" indent="-228600" defTabSz="1279525" eaLnBrk="0" fontAlgn="base" hangingPunct="0">
+              <a:spcBef>
+                <a:spcPct val="0"/>
+              </a:spcBef>
+              <a:spcAft>
+                <a:spcPct val="0"/>
+              </a:spcAft>
+              <a:defRPr kumimoji="1" sz="1600">
+                <a:solidFill>
+                  <a:schemeClr val="tx1"/>
+                </a:solidFill>
+                <a:latin typeface="Times New Roman" panose="02020603050405020304" pitchFamily="18" charset="0"/>
+                <a:ea typeface="ＭＳ Ｐゴシック" panose="020B0600070205080204" pitchFamily="34" charset="-128"/>
+              </a:defRPr>
+            </a:lvl8pPr>
+            <a:lvl9pPr marL="3886200" indent="-228600" defTabSz="1279525" eaLnBrk="0" fontAlgn="base" hangingPunct="0">
+              <a:spcBef>
+                <a:spcPct val="0"/>
+              </a:spcBef>
+              <a:spcAft>
+                <a:spcPct val="0"/>
+              </a:spcAft>
+              <a:defRPr kumimoji="1" sz="1600">
+                <a:solidFill>
+                  <a:schemeClr val="tx1"/>
+                </a:solidFill>
+                <a:latin typeface="Times New Roman" panose="02020603050405020304" pitchFamily="18" charset="0"/>
+                <a:ea typeface="ＭＳ Ｐゴシック" panose="020B0600070205080204" pitchFamily="34" charset="-128"/>
+              </a:defRPr>
+            </a:lvl9pPr>
+          </a:lstStyle>
+          <a:p>
+            <a:pPr marL="0" indent="0" eaLnBrk="1" hangingPunct="1">
+              <a:lnSpc>
+                <a:spcPct val="80000"/>
+              </a:lnSpc>
+              <a:spcBef>
+                <a:spcPts val="668"/>
+              </a:spcBef>
+            </a:pPr>
+            <a:r>
+              <a:rPr lang="ja-JP" altLang="en-US" sz="2400" dirty="0">
+                <a:latin typeface="HG丸ｺﾞｼｯｸM-PRO" panose="020F0600000000000000" pitchFamily="50" charset="-128"/>
+                <a:ea typeface="HG丸ｺﾞｼｯｸM-PRO" panose="020F0600000000000000" pitchFamily="50" charset="-128"/>
+              </a:rPr>
+              <a:t>マトリクス走査状態　ステートマシン図</a:t>
+            </a:r>
+            <a:endParaRPr lang="en-US" altLang="ja-JP" sz="2400" dirty="0">
+              <a:latin typeface="HG丸ｺﾞｼｯｸM-PRO" panose="020F0600000000000000" pitchFamily="50" charset="-128"/>
+              <a:ea typeface="HG丸ｺﾞｼｯｸM-PRO" panose="020F0600000000000000" pitchFamily="50" charset="-128"/>
+            </a:endParaRPr>
+          </a:p>
+          <a:p>
+            <a:pPr marL="0" indent="0" eaLnBrk="1" hangingPunct="1">
+              <a:lnSpc>
+                <a:spcPct val="80000"/>
+              </a:lnSpc>
+              <a:spcBef>
+                <a:spcPts val="668"/>
+              </a:spcBef>
+            </a:pPr>
+            <a:r>
+              <a:rPr lang="ja-JP" altLang="en-US" sz="1800" dirty="0">
+                <a:latin typeface="HG丸ｺﾞｼｯｸM-PRO" panose="020F0600000000000000" pitchFamily="50" charset="-128"/>
+                <a:ea typeface="HG丸ｺﾞｼｯｸM-PRO" panose="020F0600000000000000" pitchFamily="50" charset="-128"/>
+              </a:rPr>
+              <a:t>マトリクス走査状態の詳述したステートマシン図を以下に示す。本プログラムではブロックの配置ごとに用意された命令の配列を実行して、マトリクスを走査する。マトリクスの赤、青、黄、緑パターンの直上で命令を評価する。命令は前進命令、右旋回命令、左旋回命令、青ブロック押し出し命令、赤ブロック取得命令で構成される。マトリクス上の各パターンの上でそれぞれの命令が実行される。</a:t>
+            </a:r>
           </a:p>
         </p:txBody>
       </p:sp>
       <p:sp>
         <p:nvSpPr>
-          <p:cNvPr id="5" name="コンテンツ プレースホルダー 4">
+          <p:cNvPr id="17" name="Rectangle 3">
             <a:extLst>
               <a:ext uri="{FF2B5EF4-FFF2-40B4-BE49-F238E27FC236}">
-                <a16:creationId xmlns:a16="http://schemas.microsoft.com/office/drawing/2014/main" id="{21492ACA-CEBB-4A08-A6B6-1B760833EEA5}"/>
+                <a16:creationId xmlns:a16="http://schemas.microsoft.com/office/drawing/2014/main" id="{12351C5A-CF92-284C-AD2D-94D23A07A721}"/>
               </a:ext>
             </a:extLst>
           </p:cNvPr>
           <p:cNvSpPr>
-            <a:spLocks noGrp="1"/>
+            <a:spLocks noChangeArrowheads="1"/>
           </p:cNvSpPr>
-          <p:nvPr>
-            <p:ph idx="1"/>
-          </p:nvPr>
+          <p:nvPr/>
         </p:nvSpPr>
-        <p:spPr/>
+        <p:spPr bwMode="auto">
+          <a:xfrm>
+            <a:off x="214860" y="311322"/>
+            <a:ext cx="7104254" cy="7698880"/>
+          </a:xfrm>
+          <a:prstGeom prst="rect">
+            <a:avLst/>
+          </a:prstGeom>
+          <a:noFill/>
+          <a:ln w="9525">
+            <a:solidFill>
+              <a:schemeClr val="accent6">
+                <a:lumMod val="75000"/>
+              </a:schemeClr>
+            </a:solidFill>
+            <a:miter lim="800000"/>
+            <a:headEnd/>
+            <a:tailEnd/>
+          </a:ln>
+          <a:extLst>
+            <a:ext uri="{909E8E84-426E-40DD-AFC4-6F175D3DCCD1}">
+              <a14:hiddenFill xmlns:a14="http://schemas.microsoft.com/office/drawing/2010/main">
+                <a:solidFill>
+                  <a:srgbClr val="FFFFFF"/>
+                </a:solidFill>
+              </a14:hiddenFill>
+            </a:ext>
+          </a:extLst>
+        </p:spPr>
         <p:txBody>
-          <a:bodyPr/>
-          <a:lstStyle/>
-          <a:p>
-            <a:r>
-              <a:rPr kumimoji="1" lang="ja-JP" altLang="en-US" dirty="0"/>
-              <a:t>ここに振舞いのモデルを書く</a:t>
-            </a:r>
+          <a:bodyPr lIns="120687" tIns="60343" rIns="120687" bIns="60343"/>
+          <a:lstStyle>
+            <a:lvl1pPr marL="481013" indent="-481013" defTabSz="1279525" eaLnBrk="0" hangingPunct="0">
+              <a:defRPr kumimoji="1" sz="1600">
+                <a:solidFill>
+                  <a:schemeClr val="tx1"/>
+                </a:solidFill>
+                <a:latin typeface="Times New Roman" panose="02020603050405020304" pitchFamily="18" charset="0"/>
+                <a:ea typeface="ＭＳ Ｐゴシック" panose="020B0600070205080204" pitchFamily="34" charset="-128"/>
+              </a:defRPr>
+            </a:lvl1pPr>
+            <a:lvl2pPr marL="742950" indent="-285750" defTabSz="1279525" eaLnBrk="0" hangingPunct="0">
+              <a:defRPr kumimoji="1" sz="1600">
+                <a:solidFill>
+                  <a:schemeClr val="tx1"/>
+                </a:solidFill>
+                <a:latin typeface="Times New Roman" panose="02020603050405020304" pitchFamily="18" charset="0"/>
+                <a:ea typeface="ＭＳ Ｐゴシック" panose="020B0600070205080204" pitchFamily="34" charset="-128"/>
+              </a:defRPr>
+            </a:lvl2pPr>
+            <a:lvl3pPr marL="1143000" indent="-228600" defTabSz="1279525" eaLnBrk="0" hangingPunct="0">
+              <a:defRPr kumimoji="1" sz="1600">
+                <a:solidFill>
+                  <a:schemeClr val="tx1"/>
+                </a:solidFill>
+                <a:latin typeface="Times New Roman" panose="02020603050405020304" pitchFamily="18" charset="0"/>
+                <a:ea typeface="ＭＳ Ｐゴシック" panose="020B0600070205080204" pitchFamily="34" charset="-128"/>
+              </a:defRPr>
+            </a:lvl3pPr>
+            <a:lvl4pPr marL="1600200" indent="-228600" defTabSz="1279525" eaLnBrk="0" hangingPunct="0">
+              <a:defRPr kumimoji="1" sz="1600">
+                <a:solidFill>
+                  <a:schemeClr val="tx1"/>
+                </a:solidFill>
+                <a:latin typeface="Times New Roman" panose="02020603050405020304" pitchFamily="18" charset="0"/>
+                <a:ea typeface="ＭＳ Ｐゴシック" panose="020B0600070205080204" pitchFamily="34" charset="-128"/>
+              </a:defRPr>
+            </a:lvl4pPr>
+            <a:lvl5pPr marL="2057400" indent="-228600" defTabSz="1279525" eaLnBrk="0" hangingPunct="0">
+              <a:defRPr kumimoji="1" sz="1600">
+                <a:solidFill>
+                  <a:schemeClr val="tx1"/>
+                </a:solidFill>
+                <a:latin typeface="Times New Roman" panose="02020603050405020304" pitchFamily="18" charset="0"/>
+                <a:ea typeface="ＭＳ Ｐゴシック" panose="020B0600070205080204" pitchFamily="34" charset="-128"/>
+              </a:defRPr>
+            </a:lvl5pPr>
+            <a:lvl6pPr marL="2514600" indent="-228600" defTabSz="1279525" eaLnBrk="0" fontAlgn="base" hangingPunct="0">
+              <a:spcBef>
+                <a:spcPct val="0"/>
+              </a:spcBef>
+              <a:spcAft>
+                <a:spcPct val="0"/>
+              </a:spcAft>
+              <a:defRPr kumimoji="1" sz="1600">
+                <a:solidFill>
+                  <a:schemeClr val="tx1"/>
+                </a:solidFill>
+                <a:latin typeface="Times New Roman" panose="02020603050405020304" pitchFamily="18" charset="0"/>
+                <a:ea typeface="ＭＳ Ｐゴシック" panose="020B0600070205080204" pitchFamily="34" charset="-128"/>
+              </a:defRPr>
+            </a:lvl6pPr>
+            <a:lvl7pPr marL="2971800" indent="-228600" defTabSz="1279525" eaLnBrk="0" fontAlgn="base" hangingPunct="0">
+              <a:spcBef>
+                <a:spcPct val="0"/>
+              </a:spcBef>
+              <a:spcAft>
+                <a:spcPct val="0"/>
+              </a:spcAft>
+              <a:defRPr kumimoji="1" sz="1600">
+                <a:solidFill>
+                  <a:schemeClr val="tx1"/>
+                </a:solidFill>
+                <a:latin typeface="Times New Roman" panose="02020603050405020304" pitchFamily="18" charset="0"/>
+                <a:ea typeface="ＭＳ Ｐゴシック" panose="020B0600070205080204" pitchFamily="34" charset="-128"/>
+              </a:defRPr>
+            </a:lvl7pPr>
+            <a:lvl8pPr marL="3429000" indent="-228600" defTabSz="1279525" eaLnBrk="0" fontAlgn="base" hangingPunct="0">
+              <a:spcBef>
+                <a:spcPct val="0"/>
+              </a:spcBef>
+              <a:spcAft>
+                <a:spcPct val="0"/>
+              </a:spcAft>
+              <a:defRPr kumimoji="1" sz="1600">
+                <a:solidFill>
+                  <a:schemeClr val="tx1"/>
+                </a:solidFill>
+                <a:latin typeface="Times New Roman" panose="02020603050405020304" pitchFamily="18" charset="0"/>
+                <a:ea typeface="ＭＳ Ｐゴシック" panose="020B0600070205080204" pitchFamily="34" charset="-128"/>
+              </a:defRPr>
+            </a:lvl8pPr>
+            <a:lvl9pPr marL="3886200" indent="-228600" defTabSz="1279525" eaLnBrk="0" fontAlgn="base" hangingPunct="0">
+              <a:spcBef>
+                <a:spcPct val="0"/>
+              </a:spcBef>
+              <a:spcAft>
+                <a:spcPct val="0"/>
+              </a:spcAft>
+              <a:defRPr kumimoji="1" sz="1600">
+                <a:solidFill>
+                  <a:schemeClr val="tx1"/>
+                </a:solidFill>
+                <a:latin typeface="Times New Roman" panose="02020603050405020304" pitchFamily="18" charset="0"/>
+                <a:ea typeface="ＭＳ Ｐゴシック" panose="020B0600070205080204" pitchFamily="34" charset="-128"/>
+              </a:defRPr>
+            </a:lvl9pPr>
+          </a:lstStyle>
+          <a:p>
+            <a:pPr eaLnBrk="1" hangingPunct="1">
+              <a:lnSpc>
+                <a:spcPct val="80000"/>
+              </a:lnSpc>
+              <a:spcBef>
+                <a:spcPct val="20000"/>
+              </a:spcBef>
+            </a:pPr>
+            <a:r>
+              <a:rPr lang="ja-JP" altLang="en-US" sz="2400" dirty="0">
+                <a:latin typeface="HG丸ｺﾞｼｯｸM-PRO" panose="020F0600000000000000" pitchFamily="50" charset="-128"/>
+                <a:ea typeface="HG丸ｺﾞｼｯｸM-PRO" panose="020F0600000000000000" pitchFamily="50" charset="-128"/>
+              </a:rPr>
+              <a:t>ブロック　</a:t>
+            </a:r>
+            <a:r>
+              <a:rPr lang="en-US" altLang="ja-JP" sz="2400" dirty="0">
+                <a:latin typeface="HG丸ｺﾞｼｯｸM-PRO" panose="020F0600000000000000" pitchFamily="50" charset="-128"/>
+                <a:ea typeface="HG丸ｺﾞｼｯｸM-PRO" panose="020F0600000000000000" pitchFamily="50" charset="-128"/>
+              </a:rPr>
+              <a:t>de</a:t>
+            </a:r>
+            <a:r>
+              <a:rPr lang="ja-JP" altLang="en-US" sz="2400" dirty="0">
+                <a:latin typeface="HG丸ｺﾞｼｯｸM-PRO" panose="020F0600000000000000" pitchFamily="50" charset="-128"/>
+                <a:ea typeface="HG丸ｺﾞｼｯｸM-PRO" panose="020F0600000000000000" pitchFamily="50" charset="-128"/>
+              </a:rPr>
+              <a:t>　トレジャーハンター　要件分析</a:t>
+            </a:r>
+            <a:endParaRPr lang="en-US" altLang="ja-JP" sz="2400" dirty="0">
+              <a:latin typeface="HG丸ｺﾞｼｯｸM-PRO" panose="020F0600000000000000" pitchFamily="50" charset="-128"/>
+              <a:ea typeface="HG丸ｺﾞｼｯｸM-PRO" panose="020F0600000000000000" pitchFamily="50" charset="-128"/>
+            </a:endParaRPr>
+          </a:p>
+          <a:p>
+            <a:pPr marL="0" indent="0" eaLnBrk="1" hangingPunct="1">
+              <a:lnSpc>
+                <a:spcPct val="80000"/>
+              </a:lnSpc>
+              <a:spcBef>
+                <a:spcPct val="20000"/>
+              </a:spcBef>
+            </a:pPr>
+            <a:r>
+              <a:rPr lang="ja-JP" altLang="en-US" sz="1800" dirty="0">
+                <a:latin typeface="HG丸ｺﾞｼｯｸM-PRO" panose="020F0600000000000000" pitchFamily="50" charset="-128"/>
+                <a:ea typeface="HG丸ｺﾞｼｯｸM-PRO" panose="020F0600000000000000" pitchFamily="50" charset="-128"/>
+              </a:rPr>
+              <a:t>ブロック </a:t>
+            </a:r>
+            <a:r>
+              <a:rPr lang="en-US" altLang="ja-JP" sz="1800" dirty="0">
+                <a:latin typeface="HG丸ｺﾞｼｯｸM-PRO" panose="020F0600000000000000" pitchFamily="50" charset="-128"/>
+                <a:ea typeface="HG丸ｺﾞｼｯｸM-PRO" panose="020F0600000000000000" pitchFamily="50" charset="-128"/>
+              </a:rPr>
+              <a:t>de </a:t>
+            </a:r>
+            <a:r>
+              <a:rPr lang="ja-JP" altLang="en-US" sz="1800" dirty="0">
+                <a:latin typeface="HG丸ｺﾞｼｯｸM-PRO" panose="020F0600000000000000" pitchFamily="50" charset="-128"/>
+                <a:ea typeface="HG丸ｺﾞｼｯｸM-PRO" panose="020F0600000000000000" pitchFamily="50" charset="-128"/>
+              </a:rPr>
+              <a:t>トレジャーハンターはライントレース終了後に走行する障害物コースである。この障害物のコースは格子状のマトリクスとマトリクスの交点にある赤、青、黄、緑のパターン、パターン間の黒線でできたノードで構成される。このマトリクス上に</a:t>
+            </a:r>
+            <a:r>
+              <a:rPr lang="en-US" altLang="ja-JP" sz="1800" dirty="0">
+                <a:latin typeface="HG丸ｺﾞｼｯｸM-PRO" panose="020F0600000000000000" pitchFamily="50" charset="-128"/>
+                <a:ea typeface="HG丸ｺﾞｼｯｸM-PRO" panose="020F0600000000000000" pitchFamily="50" charset="-128"/>
+              </a:rPr>
+              <a:t>5</a:t>
+            </a:r>
+            <a:r>
+              <a:rPr lang="ja-JP" altLang="en-US" sz="1800" dirty="0">
+                <a:latin typeface="HG丸ｺﾞｼｯｸM-PRO" panose="020F0600000000000000" pitchFamily="50" charset="-128"/>
+                <a:ea typeface="HG丸ｺﾞｼｯｸM-PRO" panose="020F0600000000000000" pitchFamily="50" charset="-128"/>
+              </a:rPr>
+              <a:t>つのパターンで、</a:t>
+            </a:r>
+            <a:r>
+              <a:rPr lang="en-US" altLang="ja-JP" sz="1800" dirty="0">
+                <a:latin typeface="HG丸ｺﾞｼｯｸM-PRO" panose="020F0600000000000000" pitchFamily="50" charset="-128"/>
+                <a:ea typeface="HG丸ｺﾞｼｯｸM-PRO" panose="020F0600000000000000" pitchFamily="50" charset="-128"/>
+              </a:rPr>
+              <a:t>3</a:t>
+            </a:r>
+            <a:r>
+              <a:rPr lang="ja-JP" altLang="en-US" sz="1800" dirty="0">
+                <a:latin typeface="HG丸ｺﾞｼｯｸM-PRO" panose="020F0600000000000000" pitchFamily="50" charset="-128"/>
+                <a:ea typeface="HG丸ｺﾞｼｯｸM-PRO" panose="020F0600000000000000" pitchFamily="50" charset="-128"/>
+              </a:rPr>
+              <a:t>つのブロックがパターン上に設置される。</a:t>
+            </a:r>
+            <a:r>
+              <a:rPr lang="en-US" altLang="ja-JP" sz="1800" dirty="0">
+                <a:latin typeface="HG丸ｺﾞｼｯｸM-PRO" panose="020F0600000000000000" pitchFamily="50" charset="-128"/>
+                <a:ea typeface="HG丸ｺﾞｼｯｸM-PRO" panose="020F0600000000000000" pitchFamily="50" charset="-128"/>
+              </a:rPr>
+              <a:t>3</a:t>
+            </a:r>
+            <a:r>
+              <a:rPr lang="ja-JP" altLang="en-US" sz="1800" dirty="0">
+                <a:latin typeface="HG丸ｺﾞｼｯｸM-PRO" panose="020F0600000000000000" pitchFamily="50" charset="-128"/>
+                <a:ea typeface="HG丸ｺﾞｼｯｸM-PRO" panose="020F0600000000000000" pitchFamily="50" charset="-128"/>
+              </a:rPr>
+              <a:t>つのブロックの</a:t>
+            </a:r>
+            <a:r>
+              <a:rPr lang="en-US" altLang="ja-JP" sz="1800" dirty="0">
+                <a:latin typeface="HG丸ｺﾞｼｯｸM-PRO" panose="020F0600000000000000" pitchFamily="50" charset="-128"/>
+                <a:ea typeface="HG丸ｺﾞｼｯｸM-PRO" panose="020F0600000000000000" pitchFamily="50" charset="-128"/>
+              </a:rPr>
+              <a:t>2</a:t>
+            </a:r>
+            <a:r>
+              <a:rPr lang="ja-JP" altLang="en-US" sz="1800" dirty="0">
+                <a:latin typeface="HG丸ｺﾞｼｯｸM-PRO" panose="020F0600000000000000" pitchFamily="50" charset="-128"/>
+                <a:ea typeface="HG丸ｺﾞｼｯｸM-PRO" panose="020F0600000000000000" pitchFamily="50" charset="-128"/>
+              </a:rPr>
+              <a:t>つは青で、</a:t>
+            </a:r>
+            <a:r>
+              <a:rPr lang="en-US" altLang="ja-JP" sz="1800" dirty="0">
+                <a:latin typeface="HG丸ｺﾞｼｯｸM-PRO" panose="020F0600000000000000" pitchFamily="50" charset="-128"/>
+                <a:ea typeface="HG丸ｺﾞｼｯｸM-PRO" panose="020F0600000000000000" pitchFamily="50" charset="-128"/>
+              </a:rPr>
+              <a:t>1</a:t>
+            </a:r>
+            <a:r>
+              <a:rPr lang="ja-JP" altLang="en-US" sz="1800" dirty="0">
+                <a:latin typeface="HG丸ｺﾞｼｯｸM-PRO" panose="020F0600000000000000" pitchFamily="50" charset="-128"/>
+                <a:ea typeface="HG丸ｺﾞｼｯｸM-PRO" panose="020F0600000000000000" pitchFamily="50" charset="-128"/>
+              </a:rPr>
+              <a:t>つは赤である。青ブロックを押し出し、赤ブロックをゴールまでもっていくことが求められる。ブロックの配置の組み合わせは上記の組み合わせの中から大会当日に決定される。</a:t>
+            </a:r>
+            <a:endParaRPr lang="en-US" altLang="ja-JP" sz="1800" dirty="0">
+              <a:latin typeface="HG丸ｺﾞｼｯｸM-PRO" panose="020F0600000000000000" pitchFamily="50" charset="-128"/>
+              <a:ea typeface="HG丸ｺﾞｼｯｸM-PRO" panose="020F0600000000000000" pitchFamily="50" charset="-128"/>
+            </a:endParaRPr>
+          </a:p>
+          <a:p>
+            <a:pPr marL="0" indent="0" eaLnBrk="1" hangingPunct="1">
+              <a:lnSpc>
+                <a:spcPct val="80000"/>
+              </a:lnSpc>
+              <a:spcBef>
+                <a:spcPct val="20000"/>
+              </a:spcBef>
+            </a:pPr>
+            <a:r>
+              <a:rPr lang="ja-JP" altLang="en-US" sz="1800" dirty="0">
+                <a:latin typeface="HG丸ｺﾞｼｯｸM-PRO" panose="020F0600000000000000" pitchFamily="50" charset="-128"/>
+                <a:ea typeface="HG丸ｺﾞｼｯｸM-PRO" panose="020F0600000000000000" pitchFamily="50" charset="-128"/>
+              </a:rPr>
+              <a:t>本プログラムでは、あらかじめブロックが置かれる組み合わせに応じて、命令の組み合わせをあらかじめ記述し、それを読み込ませる方式とする。命令の組み合わせはブロックの置き方のパターンが５通り、赤ブロックの場所で３通り、左右のコースで２通りのため、</a:t>
+            </a:r>
+            <a:r>
+              <a:rPr lang="en-US" altLang="ja-JP" sz="1800" dirty="0">
+                <a:latin typeface="HG丸ｺﾞｼｯｸM-PRO" panose="020F0600000000000000" pitchFamily="50" charset="-128"/>
+                <a:ea typeface="HG丸ｺﾞｼｯｸM-PRO" panose="020F0600000000000000" pitchFamily="50" charset="-128"/>
+              </a:rPr>
+              <a:t>5x3x2=30</a:t>
+            </a:r>
+            <a:r>
+              <a:rPr lang="ja-JP" altLang="en-US" sz="1800" dirty="0">
+                <a:latin typeface="HG丸ｺﾞｼｯｸM-PRO" panose="020F0600000000000000" pitchFamily="50" charset="-128"/>
+                <a:ea typeface="HG丸ｺﾞｼｯｸM-PRO" panose="020F0600000000000000" pitchFamily="50" charset="-128"/>
+              </a:rPr>
+              <a:t>通りの命令の組み合わせをあらかじめ作成することができる。この命令の組み合わせは</a:t>
+            </a:r>
+            <a:r>
+              <a:rPr lang="en-US" altLang="ja-JP" sz="1800" dirty="0">
+                <a:latin typeface="HG丸ｺﾞｼｯｸM-PRO" panose="020F0600000000000000" pitchFamily="50" charset="-128"/>
+                <a:ea typeface="HG丸ｺﾞｼｯｸM-PRO" panose="020F0600000000000000" pitchFamily="50" charset="-128"/>
+              </a:rPr>
+              <a:t>EV3</a:t>
+            </a:r>
+            <a:r>
+              <a:rPr lang="ja-JP" altLang="en-US" sz="1800" dirty="0">
+                <a:latin typeface="HG丸ｺﾞｼｯｸM-PRO" panose="020F0600000000000000" pitchFamily="50" charset="-128"/>
+                <a:ea typeface="HG丸ｺﾞｼｯｸM-PRO" panose="020F0600000000000000" pitchFamily="50" charset="-128"/>
+              </a:rPr>
+              <a:t>マイコン本体に備えてある上下左右ボタンを用いて、走行前に読み込ませる。</a:t>
+            </a:r>
+            <a:endParaRPr lang="en-US" altLang="ja-JP" sz="1800" dirty="0">
+              <a:latin typeface="HG丸ｺﾞｼｯｸM-PRO" panose="020F0600000000000000" pitchFamily="50" charset="-128"/>
+              <a:ea typeface="HG丸ｺﾞｼｯｸM-PRO" panose="020F0600000000000000" pitchFamily="50" charset="-128"/>
+            </a:endParaRPr>
+          </a:p>
+          <a:p>
+            <a:pPr marL="0" indent="0" eaLnBrk="1" hangingPunct="1">
+              <a:lnSpc>
+                <a:spcPct val="80000"/>
+              </a:lnSpc>
+              <a:spcBef>
+                <a:spcPct val="20000"/>
+              </a:spcBef>
+            </a:pPr>
+            <a:r>
+              <a:rPr lang="ja-JP" altLang="en-US" sz="1800" dirty="0">
+                <a:latin typeface="HG丸ｺﾞｼｯｸM-PRO" panose="020F0600000000000000" pitchFamily="50" charset="-128"/>
+                <a:ea typeface="HG丸ｺﾞｼｯｸM-PRO" panose="020F0600000000000000" pitchFamily="50" charset="-128"/>
+              </a:rPr>
+              <a:t>以下に命令の組み合わせの例を示す。</a:t>
+            </a:r>
+            <a:endParaRPr lang="en-US" altLang="ja-JP" sz="1800" dirty="0">
+              <a:latin typeface="HG丸ｺﾞｼｯｸM-PRO" panose="020F0600000000000000" pitchFamily="50" charset="-128"/>
+              <a:ea typeface="HG丸ｺﾞｼｯｸM-PRO" panose="020F0600000000000000" pitchFamily="50" charset="-128"/>
+            </a:endParaRPr>
+          </a:p>
+          <a:p>
+            <a:pPr marL="0" indent="0" eaLnBrk="1" hangingPunct="1">
+              <a:lnSpc>
+                <a:spcPct val="80000"/>
+              </a:lnSpc>
+              <a:spcBef>
+                <a:spcPct val="20000"/>
+              </a:spcBef>
+            </a:pPr>
+            <a:endParaRPr lang="en-US" altLang="ja-JP" sz="1800" dirty="0">
+              <a:latin typeface="HG丸ｺﾞｼｯｸM-PRO" panose="020F0600000000000000" pitchFamily="50" charset="-128"/>
+              <a:ea typeface="HG丸ｺﾞｼｯｸM-PRO" panose="020F0600000000000000" pitchFamily="50" charset="-128"/>
+            </a:endParaRPr>
+          </a:p>
+          <a:p>
+            <a:pPr marL="0" indent="0" eaLnBrk="1" hangingPunct="1">
+              <a:lnSpc>
+                <a:spcPct val="80000"/>
+              </a:lnSpc>
+              <a:spcBef>
+                <a:spcPct val="20000"/>
+              </a:spcBef>
+            </a:pPr>
+            <a:endParaRPr lang="en-US" altLang="ja-JP" sz="1800" dirty="0">
+              <a:latin typeface="HG丸ｺﾞｼｯｸM-PRO" panose="020F0600000000000000" pitchFamily="50" charset="-128"/>
+              <a:ea typeface="HG丸ｺﾞｼｯｸM-PRO" panose="020F0600000000000000" pitchFamily="50" charset="-128"/>
+            </a:endParaRPr>
+          </a:p>
+          <a:p>
+            <a:pPr marL="0" indent="0" eaLnBrk="1" hangingPunct="1">
+              <a:lnSpc>
+                <a:spcPct val="80000"/>
+              </a:lnSpc>
+              <a:spcBef>
+                <a:spcPct val="20000"/>
+              </a:spcBef>
+            </a:pPr>
+            <a:endParaRPr lang="en-US" altLang="ja-JP" sz="1800" dirty="0">
+              <a:latin typeface="HG丸ｺﾞｼｯｸM-PRO" panose="020F0600000000000000" pitchFamily="50" charset="-128"/>
+              <a:ea typeface="HG丸ｺﾞｼｯｸM-PRO" panose="020F0600000000000000" pitchFamily="50" charset="-128"/>
+            </a:endParaRPr>
+          </a:p>
+          <a:p>
+            <a:pPr marL="0" indent="0" eaLnBrk="1" hangingPunct="1">
+              <a:lnSpc>
+                <a:spcPct val="80000"/>
+              </a:lnSpc>
+              <a:spcBef>
+                <a:spcPct val="20000"/>
+              </a:spcBef>
+            </a:pPr>
+            <a:endParaRPr lang="en-US" altLang="ja-JP" sz="1800" dirty="0">
+              <a:latin typeface="HG丸ｺﾞｼｯｸM-PRO" panose="020F0600000000000000" pitchFamily="50" charset="-128"/>
+              <a:ea typeface="HG丸ｺﾞｼｯｸM-PRO" panose="020F0600000000000000" pitchFamily="50" charset="-128"/>
+            </a:endParaRPr>
+          </a:p>
+          <a:p>
+            <a:pPr marL="0" indent="0" eaLnBrk="1" hangingPunct="1">
+              <a:lnSpc>
+                <a:spcPct val="80000"/>
+              </a:lnSpc>
+              <a:spcBef>
+                <a:spcPct val="20000"/>
+              </a:spcBef>
+            </a:pPr>
+            <a:endParaRPr lang="en-US" altLang="ja-JP" sz="1800" dirty="0">
+              <a:latin typeface="HG丸ｺﾞｼｯｸM-PRO" panose="020F0600000000000000" pitchFamily="50" charset="-128"/>
+              <a:ea typeface="HG丸ｺﾞｼｯｸM-PRO" panose="020F0600000000000000" pitchFamily="50" charset="-128"/>
+            </a:endParaRPr>
+          </a:p>
+          <a:p>
+            <a:pPr marL="0" indent="0" eaLnBrk="1" hangingPunct="1">
+              <a:lnSpc>
+                <a:spcPct val="80000"/>
+              </a:lnSpc>
+              <a:spcBef>
+                <a:spcPct val="20000"/>
+              </a:spcBef>
+            </a:pPr>
+            <a:endParaRPr lang="en-US" altLang="ja-JP" sz="1800" dirty="0">
+              <a:latin typeface="HG丸ｺﾞｼｯｸM-PRO" panose="020F0600000000000000" pitchFamily="50" charset="-128"/>
+              <a:ea typeface="HG丸ｺﾞｼｯｸM-PRO" panose="020F0600000000000000" pitchFamily="50" charset="-128"/>
+            </a:endParaRPr>
+          </a:p>
+          <a:p>
+            <a:pPr marL="0" indent="0" eaLnBrk="1" hangingPunct="1">
+              <a:lnSpc>
+                <a:spcPct val="80000"/>
+              </a:lnSpc>
+              <a:spcBef>
+                <a:spcPct val="20000"/>
+              </a:spcBef>
+            </a:pPr>
+            <a:endParaRPr lang="en-US" altLang="ja-JP" sz="1800" dirty="0">
+              <a:latin typeface="HG丸ｺﾞｼｯｸM-PRO" panose="020F0600000000000000" pitchFamily="50" charset="-128"/>
+              <a:ea typeface="HG丸ｺﾞｼｯｸM-PRO" panose="020F0600000000000000" pitchFamily="50" charset="-128"/>
+            </a:endParaRPr>
+          </a:p>
+          <a:p>
+            <a:pPr marL="0" indent="0" eaLnBrk="1" hangingPunct="1">
+              <a:lnSpc>
+                <a:spcPct val="80000"/>
+              </a:lnSpc>
+              <a:spcBef>
+                <a:spcPct val="20000"/>
+              </a:spcBef>
+            </a:pPr>
+            <a:endParaRPr lang="en-US" altLang="ja-JP" sz="1800" dirty="0">
+              <a:latin typeface="HG丸ｺﾞｼｯｸM-PRO" panose="020F0600000000000000" pitchFamily="50" charset="-128"/>
+              <a:ea typeface="HG丸ｺﾞｼｯｸM-PRO" panose="020F0600000000000000" pitchFamily="50" charset="-128"/>
+            </a:endParaRPr>
+          </a:p>
+          <a:p>
+            <a:pPr marL="0" indent="0" eaLnBrk="1" hangingPunct="1">
+              <a:lnSpc>
+                <a:spcPct val="80000"/>
+              </a:lnSpc>
+              <a:spcBef>
+                <a:spcPct val="20000"/>
+              </a:spcBef>
+            </a:pPr>
+            <a:r>
+              <a:rPr lang="ja-JP" altLang="en-US" sz="1800" dirty="0">
+                <a:latin typeface="HG丸ｺﾞｼｯｸM-PRO" panose="020F0600000000000000" pitchFamily="50" charset="-128"/>
+                <a:ea typeface="HG丸ｺﾞｼｯｸM-PRO" panose="020F0600000000000000" pitchFamily="50" charset="-128"/>
+              </a:rPr>
+              <a:t>この方式の利点として、無駄なパターンを経由しないことやブロックを読み込まないことでマトリクスの攻略の高速化が行える。そのため、マトリクス間のノードのライントレースやブロックの押し出し、保持を高精度で行えるよう低速で実行することができる。</a:t>
+            </a:r>
+            <a:endParaRPr lang="en-US" altLang="ja-JP" sz="1800" dirty="0">
+              <a:latin typeface="HG丸ｺﾞｼｯｸM-PRO" panose="020F0600000000000000" pitchFamily="50" charset="-128"/>
+              <a:ea typeface="HG丸ｺﾞｼｯｸM-PRO" panose="020F0600000000000000" pitchFamily="50" charset="-128"/>
+            </a:endParaRPr>
+          </a:p>
+          <a:p>
+            <a:pPr marL="0" indent="0" eaLnBrk="1" hangingPunct="1">
+              <a:lnSpc>
+                <a:spcPct val="80000"/>
+              </a:lnSpc>
+              <a:spcBef>
+                <a:spcPct val="20000"/>
+              </a:spcBef>
+            </a:pPr>
+            <a:endParaRPr lang="ja-JP" altLang="en-US" sz="1800" dirty="0">
+              <a:latin typeface="HG丸ｺﾞｼｯｸM-PRO" panose="020F0600000000000000" pitchFamily="50" charset="-128"/>
+              <a:ea typeface="HG丸ｺﾞｼｯｸM-PRO" panose="020F0600000000000000" pitchFamily="50" charset="-128"/>
+            </a:endParaRPr>
           </a:p>
         </p:txBody>
       </p:sp>
+      <p:sp>
+        <p:nvSpPr>
+          <p:cNvPr id="18" name="Rectangle 3">
+            <a:extLst>
+              <a:ext uri="{FF2B5EF4-FFF2-40B4-BE49-F238E27FC236}">
+                <a16:creationId xmlns:a16="http://schemas.microsoft.com/office/drawing/2014/main" id="{C94F9FC9-983D-6341-84E1-6185BB35C52E}"/>
+              </a:ext>
+            </a:extLst>
+          </p:cNvPr>
+          <p:cNvSpPr>
+            <a:spLocks noChangeArrowheads="1"/>
+          </p:cNvSpPr>
+          <p:nvPr/>
+        </p:nvSpPr>
+        <p:spPr bwMode="auto">
+          <a:xfrm>
+            <a:off x="214860" y="8292259"/>
+            <a:ext cx="7104254" cy="2088232"/>
+          </a:xfrm>
+          <a:prstGeom prst="rect">
+            <a:avLst/>
+          </a:prstGeom>
+          <a:noFill/>
+          <a:ln w="9525">
+            <a:solidFill>
+              <a:schemeClr val="accent6">
+                <a:lumMod val="75000"/>
+              </a:schemeClr>
+            </a:solidFill>
+            <a:miter lim="800000"/>
+            <a:headEnd/>
+            <a:tailEnd/>
+          </a:ln>
+          <a:extLst>
+            <a:ext uri="{909E8E84-426E-40DD-AFC4-6F175D3DCCD1}">
+              <a14:hiddenFill xmlns:a14="http://schemas.microsoft.com/office/drawing/2010/main">
+                <a:solidFill>
+                  <a:srgbClr val="FFFFFF"/>
+                </a:solidFill>
+              </a14:hiddenFill>
+            </a:ext>
+          </a:extLst>
+        </p:spPr>
+        <p:txBody>
+          <a:bodyPr lIns="120687" tIns="60343" rIns="120687" bIns="60343"/>
+          <a:lstStyle>
+            <a:lvl1pPr marL="481013" indent="-481013" defTabSz="1279525" eaLnBrk="0" hangingPunct="0">
+              <a:defRPr kumimoji="1" sz="1600">
+                <a:solidFill>
+                  <a:schemeClr val="tx1"/>
+                </a:solidFill>
+                <a:latin typeface="Times New Roman" panose="02020603050405020304" pitchFamily="18" charset="0"/>
+                <a:ea typeface="ＭＳ Ｐゴシック" panose="020B0600070205080204" pitchFamily="34" charset="-128"/>
+              </a:defRPr>
+            </a:lvl1pPr>
+            <a:lvl2pPr marL="742950" indent="-285750" defTabSz="1279525" eaLnBrk="0" hangingPunct="0">
+              <a:defRPr kumimoji="1" sz="1600">
+                <a:solidFill>
+                  <a:schemeClr val="tx1"/>
+                </a:solidFill>
+                <a:latin typeface="Times New Roman" panose="02020603050405020304" pitchFamily="18" charset="0"/>
+                <a:ea typeface="ＭＳ Ｐゴシック" panose="020B0600070205080204" pitchFamily="34" charset="-128"/>
+              </a:defRPr>
+            </a:lvl2pPr>
+            <a:lvl3pPr marL="1143000" indent="-228600" defTabSz="1279525" eaLnBrk="0" hangingPunct="0">
+              <a:defRPr kumimoji="1" sz="1600">
+                <a:solidFill>
+                  <a:schemeClr val="tx1"/>
+                </a:solidFill>
+                <a:latin typeface="Times New Roman" panose="02020603050405020304" pitchFamily="18" charset="0"/>
+                <a:ea typeface="ＭＳ Ｐゴシック" panose="020B0600070205080204" pitchFamily="34" charset="-128"/>
+              </a:defRPr>
+            </a:lvl3pPr>
+            <a:lvl4pPr marL="1600200" indent="-228600" defTabSz="1279525" eaLnBrk="0" hangingPunct="0">
+              <a:defRPr kumimoji="1" sz="1600">
+                <a:solidFill>
+                  <a:schemeClr val="tx1"/>
+                </a:solidFill>
+                <a:latin typeface="Times New Roman" panose="02020603050405020304" pitchFamily="18" charset="0"/>
+                <a:ea typeface="ＭＳ Ｐゴシック" panose="020B0600070205080204" pitchFamily="34" charset="-128"/>
+              </a:defRPr>
+            </a:lvl4pPr>
+            <a:lvl5pPr marL="2057400" indent="-228600" defTabSz="1279525" eaLnBrk="0" hangingPunct="0">
+              <a:defRPr kumimoji="1" sz="1600">
+                <a:solidFill>
+                  <a:schemeClr val="tx1"/>
+                </a:solidFill>
+                <a:latin typeface="Times New Roman" panose="02020603050405020304" pitchFamily="18" charset="0"/>
+                <a:ea typeface="ＭＳ Ｐゴシック" panose="020B0600070205080204" pitchFamily="34" charset="-128"/>
+              </a:defRPr>
+            </a:lvl5pPr>
+            <a:lvl6pPr marL="2514600" indent="-228600" defTabSz="1279525" eaLnBrk="0" fontAlgn="base" hangingPunct="0">
+              <a:spcBef>
+                <a:spcPct val="0"/>
+              </a:spcBef>
+              <a:spcAft>
+                <a:spcPct val="0"/>
+              </a:spcAft>
+              <a:defRPr kumimoji="1" sz="1600">
+                <a:solidFill>
+                  <a:schemeClr val="tx1"/>
+                </a:solidFill>
+                <a:latin typeface="Times New Roman" panose="02020603050405020304" pitchFamily="18" charset="0"/>
+                <a:ea typeface="ＭＳ Ｐゴシック" panose="020B0600070205080204" pitchFamily="34" charset="-128"/>
+              </a:defRPr>
+            </a:lvl6pPr>
+            <a:lvl7pPr marL="2971800" indent="-228600" defTabSz="1279525" eaLnBrk="0" fontAlgn="base" hangingPunct="0">
+              <a:spcBef>
+                <a:spcPct val="0"/>
+              </a:spcBef>
+              <a:spcAft>
+                <a:spcPct val="0"/>
+              </a:spcAft>
+              <a:defRPr kumimoji="1" sz="1600">
+                <a:solidFill>
+                  <a:schemeClr val="tx1"/>
+                </a:solidFill>
+                <a:latin typeface="Times New Roman" panose="02020603050405020304" pitchFamily="18" charset="0"/>
+                <a:ea typeface="ＭＳ Ｐゴシック" panose="020B0600070205080204" pitchFamily="34" charset="-128"/>
+              </a:defRPr>
+            </a:lvl7pPr>
+            <a:lvl8pPr marL="3429000" indent="-228600" defTabSz="1279525" eaLnBrk="0" fontAlgn="base" hangingPunct="0">
+              <a:spcBef>
+                <a:spcPct val="0"/>
+              </a:spcBef>
+              <a:spcAft>
+                <a:spcPct val="0"/>
+              </a:spcAft>
+              <a:defRPr kumimoji="1" sz="1600">
+                <a:solidFill>
+                  <a:schemeClr val="tx1"/>
+                </a:solidFill>
+                <a:latin typeface="Times New Roman" panose="02020603050405020304" pitchFamily="18" charset="0"/>
+                <a:ea typeface="ＭＳ Ｐゴシック" panose="020B0600070205080204" pitchFamily="34" charset="-128"/>
+              </a:defRPr>
+            </a:lvl8pPr>
+            <a:lvl9pPr marL="3886200" indent="-228600" defTabSz="1279525" eaLnBrk="0" fontAlgn="base" hangingPunct="0">
+              <a:spcBef>
+                <a:spcPct val="0"/>
+              </a:spcBef>
+              <a:spcAft>
+                <a:spcPct val="0"/>
+              </a:spcAft>
+              <a:defRPr kumimoji="1" sz="1600">
+                <a:solidFill>
+                  <a:schemeClr val="tx1"/>
+                </a:solidFill>
+                <a:latin typeface="Times New Roman" panose="02020603050405020304" pitchFamily="18" charset="0"/>
+                <a:ea typeface="ＭＳ Ｐゴシック" panose="020B0600070205080204" pitchFamily="34" charset="-128"/>
+              </a:defRPr>
+            </a:lvl9pPr>
+          </a:lstStyle>
+          <a:p>
+            <a:pPr marL="0" indent="0" eaLnBrk="1" hangingPunct="1">
+              <a:lnSpc>
+                <a:spcPct val="80000"/>
+              </a:lnSpc>
+              <a:spcBef>
+                <a:spcPts val="668"/>
+              </a:spcBef>
+            </a:pPr>
+            <a:r>
+              <a:rPr lang="ja-JP" altLang="en-US" sz="2400" dirty="0">
+                <a:latin typeface="HG丸ｺﾞｼｯｸM-PRO" panose="020F0600000000000000" pitchFamily="50" charset="-128"/>
+                <a:ea typeface="HG丸ｺﾞｼｯｸM-PRO" panose="020F0600000000000000" pitchFamily="50" charset="-128"/>
+              </a:rPr>
+              <a:t>マトリクス進行の流れ　ステートマシン図</a:t>
+            </a:r>
+            <a:endParaRPr lang="en-US" altLang="ja-JP" sz="2400" dirty="0">
+              <a:latin typeface="HG丸ｺﾞｼｯｸM-PRO" panose="020F0600000000000000" pitchFamily="50" charset="-128"/>
+              <a:ea typeface="HG丸ｺﾞｼｯｸM-PRO" panose="020F0600000000000000" pitchFamily="50" charset="-128"/>
+            </a:endParaRPr>
+          </a:p>
+          <a:p>
+            <a:pPr marL="0" indent="0" eaLnBrk="1" hangingPunct="1">
+              <a:lnSpc>
+                <a:spcPct val="80000"/>
+              </a:lnSpc>
+              <a:spcBef>
+                <a:spcPts val="668"/>
+              </a:spcBef>
+            </a:pPr>
+            <a:r>
+              <a:rPr lang="ja-JP" altLang="en-US" sz="1800" dirty="0">
+                <a:latin typeface="HG丸ｺﾞｼｯｸM-PRO" panose="020F0600000000000000" pitchFamily="50" charset="-128"/>
+                <a:ea typeface="HG丸ｺﾞｼｯｸM-PRO" panose="020F0600000000000000" pitchFamily="50" charset="-128"/>
+              </a:rPr>
+              <a:t>マトリクス進行の流れをステートマシン図として以下に示す。前半のライントレースは赤いパターンで認識で判定される。判定後、マトリクス開始位置移動状態に遷移する。マトリクス開始位置とは、青に隣接する外側の赤パターンである。この位置の判定によってマトリクス走査状態に入る。マトリクス走査状態は右のステートマシン図に示す。マトリクス走査状態は赤ブロック保持命令実行終了で終了し、ゴール位置移動状態に入る。</a:t>
+            </a:r>
+            <a:endParaRPr lang="en-US" altLang="ja-JP" sz="1800" dirty="0">
+              <a:latin typeface="HG丸ｺﾞｼｯｸM-PRO" panose="020F0600000000000000" pitchFamily="50" charset="-128"/>
+              <a:ea typeface="HG丸ｺﾞｼｯｸM-PRO" panose="020F0600000000000000" pitchFamily="50" charset="-128"/>
+            </a:endParaRPr>
+          </a:p>
+          <a:p>
+            <a:pPr marL="0" indent="0" eaLnBrk="1" hangingPunct="1">
+              <a:lnSpc>
+                <a:spcPct val="80000"/>
+              </a:lnSpc>
+              <a:spcBef>
+                <a:spcPts val="668"/>
+              </a:spcBef>
+            </a:pPr>
+            <a:endParaRPr lang="ja-JP" altLang="en-US" sz="2000" dirty="0">
+              <a:latin typeface="HG丸ｺﾞｼｯｸM-PRO" panose="020F0600000000000000" pitchFamily="50" charset="-128"/>
+              <a:ea typeface="HG丸ｺﾞｼｯｸM-PRO" panose="020F0600000000000000" pitchFamily="50" charset="-128"/>
+            </a:endParaRPr>
+          </a:p>
+          <a:p>
+            <a:pPr marL="0" indent="0" eaLnBrk="1" hangingPunct="1">
+              <a:lnSpc>
+                <a:spcPct val="80000"/>
+              </a:lnSpc>
+              <a:spcBef>
+                <a:spcPct val="20000"/>
+              </a:spcBef>
+            </a:pPr>
+            <a:endParaRPr lang="en-US" altLang="ja-JP" sz="2004" dirty="0">
+              <a:latin typeface="HG丸ｺﾞｼｯｸM-PRO" panose="020F0600000000000000" pitchFamily="50" charset="-128"/>
+              <a:ea typeface="HG丸ｺﾞｼｯｸM-PRO" panose="020F0600000000000000" pitchFamily="50" charset="-128"/>
+            </a:endParaRPr>
+          </a:p>
+          <a:p>
+            <a:pPr marL="0" indent="0" eaLnBrk="1" hangingPunct="1">
+              <a:lnSpc>
+                <a:spcPct val="80000"/>
+              </a:lnSpc>
+              <a:spcBef>
+                <a:spcPct val="20000"/>
+              </a:spcBef>
+            </a:pPr>
+            <a:endParaRPr lang="en-US" altLang="ja-JP" sz="2004" dirty="0">
+              <a:latin typeface="HG丸ｺﾞｼｯｸM-PRO" panose="020F0600000000000000" pitchFamily="50" charset="-128"/>
+              <a:ea typeface="HG丸ｺﾞｼｯｸM-PRO" panose="020F0600000000000000" pitchFamily="50" charset="-128"/>
+            </a:endParaRPr>
+          </a:p>
+        </p:txBody>
+      </p:sp>
+      <p:pic>
+        <p:nvPicPr>
+          <p:cNvPr id="11" name="図 10">
+            <a:extLst>
+              <a:ext uri="{FF2B5EF4-FFF2-40B4-BE49-F238E27FC236}">
+                <a16:creationId xmlns:a16="http://schemas.microsoft.com/office/drawing/2014/main" id="{8917870A-BD70-93DF-C1D9-D916CAD9A1A3}"/>
+              </a:ext>
+            </a:extLst>
+          </p:cNvPr>
+          <p:cNvPicPr>
+            <a:picLocks noChangeAspect="1"/>
+          </p:cNvPicPr>
+          <p:nvPr/>
+        </p:nvPicPr>
+        <p:blipFill>
+          <a:blip r:embed="rId2"/>
+          <a:stretch>
+            <a:fillRect/>
+          </a:stretch>
+        </p:blipFill>
+        <p:spPr>
+          <a:xfrm>
+            <a:off x="8423771" y="213887"/>
+            <a:ext cx="5256584" cy="3926109"/>
+          </a:xfrm>
+          <a:prstGeom prst="rect">
+            <a:avLst/>
+          </a:prstGeom>
+        </p:spPr>
+      </p:pic>
+      <p:pic>
+        <p:nvPicPr>
+          <p:cNvPr id="12" name="図 11">
+            <a:extLst>
+              <a:ext uri="{FF2B5EF4-FFF2-40B4-BE49-F238E27FC236}">
+                <a16:creationId xmlns:a16="http://schemas.microsoft.com/office/drawing/2014/main" id="{7AE492E2-A05D-86E3-9738-2B3D80BBB6C0}"/>
+              </a:ext>
+            </a:extLst>
+          </p:cNvPr>
+          <p:cNvPicPr>
+            <a:picLocks noChangeAspect="1"/>
+          </p:cNvPicPr>
+          <p:nvPr/>
+        </p:nvPicPr>
+        <p:blipFill>
+          <a:blip r:embed="rId3"/>
+          <a:stretch>
+            <a:fillRect/>
+          </a:stretch>
+        </p:blipFill>
+        <p:spPr>
+          <a:xfrm>
+            <a:off x="8107881" y="6137994"/>
+            <a:ext cx="6248400" cy="4162044"/>
+          </a:xfrm>
+          <a:prstGeom prst="rect">
+            <a:avLst/>
+          </a:prstGeom>
+        </p:spPr>
+      </p:pic>
+      <p:graphicFrame>
+        <p:nvGraphicFramePr>
+          <p:cNvPr id="20" name="表 20">
+            <a:extLst>
+              <a:ext uri="{FF2B5EF4-FFF2-40B4-BE49-F238E27FC236}">
+                <a16:creationId xmlns:a16="http://schemas.microsoft.com/office/drawing/2014/main" id="{804E7C44-B900-1CB1-8894-69CB4AC501EE}"/>
+              </a:ext>
+            </a:extLst>
+          </p:cNvPr>
+          <p:cNvGraphicFramePr>
+            <a:graphicFrameLocks noGrp="1"/>
+          </p:cNvGraphicFramePr>
+          <p:nvPr>
+            <p:extLst/>
+          </p:nvPr>
+        </p:nvGraphicFramePr>
+        <p:xfrm>
+          <a:off x="502892" y="4523854"/>
+          <a:ext cx="6624736" cy="1798320"/>
+        </p:xfrm>
+        <a:graphic>
+          <a:graphicData uri="http://schemas.openxmlformats.org/drawingml/2006/table">
+            <a:tbl>
+              <a:tblPr firstRow="1" bandRow="1">
+                <a:tableStyleId>{5940675A-B579-460E-94D1-54222C63F5DA}</a:tableStyleId>
+              </a:tblPr>
+              <a:tblGrid>
+                <a:gridCol w="6624736">
+                  <a:extLst>
+                    <a:ext uri="{9D8B030D-6E8A-4147-A177-3AD203B41FA5}">
+                      <a16:colId xmlns:a16="http://schemas.microsoft.com/office/drawing/2014/main" val="502906895"/>
+                    </a:ext>
+                  </a:extLst>
+                </a:gridCol>
+              </a:tblGrid>
+              <a:tr h="1686148">
+                <a:tc>
+                  <a:txBody>
+                    <a:bodyPr/>
+                    <a:lstStyle/>
+                    <a:p>
+                      <a:r>
+                        <a:rPr kumimoji="1" lang="en-US" altLang="ja-JP" sz="1600" dirty="0">
+                          <a:latin typeface="Consolas" panose="020B0609020204030204" pitchFamily="49" charset="0"/>
+                        </a:rPr>
+                        <a:t>int </a:t>
+                      </a:r>
+                      <a:r>
+                        <a:rPr kumimoji="1" lang="en-US" altLang="ja-JP" sz="1600" dirty="0" err="1">
+                          <a:latin typeface="Consolas" panose="020B0609020204030204" pitchFamily="49" charset="0"/>
+                        </a:rPr>
+                        <a:t>matrix_order</a:t>
+                      </a:r>
+                      <a:r>
+                        <a:rPr kumimoji="1" lang="en-US" altLang="ja-JP" sz="1600" dirty="0">
+                          <a:latin typeface="Consolas" panose="020B0609020204030204" pitchFamily="49" charset="0"/>
+                        </a:rPr>
+                        <a:t>[]={</a:t>
+                      </a:r>
+                      <a:r>
+                        <a:rPr kumimoji="1" lang="en-US" altLang="ja-JP" sz="1600" dirty="0" err="1">
+                          <a:latin typeface="Consolas" panose="020B0609020204030204" pitchFamily="49" charset="0"/>
+                        </a:rPr>
+                        <a:t>move_forward</a:t>
+                      </a:r>
+                      <a:r>
+                        <a:rPr kumimoji="1" lang="en-US" altLang="ja-JP" sz="1600" dirty="0">
+                          <a:latin typeface="Consolas" panose="020B0609020204030204" pitchFamily="49" charset="0"/>
+                        </a:rPr>
+                        <a:t>,</a:t>
+                      </a:r>
+                    </a:p>
+                    <a:p>
+                      <a:r>
+                        <a:rPr kumimoji="1" lang="en-US" altLang="ja-JP" sz="1600" dirty="0">
+                          <a:latin typeface="Consolas" panose="020B0609020204030204" pitchFamily="49" charset="0"/>
+                        </a:rPr>
+                        <a:t>                    </a:t>
+                      </a:r>
+                      <a:r>
+                        <a:rPr kumimoji="1" lang="en-US" altLang="ja-JP" sz="1600" dirty="0" err="1">
+                          <a:latin typeface="Consolas" panose="020B0609020204030204" pitchFamily="49" charset="0"/>
+                        </a:rPr>
+                        <a:t>move_forward</a:t>
+                      </a:r>
+                      <a:r>
+                        <a:rPr kumimoji="1" lang="en-US" altLang="ja-JP" sz="1600" dirty="0">
+                          <a:latin typeface="Consolas" panose="020B0609020204030204" pitchFamily="49" charset="0"/>
+                        </a:rPr>
+                        <a:t>,</a:t>
+                      </a:r>
+                    </a:p>
+                    <a:p>
+                      <a:r>
+                        <a:rPr kumimoji="1" lang="en-US" altLang="ja-JP" sz="1600" dirty="0">
+                          <a:latin typeface="Consolas" panose="020B0609020204030204" pitchFamily="49" charset="0"/>
+                        </a:rPr>
+                        <a:t>                    </a:t>
+                      </a:r>
+                      <a:r>
+                        <a:rPr kumimoji="1" lang="en-US" altLang="ja-JP" sz="1600" dirty="0" err="1">
+                          <a:latin typeface="Consolas" panose="020B0609020204030204" pitchFamily="49" charset="0"/>
+                        </a:rPr>
+                        <a:t>push_blue_block</a:t>
+                      </a:r>
+                      <a:r>
+                        <a:rPr kumimoji="1" lang="en-US" altLang="ja-JP" sz="1600" dirty="0">
+                          <a:latin typeface="Consolas" panose="020B0609020204030204" pitchFamily="49" charset="0"/>
+                        </a:rPr>
+                        <a:t>,</a:t>
+                      </a:r>
+                    </a:p>
+                    <a:p>
+                      <a:r>
+                        <a:rPr kumimoji="1" lang="en-US" altLang="ja-JP" sz="1600" dirty="0">
+                          <a:latin typeface="Consolas" panose="020B0609020204030204" pitchFamily="49" charset="0"/>
+                        </a:rPr>
+                        <a:t>                    </a:t>
+                      </a:r>
+                      <a:r>
+                        <a:rPr kumimoji="1" lang="en-US" altLang="ja-JP" sz="1600" dirty="0" err="1">
+                          <a:latin typeface="Consolas" panose="020B0609020204030204" pitchFamily="49" charset="0"/>
+                        </a:rPr>
+                        <a:t>turn_right</a:t>
+                      </a:r>
+                      <a:r>
+                        <a:rPr kumimoji="1" lang="en-US" altLang="ja-JP" sz="1600" dirty="0">
+                          <a:latin typeface="Consolas" panose="020B0609020204030204" pitchFamily="49" charset="0"/>
+                        </a:rPr>
+                        <a:t>,</a:t>
+                      </a:r>
+                    </a:p>
+                    <a:p>
+                      <a:r>
+                        <a:rPr kumimoji="1" lang="en-US" altLang="ja-JP" sz="1600" dirty="0">
+                          <a:latin typeface="Consolas" panose="020B0609020204030204" pitchFamily="49" charset="0"/>
+                        </a:rPr>
+                        <a:t>                    </a:t>
+                      </a:r>
+                      <a:r>
+                        <a:rPr kumimoji="1" lang="en-US" altLang="ja-JP" sz="1600" dirty="0" err="1">
+                          <a:latin typeface="Consolas" panose="020B0609020204030204" pitchFamily="49" charset="0"/>
+                        </a:rPr>
+                        <a:t>move_forward</a:t>
+                      </a:r>
+                      <a:r>
+                        <a:rPr kumimoji="1" lang="en-US" altLang="ja-JP" sz="1600" dirty="0">
+                          <a:latin typeface="Consolas" panose="020B0609020204030204" pitchFamily="49" charset="0"/>
+                        </a:rPr>
+                        <a:t>,</a:t>
+                      </a:r>
+                    </a:p>
+                    <a:p>
+                      <a:r>
+                        <a:rPr kumimoji="1" lang="en-US" altLang="ja-JP" sz="1600" dirty="0">
+                          <a:latin typeface="Consolas" panose="020B0609020204030204" pitchFamily="49" charset="0"/>
+                        </a:rPr>
+                        <a:t>                    </a:t>
+                      </a:r>
+                      <a:r>
+                        <a:rPr kumimoji="1" lang="en-US" altLang="ja-JP" sz="1600" dirty="0" err="1">
+                          <a:latin typeface="Consolas" panose="020B0609020204030204" pitchFamily="49" charset="0"/>
+                        </a:rPr>
+                        <a:t>turn_right</a:t>
+                      </a:r>
+                      <a:r>
+                        <a:rPr kumimoji="1" lang="en-US" altLang="ja-JP" sz="1600" dirty="0">
+                          <a:latin typeface="Consolas" panose="020B0609020204030204" pitchFamily="49" charset="0"/>
+                        </a:rPr>
+                        <a:t>,</a:t>
+                      </a:r>
+                    </a:p>
+                    <a:p>
+                      <a:r>
+                        <a:rPr kumimoji="1" lang="en-US" altLang="ja-JP" sz="1600" dirty="0">
+                          <a:latin typeface="Consolas" panose="020B0609020204030204" pitchFamily="49" charset="0"/>
+                        </a:rPr>
+                        <a:t>***</a:t>
+                      </a:r>
+                    </a:p>
+                  </a:txBody>
+                  <a:tcPr/>
+                </a:tc>
+                <a:extLst>
+                  <a:ext uri="{0D108BD9-81ED-4DB2-BD59-A6C34878D82A}">
+                    <a16:rowId xmlns:a16="http://schemas.microsoft.com/office/drawing/2014/main" val="219639150"/>
+                  </a:ext>
+                </a:extLst>
+              </a:tr>
+            </a:tbl>
+          </a:graphicData>
+        </a:graphic>
+      </p:graphicFrame>
     </p:spTree>
     <p:extLst>
       <p:ext uri="{BB962C8B-B14F-4D97-AF65-F5344CB8AC3E}">
-        <p14:creationId xmlns:p14="http://schemas.microsoft.com/office/powerpoint/2010/main" val="1167203408"/>
+        <p14:creationId xmlns:p14="http://schemas.microsoft.com/office/powerpoint/2010/main" val="3923744331"/>
       </p:ext>
     </p:extLst>
   </p:cSld>
@@ -8569,34 +9743,10 @@
                 <a:spcPts val="668"/>
               </a:spcBef>
             </a:pPr>
-            <a:r>
-              <a:rPr lang="ja-JP" altLang="en-US" sz="2400" dirty="0">
-                <a:latin typeface="HG丸ｺﾞｼｯｸM-PRO" panose="020F0600000000000000" pitchFamily="50" charset="-128"/>
-                <a:ea typeface="HG丸ｺﾞｼｯｸM-PRO" panose="020F0600000000000000" pitchFamily="50" charset="-128"/>
-              </a:rPr>
-              <a:t>マトリクス走査状態　ステートマシン図</a:t>
-            </a:r>
-            <a:endParaRPr lang="en-US" altLang="ja-JP" sz="2400" dirty="0">
+            <a:endParaRPr lang="ja-JP" altLang="en-US" sz="1800" dirty="0">
               <a:latin typeface="HG丸ｺﾞｼｯｸM-PRO" panose="020F0600000000000000" pitchFamily="50" charset="-128"/>
               <a:ea typeface="HG丸ｺﾞｼｯｸM-PRO" panose="020F0600000000000000" pitchFamily="50" charset="-128"/>
             </a:endParaRPr>
-          </a:p>
-          <a:p>
-            <a:pPr marL="0" indent="0" eaLnBrk="1" hangingPunct="1">
-              <a:lnSpc>
-                <a:spcPct val="80000"/>
-              </a:lnSpc>
-              <a:spcBef>
-                <a:spcPts val="668"/>
-              </a:spcBef>
-            </a:pPr>
-            <a:r>
-              <a:rPr lang="ja-JP" altLang="en-US" sz="1800" dirty="0">
-                <a:latin typeface="HG丸ｺﾞｼｯｸM-PRO" panose="020F0600000000000000" pitchFamily="50" charset="-128"/>
-                <a:ea typeface="HG丸ｺﾞｼｯｸM-PRO" panose="020F0600000000000000" pitchFamily="50" charset="-128"/>
-              </a:rPr>
-              <a:t>マトリクス走査状態の詳述したステートマシン図を以下に示す。本プログラムではブロックの配置ごとに用意された命令の配列を実行して、マトリクスを走査する。マトリクスの赤、青、黄、緑パターンの直上で命令を評価する。命令は前進命令、右旋回命令、左旋回命令、青ブロック押し出し命令、赤ブロック取得命令で構成される。マトリクス上の各パターンの上でそれぞれの命令が実行される。</a:t>
-            </a:r>
           </a:p>
         </p:txBody>
       </p:sp>
@@ -8616,8 +9766,8 @@
         </p:nvSpPr>
         <p:spPr bwMode="auto">
           <a:xfrm>
-            <a:off x="214860" y="311322"/>
-            <a:ext cx="7104254" cy="2874344"/>
+            <a:off x="214860" y="295988"/>
+            <a:ext cx="7104254" cy="4833893"/>
           </a:xfrm>
           <a:prstGeom prst="rect">
             <a:avLst/>
@@ -8766,369 +9916,9 @@
                 <a:latin typeface="HG丸ｺﾞｼｯｸM-PRO" panose="020F0600000000000000" pitchFamily="50" charset="-128"/>
                 <a:ea typeface="HG丸ｺﾞｼｯｸM-PRO" panose="020F0600000000000000" pitchFamily="50" charset="-128"/>
               </a:rPr>
-              <a:t>ブロック　</a:t>
-            </a:r>
-            <a:r>
-              <a:rPr lang="en-US" altLang="ja-JP" sz="2400" dirty="0">
-                <a:latin typeface="HG丸ｺﾞｼｯｸM-PRO" panose="020F0600000000000000" pitchFamily="50" charset="-128"/>
-                <a:ea typeface="HG丸ｺﾞｼｯｸM-PRO" panose="020F0600000000000000" pitchFamily="50" charset="-128"/>
-              </a:rPr>
-              <a:t>de</a:t>
-            </a:r>
-            <a:r>
-              <a:rPr lang="ja-JP" altLang="en-US" sz="2400" dirty="0">
-                <a:latin typeface="HG丸ｺﾞｼｯｸM-PRO" panose="020F0600000000000000" pitchFamily="50" charset="-128"/>
-                <a:ea typeface="HG丸ｺﾞｼｯｸM-PRO" panose="020F0600000000000000" pitchFamily="50" charset="-128"/>
-              </a:rPr>
-              <a:t>　トレジャーハンター　要件分析</a:t>
+              <a:t>マトリクス走査処理　シーケンス図</a:t>
             </a:r>
             <a:endParaRPr lang="en-US" altLang="ja-JP" sz="2400" dirty="0">
-              <a:latin typeface="HG丸ｺﾞｼｯｸM-PRO" panose="020F0600000000000000" pitchFamily="50" charset="-128"/>
-              <a:ea typeface="HG丸ｺﾞｼｯｸM-PRO" panose="020F0600000000000000" pitchFamily="50" charset="-128"/>
-            </a:endParaRPr>
-          </a:p>
-          <a:p>
-            <a:pPr eaLnBrk="1" hangingPunct="1">
-              <a:lnSpc>
-                <a:spcPct val="80000"/>
-              </a:lnSpc>
-              <a:spcBef>
-                <a:spcPct val="20000"/>
-              </a:spcBef>
-            </a:pPr>
-            <a:r>
-              <a:rPr lang="ja-JP" altLang="en-US" sz="1800" dirty="0">
-                <a:latin typeface="HG丸ｺﾞｼｯｸM-PRO" panose="020F0600000000000000" pitchFamily="50" charset="-128"/>
-                <a:ea typeface="HG丸ｺﾞｼｯｸM-PRO" panose="020F0600000000000000" pitchFamily="50" charset="-128"/>
-              </a:rPr>
-              <a:t>ブロック </a:t>
-            </a:r>
-            <a:r>
-              <a:rPr lang="en-US" altLang="ja-JP" sz="1800" dirty="0">
-                <a:latin typeface="HG丸ｺﾞｼｯｸM-PRO" panose="020F0600000000000000" pitchFamily="50" charset="-128"/>
-                <a:ea typeface="HG丸ｺﾞｼｯｸM-PRO" panose="020F0600000000000000" pitchFamily="50" charset="-128"/>
-              </a:rPr>
-              <a:t>de </a:t>
-            </a:r>
-            <a:r>
-              <a:rPr lang="ja-JP" altLang="en-US" sz="1800" dirty="0">
-                <a:latin typeface="HG丸ｺﾞｼｯｸM-PRO" panose="020F0600000000000000" pitchFamily="50" charset="-128"/>
-                <a:ea typeface="HG丸ｺﾞｼｯｸM-PRO" panose="020F0600000000000000" pitchFamily="50" charset="-128"/>
-              </a:rPr>
-              <a:t>トレジャーハンターはライントレース終了後に走行する障害物コースである。この障害物のコースは格子状のマトリクスとマトリクスの交点にある赤、青、黄、緑のパターン、パターン間の黒線でできたノードで構成される。このマトリクス上に</a:t>
-            </a:r>
-            <a:r>
-              <a:rPr lang="en-US" altLang="ja-JP" sz="1800" dirty="0">
-                <a:latin typeface="HG丸ｺﾞｼｯｸM-PRO" panose="020F0600000000000000" pitchFamily="50" charset="-128"/>
-                <a:ea typeface="HG丸ｺﾞｼｯｸM-PRO" panose="020F0600000000000000" pitchFamily="50" charset="-128"/>
-              </a:rPr>
-              <a:t>5</a:t>
-            </a:r>
-            <a:r>
-              <a:rPr lang="ja-JP" altLang="en-US" sz="1800" dirty="0">
-                <a:latin typeface="HG丸ｺﾞｼｯｸM-PRO" panose="020F0600000000000000" pitchFamily="50" charset="-128"/>
-                <a:ea typeface="HG丸ｺﾞｼｯｸM-PRO" panose="020F0600000000000000" pitchFamily="50" charset="-128"/>
-              </a:rPr>
-              <a:t>つのパターンで、</a:t>
-            </a:r>
-            <a:r>
-              <a:rPr lang="en-US" altLang="ja-JP" sz="1800" dirty="0">
-                <a:latin typeface="HG丸ｺﾞｼｯｸM-PRO" panose="020F0600000000000000" pitchFamily="50" charset="-128"/>
-                <a:ea typeface="HG丸ｺﾞｼｯｸM-PRO" panose="020F0600000000000000" pitchFamily="50" charset="-128"/>
-              </a:rPr>
-              <a:t>3</a:t>
-            </a:r>
-            <a:r>
-              <a:rPr lang="ja-JP" altLang="en-US" sz="1800" dirty="0">
-                <a:latin typeface="HG丸ｺﾞｼｯｸM-PRO" panose="020F0600000000000000" pitchFamily="50" charset="-128"/>
-                <a:ea typeface="HG丸ｺﾞｼｯｸM-PRO" panose="020F0600000000000000" pitchFamily="50" charset="-128"/>
-              </a:rPr>
-              <a:t>つのブロックがパターン上に設置される。</a:t>
-            </a:r>
-            <a:r>
-              <a:rPr lang="en-US" altLang="ja-JP" sz="1800" dirty="0">
-                <a:latin typeface="HG丸ｺﾞｼｯｸM-PRO" panose="020F0600000000000000" pitchFamily="50" charset="-128"/>
-                <a:ea typeface="HG丸ｺﾞｼｯｸM-PRO" panose="020F0600000000000000" pitchFamily="50" charset="-128"/>
-              </a:rPr>
-              <a:t>3</a:t>
-            </a:r>
-            <a:r>
-              <a:rPr lang="ja-JP" altLang="en-US" sz="1800" dirty="0">
-                <a:latin typeface="HG丸ｺﾞｼｯｸM-PRO" panose="020F0600000000000000" pitchFamily="50" charset="-128"/>
-                <a:ea typeface="HG丸ｺﾞｼｯｸM-PRO" panose="020F0600000000000000" pitchFamily="50" charset="-128"/>
-              </a:rPr>
-              <a:t>つのブロックの</a:t>
-            </a:r>
-            <a:r>
-              <a:rPr lang="en-US" altLang="ja-JP" sz="1800" dirty="0">
-                <a:latin typeface="HG丸ｺﾞｼｯｸM-PRO" panose="020F0600000000000000" pitchFamily="50" charset="-128"/>
-                <a:ea typeface="HG丸ｺﾞｼｯｸM-PRO" panose="020F0600000000000000" pitchFamily="50" charset="-128"/>
-              </a:rPr>
-              <a:t>2</a:t>
-            </a:r>
-            <a:r>
-              <a:rPr lang="ja-JP" altLang="en-US" sz="1800" dirty="0">
-                <a:latin typeface="HG丸ｺﾞｼｯｸM-PRO" panose="020F0600000000000000" pitchFamily="50" charset="-128"/>
-                <a:ea typeface="HG丸ｺﾞｼｯｸM-PRO" panose="020F0600000000000000" pitchFamily="50" charset="-128"/>
-              </a:rPr>
-              <a:t>つは青で、</a:t>
-            </a:r>
-            <a:r>
-              <a:rPr lang="en-US" altLang="ja-JP" sz="1800" dirty="0">
-                <a:latin typeface="HG丸ｺﾞｼｯｸM-PRO" panose="020F0600000000000000" pitchFamily="50" charset="-128"/>
-                <a:ea typeface="HG丸ｺﾞｼｯｸM-PRO" panose="020F0600000000000000" pitchFamily="50" charset="-128"/>
-              </a:rPr>
-              <a:t>1</a:t>
-            </a:r>
-            <a:r>
-              <a:rPr lang="ja-JP" altLang="en-US" sz="1800" dirty="0">
-                <a:latin typeface="HG丸ｺﾞｼｯｸM-PRO" panose="020F0600000000000000" pitchFamily="50" charset="-128"/>
-                <a:ea typeface="HG丸ｺﾞｼｯｸM-PRO" panose="020F0600000000000000" pitchFamily="50" charset="-128"/>
-              </a:rPr>
-              <a:t>つは赤である。青ブロックを押し出し、赤ブロックをゴールまでもっていくことが求められる。</a:t>
-            </a:r>
-            <a:endParaRPr lang="en-US" altLang="ja-JP" sz="1800" dirty="0">
-              <a:latin typeface="HG丸ｺﾞｼｯｸM-PRO" panose="020F0600000000000000" pitchFamily="50" charset="-128"/>
-              <a:ea typeface="HG丸ｺﾞｼｯｸM-PRO" panose="020F0600000000000000" pitchFamily="50" charset="-128"/>
-            </a:endParaRPr>
-          </a:p>
-          <a:p>
-            <a:pPr eaLnBrk="1" hangingPunct="1">
-              <a:lnSpc>
-                <a:spcPct val="80000"/>
-              </a:lnSpc>
-              <a:spcBef>
-                <a:spcPct val="20000"/>
-              </a:spcBef>
-            </a:pPr>
-            <a:r>
-              <a:rPr lang="ja-JP" altLang="en-US" sz="1800" dirty="0">
-                <a:latin typeface="HG丸ｺﾞｼｯｸM-PRO" panose="020F0600000000000000" pitchFamily="50" charset="-128"/>
-                <a:ea typeface="HG丸ｺﾞｼｯｸM-PRO" panose="020F0600000000000000" pitchFamily="50" charset="-128"/>
-              </a:rPr>
-              <a:t>以上の要件をもとに、</a:t>
-            </a:r>
-            <a:r>
-              <a:rPr lang="en-US" altLang="ja-JP" sz="1800" dirty="0">
-                <a:latin typeface="HG丸ｺﾞｼｯｸM-PRO" panose="020F0600000000000000" pitchFamily="50" charset="-128"/>
-                <a:ea typeface="HG丸ｺﾞｼｯｸM-PRO" panose="020F0600000000000000" pitchFamily="50" charset="-128"/>
-              </a:rPr>
-              <a:t>UML</a:t>
-            </a:r>
-            <a:r>
-              <a:rPr lang="ja-JP" altLang="en-US" sz="1800" dirty="0">
-                <a:latin typeface="HG丸ｺﾞｼｯｸM-PRO" panose="020F0600000000000000" pitchFamily="50" charset="-128"/>
-                <a:ea typeface="HG丸ｺﾞｼｯｸM-PRO" panose="020F0600000000000000" pitchFamily="50" charset="-128"/>
-              </a:rPr>
-              <a:t>を用いて要件分析を行った。ステートマシン図、シーケンス図を作成してプログラムの流れを設計した。</a:t>
-            </a:r>
-          </a:p>
-        </p:txBody>
-      </p:sp>
-      <p:sp>
-        <p:nvSpPr>
-          <p:cNvPr id="18" name="Rectangle 3">
-            <a:extLst>
-              <a:ext uri="{FF2B5EF4-FFF2-40B4-BE49-F238E27FC236}">
-                <a16:creationId xmlns:a16="http://schemas.microsoft.com/office/drawing/2014/main" id="{C94F9FC9-983D-6341-84E1-6185BB35C52E}"/>
-              </a:ext>
-            </a:extLst>
-          </p:cNvPr>
-          <p:cNvSpPr>
-            <a:spLocks noChangeArrowheads="1"/>
-          </p:cNvSpPr>
-          <p:nvPr/>
-        </p:nvSpPr>
-        <p:spPr bwMode="auto">
-          <a:xfrm>
-            <a:off x="214860" y="3473699"/>
-            <a:ext cx="7104254" cy="2088232"/>
-          </a:xfrm>
-          <a:prstGeom prst="rect">
-            <a:avLst/>
-          </a:prstGeom>
-          <a:noFill/>
-          <a:ln w="9525">
-            <a:solidFill>
-              <a:schemeClr val="accent6">
-                <a:lumMod val="75000"/>
-              </a:schemeClr>
-            </a:solidFill>
-            <a:miter lim="800000"/>
-            <a:headEnd/>
-            <a:tailEnd/>
-          </a:ln>
-          <a:extLst>
-            <a:ext uri="{909E8E84-426E-40DD-AFC4-6F175D3DCCD1}">
-              <a14:hiddenFill xmlns:a14="http://schemas.microsoft.com/office/drawing/2010/main">
-                <a:solidFill>
-                  <a:srgbClr val="FFFFFF"/>
-                </a:solidFill>
-              </a14:hiddenFill>
-            </a:ext>
-          </a:extLst>
-        </p:spPr>
-        <p:txBody>
-          <a:bodyPr lIns="120687" tIns="60343" rIns="120687" bIns="60343"/>
-          <a:lstStyle>
-            <a:lvl1pPr marL="481013" indent="-481013" defTabSz="1279525" eaLnBrk="0" hangingPunct="0">
-              <a:defRPr kumimoji="1" sz="1600">
-                <a:solidFill>
-                  <a:schemeClr val="tx1"/>
-                </a:solidFill>
-                <a:latin typeface="Times New Roman" panose="02020603050405020304" pitchFamily="18" charset="0"/>
-                <a:ea typeface="ＭＳ Ｐゴシック" panose="020B0600070205080204" pitchFamily="34" charset="-128"/>
-              </a:defRPr>
-            </a:lvl1pPr>
-            <a:lvl2pPr marL="742950" indent="-285750" defTabSz="1279525" eaLnBrk="0" hangingPunct="0">
-              <a:defRPr kumimoji="1" sz="1600">
-                <a:solidFill>
-                  <a:schemeClr val="tx1"/>
-                </a:solidFill>
-                <a:latin typeface="Times New Roman" panose="02020603050405020304" pitchFamily="18" charset="0"/>
-                <a:ea typeface="ＭＳ Ｐゴシック" panose="020B0600070205080204" pitchFamily="34" charset="-128"/>
-              </a:defRPr>
-            </a:lvl2pPr>
-            <a:lvl3pPr marL="1143000" indent="-228600" defTabSz="1279525" eaLnBrk="0" hangingPunct="0">
-              <a:defRPr kumimoji="1" sz="1600">
-                <a:solidFill>
-                  <a:schemeClr val="tx1"/>
-                </a:solidFill>
-                <a:latin typeface="Times New Roman" panose="02020603050405020304" pitchFamily="18" charset="0"/>
-                <a:ea typeface="ＭＳ Ｐゴシック" panose="020B0600070205080204" pitchFamily="34" charset="-128"/>
-              </a:defRPr>
-            </a:lvl3pPr>
-            <a:lvl4pPr marL="1600200" indent="-228600" defTabSz="1279525" eaLnBrk="0" hangingPunct="0">
-              <a:defRPr kumimoji="1" sz="1600">
-                <a:solidFill>
-                  <a:schemeClr val="tx1"/>
-                </a:solidFill>
-                <a:latin typeface="Times New Roman" panose="02020603050405020304" pitchFamily="18" charset="0"/>
-                <a:ea typeface="ＭＳ Ｐゴシック" panose="020B0600070205080204" pitchFamily="34" charset="-128"/>
-              </a:defRPr>
-            </a:lvl4pPr>
-            <a:lvl5pPr marL="2057400" indent="-228600" defTabSz="1279525" eaLnBrk="0" hangingPunct="0">
-              <a:defRPr kumimoji="1" sz="1600">
-                <a:solidFill>
-                  <a:schemeClr val="tx1"/>
-                </a:solidFill>
-                <a:latin typeface="Times New Roman" panose="02020603050405020304" pitchFamily="18" charset="0"/>
-                <a:ea typeface="ＭＳ Ｐゴシック" panose="020B0600070205080204" pitchFamily="34" charset="-128"/>
-              </a:defRPr>
-            </a:lvl5pPr>
-            <a:lvl6pPr marL="2514600" indent="-228600" defTabSz="1279525" eaLnBrk="0" fontAlgn="base" hangingPunct="0">
-              <a:spcBef>
-                <a:spcPct val="0"/>
-              </a:spcBef>
-              <a:spcAft>
-                <a:spcPct val="0"/>
-              </a:spcAft>
-              <a:defRPr kumimoji="1" sz="1600">
-                <a:solidFill>
-                  <a:schemeClr val="tx1"/>
-                </a:solidFill>
-                <a:latin typeface="Times New Roman" panose="02020603050405020304" pitchFamily="18" charset="0"/>
-                <a:ea typeface="ＭＳ Ｐゴシック" panose="020B0600070205080204" pitchFamily="34" charset="-128"/>
-              </a:defRPr>
-            </a:lvl6pPr>
-            <a:lvl7pPr marL="2971800" indent="-228600" defTabSz="1279525" eaLnBrk="0" fontAlgn="base" hangingPunct="0">
-              <a:spcBef>
-                <a:spcPct val="0"/>
-              </a:spcBef>
-              <a:spcAft>
-                <a:spcPct val="0"/>
-              </a:spcAft>
-              <a:defRPr kumimoji="1" sz="1600">
-                <a:solidFill>
-                  <a:schemeClr val="tx1"/>
-                </a:solidFill>
-                <a:latin typeface="Times New Roman" panose="02020603050405020304" pitchFamily="18" charset="0"/>
-                <a:ea typeface="ＭＳ Ｐゴシック" panose="020B0600070205080204" pitchFamily="34" charset="-128"/>
-              </a:defRPr>
-            </a:lvl7pPr>
-            <a:lvl8pPr marL="3429000" indent="-228600" defTabSz="1279525" eaLnBrk="0" fontAlgn="base" hangingPunct="0">
-              <a:spcBef>
-                <a:spcPct val="0"/>
-              </a:spcBef>
-              <a:spcAft>
-                <a:spcPct val="0"/>
-              </a:spcAft>
-              <a:defRPr kumimoji="1" sz="1600">
-                <a:solidFill>
-                  <a:schemeClr val="tx1"/>
-                </a:solidFill>
-                <a:latin typeface="Times New Roman" panose="02020603050405020304" pitchFamily="18" charset="0"/>
-                <a:ea typeface="ＭＳ Ｐゴシック" panose="020B0600070205080204" pitchFamily="34" charset="-128"/>
-              </a:defRPr>
-            </a:lvl8pPr>
-            <a:lvl9pPr marL="3886200" indent="-228600" defTabSz="1279525" eaLnBrk="0" fontAlgn="base" hangingPunct="0">
-              <a:spcBef>
-                <a:spcPct val="0"/>
-              </a:spcBef>
-              <a:spcAft>
-                <a:spcPct val="0"/>
-              </a:spcAft>
-              <a:defRPr kumimoji="1" sz="1600">
-                <a:solidFill>
-                  <a:schemeClr val="tx1"/>
-                </a:solidFill>
-                <a:latin typeface="Times New Roman" panose="02020603050405020304" pitchFamily="18" charset="0"/>
-                <a:ea typeface="ＭＳ Ｐゴシック" panose="020B0600070205080204" pitchFamily="34" charset="-128"/>
-              </a:defRPr>
-            </a:lvl9pPr>
-          </a:lstStyle>
-          <a:p>
-            <a:pPr marL="0" indent="0" eaLnBrk="1" hangingPunct="1">
-              <a:lnSpc>
-                <a:spcPct val="80000"/>
-              </a:lnSpc>
-              <a:spcBef>
-                <a:spcPts val="668"/>
-              </a:spcBef>
-            </a:pPr>
-            <a:r>
-              <a:rPr lang="ja-JP" altLang="en-US" sz="2400" dirty="0">
-                <a:latin typeface="HG丸ｺﾞｼｯｸM-PRO" panose="020F0600000000000000" pitchFamily="50" charset="-128"/>
-                <a:ea typeface="HG丸ｺﾞｼｯｸM-PRO" panose="020F0600000000000000" pitchFamily="50" charset="-128"/>
-              </a:rPr>
-              <a:t>マトリクス進行の流れ　ステートマシン図</a:t>
-            </a:r>
-            <a:endParaRPr lang="en-US" altLang="ja-JP" sz="2400" dirty="0">
-              <a:latin typeface="HG丸ｺﾞｼｯｸM-PRO" panose="020F0600000000000000" pitchFamily="50" charset="-128"/>
-              <a:ea typeface="HG丸ｺﾞｼｯｸM-PRO" panose="020F0600000000000000" pitchFamily="50" charset="-128"/>
-            </a:endParaRPr>
-          </a:p>
-          <a:p>
-            <a:pPr marL="0" indent="0" eaLnBrk="1" hangingPunct="1">
-              <a:lnSpc>
-                <a:spcPct val="80000"/>
-              </a:lnSpc>
-              <a:spcBef>
-                <a:spcPts val="668"/>
-              </a:spcBef>
-            </a:pPr>
-            <a:r>
-              <a:rPr lang="ja-JP" altLang="en-US" sz="1800" dirty="0">
-                <a:latin typeface="HG丸ｺﾞｼｯｸM-PRO" panose="020F0600000000000000" pitchFamily="50" charset="-128"/>
-                <a:ea typeface="HG丸ｺﾞｼｯｸM-PRO" panose="020F0600000000000000" pitchFamily="50" charset="-128"/>
-              </a:rPr>
-              <a:t>マトリクス進行の流れをステートマシン図として以下に示す。前半のライントレースは赤いパターンで認識で判定される。判定後、マトリクス開始位置移動状態に遷移する。マトリクス開始位置とは、青に隣接する外側の赤パターンである。この位置の判定によってマトリクス走査状態に入る。マトリクス走査状態は右のステートマシン図に示す。マトリクス走査状態は赤ブロック保持命令実行終了で終了し、ゴール位置移動状態に入る。</a:t>
-            </a:r>
-            <a:endParaRPr lang="en-US" altLang="ja-JP" sz="1800" dirty="0">
-              <a:latin typeface="HG丸ｺﾞｼｯｸM-PRO" panose="020F0600000000000000" pitchFamily="50" charset="-128"/>
-              <a:ea typeface="HG丸ｺﾞｼｯｸM-PRO" panose="020F0600000000000000" pitchFamily="50" charset="-128"/>
-            </a:endParaRPr>
-          </a:p>
-          <a:p>
-            <a:pPr marL="0" indent="0" eaLnBrk="1" hangingPunct="1">
-              <a:lnSpc>
-                <a:spcPct val="80000"/>
-              </a:lnSpc>
-              <a:spcBef>
-                <a:spcPts val="668"/>
-              </a:spcBef>
-            </a:pPr>
-            <a:endParaRPr lang="ja-JP" altLang="en-US" sz="2000" dirty="0">
               <a:latin typeface="HG丸ｺﾞｼｯｸM-PRO" panose="020F0600000000000000" pitchFamily="50" charset="-128"/>
               <a:ea typeface="HG丸ｺﾞｼｯｸM-PRO" panose="020F0600000000000000" pitchFamily="50" charset="-128"/>
             </a:endParaRPr>
@@ -9142,7 +9932,28 @@
                 <a:spcPct val="20000"/>
               </a:spcBef>
             </a:pPr>
-            <a:endParaRPr lang="en-US" altLang="ja-JP" sz="2004" dirty="0">
+            <a:r>
+              <a:rPr lang="ja-JP" altLang="en-US" sz="1800" dirty="0">
+                <a:latin typeface="HG丸ｺﾞｼｯｸM-PRO" panose="020F0600000000000000" pitchFamily="50" charset="-128"/>
+                <a:ea typeface="HG丸ｺﾞｼｯｸM-PRO" panose="020F0600000000000000" pitchFamily="50" charset="-128"/>
+              </a:rPr>
+              <a:t>マトリクス走査処理でのシーケンス図を右に示す。マトリクス走査処理では</a:t>
+            </a:r>
+            <a:r>
+              <a:rPr lang="en-US" altLang="ja-JP" sz="1800" dirty="0">
+                <a:latin typeface="HG丸ｺﾞｼｯｸM-PRO" panose="020F0600000000000000" pitchFamily="50" charset="-128"/>
+                <a:ea typeface="HG丸ｺﾞｼｯｸM-PRO" panose="020F0600000000000000" pitchFamily="50" charset="-128"/>
+              </a:rPr>
+              <a:t>ev3</a:t>
+            </a:r>
+            <a:r>
+              <a:rPr lang="ja-JP" altLang="en-US" sz="1800" dirty="0">
+                <a:latin typeface="HG丸ｺﾞｼｯｸM-PRO" panose="020F0600000000000000" pitchFamily="50" charset="-128"/>
+                <a:ea typeface="HG丸ｺﾞｼｯｸM-PRO" panose="020F0600000000000000" pitchFamily="50" charset="-128"/>
+              </a:rPr>
+              <a:t>マイコン、モーターユニット、反射光センサユニット間で相互にメッセージのやり取りが行われる。</a:t>
+            </a:r>
+            <a:endParaRPr lang="en-US" altLang="ja-JP" sz="1800" dirty="0">
               <a:latin typeface="HG丸ｺﾞｼｯｸM-PRO" panose="020F0600000000000000" pitchFamily="50" charset="-128"/>
               <a:ea typeface="HG丸ｺﾞｼｯｸM-PRO" panose="020F0600000000000000" pitchFamily="50" charset="-128"/>
             </a:endParaRPr>
@@ -9156,425 +9967,20 @@
                 <a:spcPct val="20000"/>
               </a:spcBef>
             </a:pPr>
-            <a:endParaRPr lang="en-US" altLang="ja-JP" sz="2004" dirty="0">
+            <a:r>
+              <a:rPr lang="ja-JP" altLang="en-US" sz="1800" dirty="0">
+                <a:latin typeface="HG丸ｺﾞｼｯｸM-PRO" panose="020F0600000000000000" pitchFamily="50" charset="-128"/>
+                <a:ea typeface="HG丸ｺﾞｼｯｸM-PRO" panose="020F0600000000000000" pitchFamily="50" charset="-128"/>
+              </a:rPr>
+              <a:t>まず、前進命令が読みだされた場合について説明する。この命令では色を検出するまでループする。反射光センサユニットを用いて、反射量データを取得する。反射量データによって条件分岐を行い、反射量データが閾値以下の場合、白部分上であると判断し、線探索操作を行う。閾値以上の場合、黒線上と判断し前進処理を行う。次に色彩センサ色呼び出しデータを取得し、色を検出した場合ループを終了する。</a:t>
+            </a:r>
+            <a:endParaRPr lang="en-US" altLang="ja-JP" sz="1800" dirty="0">
               <a:latin typeface="HG丸ｺﾞｼｯｸM-PRO" panose="020F0600000000000000" pitchFamily="50" charset="-128"/>
               <a:ea typeface="HG丸ｺﾞｼｯｸM-PRO" panose="020F0600000000000000" pitchFamily="50" charset="-128"/>
             </a:endParaRPr>
           </a:p>
-        </p:txBody>
-      </p:sp>
-      <p:pic>
-        <p:nvPicPr>
-          <p:cNvPr id="11" name="図 10">
-            <a:extLst>
-              <a:ext uri="{FF2B5EF4-FFF2-40B4-BE49-F238E27FC236}">
-                <a16:creationId xmlns:a16="http://schemas.microsoft.com/office/drawing/2014/main" id="{8917870A-BD70-93DF-C1D9-D916CAD9A1A3}"/>
-              </a:ext>
-            </a:extLst>
-          </p:cNvPr>
-          <p:cNvPicPr>
-            <a:picLocks noChangeAspect="1"/>
-          </p:cNvPicPr>
-          <p:nvPr/>
-        </p:nvPicPr>
-        <p:blipFill>
-          <a:blip r:embed="rId2"/>
-          <a:stretch>
-            <a:fillRect/>
-          </a:stretch>
-        </p:blipFill>
-        <p:spPr>
-          <a:xfrm>
-            <a:off x="790923" y="5561930"/>
-            <a:ext cx="5641848" cy="4213860"/>
-          </a:xfrm>
-          <a:prstGeom prst="rect">
-            <a:avLst/>
-          </a:prstGeom>
-        </p:spPr>
-      </p:pic>
-      <p:pic>
-        <p:nvPicPr>
-          <p:cNvPr id="12" name="図 11">
-            <a:extLst>
-              <a:ext uri="{FF2B5EF4-FFF2-40B4-BE49-F238E27FC236}">
-                <a16:creationId xmlns:a16="http://schemas.microsoft.com/office/drawing/2014/main" id="{7AE492E2-A05D-86E3-9738-2B3D80BBB6C0}"/>
-              </a:ext>
-            </a:extLst>
-          </p:cNvPr>
-          <p:cNvPicPr>
-            <a:picLocks noChangeAspect="1"/>
-          </p:cNvPicPr>
-          <p:nvPr/>
-        </p:nvPicPr>
-        <p:blipFill>
-          <a:blip r:embed="rId3"/>
-          <a:stretch>
-            <a:fillRect/>
-          </a:stretch>
-        </p:blipFill>
-        <p:spPr>
-          <a:xfrm>
-            <a:off x="7794877" y="2033538"/>
-            <a:ext cx="6248400" cy="4162044"/>
-          </a:xfrm>
-          <a:prstGeom prst="rect">
-            <a:avLst/>
-          </a:prstGeom>
-        </p:spPr>
-      </p:pic>
-    </p:spTree>
-    <p:extLst>
-      <p:ext uri="{BB962C8B-B14F-4D97-AF65-F5344CB8AC3E}">
-        <p14:creationId xmlns:p14="http://schemas.microsoft.com/office/powerpoint/2010/main" val="2161675607"/>
-      </p:ext>
-    </p:extLst>
-  </p:cSld>
-  <p:clrMapOvr>
-    <a:masterClrMapping/>
-  </p:clrMapOvr>
-</p:sld>
-</file>
-
-<file path=ppt/slides/slide6.xml><?xml version="1.0" encoding="utf-8"?>
-<p:sld xmlns:a="http://schemas.openxmlformats.org/drawingml/2006/main" xmlns:r="http://schemas.openxmlformats.org/officeDocument/2006/relationships" xmlns:p="http://schemas.openxmlformats.org/presentationml/2006/main">
-  <p:cSld>
-    <p:spTree>
-      <p:nvGrpSpPr>
-        <p:cNvPr id="1" name=""/>
-        <p:cNvGrpSpPr/>
-        <p:nvPr/>
-      </p:nvGrpSpPr>
-      <p:grpSpPr>
-        <a:xfrm>
-          <a:off x="0" y="0"/>
-          <a:ext cx="0" cy="0"/>
-          <a:chOff x="0" y="0"/>
-          <a:chExt cx="0" cy="0"/>
-        </a:xfrm>
-      </p:grpSpPr>
-      <p:sp>
-        <p:nvSpPr>
-          <p:cNvPr id="7" name="Rectangle 4">
-            <a:extLst>
-              <a:ext uri="{FF2B5EF4-FFF2-40B4-BE49-F238E27FC236}">
-                <a16:creationId xmlns:a16="http://schemas.microsoft.com/office/drawing/2014/main" id="{4DCE695B-C0E7-7944-89B8-D691FAEA74EE}"/>
-              </a:ext>
-            </a:extLst>
-          </p:cNvPr>
-          <p:cNvSpPr>
-            <a:spLocks noChangeArrowheads="1"/>
-          </p:cNvSpPr>
-          <p:nvPr/>
-        </p:nvSpPr>
-        <p:spPr bwMode="auto">
-          <a:xfrm>
-            <a:off x="7559674" y="311322"/>
-            <a:ext cx="7344815" cy="10086395"/>
-          </a:xfrm>
-          <a:prstGeom prst="rect">
-            <a:avLst/>
-          </a:prstGeom>
-          <a:noFill/>
-          <a:ln w="9525">
-            <a:solidFill>
-              <a:schemeClr val="accent6">
-                <a:lumMod val="75000"/>
-              </a:schemeClr>
-            </a:solidFill>
-            <a:miter lim="800000"/>
-            <a:headEnd/>
-            <a:tailEnd/>
-          </a:ln>
-          <a:extLst>
-            <a:ext uri="{909E8E84-426E-40DD-AFC4-6F175D3DCCD1}">
-              <a14:hiddenFill xmlns:a14="http://schemas.microsoft.com/office/drawing/2010/main">
-                <a:solidFill>
-                  <a:srgbClr val="FFFFFF"/>
-                </a:solidFill>
-              </a14:hiddenFill>
-            </a:ext>
-          </a:extLst>
-        </p:spPr>
-        <p:txBody>
-          <a:bodyPr lIns="120687" tIns="60343" rIns="120687" bIns="60343"/>
-          <a:lstStyle>
-            <a:lvl1pPr marL="481013" indent="-481013" defTabSz="1279525" eaLnBrk="0" hangingPunct="0">
-              <a:defRPr kumimoji="1" sz="1600">
-                <a:solidFill>
-                  <a:schemeClr val="tx1"/>
-                </a:solidFill>
-                <a:latin typeface="Times New Roman" panose="02020603050405020304" pitchFamily="18" charset="0"/>
-                <a:ea typeface="ＭＳ Ｐゴシック" panose="020B0600070205080204" pitchFamily="34" charset="-128"/>
-              </a:defRPr>
-            </a:lvl1pPr>
-            <a:lvl2pPr marL="742950" indent="-285750" defTabSz="1279525" eaLnBrk="0" hangingPunct="0">
-              <a:defRPr kumimoji="1" sz="1600">
-                <a:solidFill>
-                  <a:schemeClr val="tx1"/>
-                </a:solidFill>
-                <a:latin typeface="Times New Roman" panose="02020603050405020304" pitchFamily="18" charset="0"/>
-                <a:ea typeface="ＭＳ Ｐゴシック" panose="020B0600070205080204" pitchFamily="34" charset="-128"/>
-              </a:defRPr>
-            </a:lvl2pPr>
-            <a:lvl3pPr marL="1143000" indent="-228600" defTabSz="1279525" eaLnBrk="0" hangingPunct="0">
-              <a:defRPr kumimoji="1" sz="1600">
-                <a:solidFill>
-                  <a:schemeClr val="tx1"/>
-                </a:solidFill>
-                <a:latin typeface="Times New Roman" panose="02020603050405020304" pitchFamily="18" charset="0"/>
-                <a:ea typeface="ＭＳ Ｐゴシック" panose="020B0600070205080204" pitchFamily="34" charset="-128"/>
-              </a:defRPr>
-            </a:lvl3pPr>
-            <a:lvl4pPr marL="1600200" indent="-228600" defTabSz="1279525" eaLnBrk="0" hangingPunct="0">
-              <a:defRPr kumimoji="1" sz="1600">
-                <a:solidFill>
-                  <a:schemeClr val="tx1"/>
-                </a:solidFill>
-                <a:latin typeface="Times New Roman" panose="02020603050405020304" pitchFamily="18" charset="0"/>
-                <a:ea typeface="ＭＳ Ｐゴシック" panose="020B0600070205080204" pitchFamily="34" charset="-128"/>
-              </a:defRPr>
-            </a:lvl4pPr>
-            <a:lvl5pPr marL="2057400" indent="-228600" defTabSz="1279525" eaLnBrk="0" hangingPunct="0">
-              <a:defRPr kumimoji="1" sz="1600">
-                <a:solidFill>
-                  <a:schemeClr val="tx1"/>
-                </a:solidFill>
-                <a:latin typeface="Times New Roman" panose="02020603050405020304" pitchFamily="18" charset="0"/>
-                <a:ea typeface="ＭＳ Ｐゴシック" panose="020B0600070205080204" pitchFamily="34" charset="-128"/>
-              </a:defRPr>
-            </a:lvl5pPr>
-            <a:lvl6pPr marL="2514600" indent="-228600" defTabSz="1279525" eaLnBrk="0" fontAlgn="base" hangingPunct="0">
-              <a:spcBef>
-                <a:spcPct val="0"/>
-              </a:spcBef>
-              <a:spcAft>
-                <a:spcPct val="0"/>
-              </a:spcAft>
-              <a:defRPr kumimoji="1" sz="1600">
-                <a:solidFill>
-                  <a:schemeClr val="tx1"/>
-                </a:solidFill>
-                <a:latin typeface="Times New Roman" panose="02020603050405020304" pitchFamily="18" charset="0"/>
-                <a:ea typeface="ＭＳ Ｐゴシック" panose="020B0600070205080204" pitchFamily="34" charset="-128"/>
-              </a:defRPr>
-            </a:lvl6pPr>
-            <a:lvl7pPr marL="2971800" indent="-228600" defTabSz="1279525" eaLnBrk="0" fontAlgn="base" hangingPunct="0">
-              <a:spcBef>
-                <a:spcPct val="0"/>
-              </a:spcBef>
-              <a:spcAft>
-                <a:spcPct val="0"/>
-              </a:spcAft>
-              <a:defRPr kumimoji="1" sz="1600">
-                <a:solidFill>
-                  <a:schemeClr val="tx1"/>
-                </a:solidFill>
-                <a:latin typeface="Times New Roman" panose="02020603050405020304" pitchFamily="18" charset="0"/>
-                <a:ea typeface="ＭＳ Ｐゴシック" panose="020B0600070205080204" pitchFamily="34" charset="-128"/>
-              </a:defRPr>
-            </a:lvl7pPr>
-            <a:lvl8pPr marL="3429000" indent="-228600" defTabSz="1279525" eaLnBrk="0" fontAlgn="base" hangingPunct="0">
-              <a:spcBef>
-                <a:spcPct val="0"/>
-              </a:spcBef>
-              <a:spcAft>
-                <a:spcPct val="0"/>
-              </a:spcAft>
-              <a:defRPr kumimoji="1" sz="1600">
-                <a:solidFill>
-                  <a:schemeClr val="tx1"/>
-                </a:solidFill>
-                <a:latin typeface="Times New Roman" panose="02020603050405020304" pitchFamily="18" charset="0"/>
-                <a:ea typeface="ＭＳ Ｐゴシック" panose="020B0600070205080204" pitchFamily="34" charset="-128"/>
-              </a:defRPr>
-            </a:lvl8pPr>
-            <a:lvl9pPr marL="3886200" indent="-228600" defTabSz="1279525" eaLnBrk="0" fontAlgn="base" hangingPunct="0">
-              <a:spcBef>
-                <a:spcPct val="0"/>
-              </a:spcBef>
-              <a:spcAft>
-                <a:spcPct val="0"/>
-              </a:spcAft>
-              <a:defRPr kumimoji="1" sz="1600">
-                <a:solidFill>
-                  <a:schemeClr val="tx1"/>
-                </a:solidFill>
-                <a:latin typeface="Times New Roman" panose="02020603050405020304" pitchFamily="18" charset="0"/>
-                <a:ea typeface="ＭＳ Ｐゴシック" panose="020B0600070205080204" pitchFamily="34" charset="-128"/>
-              </a:defRPr>
-            </a:lvl9pPr>
-          </a:lstStyle>
           <a:p>
             <a:pPr marL="0" indent="0" eaLnBrk="1" hangingPunct="1">
-              <a:lnSpc>
-                <a:spcPct val="80000"/>
-              </a:lnSpc>
-              <a:spcBef>
-                <a:spcPts val="668"/>
-              </a:spcBef>
-            </a:pPr>
-            <a:endParaRPr lang="ja-JP" altLang="en-US" sz="1800" dirty="0">
-              <a:latin typeface="HG丸ｺﾞｼｯｸM-PRO" panose="020F0600000000000000" pitchFamily="50" charset="-128"/>
-              <a:ea typeface="HG丸ｺﾞｼｯｸM-PRO" panose="020F0600000000000000" pitchFamily="50" charset="-128"/>
-            </a:endParaRPr>
-          </a:p>
-        </p:txBody>
-      </p:sp>
-      <p:sp>
-        <p:nvSpPr>
-          <p:cNvPr id="17" name="Rectangle 3">
-            <a:extLst>
-              <a:ext uri="{FF2B5EF4-FFF2-40B4-BE49-F238E27FC236}">
-                <a16:creationId xmlns:a16="http://schemas.microsoft.com/office/drawing/2014/main" id="{12351C5A-CF92-284C-AD2D-94D23A07A721}"/>
-              </a:ext>
-            </a:extLst>
-          </p:cNvPr>
-          <p:cNvSpPr>
-            <a:spLocks noChangeArrowheads="1"/>
-          </p:cNvSpPr>
-          <p:nvPr/>
-        </p:nvSpPr>
-        <p:spPr bwMode="auto">
-          <a:xfrm>
-            <a:off x="214860" y="295989"/>
-            <a:ext cx="7104254" cy="2874344"/>
-          </a:xfrm>
-          <a:prstGeom prst="rect">
-            <a:avLst/>
-          </a:prstGeom>
-          <a:noFill/>
-          <a:ln w="9525">
-            <a:solidFill>
-              <a:schemeClr val="accent6">
-                <a:lumMod val="75000"/>
-              </a:schemeClr>
-            </a:solidFill>
-            <a:miter lim="800000"/>
-            <a:headEnd/>
-            <a:tailEnd/>
-          </a:ln>
-          <a:extLst>
-            <a:ext uri="{909E8E84-426E-40DD-AFC4-6F175D3DCCD1}">
-              <a14:hiddenFill xmlns:a14="http://schemas.microsoft.com/office/drawing/2010/main">
-                <a:solidFill>
-                  <a:srgbClr val="FFFFFF"/>
-                </a:solidFill>
-              </a14:hiddenFill>
-            </a:ext>
-          </a:extLst>
-        </p:spPr>
-        <p:txBody>
-          <a:bodyPr lIns="120687" tIns="60343" rIns="120687" bIns="60343"/>
-          <a:lstStyle>
-            <a:lvl1pPr marL="481013" indent="-481013" defTabSz="1279525" eaLnBrk="0" hangingPunct="0">
-              <a:defRPr kumimoji="1" sz="1600">
-                <a:solidFill>
-                  <a:schemeClr val="tx1"/>
-                </a:solidFill>
-                <a:latin typeface="Times New Roman" panose="02020603050405020304" pitchFamily="18" charset="0"/>
-                <a:ea typeface="ＭＳ Ｐゴシック" panose="020B0600070205080204" pitchFamily="34" charset="-128"/>
-              </a:defRPr>
-            </a:lvl1pPr>
-            <a:lvl2pPr marL="742950" indent="-285750" defTabSz="1279525" eaLnBrk="0" hangingPunct="0">
-              <a:defRPr kumimoji="1" sz="1600">
-                <a:solidFill>
-                  <a:schemeClr val="tx1"/>
-                </a:solidFill>
-                <a:latin typeface="Times New Roman" panose="02020603050405020304" pitchFamily="18" charset="0"/>
-                <a:ea typeface="ＭＳ Ｐゴシック" panose="020B0600070205080204" pitchFamily="34" charset="-128"/>
-              </a:defRPr>
-            </a:lvl2pPr>
-            <a:lvl3pPr marL="1143000" indent="-228600" defTabSz="1279525" eaLnBrk="0" hangingPunct="0">
-              <a:defRPr kumimoji="1" sz="1600">
-                <a:solidFill>
-                  <a:schemeClr val="tx1"/>
-                </a:solidFill>
-                <a:latin typeface="Times New Roman" panose="02020603050405020304" pitchFamily="18" charset="0"/>
-                <a:ea typeface="ＭＳ Ｐゴシック" panose="020B0600070205080204" pitchFamily="34" charset="-128"/>
-              </a:defRPr>
-            </a:lvl3pPr>
-            <a:lvl4pPr marL="1600200" indent="-228600" defTabSz="1279525" eaLnBrk="0" hangingPunct="0">
-              <a:defRPr kumimoji="1" sz="1600">
-                <a:solidFill>
-                  <a:schemeClr val="tx1"/>
-                </a:solidFill>
-                <a:latin typeface="Times New Roman" panose="02020603050405020304" pitchFamily="18" charset="0"/>
-                <a:ea typeface="ＭＳ Ｐゴシック" panose="020B0600070205080204" pitchFamily="34" charset="-128"/>
-              </a:defRPr>
-            </a:lvl4pPr>
-            <a:lvl5pPr marL="2057400" indent="-228600" defTabSz="1279525" eaLnBrk="0" hangingPunct="0">
-              <a:defRPr kumimoji="1" sz="1600">
-                <a:solidFill>
-                  <a:schemeClr val="tx1"/>
-                </a:solidFill>
-                <a:latin typeface="Times New Roman" panose="02020603050405020304" pitchFamily="18" charset="0"/>
-                <a:ea typeface="ＭＳ Ｐゴシック" panose="020B0600070205080204" pitchFamily="34" charset="-128"/>
-              </a:defRPr>
-            </a:lvl5pPr>
-            <a:lvl6pPr marL="2514600" indent="-228600" defTabSz="1279525" eaLnBrk="0" fontAlgn="base" hangingPunct="0">
-              <a:spcBef>
-                <a:spcPct val="0"/>
-              </a:spcBef>
-              <a:spcAft>
-                <a:spcPct val="0"/>
-              </a:spcAft>
-              <a:defRPr kumimoji="1" sz="1600">
-                <a:solidFill>
-                  <a:schemeClr val="tx1"/>
-                </a:solidFill>
-                <a:latin typeface="Times New Roman" panose="02020603050405020304" pitchFamily="18" charset="0"/>
-                <a:ea typeface="ＭＳ Ｐゴシック" panose="020B0600070205080204" pitchFamily="34" charset="-128"/>
-              </a:defRPr>
-            </a:lvl6pPr>
-            <a:lvl7pPr marL="2971800" indent="-228600" defTabSz="1279525" eaLnBrk="0" fontAlgn="base" hangingPunct="0">
-              <a:spcBef>
-                <a:spcPct val="0"/>
-              </a:spcBef>
-              <a:spcAft>
-                <a:spcPct val="0"/>
-              </a:spcAft>
-              <a:defRPr kumimoji="1" sz="1600">
-                <a:solidFill>
-                  <a:schemeClr val="tx1"/>
-                </a:solidFill>
-                <a:latin typeface="Times New Roman" panose="02020603050405020304" pitchFamily="18" charset="0"/>
-                <a:ea typeface="ＭＳ Ｐゴシック" panose="020B0600070205080204" pitchFamily="34" charset="-128"/>
-              </a:defRPr>
-            </a:lvl7pPr>
-            <a:lvl8pPr marL="3429000" indent="-228600" defTabSz="1279525" eaLnBrk="0" fontAlgn="base" hangingPunct="0">
-              <a:spcBef>
-                <a:spcPct val="0"/>
-              </a:spcBef>
-              <a:spcAft>
-                <a:spcPct val="0"/>
-              </a:spcAft>
-              <a:defRPr kumimoji="1" sz="1600">
-                <a:solidFill>
-                  <a:schemeClr val="tx1"/>
-                </a:solidFill>
-                <a:latin typeface="Times New Roman" panose="02020603050405020304" pitchFamily="18" charset="0"/>
-                <a:ea typeface="ＭＳ Ｐゴシック" panose="020B0600070205080204" pitchFamily="34" charset="-128"/>
-              </a:defRPr>
-            </a:lvl8pPr>
-            <a:lvl9pPr marL="3886200" indent="-228600" defTabSz="1279525" eaLnBrk="0" fontAlgn="base" hangingPunct="0">
-              <a:spcBef>
-                <a:spcPct val="0"/>
-              </a:spcBef>
-              <a:spcAft>
-                <a:spcPct val="0"/>
-              </a:spcAft>
-              <a:defRPr kumimoji="1" sz="1600">
-                <a:solidFill>
-                  <a:schemeClr val="tx1"/>
-                </a:solidFill>
-                <a:latin typeface="Times New Roman" panose="02020603050405020304" pitchFamily="18" charset="0"/>
-                <a:ea typeface="ＭＳ Ｐゴシック" panose="020B0600070205080204" pitchFamily="34" charset="-128"/>
-              </a:defRPr>
-            </a:lvl9pPr>
-          </a:lstStyle>
-          <a:p>
-            <a:pPr eaLnBrk="1" hangingPunct="1">
               <a:lnSpc>
                 <a:spcPct val="80000"/>
               </a:lnSpc>
@@ -9583,19 +9989,19 @@
               </a:spcBef>
             </a:pPr>
             <a:r>
-              <a:rPr lang="ja-JP" altLang="en-US" sz="2400" dirty="0">
-                <a:latin typeface="HG丸ｺﾞｼｯｸM-PRO" panose="020F0600000000000000" pitchFamily="50" charset="-128"/>
-                <a:ea typeface="HG丸ｺﾞｼｯｸM-PRO" panose="020F0600000000000000" pitchFamily="50" charset="-128"/>
-              </a:rPr>
-              <a:t>マトリクス走査処理　シーケンス図</a:t>
-            </a:r>
-            <a:endParaRPr lang="en-US" altLang="ja-JP" sz="2400" dirty="0">
+              <a:rPr lang="ja-JP" altLang="en-US" sz="1800" dirty="0">
+                <a:latin typeface="HG丸ｺﾞｼｯｸM-PRO" panose="020F0600000000000000" pitchFamily="50" charset="-128"/>
+                <a:ea typeface="HG丸ｺﾞｼｯｸM-PRO" panose="020F0600000000000000" pitchFamily="50" charset="-128"/>
+              </a:rPr>
+              <a:t>次に右・左旋回命令が呼び出された場合を説明する。左右モータそれぞれに車体車軸間を直径とする円の４分の１を旋回するための回転量回転する命令が送信される。旋回角センサによって指定の旋回角回った後終了する。</a:t>
+            </a:r>
+            <a:endParaRPr lang="en-US" altLang="ja-JP" sz="1800" dirty="0">
               <a:latin typeface="HG丸ｺﾞｼｯｸM-PRO" panose="020F0600000000000000" pitchFamily="50" charset="-128"/>
               <a:ea typeface="HG丸ｺﾞｼｯｸM-PRO" panose="020F0600000000000000" pitchFamily="50" charset="-128"/>
             </a:endParaRPr>
           </a:p>
           <a:p>
-            <a:pPr eaLnBrk="1" hangingPunct="1">
+            <a:pPr marL="0" indent="0" eaLnBrk="1" hangingPunct="1">
               <a:lnSpc>
                 <a:spcPct val="80000"/>
               </a:lnSpc>
@@ -9608,22 +10014,22 @@
                 <a:latin typeface="HG丸ｺﾞｼｯｸM-PRO" panose="020F0600000000000000" pitchFamily="50" charset="-128"/>
                 <a:ea typeface="HG丸ｺﾞｼｯｸM-PRO" panose="020F0600000000000000" pitchFamily="50" charset="-128"/>
               </a:rPr>
-              <a:t>マトリクス走査処理でのシーケンス図を右に示す。マトリクス走査処理では</a:t>
-            </a:r>
-            <a:r>
-              <a:rPr lang="en-US" altLang="ja-JP" sz="1800" dirty="0">
-                <a:latin typeface="HG丸ｺﾞｼｯｸM-PRO" panose="020F0600000000000000" pitchFamily="50" charset="-128"/>
-                <a:ea typeface="HG丸ｺﾞｼｯｸM-PRO" panose="020F0600000000000000" pitchFamily="50" charset="-128"/>
-              </a:rPr>
-              <a:t>ev3</a:t>
-            </a:r>
-            <a:r>
-              <a:rPr lang="ja-JP" altLang="en-US" sz="1800" dirty="0">
-                <a:latin typeface="HG丸ｺﾞｼｯｸM-PRO" panose="020F0600000000000000" pitchFamily="50" charset="-128"/>
-                <a:ea typeface="HG丸ｺﾞｼｯｸM-PRO" panose="020F0600000000000000" pitchFamily="50" charset="-128"/>
-              </a:rPr>
-              <a:t>マイコン、モーターユニット、反射光センサユニット間で相互にメッセージのやり取りが行われる。</a:t>
-            </a:r>
+              <a:t>青ブロック押し出し命令について説明する。この命令では、左右モーターを指定量指定して前進したあと、同じ量後退して同じ場所に戻る。</a:t>
+            </a:r>
+            <a:endParaRPr lang="en-US" altLang="ja-JP" sz="1800" dirty="0">
+              <a:latin typeface="HG丸ｺﾞｼｯｸM-PRO" panose="020F0600000000000000" pitchFamily="50" charset="-128"/>
+              <a:ea typeface="HG丸ｺﾞｼｯｸM-PRO" panose="020F0600000000000000" pitchFamily="50" charset="-128"/>
+            </a:endParaRPr>
+          </a:p>
+          <a:p>
+            <a:pPr marL="0" indent="0" eaLnBrk="1" hangingPunct="1">
+              <a:lnSpc>
+                <a:spcPct val="80000"/>
+              </a:lnSpc>
+              <a:spcBef>
+                <a:spcPct val="20000"/>
+              </a:spcBef>
+            </a:pPr>
             <a:endParaRPr lang="en-US" altLang="ja-JP" sz="1800" dirty="0">
               <a:latin typeface="HG丸ｺﾞｼｯｸM-PRO" panose="020F0600000000000000" pitchFamily="50" charset="-128"/>
               <a:ea typeface="HG丸ｺﾞｼｯｸM-PRO" panose="020F0600000000000000" pitchFamily="50" charset="-128"/>
@@ -9678,7 +10084,7 @@
     </p:spTree>
     <p:extLst>
       <p:ext uri="{BB962C8B-B14F-4D97-AF65-F5344CB8AC3E}">
-        <p14:creationId xmlns:p14="http://schemas.microsoft.com/office/powerpoint/2010/main" val="4152139278"/>
+        <p14:creationId xmlns:p14="http://schemas.microsoft.com/office/powerpoint/2010/main" val="423237671"/>
       </p:ext>
     </p:extLst>
   </p:cSld>
@@ -9688,7 +10094,7 @@
 </p:sld>
 </file>
 
-<file path=ppt/slides/slide7.xml><?xml version="1.0" encoding="utf-8"?>
+<file path=ppt/slides/slide6.xml><?xml version="1.0" encoding="utf-8"?>
 <p:sld xmlns:a="http://schemas.openxmlformats.org/drawingml/2006/main" xmlns:r="http://schemas.openxmlformats.org/officeDocument/2006/relationships" xmlns:p="http://schemas.openxmlformats.org/presentationml/2006/main">
   <p:cSld>
     <p:spTree>

--- a/document/PRI_040_RWKYI.pptx
+++ b/document/PRI_040_RWKYI.pptx
@@ -7,18 +7,17 @@
     <p:sldMasterId id="2147483680" r:id="rId3"/>
   </p:sldMasterIdLst>
   <p:notesMasterIdLst>
-    <p:notesMasterId r:id="rId10"/>
+    <p:notesMasterId r:id="rId9"/>
   </p:notesMasterIdLst>
   <p:handoutMasterIdLst>
-    <p:handoutMasterId r:id="rId11"/>
+    <p:handoutMasterId r:id="rId10"/>
   </p:handoutMasterIdLst>
   <p:sldIdLst>
     <p:sldId id="273" r:id="rId4"/>
     <p:sldId id="259" r:id="rId5"/>
-    <p:sldId id="276" r:id="rId6"/>
-    <p:sldId id="277" r:id="rId7"/>
-    <p:sldId id="278" r:id="rId8"/>
-    <p:sldId id="262" r:id="rId9"/>
+    <p:sldId id="280" r:id="rId6"/>
+    <p:sldId id="281" r:id="rId7"/>
+    <p:sldId id="282" r:id="rId8"/>
   </p:sldIdLst>
   <p:sldSz cx="15119350" cy="10691813"/>
   <p:notesSz cx="14597063" cy="21107400"/>
@@ -158,10 +157,9 @@
         <p14:section name="モデル図ページ（プライマリークラス）" id="{8B2B3982-7BAC-4EE5-974E-E0EE0719EC85}">
           <p14:sldIdLst>
             <p14:sldId id="259"/>
-            <p14:sldId id="276"/>
-            <p14:sldId id="277"/>
-            <p14:sldId id="278"/>
-            <p14:sldId id="262"/>
+            <p14:sldId id="280"/>
+            <p14:sldId id="281"/>
+            <p14:sldId id="282"/>
           </p14:sldIdLst>
         </p14:section>
       </p14:sectionLst>
@@ -1050,7 +1048,7 @@
           <a:p>
             <a:fld id="{C764DE79-268F-4C1A-8933-263129D2AF90}" type="datetimeFigureOut">
               <a:rPr lang="en-US" dirty="0"/>
-              <a:t>8/21/2023</a:t>
+              <a:t>8/22/2023</a:t>
             </a:fld>
             <a:endParaRPr lang="en-US" dirty="0"/>
           </a:p>
@@ -1145,7 +1143,7 @@
           <a:p>
             <a:fld id="{C764DE79-268F-4C1A-8933-263129D2AF90}" type="datetimeFigureOut">
               <a:rPr lang="en-US" dirty="0"/>
-              <a:t>8/21/2023</a:t>
+              <a:t>8/22/2023</a:t>
             </a:fld>
             <a:endParaRPr lang="en-US" dirty="0"/>
           </a:p>
@@ -1454,7 +1452,7 @@
           <a:p>
             <a:fld id="{C764DE79-268F-4C1A-8933-263129D2AF90}" type="datetimeFigureOut">
               <a:rPr lang="en-US" dirty="0"/>
-              <a:t>8/21/2023</a:t>
+              <a:t>8/22/2023</a:t>
             </a:fld>
             <a:endParaRPr lang="en-US" dirty="0"/>
           </a:p>
@@ -1711,7 +1709,7 @@
           <a:p>
             <a:fld id="{C764DE79-268F-4C1A-8933-263129D2AF90}" type="datetimeFigureOut">
               <a:rPr lang="en-US" dirty="0"/>
-              <a:t>8/21/2023</a:t>
+              <a:t>8/22/2023</a:t>
             </a:fld>
             <a:endParaRPr lang="en-US" dirty="0"/>
           </a:p>
@@ -1913,7 +1911,7 @@
           <a:p>
             <a:fld id="{C764DE79-268F-4C1A-8933-263129D2AF90}" type="datetimeFigureOut">
               <a:rPr lang="en-US" dirty="0"/>
-              <a:t>8/21/2023</a:t>
+              <a:t>8/22/2023</a:t>
             </a:fld>
             <a:endParaRPr lang="en-US" dirty="0"/>
           </a:p>
@@ -2125,7 +2123,7 @@
           <a:p>
             <a:fld id="{C764DE79-268F-4C1A-8933-263129D2AF90}" type="datetimeFigureOut">
               <a:rPr lang="en-US" dirty="0"/>
-              <a:t>8/21/2023</a:t>
+              <a:t>8/22/2023</a:t>
             </a:fld>
             <a:endParaRPr lang="en-US" dirty="0"/>
           </a:p>
@@ -2582,7 +2580,7 @@
           <a:p>
             <a:fld id="{C764DE79-268F-4C1A-8933-263129D2AF90}" type="datetimeFigureOut">
               <a:rPr lang="en-US" dirty="0"/>
-              <a:t>8/21/2023</a:t>
+              <a:t>8/22/2023</a:t>
             </a:fld>
             <a:endParaRPr lang="en-US" dirty="0"/>
           </a:p>
@@ -2784,7 +2782,7 @@
           <a:p>
             <a:fld id="{C764DE79-268F-4C1A-8933-263129D2AF90}" type="datetimeFigureOut">
               <a:rPr lang="en-US" dirty="0"/>
-              <a:t>8/21/2023</a:t>
+              <a:t>8/22/2023</a:t>
             </a:fld>
             <a:endParaRPr lang="en-US" dirty="0"/>
           </a:p>
@@ -3028,7 +3026,7 @@
           <a:p>
             <a:fld id="{C764DE79-268F-4C1A-8933-263129D2AF90}" type="datetimeFigureOut">
               <a:rPr lang="en-US" dirty="0"/>
-              <a:t>8/21/2023</a:t>
+              <a:t>8/22/2023</a:t>
             </a:fld>
             <a:endParaRPr lang="en-US" dirty="0"/>
           </a:p>
@@ -3324,7 +3322,7 @@
           <a:p>
             <a:fld id="{C764DE79-268F-4C1A-8933-263129D2AF90}" type="datetimeFigureOut">
               <a:rPr lang="en-US" dirty="0"/>
-              <a:t>8/21/2023</a:t>
+              <a:t>8/22/2023</a:t>
             </a:fld>
             <a:endParaRPr lang="en-US" dirty="0"/>
           </a:p>
@@ -3755,7 +3753,7 @@
           <a:p>
             <a:fld id="{C764DE79-268F-4C1A-8933-263129D2AF90}" type="datetimeFigureOut">
               <a:rPr lang="en-US" dirty="0"/>
-              <a:t>8/21/2023</a:t>
+              <a:t>8/22/2023</a:t>
             </a:fld>
             <a:endParaRPr lang="en-US" dirty="0"/>
           </a:p>
@@ -4780,7 +4778,7 @@
           <a:p>
             <a:fld id="{C764DE79-268F-4C1A-8933-263129D2AF90}" type="datetimeFigureOut">
               <a:rPr lang="en-US" dirty="0"/>
-              <a:t>8/21/2023</a:t>
+              <a:t>8/22/2023</a:t>
             </a:fld>
             <a:endParaRPr lang="en-US" dirty="0"/>
           </a:p>
@@ -6197,6 +6195,8 @@
                 <a:solidFill>
                   <a:srgbClr val="FF0000"/>
                 </a:solidFill>
+                <a:latin typeface="+mn-ea"/>
+                <a:ea typeface="+mn-ea"/>
               </a:rPr>
               <a:t>モデルの</a:t>
             </a:r>
@@ -6205,6 +6205,8 @@
                 <a:solidFill>
                   <a:srgbClr val="FF0000"/>
                 </a:solidFill>
+                <a:latin typeface="+mn-ea"/>
+                <a:ea typeface="+mn-ea"/>
               </a:rPr>
               <a:t>構成</a:t>
             </a:r>
@@ -6212,6 +6214,8 @@
               <a:solidFill>
                 <a:srgbClr val="FF0000"/>
               </a:solidFill>
+              <a:latin typeface="+mn-ea"/>
+              <a:ea typeface="+mn-ea"/>
             </a:endParaRPr>
           </a:p>
           <a:p>
@@ -6225,311 +6229,350 @@
             </a:pPr>
             <a:r>
               <a:rPr lang="en-US" altLang="ja-JP" sz="1782" dirty="0" smtClean="0">
-                <a:latin typeface="HG丸ｺﾞｼｯｸM-PRO" panose="020F0600000000000000" pitchFamily="50" charset="-128"/>
-                <a:ea typeface="HG丸ｺﾞｼｯｸM-PRO" panose="020F0600000000000000" pitchFamily="50" charset="-128"/>
+                <a:latin typeface="+mn-ea"/>
+                <a:ea typeface="+mn-ea"/>
               </a:rPr>
               <a:t/>
             </a:r>
             <a:br>
               <a:rPr lang="en-US" altLang="ja-JP" sz="1782" dirty="0" smtClean="0">
-                <a:latin typeface="HG丸ｺﾞｼｯｸM-PRO" panose="020F0600000000000000" pitchFamily="50" charset="-128"/>
-                <a:ea typeface="HG丸ｺﾞｼｯｸM-PRO" panose="020F0600000000000000" pitchFamily="50" charset="-128"/>
+                <a:latin typeface="+mn-ea"/>
+                <a:ea typeface="+mn-ea"/>
               </a:rPr>
             </a:br>
             <a:r>
               <a:rPr lang="ja-JP" altLang="en-US" sz="2400" b="1" dirty="0" smtClean="0">
-                <a:latin typeface="HG丸ｺﾞｼｯｸM-PRO" panose="020F0600000000000000" pitchFamily="50" charset="-128"/>
-                <a:ea typeface="HG丸ｺﾞｼｯｸM-PRO" panose="020F0600000000000000" pitchFamily="50" charset="-128"/>
+                <a:latin typeface="+mn-ea"/>
+                <a:ea typeface="+mn-ea"/>
               </a:rPr>
               <a:t>１</a:t>
             </a:r>
             <a:r>
               <a:rPr lang="en-US" altLang="ja-JP" sz="2400" b="1" dirty="0" smtClean="0">
-                <a:latin typeface="HG丸ｺﾞｼｯｸM-PRO" panose="020F0600000000000000" pitchFamily="50" charset="-128"/>
-                <a:ea typeface="HG丸ｺﾞｼｯｸM-PRO" panose="020F0600000000000000" pitchFamily="50" charset="-128"/>
+                <a:latin typeface="+mn-ea"/>
+                <a:ea typeface="+mn-ea"/>
               </a:rPr>
               <a:t>. </a:t>
             </a:r>
             <a:r>
               <a:rPr lang="ja-JP" altLang="en-US" sz="2400" b="1" dirty="0" smtClean="0">
-                <a:latin typeface="HG丸ｺﾞｼｯｸM-PRO" panose="020F0600000000000000" pitchFamily="50" charset="-128"/>
-                <a:ea typeface="HG丸ｺﾞｼｯｸM-PRO" panose="020F0600000000000000" pitchFamily="50" charset="-128"/>
+                <a:latin typeface="+mn-ea"/>
+                <a:ea typeface="+mn-ea"/>
               </a:rPr>
               <a:t>要求分析</a:t>
             </a:r>
             <a:r>
+              <a:rPr lang="en-US" altLang="ja-JP" sz="2400" b="1" dirty="0" smtClean="0">
+                <a:latin typeface="+mn-ea"/>
+                <a:ea typeface="+mn-ea"/>
+              </a:rPr>
+              <a:t/>
+            </a:r>
+            <a:br>
+              <a:rPr lang="en-US" altLang="ja-JP" sz="2400" b="1" dirty="0" smtClean="0">
+                <a:latin typeface="+mn-ea"/>
+                <a:ea typeface="+mn-ea"/>
+              </a:rPr>
+            </a:br>
+            <a:r>
               <a:rPr lang="en-US" altLang="ja-JP" sz="2000" dirty="0" smtClean="0">
-                <a:latin typeface="HG丸ｺﾞｼｯｸM-PRO" panose="020F0600000000000000" pitchFamily="50" charset="-128"/>
-                <a:ea typeface="HG丸ｺﾞｼｯｸM-PRO" panose="020F0600000000000000" pitchFamily="50" charset="-128"/>
+                <a:latin typeface="+mn-ea"/>
+                <a:ea typeface="+mn-ea"/>
               </a:rPr>
               <a:t/>
             </a:r>
             <a:br>
               <a:rPr lang="en-US" altLang="ja-JP" sz="2000" dirty="0" smtClean="0">
-                <a:latin typeface="HG丸ｺﾞｼｯｸM-PRO" panose="020F0600000000000000" pitchFamily="50" charset="-128"/>
-                <a:ea typeface="HG丸ｺﾞｼｯｸM-PRO" panose="020F0600000000000000" pitchFamily="50" charset="-128"/>
+                <a:latin typeface="+mn-ea"/>
+                <a:ea typeface="+mn-ea"/>
               </a:rPr>
             </a:br>
             <a:r>
               <a:rPr lang="ja-JP" altLang="en-US" sz="2000" dirty="0" smtClean="0">
-                <a:latin typeface="HG丸ｺﾞｼｯｸM-PRO" panose="020F0600000000000000" pitchFamily="50" charset="-128"/>
-                <a:ea typeface="HG丸ｺﾞｼｯｸM-PRO" panose="020F0600000000000000" pitchFamily="50" charset="-128"/>
+                <a:latin typeface="+mn-ea"/>
+                <a:ea typeface="+mn-ea"/>
               </a:rPr>
               <a:t>安定してゴールに到達する目標のもと、</a:t>
             </a:r>
             <a:r>
               <a:rPr lang="en-US" altLang="ja-JP" sz="2000" dirty="0" smtClean="0">
-                <a:latin typeface="HG丸ｺﾞｼｯｸM-PRO" panose="020F0600000000000000" pitchFamily="50" charset="-128"/>
-                <a:ea typeface="HG丸ｺﾞｼｯｸM-PRO" panose="020F0600000000000000" pitchFamily="50" charset="-128"/>
+                <a:latin typeface="+mn-ea"/>
+                <a:ea typeface="+mn-ea"/>
               </a:rPr>
               <a:t/>
             </a:r>
             <a:br>
               <a:rPr lang="en-US" altLang="ja-JP" sz="2000" dirty="0" smtClean="0">
-                <a:latin typeface="HG丸ｺﾞｼｯｸM-PRO" panose="020F0600000000000000" pitchFamily="50" charset="-128"/>
-                <a:ea typeface="HG丸ｺﾞｼｯｸM-PRO" panose="020F0600000000000000" pitchFamily="50" charset="-128"/>
+                <a:latin typeface="+mn-ea"/>
+                <a:ea typeface="+mn-ea"/>
               </a:rPr>
             </a:br>
             <a:r>
               <a:rPr lang="ja-JP" altLang="en-US" sz="2000" dirty="0" smtClean="0">
-                <a:latin typeface="HG丸ｺﾞｼｯｸM-PRO" panose="020F0600000000000000" pitchFamily="50" charset="-128"/>
-                <a:ea typeface="HG丸ｺﾞｼｯｸM-PRO" panose="020F0600000000000000" pitchFamily="50" charset="-128"/>
+                <a:latin typeface="+mn-ea"/>
+                <a:ea typeface="+mn-ea"/>
               </a:rPr>
               <a:t>ブロック </a:t>
             </a:r>
             <a:r>
               <a:rPr lang="en-US" altLang="ja-JP" sz="2000" dirty="0">
-                <a:latin typeface="HG丸ｺﾞｼｯｸM-PRO" panose="020F0600000000000000" pitchFamily="50" charset="-128"/>
-                <a:ea typeface="HG丸ｺﾞｼｯｸM-PRO" panose="020F0600000000000000" pitchFamily="50" charset="-128"/>
+                <a:latin typeface="+mn-ea"/>
+                <a:ea typeface="+mn-ea"/>
               </a:rPr>
               <a:t>de </a:t>
             </a:r>
             <a:r>
               <a:rPr lang="ja-JP" altLang="en-US" sz="2000" dirty="0" smtClean="0">
-                <a:latin typeface="HG丸ｺﾞｼｯｸM-PRO" panose="020F0600000000000000" pitchFamily="50" charset="-128"/>
-                <a:ea typeface="HG丸ｺﾞｼｯｸM-PRO" panose="020F0600000000000000" pitchFamily="50" charset="-128"/>
+                <a:latin typeface="+mn-ea"/>
+                <a:ea typeface="+mn-ea"/>
               </a:rPr>
               <a:t>トレジャーをクリアするための要求を抽出した。</a:t>
             </a:r>
             <a:r>
               <a:rPr lang="en-US" altLang="ja-JP" sz="2000" dirty="0" smtClean="0">
-                <a:latin typeface="HG丸ｺﾞｼｯｸM-PRO" panose="020F0600000000000000" pitchFamily="50" charset="-128"/>
-                <a:ea typeface="HG丸ｺﾞｼｯｸM-PRO" panose="020F0600000000000000" pitchFamily="50" charset="-128"/>
+                <a:latin typeface="+mn-ea"/>
+                <a:ea typeface="+mn-ea"/>
               </a:rPr>
               <a:t/>
             </a:r>
             <a:br>
               <a:rPr lang="en-US" altLang="ja-JP" sz="2000" dirty="0" smtClean="0">
-                <a:latin typeface="HG丸ｺﾞｼｯｸM-PRO" panose="020F0600000000000000" pitchFamily="50" charset="-128"/>
-                <a:ea typeface="HG丸ｺﾞｼｯｸM-PRO" panose="020F0600000000000000" pitchFamily="50" charset="-128"/>
+                <a:latin typeface="+mn-ea"/>
+                <a:ea typeface="+mn-ea"/>
               </a:rPr>
             </a:br>
             <a:r>
               <a:rPr lang="ja-JP" altLang="en-US" sz="2000" dirty="0" smtClean="0">
-                <a:latin typeface="HG丸ｺﾞｼｯｸM-PRO" panose="020F0600000000000000" pitchFamily="50" charset="-128"/>
-                <a:ea typeface="HG丸ｺﾞｼｯｸM-PRO" panose="020F0600000000000000" pitchFamily="50" charset="-128"/>
+                <a:latin typeface="+mn-ea"/>
+                <a:ea typeface="+mn-ea"/>
               </a:rPr>
               <a:t>・ライントレースや旋回でコースアウトしないための処理を実現する</a:t>
             </a:r>
             <a:r>
               <a:rPr lang="en-US" altLang="ja-JP" sz="2000" dirty="0" smtClean="0">
-                <a:latin typeface="HG丸ｺﾞｼｯｸM-PRO" panose="020F0600000000000000" pitchFamily="50" charset="-128"/>
-                <a:ea typeface="HG丸ｺﾞｼｯｸM-PRO" panose="020F0600000000000000" pitchFamily="50" charset="-128"/>
+                <a:latin typeface="+mn-ea"/>
+                <a:ea typeface="+mn-ea"/>
               </a:rPr>
               <a:t/>
             </a:r>
             <a:br>
               <a:rPr lang="en-US" altLang="ja-JP" sz="2000" dirty="0" smtClean="0">
-                <a:latin typeface="HG丸ｺﾞｼｯｸM-PRO" panose="020F0600000000000000" pitchFamily="50" charset="-128"/>
-                <a:ea typeface="HG丸ｺﾞｼｯｸM-PRO" panose="020F0600000000000000" pitchFamily="50" charset="-128"/>
+                <a:latin typeface="+mn-ea"/>
+                <a:ea typeface="+mn-ea"/>
               </a:rPr>
             </a:br>
             <a:r>
               <a:rPr lang="ja-JP" altLang="en-US" sz="2000" dirty="0" smtClean="0">
-                <a:latin typeface="HG丸ｺﾞｼｯｸM-PRO" panose="020F0600000000000000" pitchFamily="50" charset="-128"/>
-                <a:ea typeface="HG丸ｺﾞｼｯｸM-PRO" panose="020F0600000000000000" pitchFamily="50" charset="-128"/>
+                <a:latin typeface="+mn-ea"/>
+                <a:ea typeface="+mn-ea"/>
               </a:rPr>
               <a:t>・ブロックを押し出す距離やブロックの配置パターンにおける走行経路など、固定化可能なものは事前に定義することでモデルが複雑化することを防ぐ。</a:t>
             </a:r>
             <a:r>
               <a:rPr lang="en-US" altLang="ja-JP" sz="2000" dirty="0" smtClean="0">
-                <a:latin typeface="HG丸ｺﾞｼｯｸM-PRO" panose="020F0600000000000000" pitchFamily="50" charset="-128"/>
-                <a:ea typeface="HG丸ｺﾞｼｯｸM-PRO" panose="020F0600000000000000" pitchFamily="50" charset="-128"/>
+                <a:latin typeface="+mn-ea"/>
+                <a:ea typeface="+mn-ea"/>
               </a:rPr>
               <a:t/>
             </a:r>
             <a:br>
               <a:rPr lang="en-US" altLang="ja-JP" sz="2000" dirty="0" smtClean="0">
-                <a:latin typeface="HG丸ｺﾞｼｯｸM-PRO" panose="020F0600000000000000" pitchFamily="50" charset="-128"/>
-                <a:ea typeface="HG丸ｺﾞｼｯｸM-PRO" panose="020F0600000000000000" pitchFamily="50" charset="-128"/>
+                <a:latin typeface="+mn-ea"/>
+                <a:ea typeface="+mn-ea"/>
               </a:rPr>
             </a:br>
             <a:r>
               <a:rPr lang="en-US" altLang="ja-JP" sz="2000" dirty="0" smtClean="0">
-                <a:latin typeface="HG丸ｺﾞｼｯｸM-PRO" panose="020F0600000000000000" pitchFamily="50" charset="-128"/>
-                <a:ea typeface="HG丸ｺﾞｼｯｸM-PRO" panose="020F0600000000000000" pitchFamily="50" charset="-128"/>
+                <a:latin typeface="+mn-ea"/>
+                <a:ea typeface="+mn-ea"/>
               </a:rPr>
               <a:t/>
             </a:r>
             <a:br>
               <a:rPr lang="en-US" altLang="ja-JP" sz="2000" dirty="0" smtClean="0">
-                <a:latin typeface="HG丸ｺﾞｼｯｸM-PRO" panose="020F0600000000000000" pitchFamily="50" charset="-128"/>
-                <a:ea typeface="HG丸ｺﾞｼｯｸM-PRO" panose="020F0600000000000000" pitchFamily="50" charset="-128"/>
+                <a:latin typeface="+mn-ea"/>
+                <a:ea typeface="+mn-ea"/>
               </a:rPr>
             </a:br>
             <a:r>
               <a:rPr lang="ja-JP" altLang="en-US" sz="2400" b="1" dirty="0">
-                <a:latin typeface="HG丸ｺﾞｼｯｸM-PRO" panose="020F0600000000000000" pitchFamily="50" charset="-128"/>
-                <a:ea typeface="HG丸ｺﾞｼｯｸM-PRO" panose="020F0600000000000000" pitchFamily="50" charset="-128"/>
+                <a:latin typeface="+mn-ea"/>
+                <a:ea typeface="+mn-ea"/>
               </a:rPr>
               <a:t>２</a:t>
             </a:r>
             <a:r>
               <a:rPr lang="en-US" altLang="ja-JP" sz="2400" b="1" dirty="0" smtClean="0">
-                <a:latin typeface="HG丸ｺﾞｼｯｸM-PRO" panose="020F0600000000000000" pitchFamily="50" charset="-128"/>
-                <a:ea typeface="HG丸ｺﾞｼｯｸM-PRO" panose="020F0600000000000000" pitchFamily="50" charset="-128"/>
+                <a:latin typeface="+mn-ea"/>
+                <a:ea typeface="+mn-ea"/>
               </a:rPr>
               <a:t>. </a:t>
             </a:r>
             <a:r>
               <a:rPr lang="ja-JP" altLang="en-US" sz="2400" b="1" dirty="0">
-                <a:latin typeface="HG丸ｺﾞｼｯｸM-PRO" panose="020F0600000000000000" pitchFamily="50" charset="-128"/>
-                <a:ea typeface="HG丸ｺﾞｼｯｸM-PRO" panose="020F0600000000000000" pitchFamily="50" charset="-128"/>
+                <a:latin typeface="+mn-ea"/>
+                <a:ea typeface="+mn-ea"/>
               </a:rPr>
               <a:t>機能</a:t>
             </a:r>
             <a:r>
               <a:rPr lang="ja-JP" altLang="en-US" sz="2400" b="1" dirty="0" smtClean="0">
-                <a:latin typeface="HG丸ｺﾞｼｯｸM-PRO" panose="020F0600000000000000" pitchFamily="50" charset="-128"/>
-                <a:ea typeface="HG丸ｺﾞｼｯｸM-PRO" panose="020F0600000000000000" pitchFamily="50" charset="-128"/>
+                <a:latin typeface="+mn-ea"/>
+                <a:ea typeface="+mn-ea"/>
               </a:rPr>
               <a:t>モデル</a:t>
             </a:r>
             <a:r>
+              <a:rPr lang="en-US" altLang="ja-JP" sz="2400" b="1" dirty="0" smtClean="0">
+                <a:latin typeface="+mn-ea"/>
+                <a:ea typeface="+mn-ea"/>
+              </a:rPr>
+              <a:t/>
+            </a:r>
+            <a:br>
+              <a:rPr lang="en-US" altLang="ja-JP" sz="2400" b="1" dirty="0" smtClean="0">
+                <a:latin typeface="+mn-ea"/>
+                <a:ea typeface="+mn-ea"/>
+              </a:rPr>
+            </a:br>
+            <a:r>
               <a:rPr lang="en-US" altLang="ja-JP" sz="2000" dirty="0">
-                <a:latin typeface="HG丸ｺﾞｼｯｸM-PRO" panose="020F0600000000000000" pitchFamily="50" charset="-128"/>
-                <a:ea typeface="HG丸ｺﾞｼｯｸM-PRO" panose="020F0600000000000000" pitchFamily="50" charset="-128"/>
+                <a:latin typeface="+mn-ea"/>
+                <a:ea typeface="+mn-ea"/>
               </a:rPr>
               <a:t/>
             </a:r>
             <a:br>
               <a:rPr lang="en-US" altLang="ja-JP" sz="2000" dirty="0">
-                <a:latin typeface="HG丸ｺﾞｼｯｸM-PRO" panose="020F0600000000000000" pitchFamily="50" charset="-128"/>
-                <a:ea typeface="HG丸ｺﾞｼｯｸM-PRO" panose="020F0600000000000000" pitchFamily="50" charset="-128"/>
+                <a:latin typeface="+mn-ea"/>
+                <a:ea typeface="+mn-ea"/>
               </a:rPr>
             </a:br>
             <a:r>
               <a:rPr lang="ja-JP" altLang="en-US" sz="2000" dirty="0" smtClean="0">
-                <a:latin typeface="HG丸ｺﾞｼｯｸM-PRO" panose="020F0600000000000000" pitchFamily="50" charset="-128"/>
-                <a:ea typeface="HG丸ｺﾞｼｯｸM-PRO" panose="020F0600000000000000" pitchFamily="50" charset="-128"/>
+                <a:latin typeface="+mn-ea"/>
+                <a:ea typeface="+mn-ea"/>
               </a:rPr>
               <a:t>・ブロック </a:t>
             </a:r>
             <a:r>
               <a:rPr lang="en-US" altLang="ja-JP" sz="2000" dirty="0">
-                <a:latin typeface="HG丸ｺﾞｼｯｸM-PRO" panose="020F0600000000000000" pitchFamily="50" charset="-128"/>
-                <a:ea typeface="HG丸ｺﾞｼｯｸM-PRO" panose="020F0600000000000000" pitchFamily="50" charset="-128"/>
+                <a:latin typeface="+mn-ea"/>
+                <a:ea typeface="+mn-ea"/>
               </a:rPr>
               <a:t>de </a:t>
             </a:r>
             <a:r>
               <a:rPr lang="ja-JP" altLang="en-US" sz="2000" dirty="0" smtClean="0">
-                <a:latin typeface="HG丸ｺﾞｼｯｸM-PRO" panose="020F0600000000000000" pitchFamily="50" charset="-128"/>
-                <a:ea typeface="HG丸ｺﾞｼｯｸM-PRO" panose="020F0600000000000000" pitchFamily="50" charset="-128"/>
+                <a:latin typeface="+mn-ea"/>
+                <a:ea typeface="+mn-ea"/>
               </a:rPr>
               <a:t>トレジャーのクリアに必要な機能をユースケース図で抽出。</a:t>
             </a:r>
             <a:r>
               <a:rPr lang="en-US" altLang="ja-JP" sz="2000" dirty="0" smtClean="0">
-                <a:latin typeface="HG丸ｺﾞｼｯｸM-PRO" panose="020F0600000000000000" pitchFamily="50" charset="-128"/>
-                <a:ea typeface="HG丸ｺﾞｼｯｸM-PRO" panose="020F0600000000000000" pitchFamily="50" charset="-128"/>
+                <a:latin typeface="+mn-ea"/>
+                <a:ea typeface="+mn-ea"/>
               </a:rPr>
               <a:t/>
             </a:r>
             <a:br>
               <a:rPr lang="en-US" altLang="ja-JP" sz="2000" dirty="0" smtClean="0">
-                <a:latin typeface="HG丸ｺﾞｼｯｸM-PRO" panose="020F0600000000000000" pitchFamily="50" charset="-128"/>
-                <a:ea typeface="HG丸ｺﾞｼｯｸM-PRO" panose="020F0600000000000000" pitchFamily="50" charset="-128"/>
+                <a:latin typeface="+mn-ea"/>
+                <a:ea typeface="+mn-ea"/>
               </a:rPr>
             </a:br>
             <a:r>
               <a:rPr lang="ja-JP" altLang="en-US" sz="2000" dirty="0" smtClean="0">
-                <a:latin typeface="HG丸ｺﾞｼｯｸM-PRO" panose="020F0600000000000000" pitchFamily="50" charset="-128"/>
-                <a:ea typeface="HG丸ｺﾞｼｯｸM-PRO" panose="020F0600000000000000" pitchFamily="50" charset="-128"/>
+                <a:latin typeface="+mn-ea"/>
+                <a:ea typeface="+mn-ea"/>
               </a:rPr>
               <a:t>・各機能で行う処理を小さくすることで、可用性を高めた。</a:t>
             </a:r>
             <a:r>
               <a:rPr lang="en-US" altLang="ja-JP" sz="2000" dirty="0">
-                <a:latin typeface="HG丸ｺﾞｼｯｸM-PRO" panose="020F0600000000000000" pitchFamily="50" charset="-128"/>
-                <a:ea typeface="HG丸ｺﾞｼｯｸM-PRO" panose="020F0600000000000000" pitchFamily="50" charset="-128"/>
+                <a:latin typeface="+mn-ea"/>
+                <a:ea typeface="+mn-ea"/>
               </a:rPr>
               <a:t/>
             </a:r>
             <a:br>
               <a:rPr lang="en-US" altLang="ja-JP" sz="2000" dirty="0">
-                <a:latin typeface="HG丸ｺﾞｼｯｸM-PRO" panose="020F0600000000000000" pitchFamily="50" charset="-128"/>
-                <a:ea typeface="HG丸ｺﾞｼｯｸM-PRO" panose="020F0600000000000000" pitchFamily="50" charset="-128"/>
+                <a:latin typeface="+mn-ea"/>
+                <a:ea typeface="+mn-ea"/>
               </a:rPr>
             </a:br>
             <a:r>
               <a:rPr lang="en-US" altLang="ja-JP" sz="2000" dirty="0">
-                <a:latin typeface="HG丸ｺﾞｼｯｸM-PRO" panose="020F0600000000000000" pitchFamily="50" charset="-128"/>
-                <a:ea typeface="HG丸ｺﾞｼｯｸM-PRO" panose="020F0600000000000000" pitchFamily="50" charset="-128"/>
+                <a:latin typeface="+mn-ea"/>
+                <a:ea typeface="+mn-ea"/>
               </a:rPr>
               <a:t/>
             </a:r>
             <a:br>
               <a:rPr lang="en-US" altLang="ja-JP" sz="2000" dirty="0">
-                <a:latin typeface="HG丸ｺﾞｼｯｸM-PRO" panose="020F0600000000000000" pitchFamily="50" charset="-128"/>
-                <a:ea typeface="HG丸ｺﾞｼｯｸM-PRO" panose="020F0600000000000000" pitchFamily="50" charset="-128"/>
+                <a:latin typeface="+mn-ea"/>
+                <a:ea typeface="+mn-ea"/>
               </a:rPr>
             </a:br>
             <a:r>
               <a:rPr lang="ja-JP" altLang="en-US" sz="2400" b="1" dirty="0" smtClean="0">
-                <a:latin typeface="HG丸ｺﾞｼｯｸM-PRO" panose="020F0600000000000000" pitchFamily="50" charset="-128"/>
-                <a:ea typeface="HG丸ｺﾞｼｯｸM-PRO" panose="020F0600000000000000" pitchFamily="50" charset="-128"/>
+                <a:latin typeface="+mn-ea"/>
+                <a:ea typeface="+mn-ea"/>
               </a:rPr>
               <a:t>３</a:t>
             </a:r>
             <a:r>
               <a:rPr lang="en-US" altLang="ja-JP" sz="2400" b="1" dirty="0" smtClean="0">
-                <a:latin typeface="HG丸ｺﾞｼｯｸM-PRO" panose="020F0600000000000000" pitchFamily="50" charset="-128"/>
-                <a:ea typeface="HG丸ｺﾞｼｯｸM-PRO" panose="020F0600000000000000" pitchFamily="50" charset="-128"/>
+                <a:latin typeface="+mn-ea"/>
+                <a:ea typeface="+mn-ea"/>
               </a:rPr>
               <a:t>. </a:t>
             </a:r>
             <a:r>
               <a:rPr lang="ja-JP" altLang="en-US" sz="2400" b="1" dirty="0">
-                <a:latin typeface="HG丸ｺﾞｼｯｸM-PRO" panose="020F0600000000000000" pitchFamily="50" charset="-128"/>
-                <a:ea typeface="HG丸ｺﾞｼｯｸM-PRO" panose="020F0600000000000000" pitchFamily="50" charset="-128"/>
+                <a:latin typeface="+mn-ea"/>
+                <a:ea typeface="+mn-ea"/>
               </a:rPr>
               <a:t>構造</a:t>
             </a:r>
             <a:r>
               <a:rPr lang="ja-JP" altLang="en-US" sz="2400" b="1" dirty="0" smtClean="0">
-                <a:latin typeface="HG丸ｺﾞｼｯｸM-PRO" panose="020F0600000000000000" pitchFamily="50" charset="-128"/>
-                <a:ea typeface="HG丸ｺﾞｼｯｸM-PRO" panose="020F0600000000000000" pitchFamily="50" charset="-128"/>
+                <a:latin typeface="+mn-ea"/>
+                <a:ea typeface="+mn-ea"/>
               </a:rPr>
               <a:t>モデル</a:t>
             </a:r>
             <a:r>
+              <a:rPr lang="en-US" altLang="ja-JP" sz="2400" b="1" dirty="0" smtClean="0">
+                <a:latin typeface="+mn-ea"/>
+                <a:ea typeface="+mn-ea"/>
+              </a:rPr>
+              <a:t/>
+            </a:r>
+            <a:br>
+              <a:rPr lang="en-US" altLang="ja-JP" sz="2400" b="1" dirty="0" smtClean="0">
+                <a:latin typeface="+mn-ea"/>
+                <a:ea typeface="+mn-ea"/>
+              </a:rPr>
+            </a:br>
+            <a:r>
               <a:rPr lang="en-US" altLang="ja-JP" sz="2000" dirty="0">
-                <a:latin typeface="HG丸ｺﾞｼｯｸM-PRO" panose="020F0600000000000000" pitchFamily="50" charset="-128"/>
-                <a:ea typeface="HG丸ｺﾞｼｯｸM-PRO" panose="020F0600000000000000" pitchFamily="50" charset="-128"/>
+                <a:latin typeface="+mn-ea"/>
+                <a:ea typeface="+mn-ea"/>
               </a:rPr>
               <a:t/>
             </a:r>
             <a:br>
               <a:rPr lang="en-US" altLang="ja-JP" sz="2000" dirty="0">
-                <a:latin typeface="HG丸ｺﾞｼｯｸM-PRO" panose="020F0600000000000000" pitchFamily="50" charset="-128"/>
-                <a:ea typeface="HG丸ｺﾞｼｯｸM-PRO" panose="020F0600000000000000" pitchFamily="50" charset="-128"/>
+                <a:latin typeface="+mn-ea"/>
+                <a:ea typeface="+mn-ea"/>
               </a:rPr>
             </a:br>
             <a:r>
               <a:rPr lang="ja-JP" altLang="en-US" sz="2000" dirty="0">
-                <a:latin typeface="HG丸ｺﾞｼｯｸM-PRO" panose="020F0600000000000000" pitchFamily="50" charset="-128"/>
-                <a:ea typeface="HG丸ｺﾞｼｯｸM-PRO" panose="020F0600000000000000" pitchFamily="50" charset="-128"/>
+                <a:latin typeface="+mn-ea"/>
+                <a:ea typeface="+mn-ea"/>
               </a:rPr>
               <a:t>・機能モデルで抽出した機能をもとにクラスを定義した。</a:t>
             </a:r>
@@ -6545,82 +6588,95 @@
             </a:pPr>
             <a:r>
               <a:rPr lang="ja-JP" altLang="en-US" sz="2000" dirty="0" smtClean="0">
-                <a:latin typeface="HG丸ｺﾞｼｯｸM-PRO" panose="020F0600000000000000" pitchFamily="50" charset="-128"/>
-                <a:ea typeface="HG丸ｺﾞｼｯｸM-PRO" panose="020F0600000000000000" pitchFamily="50" charset="-128"/>
+                <a:latin typeface="+mn-ea"/>
+                <a:ea typeface="+mn-ea"/>
               </a:rPr>
               <a:t>・保守性</a:t>
             </a:r>
             <a:r>
               <a:rPr lang="ja-JP" altLang="en-US" sz="2000" dirty="0">
-                <a:latin typeface="HG丸ｺﾞｼｯｸM-PRO" panose="020F0600000000000000" pitchFamily="50" charset="-128"/>
-                <a:ea typeface="HG丸ｺﾞｼｯｸM-PRO" panose="020F0600000000000000" pitchFamily="50" charset="-128"/>
+                <a:latin typeface="+mn-ea"/>
+                <a:ea typeface="+mn-ea"/>
               </a:rPr>
               <a:t>を高めるため、単一責任の原則に基づいてクラス間が疎結合となるようにした。</a:t>
             </a:r>
             <a:r>
               <a:rPr lang="en-US" altLang="ja-JP" sz="2000" dirty="0" smtClean="0">
-                <a:latin typeface="HG丸ｺﾞｼｯｸM-PRO" panose="020F0600000000000000" pitchFamily="50" charset="-128"/>
-                <a:ea typeface="HG丸ｺﾞｼｯｸM-PRO" panose="020F0600000000000000" pitchFamily="50" charset="-128"/>
+                <a:latin typeface="+mn-ea"/>
+                <a:ea typeface="+mn-ea"/>
               </a:rPr>
               <a:t/>
             </a:r>
             <a:br>
               <a:rPr lang="en-US" altLang="ja-JP" sz="2000" dirty="0" smtClean="0">
-                <a:latin typeface="HG丸ｺﾞｼｯｸM-PRO" panose="020F0600000000000000" pitchFamily="50" charset="-128"/>
-                <a:ea typeface="HG丸ｺﾞｼｯｸM-PRO" panose="020F0600000000000000" pitchFamily="50" charset="-128"/>
+                <a:latin typeface="+mn-ea"/>
+                <a:ea typeface="+mn-ea"/>
               </a:rPr>
             </a:br>
             <a:r>
               <a:rPr lang="en-US" altLang="ja-JP" sz="2000" dirty="0">
-                <a:latin typeface="HG丸ｺﾞｼｯｸM-PRO" panose="020F0600000000000000" pitchFamily="50" charset="-128"/>
-                <a:ea typeface="HG丸ｺﾞｼｯｸM-PRO" panose="020F0600000000000000" pitchFamily="50" charset="-128"/>
+                <a:latin typeface="+mn-ea"/>
+                <a:ea typeface="+mn-ea"/>
               </a:rPr>
               <a:t/>
             </a:r>
             <a:br>
               <a:rPr lang="en-US" altLang="ja-JP" sz="2000" dirty="0">
-                <a:latin typeface="HG丸ｺﾞｼｯｸM-PRO" panose="020F0600000000000000" pitchFamily="50" charset="-128"/>
-                <a:ea typeface="HG丸ｺﾞｼｯｸM-PRO" panose="020F0600000000000000" pitchFamily="50" charset="-128"/>
+                <a:latin typeface="+mn-ea"/>
+                <a:ea typeface="+mn-ea"/>
               </a:rPr>
             </a:br>
             <a:r>
               <a:rPr lang="ja-JP" altLang="en-US" sz="2400" b="1" dirty="0" smtClean="0">
-                <a:latin typeface="HG丸ｺﾞｼｯｸM-PRO" panose="020F0600000000000000" pitchFamily="50" charset="-128"/>
-                <a:ea typeface="HG丸ｺﾞｼｯｸM-PRO" panose="020F0600000000000000" pitchFamily="50" charset="-128"/>
+                <a:latin typeface="+mn-ea"/>
+                <a:ea typeface="+mn-ea"/>
               </a:rPr>
               <a:t>４</a:t>
             </a:r>
             <a:r>
               <a:rPr lang="en-US" altLang="ja-JP" sz="2400" b="1" dirty="0" smtClean="0">
-                <a:latin typeface="HG丸ｺﾞｼｯｸM-PRO" panose="020F0600000000000000" pitchFamily="50" charset="-128"/>
-                <a:ea typeface="HG丸ｺﾞｼｯｸM-PRO" panose="020F0600000000000000" pitchFamily="50" charset="-128"/>
+                <a:latin typeface="+mn-ea"/>
+                <a:ea typeface="+mn-ea"/>
               </a:rPr>
               <a:t>. </a:t>
             </a:r>
             <a:r>
               <a:rPr lang="ja-JP" altLang="en-US" sz="2400" b="1" dirty="0" smtClean="0">
-                <a:latin typeface="HG丸ｺﾞｼｯｸM-PRO" panose="020F0600000000000000" pitchFamily="50" charset="-128"/>
-                <a:ea typeface="HG丸ｺﾞｼｯｸM-PRO" panose="020F0600000000000000" pitchFamily="50" charset="-128"/>
+                <a:latin typeface="+mn-ea"/>
+                <a:ea typeface="+mn-ea"/>
               </a:rPr>
               <a:t>振舞いモデル</a:t>
             </a:r>
             <a:r>
+              <a:rPr lang="en-US" altLang="ja-JP" sz="2400" b="1" dirty="0" smtClean="0">
+                <a:latin typeface="+mn-ea"/>
+                <a:ea typeface="+mn-ea"/>
+              </a:rPr>
+              <a:t/>
+            </a:r>
+            <a:br>
+              <a:rPr lang="en-US" altLang="ja-JP" sz="2400" b="1" dirty="0" smtClean="0">
+                <a:latin typeface="+mn-ea"/>
+                <a:ea typeface="+mn-ea"/>
+              </a:rPr>
+            </a:br>
+            <a:r>
               <a:rPr lang="en-US" altLang="ja-JP" sz="2000" dirty="0">
-                <a:latin typeface="HG丸ｺﾞｼｯｸM-PRO" panose="020F0600000000000000" pitchFamily="50" charset="-128"/>
-                <a:ea typeface="HG丸ｺﾞｼｯｸM-PRO" panose="020F0600000000000000" pitchFamily="50" charset="-128"/>
+                <a:latin typeface="+mn-ea"/>
+                <a:ea typeface="+mn-ea"/>
               </a:rPr>
               <a:t/>
             </a:r>
             <a:br>
               <a:rPr lang="en-US" altLang="ja-JP" sz="2000" dirty="0">
-                <a:latin typeface="HG丸ｺﾞｼｯｸM-PRO" panose="020F0600000000000000" pitchFamily="50" charset="-128"/>
-                <a:ea typeface="HG丸ｺﾞｼｯｸM-PRO" panose="020F0600000000000000" pitchFamily="50" charset="-128"/>
+                <a:latin typeface="+mn-ea"/>
+                <a:ea typeface="+mn-ea"/>
               </a:rPr>
             </a:br>
             <a:r>
               <a:rPr lang="ja-JP" altLang="en-US" sz="2000" dirty="0">
-                <a:latin typeface="HG丸ｺﾞｼｯｸM-PRO" panose="020F0600000000000000" pitchFamily="50" charset="-128"/>
-                <a:ea typeface="HG丸ｺﾞｼｯｸM-PRO" panose="020F0600000000000000" pitchFamily="50" charset="-128"/>
+                <a:latin typeface="+mn-ea"/>
+                <a:ea typeface="+mn-ea"/>
               </a:rPr>
               <a:t>・走行体の現在の状態とセンサなどから得られたデータから、制御すべき状態をシーケンス図で明確化した。</a:t>
             </a:r>
@@ -6636,49 +6692,49 @@
             </a:pPr>
             <a:r>
               <a:rPr lang="ja-JP" altLang="en-US" sz="2000" dirty="0">
-                <a:latin typeface="HG丸ｺﾞｼｯｸM-PRO" panose="020F0600000000000000" pitchFamily="50" charset="-128"/>
-                <a:ea typeface="HG丸ｺﾞｼｯｸM-PRO" panose="020F0600000000000000" pitchFamily="50" charset="-128"/>
+                <a:latin typeface="+mn-ea"/>
+                <a:ea typeface="+mn-ea"/>
               </a:rPr>
               <a:t>・ラインの色彩検出の可否</a:t>
             </a:r>
             <a:r>
               <a:rPr lang="ja-JP" altLang="en-US" sz="2000" dirty="0" smtClean="0">
-                <a:latin typeface="HG丸ｺﾞｼｯｸM-PRO" panose="020F0600000000000000" pitchFamily="50" charset="-128"/>
-                <a:ea typeface="HG丸ｺﾞｼｯｸM-PRO" panose="020F0600000000000000" pitchFamily="50" charset="-128"/>
+                <a:latin typeface="+mn-ea"/>
+                <a:ea typeface="+mn-ea"/>
               </a:rPr>
               <a:t>で状態を</a:t>
             </a:r>
             <a:r>
               <a:rPr lang="en-US" altLang="ja-JP" sz="2000" dirty="0" smtClean="0">
-                <a:latin typeface="HG丸ｺﾞｼｯｸM-PRO" panose="020F0600000000000000" pitchFamily="50" charset="-128"/>
-                <a:ea typeface="HG丸ｺﾞｼｯｸM-PRO" panose="020F0600000000000000" pitchFamily="50" charset="-128"/>
+                <a:latin typeface="+mn-ea"/>
+                <a:ea typeface="+mn-ea"/>
               </a:rPr>
               <a:t>2</a:t>
             </a:r>
             <a:r>
               <a:rPr lang="ja-JP" altLang="en-US" sz="2000" dirty="0" smtClean="0">
-                <a:latin typeface="HG丸ｺﾞｼｯｸM-PRO" panose="020F0600000000000000" pitchFamily="50" charset="-128"/>
-                <a:ea typeface="HG丸ｺﾞｼｯｸM-PRO" panose="020F0600000000000000" pitchFamily="50" charset="-128"/>
+                <a:latin typeface="+mn-ea"/>
+                <a:ea typeface="+mn-ea"/>
               </a:rPr>
               <a:t>つ用意</a:t>
             </a:r>
             <a:r>
               <a:rPr lang="ja-JP" altLang="en-US" sz="2000" dirty="0">
-                <a:latin typeface="HG丸ｺﾞｼｯｸM-PRO" panose="020F0600000000000000" pitchFamily="50" charset="-128"/>
-                <a:ea typeface="HG丸ｺﾞｼｯｸM-PRO" panose="020F0600000000000000" pitchFamily="50" charset="-128"/>
+                <a:latin typeface="+mn-ea"/>
+                <a:ea typeface="+mn-ea"/>
               </a:rPr>
               <a:t>し、複数回検出による誤作動を抑えた</a:t>
             </a:r>
             <a:r>
               <a:rPr lang="ja-JP" altLang="en-US" sz="2000" dirty="0" smtClean="0">
-                <a:latin typeface="HG丸ｺﾞｼｯｸM-PRO" panose="020F0600000000000000" pitchFamily="50" charset="-128"/>
-                <a:ea typeface="HG丸ｺﾞｼｯｸM-PRO" panose="020F0600000000000000" pitchFamily="50" charset="-128"/>
+                <a:latin typeface="+mn-ea"/>
+                <a:ea typeface="+mn-ea"/>
               </a:rPr>
               <a:t>。</a:t>
             </a:r>
             <a:endParaRPr lang="ja-JP" altLang="en-US" sz="2000" dirty="0">
-              <a:latin typeface="HG丸ｺﾞｼｯｸM-PRO" panose="020F0600000000000000" pitchFamily="50" charset="-128"/>
-              <a:ea typeface="HG丸ｺﾞｼｯｸM-PRO" panose="020F0600000000000000" pitchFamily="50" charset="-128"/>
+              <a:latin typeface="+mn-ea"/>
+              <a:ea typeface="+mn-ea"/>
             </a:endParaRPr>
           </a:p>
         </p:txBody>
@@ -6845,38 +6901,44 @@
               </a:spcBef>
             </a:pPr>
             <a:r>
-              <a:rPr lang="ja-JP" altLang="en-US" sz="2400" b="1" dirty="0"/>
+              <a:rPr lang="ja-JP" altLang="en-US" sz="2400" b="1" dirty="0">
+                <a:latin typeface="+mn-ea"/>
+                <a:ea typeface="+mn-ea"/>
+              </a:rPr>
               <a:t>チーム紹介、目標、意気込み</a:t>
             </a:r>
-            <a:endParaRPr lang="ja-JP" altLang="en-US" sz="1800" dirty="0"/>
+            <a:endParaRPr lang="ja-JP" altLang="en-US" sz="1800" dirty="0">
+              <a:latin typeface="+mn-ea"/>
+              <a:ea typeface="+mn-ea"/>
+            </a:endParaRPr>
           </a:p>
           <a:p>
             <a:pPr marL="0" indent="0"/>
             <a:endParaRPr lang="en-US" altLang="ja-JP" sz="2400" dirty="0">
-              <a:latin typeface="HG丸ｺﾞｼｯｸM-PRO" panose="020F0600000000000000" pitchFamily="50" charset="-128"/>
-              <a:ea typeface="HG丸ｺﾞｼｯｸM-PRO" panose="020F0600000000000000" pitchFamily="50" charset="-128"/>
+              <a:latin typeface="+mn-ea"/>
+              <a:ea typeface="+mn-ea"/>
             </a:endParaRPr>
           </a:p>
           <a:p>
             <a:pPr marL="0" indent="0"/>
             <a:r>
               <a:rPr lang="en-US" altLang="ja-JP" sz="2400" dirty="0">
-                <a:latin typeface="HG丸ｺﾞｼｯｸM-PRO" panose="020F0600000000000000" pitchFamily="50" charset="-128"/>
-                <a:ea typeface="HG丸ｺﾞｼｯｸM-PRO" panose="020F0600000000000000" pitchFamily="50" charset="-128"/>
+                <a:latin typeface="+mn-ea"/>
+                <a:ea typeface="+mn-ea"/>
               </a:rPr>
               <a:t>【</a:t>
             </a:r>
             <a:r>
               <a:rPr lang="ja-JP" altLang="en-US" sz="2400" dirty="0">
-                <a:latin typeface="HG丸ｺﾞｼｯｸM-PRO" panose="020F0600000000000000" pitchFamily="50" charset="-128"/>
-                <a:ea typeface="HG丸ｺﾞｼｯｸM-PRO" panose="020F0600000000000000" pitchFamily="50" charset="-128"/>
+                <a:latin typeface="+mn-ea"/>
+                <a:ea typeface="+mn-ea"/>
               </a:rPr>
               <a:t>チーム紹介</a:t>
             </a:r>
             <a:r>
               <a:rPr lang="en-US" altLang="ja-JP" sz="2400" dirty="0">
-                <a:latin typeface="HG丸ｺﾞｼｯｸM-PRO" panose="020F0600000000000000" pitchFamily="50" charset="-128"/>
-                <a:ea typeface="HG丸ｺﾞｼｯｸM-PRO" panose="020F0600000000000000" pitchFamily="50" charset="-128"/>
+                <a:latin typeface="+mn-ea"/>
+                <a:ea typeface="+mn-ea"/>
               </a:rPr>
               <a:t>】</a:t>
             </a:r>
@@ -6885,132 +6947,125 @@
             <a:pPr marL="0" indent="0"/>
             <a:r>
               <a:rPr lang="ja-JP" altLang="en-US" sz="2400" dirty="0" smtClean="0">
-                <a:latin typeface="HG丸ｺﾞｼｯｸM-PRO" panose="020F0600000000000000" pitchFamily="50" charset="-128"/>
-                <a:ea typeface="HG丸ｺﾞｼｯｸM-PRO" panose="020F0600000000000000" pitchFamily="50" charset="-128"/>
+                <a:latin typeface="+mn-ea"/>
+                <a:ea typeface="+mn-ea"/>
               </a:rPr>
               <a:t>メンバ：池田 和弘、倉谷 航、</a:t>
             </a:r>
             <a:endParaRPr lang="en-US" altLang="ja-JP" sz="2400" dirty="0" smtClean="0">
-              <a:latin typeface="HG丸ｺﾞｼｯｸM-PRO" panose="020F0600000000000000" pitchFamily="50" charset="-128"/>
-              <a:ea typeface="HG丸ｺﾞｼｯｸM-PRO" panose="020F0600000000000000" pitchFamily="50" charset="-128"/>
+              <a:latin typeface="+mn-ea"/>
+              <a:ea typeface="+mn-ea"/>
             </a:endParaRPr>
           </a:p>
           <a:p>
             <a:pPr marL="0" indent="0"/>
             <a:r>
               <a:rPr lang="ja-JP" altLang="en-US" sz="2400" dirty="0">
-                <a:latin typeface="HG丸ｺﾞｼｯｸM-PRO" panose="020F0600000000000000" pitchFamily="50" charset="-128"/>
-                <a:ea typeface="HG丸ｺﾞｼｯｸM-PRO" panose="020F0600000000000000" pitchFamily="50" charset="-128"/>
+                <a:latin typeface="+mn-ea"/>
+                <a:ea typeface="+mn-ea"/>
               </a:rPr>
               <a:t>　</a:t>
             </a:r>
             <a:r>
               <a:rPr lang="ja-JP" altLang="en-US" sz="2400" dirty="0" smtClean="0">
-                <a:latin typeface="HG丸ｺﾞｼｯｸM-PRO" panose="020F0600000000000000" pitchFamily="50" charset="-128"/>
-                <a:ea typeface="HG丸ｺﾞｼｯｸM-PRO" panose="020F0600000000000000" pitchFamily="50" charset="-128"/>
+                <a:latin typeface="+mn-ea"/>
+                <a:ea typeface="+mn-ea"/>
               </a:rPr>
               <a:t>　　　村瀬 遼平、若林 祐弥</a:t>
             </a:r>
             <a:endParaRPr lang="en-US" altLang="ja-JP" sz="2400" dirty="0">
-              <a:latin typeface="HG丸ｺﾞｼｯｸM-PRO" panose="020F0600000000000000" pitchFamily="50" charset="-128"/>
-              <a:ea typeface="HG丸ｺﾞｼｯｸM-PRO" panose="020F0600000000000000" pitchFamily="50" charset="-128"/>
+              <a:latin typeface="+mn-ea"/>
+              <a:ea typeface="+mn-ea"/>
             </a:endParaRPr>
           </a:p>
           <a:p>
             <a:pPr marL="0" indent="0"/>
             <a:r>
               <a:rPr lang="ja-JP" altLang="en-US" sz="2400" dirty="0" smtClean="0">
-                <a:latin typeface="HG丸ｺﾞｼｯｸM-PRO" panose="020F0600000000000000" pitchFamily="50" charset="-128"/>
-                <a:ea typeface="HG丸ｺﾞｼｯｸM-PRO" panose="020F0600000000000000" pitchFamily="50" charset="-128"/>
+                <a:latin typeface="+mn-ea"/>
+                <a:ea typeface="+mn-ea"/>
               </a:rPr>
               <a:t>全員がロボコン初挑戦のチームです。</a:t>
             </a:r>
             <a:endParaRPr lang="en-US" altLang="ja-JP" sz="2400" dirty="0">
-              <a:latin typeface="HG丸ｺﾞｼｯｸM-PRO" panose="020F0600000000000000" pitchFamily="50" charset="-128"/>
-              <a:ea typeface="HG丸ｺﾞｼｯｸM-PRO" panose="020F0600000000000000" pitchFamily="50" charset="-128"/>
+              <a:latin typeface="+mn-ea"/>
+              <a:ea typeface="+mn-ea"/>
             </a:endParaRPr>
           </a:p>
           <a:p>
             <a:pPr marL="0" indent="0"/>
             <a:endParaRPr lang="en-US" altLang="ja-JP" sz="2400" dirty="0">
-              <a:latin typeface="HG丸ｺﾞｼｯｸM-PRO" panose="020F0600000000000000" pitchFamily="50" charset="-128"/>
-              <a:ea typeface="HG丸ｺﾞｼｯｸM-PRO" panose="020F0600000000000000" pitchFamily="50" charset="-128"/>
+              <a:latin typeface="+mn-ea"/>
+              <a:ea typeface="+mn-ea"/>
             </a:endParaRPr>
           </a:p>
           <a:p>
             <a:pPr marL="0" indent="0"/>
             <a:r>
               <a:rPr lang="en-US" altLang="ja-JP" sz="2400" dirty="0">
-                <a:latin typeface="HG丸ｺﾞｼｯｸM-PRO" panose="020F0600000000000000" pitchFamily="50" charset="-128"/>
-                <a:ea typeface="HG丸ｺﾞｼｯｸM-PRO" panose="020F0600000000000000" pitchFamily="50" charset="-128"/>
+                <a:latin typeface="+mn-ea"/>
+                <a:ea typeface="+mn-ea"/>
               </a:rPr>
               <a:t>【</a:t>
             </a:r>
             <a:r>
               <a:rPr lang="ja-JP" altLang="en-US" sz="2400" dirty="0">
-                <a:latin typeface="HG丸ｺﾞｼｯｸM-PRO" panose="020F0600000000000000" pitchFamily="50" charset="-128"/>
-                <a:ea typeface="HG丸ｺﾞｼｯｸM-PRO" panose="020F0600000000000000" pitchFamily="50" charset="-128"/>
+                <a:latin typeface="+mn-ea"/>
+                <a:ea typeface="+mn-ea"/>
               </a:rPr>
               <a:t>目標・意気込み</a:t>
             </a:r>
             <a:r>
               <a:rPr lang="en-US" altLang="ja-JP" sz="2400" dirty="0" smtClean="0">
-                <a:latin typeface="HG丸ｺﾞｼｯｸM-PRO" panose="020F0600000000000000" pitchFamily="50" charset="-128"/>
-                <a:ea typeface="HG丸ｺﾞｼｯｸM-PRO" panose="020F0600000000000000" pitchFamily="50" charset="-128"/>
+                <a:latin typeface="+mn-ea"/>
+                <a:ea typeface="+mn-ea"/>
               </a:rPr>
               <a:t>】</a:t>
             </a:r>
             <a:br>
               <a:rPr lang="en-US" altLang="ja-JP" sz="2400" dirty="0" smtClean="0">
-                <a:latin typeface="HG丸ｺﾞｼｯｸM-PRO" panose="020F0600000000000000" pitchFamily="50" charset="-128"/>
-                <a:ea typeface="HG丸ｺﾞｼｯｸM-PRO" panose="020F0600000000000000" pitchFamily="50" charset="-128"/>
+                <a:latin typeface="+mn-ea"/>
+                <a:ea typeface="+mn-ea"/>
               </a:rPr>
             </a:br>
             <a:r>
               <a:rPr lang="ja-JP" altLang="en-US" sz="2400" dirty="0" smtClean="0">
-                <a:latin typeface="HG丸ｺﾞｼｯｸM-PRO" panose="020F0600000000000000" pitchFamily="50" charset="-128"/>
-                <a:ea typeface="HG丸ｺﾞｼｯｸM-PRO" panose="020F0600000000000000" pitchFamily="50" charset="-128"/>
+                <a:latin typeface="+mn-ea"/>
+                <a:ea typeface="+mn-ea"/>
               </a:rPr>
               <a:t>ダブルループ、ブロック </a:t>
             </a:r>
             <a:r>
               <a:rPr lang="en-US" altLang="ja-JP" sz="2400" dirty="0" smtClean="0">
-                <a:latin typeface="HG丸ｺﾞｼｯｸM-PRO" panose="020F0600000000000000" pitchFamily="50" charset="-128"/>
-                <a:ea typeface="HG丸ｺﾞｼｯｸM-PRO" panose="020F0600000000000000" pitchFamily="50" charset="-128"/>
+                <a:latin typeface="+mn-ea"/>
+                <a:ea typeface="+mn-ea"/>
               </a:rPr>
               <a:t>de </a:t>
             </a:r>
             <a:r>
               <a:rPr lang="ja-JP" altLang="en-US" sz="2400" dirty="0" smtClean="0">
-                <a:latin typeface="HG丸ｺﾞｼｯｸM-PRO" panose="020F0600000000000000" pitchFamily="50" charset="-128"/>
-                <a:ea typeface="HG丸ｺﾞｼｯｸM-PRO" panose="020F0600000000000000" pitchFamily="50" charset="-128"/>
-              </a:rPr>
-              <a:t>トレジャー をクリアし、走破することを</a:t>
+                <a:latin typeface="+mn-ea"/>
+                <a:ea typeface="+mn-ea"/>
+              </a:rPr>
+              <a:t>トレジャー をクリアし、走破することを目指</a:t>
+            </a:r>
+            <a:r>
+              <a:rPr lang="ja-JP" altLang="en-US" sz="2400" dirty="0">
+                <a:latin typeface="+mn-ea"/>
+                <a:ea typeface="+mn-ea"/>
+              </a:rPr>
+              <a:t>します</a:t>
             </a:r>
             <a:r>
               <a:rPr lang="ja-JP" altLang="en-US" sz="2400" dirty="0" smtClean="0">
-                <a:latin typeface="HG丸ｺﾞｼｯｸM-PRO" panose="020F0600000000000000" pitchFamily="50" charset="-128"/>
-                <a:ea typeface="HG丸ｺﾞｼｯｸM-PRO" panose="020F0600000000000000" pitchFamily="50" charset="-128"/>
-              </a:rPr>
-              <a:t>目指</a:t>
-            </a:r>
-            <a:r>
-              <a:rPr lang="ja-JP" altLang="en-US" sz="2400" dirty="0">
-                <a:latin typeface="HG丸ｺﾞｼｯｸM-PRO" panose="020F0600000000000000" pitchFamily="50" charset="-128"/>
-                <a:ea typeface="HG丸ｺﾞｼｯｸM-PRO" panose="020F0600000000000000" pitchFamily="50" charset="-128"/>
-              </a:rPr>
-              <a:t>します</a:t>
-            </a:r>
-            <a:r>
-              <a:rPr lang="ja-JP" altLang="en-US" sz="2400" dirty="0" smtClean="0">
-                <a:latin typeface="HG丸ｺﾞｼｯｸM-PRO" panose="020F0600000000000000" pitchFamily="50" charset="-128"/>
-                <a:ea typeface="HG丸ｺﾞｼｯｸM-PRO" panose="020F0600000000000000" pitchFamily="50" charset="-128"/>
+                <a:latin typeface="+mn-ea"/>
+                <a:ea typeface="+mn-ea"/>
               </a:rPr>
               <a:t>！</a:t>
             </a:r>
             <a:endParaRPr lang="ja-JP" altLang="en-US" sz="2400" dirty="0">
-              <a:latin typeface="HG丸ｺﾞｼｯｸM-PRO" panose="020F0600000000000000" pitchFamily="50" charset="-128"/>
-              <a:ea typeface="HG丸ｺﾞｼｯｸM-PRO" panose="020F0600000000000000" pitchFamily="50" charset="-128"/>
+              <a:latin typeface="+mn-ea"/>
+              <a:ea typeface="+mn-ea"/>
             </a:endParaRPr>
           </a:p>
         </p:txBody>
@@ -7181,6 +7236,8 @@
                 <a:solidFill>
                   <a:srgbClr val="FF0000"/>
                 </a:solidFill>
+                <a:latin typeface="+mn-ea"/>
+                <a:ea typeface="+mn-ea"/>
               </a:rPr>
               <a:t>モデルの</a:t>
             </a:r>
@@ -7189,6 +7246,8 @@
                 <a:solidFill>
                   <a:srgbClr val="FF0000"/>
                 </a:solidFill>
+                <a:latin typeface="+mn-ea"/>
+                <a:ea typeface="+mn-ea"/>
               </a:rPr>
               <a:t>概要</a:t>
             </a:r>
@@ -7197,6 +7256,8 @@
                 <a:solidFill>
                   <a:srgbClr val="FF0000"/>
                 </a:solidFill>
+                <a:latin typeface="+mn-ea"/>
+                <a:ea typeface="+mn-ea"/>
               </a:rPr>
               <a:t/>
             </a:r>
@@ -7205,12 +7266,16 @@
                 <a:solidFill>
                   <a:srgbClr val="FF0000"/>
                 </a:solidFill>
+                <a:latin typeface="+mn-ea"/>
+                <a:ea typeface="+mn-ea"/>
               </a:rPr>
             </a:br>
             <a:endParaRPr lang="ja-JP" altLang="en-US" sz="2168" b="1" dirty="0" smtClean="0">
               <a:solidFill>
                 <a:srgbClr val="FF0000"/>
               </a:solidFill>
+              <a:latin typeface="+mn-ea"/>
+              <a:ea typeface="+mn-ea"/>
             </a:endParaRPr>
           </a:p>
           <a:p>
@@ -7224,8 +7289,8 @@
             </a:pPr>
             <a:r>
               <a:rPr lang="ja-JP" altLang="en-US" sz="1782" dirty="0" smtClean="0">
-                <a:latin typeface="HG丸ｺﾞｼｯｸM-PRO" panose="020F0600000000000000" pitchFamily="50" charset="-128"/>
-                <a:ea typeface="HG丸ｺﾞｼｯｸM-PRO" panose="020F0600000000000000" pitchFamily="50" charset="-128"/>
+                <a:latin typeface="+mn-ea"/>
+                <a:ea typeface="+mn-ea"/>
               </a:rPr>
               <a:t>安定してゴールに到達することを目指すことを目標とし、これを達成するために走行安定性の向上と処理の簡素化に重点を置いた。</a:t>
             </a:r>
@@ -7241,28 +7306,28 @@
             </a:pPr>
             <a:r>
               <a:rPr lang="en-US" altLang="ja-JP" dirty="0" smtClean="0">
-                <a:latin typeface="HG丸ｺﾞｼｯｸM-PRO" panose="020F0600000000000000" pitchFamily="50" charset="-128"/>
-                <a:ea typeface="HG丸ｺﾞｼｯｸM-PRO" panose="020F0600000000000000" pitchFamily="50" charset="-128"/>
+                <a:latin typeface="+mn-ea"/>
+                <a:ea typeface="+mn-ea"/>
               </a:rPr>
               <a:t/>
             </a:r>
             <a:br>
               <a:rPr lang="en-US" altLang="ja-JP" dirty="0" smtClean="0">
-                <a:latin typeface="HG丸ｺﾞｼｯｸM-PRO" panose="020F0600000000000000" pitchFamily="50" charset="-128"/>
-                <a:ea typeface="HG丸ｺﾞｼｯｸM-PRO" panose="020F0600000000000000" pitchFamily="50" charset="-128"/>
+                <a:latin typeface="+mn-ea"/>
+                <a:ea typeface="+mn-ea"/>
               </a:rPr>
             </a:br>
             <a:r>
               <a:rPr lang="ja-JP" altLang="en-US" sz="1800" b="1" dirty="0" smtClean="0">
-                <a:latin typeface="HG丸ｺﾞｼｯｸM-PRO" panose="020F0600000000000000" pitchFamily="50" charset="-128"/>
-                <a:ea typeface="HG丸ｺﾞｼｯｸM-PRO" panose="020F0600000000000000" pitchFamily="50" charset="-128"/>
+                <a:latin typeface="+mn-ea"/>
+                <a:ea typeface="+mn-ea"/>
               </a:rPr>
               <a:t>●走行</a:t>
             </a:r>
             <a:r>
               <a:rPr lang="ja-JP" altLang="en-US" sz="1800" b="1" dirty="0">
-                <a:latin typeface="HG丸ｺﾞｼｯｸM-PRO" panose="020F0600000000000000" pitchFamily="50" charset="-128"/>
-                <a:ea typeface="HG丸ｺﾞｼｯｸM-PRO" panose="020F0600000000000000" pitchFamily="50" charset="-128"/>
+                <a:latin typeface="+mn-ea"/>
+                <a:ea typeface="+mn-ea"/>
               </a:rPr>
               <a:t>安定性を向上させる</a:t>
             </a:r>
@@ -7278,43 +7343,43 @@
             </a:pPr>
             <a:r>
               <a:rPr lang="ja-JP" altLang="en-US" sz="1782" dirty="0" smtClean="0">
-                <a:latin typeface="HG丸ｺﾞｼｯｸM-PRO" panose="020F0600000000000000" pitchFamily="50" charset="-128"/>
-                <a:ea typeface="HG丸ｺﾞｼｯｸM-PRO" panose="020F0600000000000000" pitchFamily="50" charset="-128"/>
+                <a:latin typeface="+mn-ea"/>
+                <a:ea typeface="+mn-ea"/>
               </a:rPr>
               <a:t>・センサ</a:t>
             </a:r>
             <a:r>
               <a:rPr lang="ja-JP" altLang="en-US" sz="1782" dirty="0">
-                <a:latin typeface="HG丸ｺﾞｼｯｸM-PRO" panose="020F0600000000000000" pitchFamily="50" charset="-128"/>
-                <a:ea typeface="HG丸ｺﾞｼｯｸM-PRO" panose="020F0600000000000000" pitchFamily="50" charset="-128"/>
+                <a:latin typeface="+mn-ea"/>
+                <a:ea typeface="+mn-ea"/>
               </a:rPr>
               <a:t>の位置と走行位置</a:t>
             </a:r>
             <a:r>
               <a:rPr lang="en-US" altLang="ja-JP" sz="1782" dirty="0">
-                <a:latin typeface="HG丸ｺﾞｼｯｸM-PRO" panose="020F0600000000000000" pitchFamily="50" charset="-128"/>
-                <a:ea typeface="HG丸ｺﾞｼｯｸM-PRO" panose="020F0600000000000000" pitchFamily="50" charset="-128"/>
+                <a:latin typeface="+mn-ea"/>
+                <a:ea typeface="+mn-ea"/>
               </a:rPr>
               <a:t>(</a:t>
             </a:r>
             <a:r>
               <a:rPr lang="ja-JP" altLang="en-US" sz="1782" dirty="0">
-                <a:latin typeface="HG丸ｺﾞｼｯｸM-PRO" panose="020F0600000000000000" pitchFamily="50" charset="-128"/>
-                <a:ea typeface="HG丸ｺﾞｼｯｸM-PRO" panose="020F0600000000000000" pitchFamily="50" charset="-128"/>
+                <a:latin typeface="+mn-ea"/>
+                <a:ea typeface="+mn-ea"/>
               </a:rPr>
               <a:t>車輪</a:t>
             </a:r>
             <a:r>
               <a:rPr lang="en-US" altLang="ja-JP" sz="1782" dirty="0">
-                <a:latin typeface="HG丸ｺﾞｼｯｸM-PRO" panose="020F0600000000000000" pitchFamily="50" charset="-128"/>
-                <a:ea typeface="HG丸ｺﾞｼｯｸM-PRO" panose="020F0600000000000000" pitchFamily="50" charset="-128"/>
+                <a:latin typeface="+mn-ea"/>
+                <a:ea typeface="+mn-ea"/>
               </a:rPr>
               <a:t>)</a:t>
             </a:r>
             <a:r>
               <a:rPr lang="ja-JP" altLang="en-US" sz="1782" dirty="0">
-                <a:latin typeface="HG丸ｺﾞｼｯｸM-PRO" panose="020F0600000000000000" pitchFamily="50" charset="-128"/>
-                <a:ea typeface="HG丸ｺﾞｼｯｸM-PRO" panose="020F0600000000000000" pitchFamily="50" charset="-128"/>
+                <a:latin typeface="+mn-ea"/>
+                <a:ea typeface="+mn-ea"/>
               </a:rPr>
               <a:t>が異なることを考慮した走行を行い、センサが常にライン上にあるような走行を行う。</a:t>
             </a:r>
@@ -7330,29 +7395,29 @@
             </a:pPr>
             <a:r>
               <a:rPr lang="ja-JP" altLang="en-US" sz="1782" dirty="0" smtClean="0">
-                <a:latin typeface="HG丸ｺﾞｼｯｸM-PRO" panose="020F0600000000000000" pitchFamily="50" charset="-128"/>
-                <a:ea typeface="HG丸ｺﾞｼｯｸM-PRO" panose="020F0600000000000000" pitchFamily="50" charset="-128"/>
+                <a:latin typeface="+mn-ea"/>
+                <a:ea typeface="+mn-ea"/>
               </a:rPr>
               <a:t>・センサ</a:t>
             </a:r>
             <a:r>
               <a:rPr lang="ja-JP" altLang="en-US" sz="1782" dirty="0">
-                <a:latin typeface="HG丸ｺﾞｼｯｸM-PRO" panose="020F0600000000000000" pitchFamily="50" charset="-128"/>
-                <a:ea typeface="HG丸ｺﾞｼｯｸM-PRO" panose="020F0600000000000000" pitchFamily="50" charset="-128"/>
+                <a:latin typeface="+mn-ea"/>
+                <a:ea typeface="+mn-ea"/>
               </a:rPr>
               <a:t>を検出しない期間を設定することで、同一ポイントで複数回処理</a:t>
             </a:r>
             <a:r>
               <a:rPr lang="ja-JP" altLang="en-US" sz="1782" dirty="0" smtClean="0">
-                <a:latin typeface="HG丸ｺﾞｼｯｸM-PRO" panose="020F0600000000000000" pitchFamily="50" charset="-128"/>
-                <a:ea typeface="HG丸ｺﾞｼｯｸM-PRO" panose="020F0600000000000000" pitchFamily="50" charset="-128"/>
+                <a:latin typeface="+mn-ea"/>
+                <a:ea typeface="+mn-ea"/>
               </a:rPr>
               <a:t>が行われること</a:t>
             </a:r>
             <a:r>
               <a:rPr lang="ja-JP" altLang="en-US" sz="1782" dirty="0">
-                <a:latin typeface="HG丸ｺﾞｼｯｸM-PRO" panose="020F0600000000000000" pitchFamily="50" charset="-128"/>
-                <a:ea typeface="HG丸ｺﾞｼｯｸM-PRO" panose="020F0600000000000000" pitchFamily="50" charset="-128"/>
+                <a:latin typeface="+mn-ea"/>
+                <a:ea typeface="+mn-ea"/>
               </a:rPr>
               <a:t>による誤作動を避ける。</a:t>
             </a:r>
@@ -7368,28 +7433,28 @@
             </a:pPr>
             <a:r>
               <a:rPr lang="en-US" altLang="ja-JP" dirty="0" smtClean="0">
-                <a:latin typeface="HG丸ｺﾞｼｯｸM-PRO" panose="020F0600000000000000" pitchFamily="50" charset="-128"/>
-                <a:ea typeface="HG丸ｺﾞｼｯｸM-PRO" panose="020F0600000000000000" pitchFamily="50" charset="-128"/>
+                <a:latin typeface="+mn-ea"/>
+                <a:ea typeface="+mn-ea"/>
               </a:rPr>
               <a:t/>
             </a:r>
             <a:br>
               <a:rPr lang="en-US" altLang="ja-JP" dirty="0" smtClean="0">
-                <a:latin typeface="HG丸ｺﾞｼｯｸM-PRO" panose="020F0600000000000000" pitchFamily="50" charset="-128"/>
-                <a:ea typeface="HG丸ｺﾞｼｯｸM-PRO" panose="020F0600000000000000" pitchFamily="50" charset="-128"/>
+                <a:latin typeface="+mn-ea"/>
+                <a:ea typeface="+mn-ea"/>
               </a:rPr>
             </a:br>
             <a:r>
               <a:rPr lang="ja-JP" altLang="en-US" sz="1800" b="1" dirty="0" smtClean="0">
-                <a:latin typeface="HG丸ｺﾞｼｯｸM-PRO" panose="020F0600000000000000" pitchFamily="50" charset="-128"/>
-                <a:ea typeface="HG丸ｺﾞｼｯｸM-PRO" panose="020F0600000000000000" pitchFamily="50" charset="-128"/>
+                <a:latin typeface="+mn-ea"/>
+                <a:ea typeface="+mn-ea"/>
               </a:rPr>
               <a:t>●処理</a:t>
             </a:r>
             <a:r>
               <a:rPr lang="ja-JP" altLang="en-US" sz="1800" b="1" dirty="0">
-                <a:latin typeface="HG丸ｺﾞｼｯｸM-PRO" panose="020F0600000000000000" pitchFamily="50" charset="-128"/>
-                <a:ea typeface="HG丸ｺﾞｼｯｸM-PRO" panose="020F0600000000000000" pitchFamily="50" charset="-128"/>
+                <a:latin typeface="+mn-ea"/>
+                <a:ea typeface="+mn-ea"/>
               </a:rPr>
               <a:t>を簡素化する</a:t>
             </a:r>
@@ -7407,8 +7472,8 @@
             </a:pPr>
             <a:r>
               <a:rPr lang="ja-JP" altLang="en-US" sz="1782" dirty="0">
-                <a:latin typeface="HG丸ｺﾞｼｯｸM-PRO" panose="020F0600000000000000" pitchFamily="50" charset="-128"/>
-                <a:ea typeface="HG丸ｺﾞｼｯｸM-PRO" panose="020F0600000000000000" pitchFamily="50" charset="-128"/>
+                <a:latin typeface="+mn-ea"/>
+                <a:ea typeface="+mn-ea"/>
               </a:rPr>
               <a:t>ブロックの各配置パターンにおける走行経路を固定化し、複雑な設計になることを回避する。</a:t>
             </a:r>
@@ -7426,15 +7491,15 @@
             </a:pPr>
             <a:r>
               <a:rPr lang="ja-JP" altLang="en-US" sz="1782" dirty="0">
-                <a:latin typeface="HG丸ｺﾞｼｯｸM-PRO" panose="020F0600000000000000" pitchFamily="50" charset="-128"/>
-                <a:ea typeface="HG丸ｺﾞｼｯｸM-PRO" panose="020F0600000000000000" pitchFamily="50" charset="-128"/>
+                <a:latin typeface="+mn-ea"/>
+                <a:ea typeface="+mn-ea"/>
               </a:rPr>
               <a:t>一関数に一機能を基本として疎結合を意識した設計を</a:t>
             </a:r>
             <a:r>
               <a:rPr lang="ja-JP" altLang="en-US" sz="1782" dirty="0" smtClean="0">
-                <a:latin typeface="HG丸ｺﾞｼｯｸM-PRO" panose="020F0600000000000000" pitchFamily="50" charset="-128"/>
-                <a:ea typeface="HG丸ｺﾞｼｯｸM-PRO" panose="020F0600000000000000" pitchFamily="50" charset="-128"/>
+                <a:latin typeface="+mn-ea"/>
+                <a:ea typeface="+mn-ea"/>
               </a:rPr>
               <a:t>行い、処理の流れを分かりやすくする。</a:t>
             </a:r>
@@ -7449,8 +7514,8 @@
               </a:spcBef>
             </a:pPr>
             <a:endParaRPr lang="en-US" altLang="ja-JP" sz="2004" dirty="0" smtClean="0">
-              <a:latin typeface="HG丸ｺﾞｼｯｸM-PRO" panose="020F0600000000000000" pitchFamily="50" charset="-128"/>
-              <a:ea typeface="HG丸ｺﾞｼｯｸM-PRO" panose="020F0600000000000000" pitchFamily="50" charset="-128"/>
+              <a:latin typeface="+mn-ea"/>
+              <a:ea typeface="+mn-ea"/>
             </a:endParaRPr>
           </a:p>
           <a:p>
@@ -7463,8 +7528,8 @@
               </a:spcBef>
             </a:pPr>
             <a:endParaRPr lang="en-US" altLang="ja-JP" sz="2004" dirty="0">
-              <a:latin typeface="HG丸ｺﾞｼｯｸM-PRO" panose="020F0600000000000000" pitchFamily="50" charset="-128"/>
-              <a:ea typeface="HG丸ｺﾞｼｯｸM-PRO" panose="020F0600000000000000" pitchFamily="50" charset="-128"/>
+              <a:latin typeface="+mn-ea"/>
+              <a:ea typeface="+mn-ea"/>
             </a:endParaRPr>
           </a:p>
         </p:txBody>
@@ -7517,7 +7582,7 @@
         </p:nvSpPr>
         <p:spPr>
           <a:xfrm>
-            <a:off x="571566" y="593378"/>
+            <a:off x="718915" y="839415"/>
             <a:ext cx="4608511" cy="360040"/>
           </a:xfrm>
         </p:spPr>
@@ -7543,14 +7608,14 @@
           <p:nvPr>
             <p:extLst>
               <p:ext uri="{D42A27DB-BD31-4B8C-83A1-F6EECF244321}">
-                <p14:modId xmlns:p14="http://schemas.microsoft.com/office/powerpoint/2010/main" val="362741133"/>
+                <p14:modId xmlns:p14="http://schemas.microsoft.com/office/powerpoint/2010/main" val="3177601013"/>
               </p:ext>
             </p:extLst>
           </p:nvPr>
         </p:nvGraphicFramePr>
         <p:xfrm>
-          <a:off x="7301539" y="4049762"/>
-          <a:ext cx="7488832" cy="5138906"/>
+          <a:off x="7729978" y="5317637"/>
+          <a:ext cx="6932184" cy="4902200"/>
         </p:xfrm>
         <a:graphic>
           <a:graphicData uri="http://schemas.openxmlformats.org/drawingml/2006/table">
@@ -7559,14 +7624,14 @@
                 <a:tableStyleId>{5C22544A-7EE6-4342-B048-85BDC9FD1C3A}</a:tableStyleId>
               </a:tblPr>
               <a:tblGrid>
-                <a:gridCol w="1756493">
+                <a:gridCol w="1625932">
                   <a:extLst>
                     <a:ext uri="{9D8B030D-6E8A-4147-A177-3AD203B41FA5}">
                       <a16:colId xmlns:a16="http://schemas.microsoft.com/office/drawing/2014/main" val="2623743934"/>
                     </a:ext>
                   </a:extLst>
                 </a:gridCol>
-                <a:gridCol w="5732339">
+                <a:gridCol w="5306252">
                   <a:extLst>
                     <a:ext uri="{9D8B030D-6E8A-4147-A177-3AD203B41FA5}">
                       <a16:colId xmlns:a16="http://schemas.microsoft.com/office/drawing/2014/main" val="3477032619"/>
@@ -7574,7 +7639,7 @@
                   </a:extLst>
                 </a:gridCol>
               </a:tblGrid>
-              <a:tr h="353489">
+              <a:tr h="54482">
                 <a:tc>
                   <a:txBody>
                     <a:bodyPr/>
@@ -7641,7 +7706,7 @@
                   </a:ext>
                 </a:extLst>
               </a:tr>
-              <a:tr h="787496">
+              <a:tr h="986558">
                 <a:tc>
                   <a:txBody>
                     <a:bodyPr/>
@@ -7725,7 +7790,7 @@
                   </a:ext>
                 </a:extLst>
               </a:tr>
-              <a:tr h="683263">
+              <a:tr h="495835">
                 <a:tc>
                   <a:txBody>
                     <a:bodyPr/>
@@ -7781,7 +7846,7 @@
                   </a:ext>
                 </a:extLst>
               </a:tr>
-              <a:tr h="3181404">
+              <a:tr h="2458728">
                 <a:tc>
                   <a:txBody>
                     <a:bodyPr/>
@@ -7822,18 +7887,31 @@
                         <a:rPr lang="ja-JP" altLang="en-US" sz="2000" u="none" strike="noStrike" dirty="0">
                           <a:effectLst/>
                         </a:rPr>
-                        <a:t>走行開始前に設定されたブロックの配置パターンをもとに、</a:t>
+                        <a:t>走行開始前に設定されたブロックの配置パターンをもとに</a:t>
                       </a:r>
-                      <a:br>
-                        <a:rPr lang="ja-JP" altLang="en-US" sz="2000" u="none" strike="noStrike" dirty="0">
+                      <a:r>
+                        <a:rPr lang="ja-JP" altLang="en-US" sz="2000" u="none" strike="noStrike" dirty="0" smtClean="0">
                           <a:effectLst/>
                         </a:rPr>
-                      </a:br>
+                        <a:t>、走行</a:t>
+                      </a:r>
                       <a:r>
                         <a:rPr lang="ja-JP" altLang="en-US" sz="2000" u="none" strike="noStrike" dirty="0">
                           <a:effectLst/>
                         </a:rPr>
-                        <a:t>　 走行ルートを設定する</a:t>
+                        <a:t>ルート</a:t>
+                      </a:r>
+                      <a:r>
+                        <a:rPr lang="ja-JP" altLang="en-US" sz="2000" u="none" strike="noStrike" dirty="0" smtClean="0">
+                          <a:effectLst/>
+                        </a:rPr>
+                        <a:t>を読み込む</a:t>
+                      </a:r>
+                      <a:r>
+                        <a:rPr lang="ja-JP" altLang="en-US" sz="2000" u="none" strike="noStrike" dirty="0">
+                          <a:effectLst/>
+                        </a:rPr>
+                        <a:t/>
                       </a:r>
                       <a:br>
                         <a:rPr lang="ja-JP" altLang="en-US" sz="2000" u="none" strike="noStrike" dirty="0">
@@ -7850,7 +7928,19 @@
                         <a:rPr lang="ja-JP" altLang="en-US" sz="2000" u="none" strike="noStrike" dirty="0">
                           <a:effectLst/>
                         </a:rPr>
-                        <a:t>反射値からラインの色を取得する</a:t>
+                        <a:t>反射値からラインの色</a:t>
+                      </a:r>
+                      <a:r>
+                        <a:rPr lang="ja-JP" altLang="en-US" sz="2000" u="none" strike="noStrike" dirty="0" smtClean="0">
+                          <a:effectLst/>
+                        </a:rPr>
+                        <a:t>を判定する</a:t>
+                      </a:r>
+                      <a:r>
+                        <a:rPr lang="ja-JP" altLang="en-US" sz="2000" u="none" strike="noStrike" dirty="0">
+                          <a:effectLst/>
+                        </a:rPr>
+                        <a:t/>
                       </a:r>
                       <a:br>
                         <a:rPr lang="ja-JP" altLang="en-US" sz="2000" u="none" strike="noStrike" dirty="0">
@@ -7893,57 +7983,28 @@
                         <a:t>3-b) </a:t>
                       </a:r>
                       <a:r>
-                        <a:rPr lang="ja-JP" altLang="en-US" sz="2000" u="none" strike="noStrike" dirty="0">
+                        <a:rPr lang="ja-JP" altLang="en-US" sz="2000" u="none" strike="noStrike" dirty="0" smtClean="0">
                           <a:effectLst/>
                         </a:rPr>
-                        <a:t>色が赤</a:t>
+                        <a:t>色が白</a:t>
                       </a:r>
                       <a:r>
-                        <a:rPr lang="en-US" altLang="ja-JP" sz="2000" u="none" strike="noStrike" dirty="0">
+                        <a:rPr lang="en-US" altLang="ja-JP" sz="2000" u="none" strike="noStrike" dirty="0" smtClean="0">
                           <a:effectLst/>
                         </a:rPr>
                         <a:t>/</a:t>
                       </a:r>
                       <a:r>
-                        <a:rPr lang="ja-JP" altLang="en-US" sz="2000" u="none" strike="noStrike" dirty="0">
+                        <a:rPr lang="ja-JP" altLang="en-US" sz="2000" u="none" strike="noStrike" dirty="0" smtClean="0">
                           <a:effectLst/>
                         </a:rPr>
-                        <a:t>黄</a:t>
-                      </a:r>
-                      <a:r>
-                        <a:rPr lang="en-US" altLang="ja-JP" sz="2000" u="none" strike="noStrike" dirty="0">
-                          <a:effectLst/>
-                        </a:rPr>
-                        <a:t>/</a:t>
+                        <a:t>黒でない場合、走行ルートの次の命令を読み込む</a:t>
                       </a:r>
                       <a:r>
                         <a:rPr lang="ja-JP" altLang="en-US" sz="2000" u="none" strike="noStrike" dirty="0">
                           <a:effectLst/>
                         </a:rPr>
-                        <a:t>青</a:t>
-                      </a:r>
-                      <a:r>
-                        <a:rPr lang="en-US" altLang="ja-JP" sz="2000" u="none" strike="noStrike" dirty="0">
-                          <a:effectLst/>
-                        </a:rPr>
-                        <a:t>/</a:t>
-                      </a:r>
-                      <a:r>
-                        <a:rPr lang="ja-JP" altLang="en-US" sz="2000" u="none" strike="noStrike" dirty="0">
-                          <a:effectLst/>
-                        </a:rPr>
-                        <a:t>緑の場合、</a:t>
-                      </a:r>
-                      <a:br>
-                        <a:rPr lang="ja-JP" altLang="en-US" sz="2000" u="none" strike="noStrike" dirty="0">
-                          <a:effectLst/>
-                        </a:rPr>
-                      </a:br>
-                      <a:r>
-                        <a:rPr lang="ja-JP" altLang="en-US" sz="2000" u="none" strike="noStrike" dirty="0">
-                          <a:effectLst/>
-                        </a:rPr>
-                        <a:t>　　 設定したコースの方向に走行体を旋回する。</a:t>
+                        <a:t/>
                       </a:r>
                       <a:br>
                         <a:rPr lang="ja-JP" altLang="en-US" sz="2000" u="none" strike="noStrike" dirty="0">
@@ -7960,18 +8021,19 @@
                         <a:rPr lang="ja-JP" altLang="en-US" sz="2000" u="none" strike="noStrike" dirty="0">
                           <a:effectLst/>
                         </a:rPr>
-                        <a:t>走行体がブロックの配置位置にある場合、</a:t>
+                        <a:t>走行体がブロックの配置位置にある</a:t>
                       </a:r>
-                      <a:br>
-                        <a:rPr lang="ja-JP" altLang="en-US" sz="2000" u="none" strike="noStrike" dirty="0">
+                      <a:r>
+                        <a:rPr lang="ja-JP" altLang="en-US" sz="2000" u="none" strike="noStrike" dirty="0" smtClean="0">
                           <a:effectLst/>
                         </a:rPr>
-                      </a:br>
+                        <a:t>場合、ブロック</a:t>
+                      </a:r>
                       <a:r>
                         <a:rPr lang="ja-JP" altLang="en-US" sz="2000" u="none" strike="noStrike" dirty="0">
                           <a:effectLst/>
                         </a:rPr>
-                        <a:t>　 ブロックの運搬を行う</a:t>
+                        <a:t>の運搬を行う</a:t>
                       </a:r>
                       <a:br>
                         <a:rPr lang="ja-JP" altLang="en-US" sz="2000" u="none" strike="noStrike" dirty="0">
@@ -8020,7 +8082,7 @@
         </p:nvSpPr>
         <p:spPr>
           <a:xfrm>
-            <a:off x="1924127" y="3588097"/>
+            <a:off x="2348789" y="4671305"/>
             <a:ext cx="4176464" cy="461665"/>
           </a:xfrm>
           <a:prstGeom prst="rect">
@@ -8058,8 +8120,8 @@
         </p:nvSpPr>
         <p:spPr>
           <a:xfrm>
-            <a:off x="9029731" y="3588097"/>
-            <a:ext cx="4032448" cy="830997"/>
+            <a:off x="10007947" y="4671305"/>
+            <a:ext cx="3168352" cy="830997"/>
           </a:xfrm>
           <a:prstGeom prst="rect">
             <a:avLst/>
@@ -8099,14 +8161,27 @@
         </p:nvSpPr>
         <p:spPr>
           <a:xfrm>
-            <a:off x="571566" y="1657384"/>
-            <a:ext cx="14185576" cy="1226746"/>
+            <a:off x="7839656" y="1750441"/>
+            <a:ext cx="6712827" cy="2246769"/>
           </a:xfrm>
           <a:prstGeom prst="rect">
             <a:avLst/>
           </a:prstGeom>
-          <a:noFill/>
         </p:spPr>
+        <p:style>
+          <a:lnRef idx="2">
+            <a:schemeClr val="dk1"/>
+          </a:lnRef>
+          <a:fillRef idx="1">
+            <a:schemeClr val="lt1"/>
+          </a:fillRef>
+          <a:effectRef idx="0">
+            <a:schemeClr val="dk1"/>
+          </a:effectRef>
+          <a:fontRef idx="minor">
+            <a:schemeClr val="dk1"/>
+          </a:fontRef>
+        </p:style>
         <p:txBody>
           <a:bodyPr wrap="square" rtlCol="0">
             <a:spAutoFit/>
@@ -8114,71 +8189,63 @@
           <a:lstStyle/>
           <a:p>
             <a:r>
-              <a:rPr kumimoji="1" lang="ja-JP" altLang="en-US" dirty="0" smtClean="0"/>
+              <a:rPr lang="ja-JP" altLang="en-US" sz="2000" dirty="0" smtClean="0"/>
+              <a:t>●機能定義</a:t>
+            </a:r>
+            <a:r>
+              <a:rPr kumimoji="1" lang="en-US" altLang="ja-JP" sz="2000" dirty="0" smtClean="0"/>
+              <a:t/>
+            </a:r>
+            <a:br>
+              <a:rPr kumimoji="1" lang="en-US" altLang="ja-JP" sz="2000" dirty="0" smtClean="0"/>
+            </a:br>
+            <a:r>
+              <a:rPr kumimoji="1" lang="ja-JP" altLang="en-US" sz="2000" dirty="0" smtClean="0"/>
               <a:t>ブロック </a:t>
             </a:r>
             <a:r>
-              <a:rPr lang="en-US" altLang="ja-JP" dirty="0" smtClean="0"/>
+              <a:rPr lang="en-US" altLang="ja-JP" sz="2000" dirty="0" smtClean="0"/>
               <a:t>de </a:t>
             </a:r>
             <a:r>
-              <a:rPr lang="ja-JP" altLang="en-US" dirty="0"/>
+              <a:rPr lang="ja-JP" altLang="en-US" sz="2000" dirty="0"/>
               <a:t> </a:t>
             </a:r>
             <a:r>
-              <a:rPr lang="ja-JP" altLang="en-US" dirty="0" smtClean="0"/>
+              <a:rPr lang="ja-JP" altLang="en-US" sz="2000" dirty="0" smtClean="0"/>
               <a:t>トレジャーハンターの攻略に必要なシステムの機能をユースケース図、ユースケース記述で定義した。</a:t>
             </a:r>
             <a:r>
-              <a:rPr lang="en-US" altLang="ja-JP" dirty="0" smtClean="0"/>
+              <a:rPr lang="en-US" altLang="ja-JP" sz="2000" dirty="0" smtClean="0"/>
               <a:t/>
             </a:r>
             <a:br>
-              <a:rPr lang="en-US" altLang="ja-JP" dirty="0" smtClean="0"/>
+              <a:rPr lang="en-US" altLang="ja-JP" sz="2000" dirty="0" smtClean="0"/>
             </a:br>
             <a:r>
-              <a:rPr lang="ja-JP" altLang="en-US" dirty="0" smtClean="0"/>
+              <a:rPr lang="ja-JP" altLang="en-US" sz="2000" dirty="0" smtClean="0"/>
               <a:t>ダブルループ、ブロック </a:t>
             </a:r>
             <a:r>
-              <a:rPr lang="en-US" altLang="ja-JP" dirty="0" smtClean="0"/>
+              <a:rPr lang="en-US" altLang="ja-JP" sz="2000" dirty="0" smtClean="0"/>
               <a:t>de </a:t>
             </a:r>
             <a:r>
-              <a:rPr lang="ja-JP" altLang="en-US" dirty="0" smtClean="0"/>
+              <a:rPr lang="ja-JP" altLang="en-US" sz="2000" dirty="0" smtClean="0"/>
               <a:t>トレジャーハンター で動作を切り替え、一連のシナリオとして動作させる。</a:t>
             </a:r>
             <a:r>
-              <a:rPr lang="en-US" altLang="ja-JP" dirty="0" smtClean="0"/>
+              <a:rPr lang="en-US" altLang="ja-JP" sz="2000" dirty="0" smtClean="0"/>
               <a:t/>
             </a:r>
             <a:br>
-              <a:rPr lang="en-US" altLang="ja-JP" dirty="0" smtClean="0"/>
+              <a:rPr lang="en-US" altLang="ja-JP" sz="2000" dirty="0" smtClean="0"/>
             </a:br>
             <a:r>
-              <a:rPr lang="ja-JP" altLang="en-US" dirty="0" smtClean="0"/>
+              <a:rPr lang="ja-JP" altLang="en-US" sz="2000" dirty="0" smtClean="0"/>
               <a:t>汎用的なクラスは共通化し、それぞれのシナリオで使用できるようにする。</a:t>
             </a:r>
-            <a:r>
-              <a:rPr lang="en-US" altLang="ja-JP" dirty="0" smtClean="0"/>
-              <a:t/>
-            </a:r>
-            <a:br>
-              <a:rPr lang="en-US" altLang="ja-JP" dirty="0" smtClean="0"/>
-            </a:br>
-            <a:r>
-              <a:rPr lang="ja-JP" altLang="en-US" dirty="0" smtClean="0"/>
-              <a:t>ここでは、ブロック </a:t>
-            </a:r>
-            <a:r>
-              <a:rPr lang="en-US" altLang="ja-JP" dirty="0" smtClean="0"/>
-              <a:t>de </a:t>
-            </a:r>
-            <a:r>
-              <a:rPr lang="ja-JP" altLang="en-US" dirty="0" smtClean="0"/>
-              <a:t>トレジャーハンターに関係するユースケースのみ記載する。</a:t>
-            </a:r>
-            <a:endParaRPr kumimoji="1" lang="ja-JP" altLang="en-US" dirty="0"/>
+            <a:endParaRPr kumimoji="1" lang="ja-JP" altLang="en-US" sz="2000" dirty="0"/>
           </a:p>
         </p:txBody>
       </p:sp>
@@ -8198,14 +8265,166 @@
         </p:blipFill>
         <p:spPr>
           <a:xfrm>
-            <a:off x="0" y="4121770"/>
-            <a:ext cx="7772400" cy="6324600"/>
+            <a:off x="582140" y="5132970"/>
+            <a:ext cx="6636882" cy="5400600"/>
           </a:xfrm>
           <a:prstGeom prst="rect">
             <a:avLst/>
           </a:prstGeom>
         </p:spPr>
       </p:pic>
+      <p:sp>
+        <p:nvSpPr>
+          <p:cNvPr id="2" name="テキスト ボックス 1"/>
+          <p:cNvSpPr txBox="1"/>
+          <p:nvPr/>
+        </p:nvSpPr>
+        <p:spPr>
+          <a:xfrm>
+            <a:off x="397690" y="1750441"/>
+            <a:ext cx="6821332" cy="2554545"/>
+          </a:xfrm>
+          <a:prstGeom prst="rect">
+            <a:avLst/>
+          </a:prstGeom>
+        </p:spPr>
+        <p:style>
+          <a:lnRef idx="2">
+            <a:schemeClr val="dk1"/>
+          </a:lnRef>
+          <a:fillRef idx="1">
+            <a:schemeClr val="lt1"/>
+          </a:fillRef>
+          <a:effectRef idx="0">
+            <a:schemeClr val="dk1"/>
+          </a:effectRef>
+          <a:fontRef idx="minor">
+            <a:schemeClr val="dk1"/>
+          </a:fontRef>
+        </p:style>
+        <p:txBody>
+          <a:bodyPr wrap="square" rtlCol="0">
+            <a:spAutoFit/>
+          </a:bodyPr>
+          <a:lstStyle/>
+          <a:p>
+            <a:r>
+              <a:rPr lang="ja-JP" altLang="en-US" sz="2000" dirty="0" smtClean="0">
+                <a:latin typeface="+mn-ea"/>
+              </a:rPr>
+              <a:t>●走行戦略</a:t>
+            </a:r>
+            <a:r>
+              <a:rPr lang="en-US" altLang="ja-JP" sz="2000" dirty="0" smtClean="0">
+                <a:latin typeface="+mn-ea"/>
+              </a:rPr>
+              <a:t/>
+            </a:r>
+            <a:br>
+              <a:rPr lang="en-US" altLang="ja-JP" sz="2000" dirty="0" smtClean="0">
+                <a:latin typeface="+mn-ea"/>
+              </a:rPr>
+            </a:br>
+            <a:r>
+              <a:rPr lang="ja-JP" altLang="en-US" sz="2000" dirty="0" smtClean="0">
+                <a:latin typeface="+mn-ea"/>
+              </a:rPr>
+              <a:t>事前に</a:t>
+            </a:r>
+            <a:r>
+              <a:rPr lang="ja-JP" altLang="en-US" sz="2000" dirty="0" smtClean="0">
+                <a:solidFill>
+                  <a:srgbClr val="FF0000"/>
+                </a:solidFill>
+                <a:latin typeface="+mn-ea"/>
+              </a:rPr>
+              <a:t>ブロックのパターンに応じた走行ルートを設定</a:t>
+            </a:r>
+            <a:r>
+              <a:rPr lang="ja-JP" altLang="en-US" sz="2000" dirty="0" smtClean="0">
+                <a:latin typeface="+mn-ea"/>
+              </a:rPr>
+              <a:t>する。</a:t>
+            </a:r>
+            <a:r>
+              <a:rPr lang="en-US" altLang="ja-JP" sz="2000" dirty="0" smtClean="0">
+                <a:latin typeface="+mn-ea"/>
+              </a:rPr>
+              <a:t/>
+            </a:r>
+            <a:br>
+              <a:rPr lang="en-US" altLang="ja-JP" sz="2000" dirty="0" smtClean="0">
+                <a:latin typeface="+mn-ea"/>
+              </a:rPr>
+            </a:br>
+            <a:r>
+              <a:rPr lang="ja-JP" altLang="en-US" sz="2000" dirty="0" smtClean="0">
+                <a:latin typeface="+mn-ea"/>
+              </a:rPr>
+              <a:t>この</a:t>
+            </a:r>
+            <a:r>
+              <a:rPr lang="ja-JP" altLang="en-US" sz="2000" dirty="0">
+                <a:latin typeface="+mn-ea"/>
+              </a:rPr>
+              <a:t>方式の利点として、無駄なパターンを経由しないことやブロックを読み込まないことで</a:t>
+            </a:r>
+            <a:r>
+              <a:rPr lang="ja-JP" altLang="en-US" sz="2000" dirty="0" smtClean="0">
+                <a:solidFill>
+                  <a:srgbClr val="FF0000"/>
+                </a:solidFill>
+                <a:latin typeface="+mn-ea"/>
+              </a:rPr>
+              <a:t>マトリクス攻略の安定化</a:t>
+            </a:r>
+            <a:r>
+              <a:rPr lang="ja-JP" altLang="en-US" sz="2000" dirty="0">
+                <a:latin typeface="+mn-ea"/>
+              </a:rPr>
+              <a:t>が行える</a:t>
+            </a:r>
+            <a:r>
+              <a:rPr lang="ja-JP" altLang="en-US" sz="2000" dirty="0" smtClean="0">
+                <a:latin typeface="+mn-ea"/>
+              </a:rPr>
+              <a:t>。</a:t>
+            </a:r>
+            <a:r>
+              <a:rPr lang="en-US" altLang="ja-JP" sz="2000" dirty="0" smtClean="0">
+                <a:latin typeface="+mn-ea"/>
+              </a:rPr>
+              <a:t/>
+            </a:r>
+            <a:br>
+              <a:rPr lang="en-US" altLang="ja-JP" sz="2000" dirty="0" smtClean="0">
+                <a:latin typeface="+mn-ea"/>
+              </a:rPr>
+            </a:br>
+            <a:r>
+              <a:rPr lang="ja-JP" altLang="en-US" sz="2000" dirty="0" smtClean="0">
+                <a:latin typeface="+mn-ea"/>
+              </a:rPr>
+              <a:t>その</a:t>
+            </a:r>
+            <a:r>
+              <a:rPr lang="ja-JP" altLang="en-US" sz="2000" dirty="0">
+                <a:latin typeface="+mn-ea"/>
+              </a:rPr>
+              <a:t>ため、マトリクス間のノードのライントレースやブロックの押し出し、保持を高精度で行えるよう低速で実行することが</a:t>
+            </a:r>
+            <a:r>
+              <a:rPr lang="ja-JP" altLang="en-US" sz="2000" dirty="0" smtClean="0">
+                <a:latin typeface="+mn-ea"/>
+              </a:rPr>
+              <a:t>できる。</a:t>
+            </a:r>
+            <a:endParaRPr kumimoji="1" lang="ja-JP" altLang="en-US" dirty="0">
+              <a:latin typeface="+mn-ea"/>
+            </a:endParaRPr>
+          </a:p>
+        </p:txBody>
+      </p:sp>
     </p:spTree>
     <p:extLst>
       <p:ext uri="{BB962C8B-B14F-4D97-AF65-F5344CB8AC3E}">
@@ -8236,41 +8455,94 @@
           <a:chExt cx="0" cy="0"/>
         </a:xfrm>
       </p:grpSpPr>
-      <p:pic>
-        <p:nvPicPr>
-          <p:cNvPr id="3" name="図 2" descr="ダイアグラム&#10;&#10;自動的に生成された説明">
+      <p:sp>
+        <p:nvSpPr>
+          <p:cNvPr id="14" name="正方形/長方形 13">
             <a:extLst>
               <a:ext uri="{FF2B5EF4-FFF2-40B4-BE49-F238E27FC236}">
-                <a16:creationId xmlns:a16="http://schemas.microsoft.com/office/drawing/2014/main" id="{DD3D2E72-3DA4-A1EB-7F99-631693273BD5}"/>
+                <a16:creationId xmlns:a16="http://schemas.microsoft.com/office/drawing/2014/main" id="{FA68153E-2DCF-8062-37E3-C749135A025F}"/>
               </a:ext>
             </a:extLst>
           </p:cNvPr>
-          <p:cNvPicPr>
-            <a:picLocks noChangeAspect="1"/>
-          </p:cNvPicPr>
+          <p:cNvSpPr/>
           <p:nvPr/>
-        </p:nvPicPr>
-        <p:blipFill rotWithShape="1">
-          <a:blip r:embed="rId2">
-            <a:extLst>
-              <a:ext uri="{28A0092B-C50C-407E-A947-70E740481C1C}">
-                <a14:useLocalDpi xmlns:a14="http://schemas.microsoft.com/office/drawing/2010/main" val="0"/>
-              </a:ext>
-            </a:extLst>
-          </a:blip>
-          <a:srcRect b="24888"/>
-          <a:stretch/>
-        </p:blipFill>
+        </p:nvSpPr>
         <p:spPr>
           <a:xfrm>
-            <a:off x="169004" y="1385466"/>
-            <a:ext cx="12270855" cy="8905162"/>
+            <a:off x="142849" y="1148593"/>
+            <a:ext cx="4176465" cy="9358059"/>
           </a:xfrm>
           <a:prstGeom prst="rect">
             <a:avLst/>
           </a:prstGeom>
         </p:spPr>
-      </p:pic>
+        <p:style>
+          <a:lnRef idx="2">
+            <a:schemeClr val="accent6"/>
+          </a:lnRef>
+          <a:fillRef idx="1">
+            <a:schemeClr val="lt1"/>
+          </a:fillRef>
+          <a:effectRef idx="0">
+            <a:schemeClr val="accent6"/>
+          </a:effectRef>
+          <a:fontRef idx="minor">
+            <a:schemeClr val="dk1"/>
+          </a:fontRef>
+        </p:style>
+        <p:txBody>
+          <a:bodyPr rtlCol="0" anchor="ctr"/>
+          <a:lstStyle/>
+          <a:p>
+            <a:pPr algn="ctr"/>
+            <a:endParaRPr kumimoji="1" lang="ja-JP" altLang="en-US"/>
+          </a:p>
+        </p:txBody>
+      </p:sp>
+      <p:sp>
+        <p:nvSpPr>
+          <p:cNvPr id="8" name="正方形/長方形 7">
+            <a:extLst>
+              <a:ext uri="{FF2B5EF4-FFF2-40B4-BE49-F238E27FC236}">
+                <a16:creationId xmlns:a16="http://schemas.microsoft.com/office/drawing/2014/main" id="{F3D48B08-4F38-8133-AE77-28E0AB87896A}"/>
+              </a:ext>
+            </a:extLst>
+          </p:cNvPr>
+          <p:cNvSpPr/>
+          <p:nvPr/>
+        </p:nvSpPr>
+        <p:spPr>
+          <a:xfrm>
+            <a:off x="4491555" y="185161"/>
+            <a:ext cx="10484945" cy="10321491"/>
+          </a:xfrm>
+          <a:prstGeom prst="rect">
+            <a:avLst/>
+          </a:prstGeom>
+        </p:spPr>
+        <p:style>
+          <a:lnRef idx="2">
+            <a:schemeClr val="accent6"/>
+          </a:lnRef>
+          <a:fillRef idx="1">
+            <a:schemeClr val="lt1"/>
+          </a:fillRef>
+          <a:effectRef idx="0">
+            <a:schemeClr val="accent6"/>
+          </a:effectRef>
+          <a:fontRef idx="minor">
+            <a:schemeClr val="dk1"/>
+          </a:fontRef>
+        </p:style>
+        <p:txBody>
+          <a:bodyPr rtlCol="0" anchor="ctr"/>
+          <a:lstStyle/>
+          <a:p>
+            <a:pPr algn="ctr"/>
+            <a:endParaRPr kumimoji="1" lang="ja-JP" altLang="en-US"/>
+          </a:p>
+        </p:txBody>
+      </p:sp>
       <p:sp>
         <p:nvSpPr>
           <p:cNvPr id="4" name="タイトル 1">
@@ -8288,7 +8560,7 @@
         <p:spPr>
           <a:xfrm>
             <a:off x="142850" y="185161"/>
-            <a:ext cx="4792027" cy="1320280"/>
+            <a:ext cx="4176465" cy="984281"/>
           </a:xfrm>
           <a:prstGeom prst="rect">
             <a:avLst/>
@@ -8322,16 +8594,645 @@
               </a:spcAft>
             </a:pPr>
             <a:r>
-              <a:rPr lang="ja-JP" altLang="en-US" dirty="0"/>
+              <a:rPr lang="ja-JP" altLang="en-US" sz="6000" dirty="0"/>
               <a:t>構造モデル</a:t>
             </a:r>
           </a:p>
         </p:txBody>
       </p:sp>
+      <p:sp>
+        <p:nvSpPr>
+          <p:cNvPr id="9" name="テキスト ボックス 8">
+            <a:extLst>
+              <a:ext uri="{FF2B5EF4-FFF2-40B4-BE49-F238E27FC236}">
+                <a16:creationId xmlns:a16="http://schemas.microsoft.com/office/drawing/2014/main" id="{E2C5ECE5-CA4C-4295-2EB4-67A56C41BE74}"/>
+              </a:ext>
+            </a:extLst>
+          </p:cNvPr>
+          <p:cNvSpPr txBox="1"/>
+          <p:nvPr/>
+        </p:nvSpPr>
+        <p:spPr>
+          <a:xfrm>
+            <a:off x="4713847" y="354524"/>
+            <a:ext cx="1656184" cy="584775"/>
+          </a:xfrm>
+          <a:prstGeom prst="rect">
+            <a:avLst/>
+          </a:prstGeom>
+          <a:noFill/>
+          <a:ln>
+            <a:solidFill>
+              <a:schemeClr val="tx1"/>
+            </a:solidFill>
+          </a:ln>
+        </p:spPr>
+        <p:txBody>
+          <a:bodyPr wrap="square" rtlCol="0">
+            <a:spAutoFit/>
+          </a:bodyPr>
+          <a:lstStyle/>
+          <a:p>
+            <a:r>
+              <a:rPr kumimoji="1" lang="ja-JP" altLang="en-US" sz="3200" dirty="0"/>
+              <a:t>クラス図</a:t>
+            </a:r>
+            <a:endParaRPr kumimoji="1" lang="en-US" altLang="ja-JP" sz="3200" dirty="0"/>
+          </a:p>
+        </p:txBody>
+      </p:sp>
+      <p:sp>
+        <p:nvSpPr>
+          <p:cNvPr id="15" name="テキスト ボックス 14">
+            <a:extLst>
+              <a:ext uri="{FF2B5EF4-FFF2-40B4-BE49-F238E27FC236}">
+                <a16:creationId xmlns:a16="http://schemas.microsoft.com/office/drawing/2014/main" id="{AFC3940A-FA4C-0F52-DCE9-976379756C80}"/>
+              </a:ext>
+            </a:extLst>
+          </p:cNvPr>
+          <p:cNvSpPr txBox="1"/>
+          <p:nvPr/>
+        </p:nvSpPr>
+        <p:spPr>
+          <a:xfrm>
+            <a:off x="395461" y="1313458"/>
+            <a:ext cx="2627710" cy="584775"/>
+          </a:xfrm>
+          <a:prstGeom prst="rect">
+            <a:avLst/>
+          </a:prstGeom>
+          <a:noFill/>
+          <a:ln>
+            <a:solidFill>
+              <a:schemeClr val="tx1"/>
+            </a:solidFill>
+          </a:ln>
+        </p:spPr>
+        <p:txBody>
+          <a:bodyPr wrap="square" rtlCol="0">
+            <a:spAutoFit/>
+          </a:bodyPr>
+          <a:lstStyle/>
+          <a:p>
+            <a:r>
+              <a:rPr kumimoji="1" lang="ja-JP" altLang="en-US" sz="3200" dirty="0"/>
+              <a:t>パッケージ図</a:t>
+            </a:r>
+            <a:endParaRPr kumimoji="1" lang="en-US" altLang="ja-JP" sz="3200" dirty="0"/>
+          </a:p>
+        </p:txBody>
+      </p:sp>
+      <p:graphicFrame>
+        <p:nvGraphicFramePr>
+          <p:cNvPr id="40" name="表 40">
+            <a:extLst>
+              <a:ext uri="{FF2B5EF4-FFF2-40B4-BE49-F238E27FC236}">
+                <a16:creationId xmlns:a16="http://schemas.microsoft.com/office/drawing/2014/main" id="{65ABEA67-41C4-5F5B-8B4C-166DA3CD6908}"/>
+              </a:ext>
+            </a:extLst>
+          </p:cNvPr>
+          <p:cNvGraphicFramePr>
+            <a:graphicFrameLocks noGrp="1"/>
+          </p:cNvGraphicFramePr>
+          <p:nvPr>
+            <p:extLst/>
+          </p:nvPr>
+        </p:nvGraphicFramePr>
+        <p:xfrm>
+          <a:off x="336574" y="2248836"/>
+          <a:ext cx="3838725" cy="3457110"/>
+        </p:xfrm>
+        <a:graphic>
+          <a:graphicData uri="http://schemas.openxmlformats.org/drawingml/2006/table">
+            <a:tbl>
+              <a:tblPr firstRow="1" bandRow="1">
+                <a:tableStyleId>{16D9F66E-5EB9-4882-86FB-DCBF35E3C3E4}</a:tableStyleId>
+              </a:tblPr>
+              <a:tblGrid>
+                <a:gridCol w="1469227">
+                  <a:extLst>
+                    <a:ext uri="{9D8B030D-6E8A-4147-A177-3AD203B41FA5}">
+                      <a16:colId xmlns:a16="http://schemas.microsoft.com/office/drawing/2014/main" val="1707991611"/>
+                    </a:ext>
+                  </a:extLst>
+                </a:gridCol>
+                <a:gridCol w="2369498">
+                  <a:extLst>
+                    <a:ext uri="{9D8B030D-6E8A-4147-A177-3AD203B41FA5}">
+                      <a16:colId xmlns:a16="http://schemas.microsoft.com/office/drawing/2014/main" val="3670840313"/>
+                    </a:ext>
+                  </a:extLst>
+                </a:gridCol>
+              </a:tblGrid>
+              <a:tr h="691422">
+                <a:tc>
+                  <a:txBody>
+                    <a:bodyPr/>
+                    <a:lstStyle/>
+                    <a:p>
+                      <a:r>
+                        <a:rPr kumimoji="1" lang="ja-JP" altLang="en-US" sz="1600" dirty="0"/>
+                        <a:t>パッケージ</a:t>
+                      </a:r>
+                      <a:endParaRPr kumimoji="1" lang="en-US" altLang="ja-JP" sz="1600" dirty="0"/>
+                    </a:p>
+                  </a:txBody>
+                  <a:tcPr/>
+                </a:tc>
+                <a:tc>
+                  <a:txBody>
+                    <a:bodyPr/>
+                    <a:lstStyle/>
+                    <a:p>
+                      <a:r>
+                        <a:rPr kumimoji="1" lang="ja-JP" altLang="en-US" sz="1600" dirty="0"/>
+                        <a:t>説明</a:t>
+                      </a:r>
+                      <a:endParaRPr kumimoji="1" lang="en-US" altLang="ja-JP" sz="1600" dirty="0"/>
+                    </a:p>
+                  </a:txBody>
+                  <a:tcPr/>
+                </a:tc>
+                <a:extLst>
+                  <a:ext uri="{0D108BD9-81ED-4DB2-BD59-A6C34878D82A}">
+                    <a16:rowId xmlns:a16="http://schemas.microsoft.com/office/drawing/2014/main" val="1401397123"/>
+                  </a:ext>
+                </a:extLst>
+              </a:tr>
+              <a:tr h="691422">
+                <a:tc>
+                  <a:txBody>
+                    <a:bodyPr/>
+                    <a:lstStyle/>
+                    <a:p>
+                      <a:r>
+                        <a:rPr kumimoji="1" lang="ja-JP" altLang="en-US" sz="1600" dirty="0"/>
+                        <a:t>マトリクス</a:t>
+                      </a:r>
+                      <a:endParaRPr kumimoji="1" lang="en-US" altLang="ja-JP" sz="1600" dirty="0"/>
+                    </a:p>
+                    <a:p>
+                      <a:r>
+                        <a:rPr kumimoji="1" lang="ja-JP" altLang="en-US" sz="1600" dirty="0"/>
+                        <a:t>攻略</a:t>
+                      </a:r>
+                      <a:endParaRPr kumimoji="1" lang="en-US" altLang="ja-JP" sz="1600" dirty="0"/>
+                    </a:p>
+                  </a:txBody>
+                  <a:tcPr/>
+                </a:tc>
+                <a:tc>
+                  <a:txBody>
+                    <a:bodyPr/>
+                    <a:lstStyle/>
+                    <a:p>
+                      <a:r>
+                        <a:rPr kumimoji="1" lang="ja-JP" altLang="en-US" sz="1600" dirty="0"/>
+                        <a:t>命令を呼び出す</a:t>
+                      </a:r>
+                      <a:endParaRPr kumimoji="1" lang="en-US" altLang="ja-JP" sz="1600" dirty="0"/>
+                    </a:p>
+                    <a:p>
+                      <a:r>
+                        <a:rPr kumimoji="1" lang="ja-JP" altLang="en-US" sz="1600" dirty="0"/>
+                        <a:t>パッケージ</a:t>
+                      </a:r>
+                      <a:endParaRPr kumimoji="1" lang="en-US" altLang="ja-JP" sz="1600" dirty="0"/>
+                    </a:p>
+                  </a:txBody>
+                  <a:tcPr/>
+                </a:tc>
+                <a:extLst>
+                  <a:ext uri="{0D108BD9-81ED-4DB2-BD59-A6C34878D82A}">
+                    <a16:rowId xmlns:a16="http://schemas.microsoft.com/office/drawing/2014/main" val="1626226597"/>
+                  </a:ext>
+                </a:extLst>
+              </a:tr>
+              <a:tr h="691422">
+                <a:tc>
+                  <a:txBody>
+                    <a:bodyPr/>
+                    <a:lstStyle/>
+                    <a:p>
+                      <a:r>
+                        <a:rPr kumimoji="1" lang="ja-JP" altLang="en-US" sz="1600" dirty="0"/>
+                        <a:t>命令</a:t>
+                      </a:r>
+                      <a:endParaRPr kumimoji="1" lang="en-US" altLang="ja-JP" sz="1600" dirty="0"/>
+                    </a:p>
+                    <a:p>
+                      <a:r>
+                        <a:rPr kumimoji="1" lang="ja-JP" altLang="en-US" sz="1600" dirty="0"/>
+                        <a:t>パッケージ</a:t>
+                      </a:r>
+                      <a:endParaRPr kumimoji="1" lang="en-US" altLang="ja-JP" sz="1600" dirty="0"/>
+                    </a:p>
+                  </a:txBody>
+                  <a:tcPr/>
+                </a:tc>
+                <a:tc>
+                  <a:txBody>
+                    <a:bodyPr/>
+                    <a:lstStyle/>
+                    <a:p>
+                      <a:r>
+                        <a:rPr kumimoji="1" lang="ja-JP" altLang="en-US" sz="1600" dirty="0"/>
+                        <a:t>走行の管理をする</a:t>
+                      </a:r>
+                      <a:endParaRPr kumimoji="1" lang="en-US" altLang="ja-JP" sz="1600" dirty="0"/>
+                    </a:p>
+                    <a:p>
+                      <a:r>
+                        <a:rPr kumimoji="1" lang="ja-JP" altLang="en-US" sz="1600" dirty="0"/>
+                        <a:t>パッケージ</a:t>
+                      </a:r>
+                    </a:p>
+                  </a:txBody>
+                  <a:tcPr/>
+                </a:tc>
+                <a:extLst>
+                  <a:ext uri="{0D108BD9-81ED-4DB2-BD59-A6C34878D82A}">
+                    <a16:rowId xmlns:a16="http://schemas.microsoft.com/office/drawing/2014/main" val="1960019302"/>
+                  </a:ext>
+                </a:extLst>
+              </a:tr>
+              <a:tr h="691422">
+                <a:tc>
+                  <a:txBody>
+                    <a:bodyPr/>
+                    <a:lstStyle/>
+                    <a:p>
+                      <a:r>
+                        <a:rPr kumimoji="1" lang="ja-JP" altLang="en-US" sz="1600" dirty="0"/>
+                        <a:t>モーター</a:t>
+                      </a:r>
+                      <a:endParaRPr kumimoji="1" lang="en-US" altLang="ja-JP" sz="1600" dirty="0"/>
+                    </a:p>
+                    <a:p>
+                      <a:r>
+                        <a:rPr kumimoji="1" lang="ja-JP" altLang="en-US" sz="1600" dirty="0"/>
+                        <a:t>パッケージ</a:t>
+                      </a:r>
+                      <a:endParaRPr kumimoji="1" lang="en-US" altLang="ja-JP" sz="1600" dirty="0"/>
+                    </a:p>
+                  </a:txBody>
+                  <a:tcPr/>
+                </a:tc>
+                <a:tc>
+                  <a:txBody>
+                    <a:bodyPr/>
+                    <a:lstStyle/>
+                    <a:p>
+                      <a:r>
+                        <a:rPr kumimoji="1" lang="ja-JP" altLang="en-US" sz="1600" dirty="0"/>
+                        <a:t>モーターユニットの</a:t>
+                      </a:r>
+                      <a:endParaRPr kumimoji="1" lang="en-US" altLang="ja-JP" sz="1600" dirty="0"/>
+                    </a:p>
+                    <a:p>
+                      <a:r>
+                        <a:rPr kumimoji="1" lang="ja-JP" altLang="en-US" sz="1600" dirty="0"/>
+                        <a:t>制御</a:t>
+                      </a:r>
+                    </a:p>
+                  </a:txBody>
+                  <a:tcPr/>
+                </a:tc>
+                <a:extLst>
+                  <a:ext uri="{0D108BD9-81ED-4DB2-BD59-A6C34878D82A}">
+                    <a16:rowId xmlns:a16="http://schemas.microsoft.com/office/drawing/2014/main" val="1922589533"/>
+                  </a:ext>
+                </a:extLst>
+              </a:tr>
+              <a:tr h="691422">
+                <a:tc>
+                  <a:txBody>
+                    <a:bodyPr/>
+                    <a:lstStyle/>
+                    <a:p>
+                      <a:r>
+                        <a:rPr kumimoji="1" lang="ja-JP" altLang="en-US" sz="1600" dirty="0"/>
+                        <a:t>センサー</a:t>
+                      </a:r>
+                      <a:endParaRPr kumimoji="1" lang="en-US" altLang="ja-JP" sz="1600" dirty="0"/>
+                    </a:p>
+                    <a:p>
+                      <a:r>
+                        <a:rPr kumimoji="1" lang="ja-JP" altLang="en-US" sz="1600" dirty="0"/>
+                        <a:t>パッケージ</a:t>
+                      </a:r>
+                    </a:p>
+                  </a:txBody>
+                  <a:tcPr/>
+                </a:tc>
+                <a:tc>
+                  <a:txBody>
+                    <a:bodyPr/>
+                    <a:lstStyle/>
+                    <a:p>
+                      <a:r>
+                        <a:rPr kumimoji="1" lang="ja-JP" altLang="en-US" sz="1600" dirty="0"/>
+                        <a:t>反射光センサーユニットの制御</a:t>
+                      </a:r>
+                      <a:endParaRPr kumimoji="1" lang="en-US" altLang="ja-JP" sz="1600" dirty="0"/>
+                    </a:p>
+                  </a:txBody>
+                  <a:tcPr/>
+                </a:tc>
+                <a:extLst>
+                  <a:ext uri="{0D108BD9-81ED-4DB2-BD59-A6C34878D82A}">
+                    <a16:rowId xmlns:a16="http://schemas.microsoft.com/office/drawing/2014/main" val="1282840320"/>
+                  </a:ext>
+                </a:extLst>
+              </a:tr>
+            </a:tbl>
+          </a:graphicData>
+        </a:graphic>
+      </p:graphicFrame>
+      <p:pic>
+        <p:nvPicPr>
+          <p:cNvPr id="3" name="図 2" descr="ダイアグラム&#10;&#10;自動的に生成された説明">
+            <a:extLst>
+              <a:ext uri="{FF2B5EF4-FFF2-40B4-BE49-F238E27FC236}">
+                <a16:creationId xmlns:a16="http://schemas.microsoft.com/office/drawing/2014/main" id="{7DD8B10F-74BF-7920-BB20-EA7031E74884}"/>
+              </a:ext>
+            </a:extLst>
+          </p:cNvPr>
+          <p:cNvPicPr>
+            <a:picLocks noChangeAspect="1"/>
+          </p:cNvPicPr>
+          <p:nvPr/>
+        </p:nvPicPr>
+        <p:blipFill rotWithShape="1">
+          <a:blip r:embed="rId2">
+            <a:extLst>
+              <a:ext uri="{28A0092B-C50C-407E-A947-70E740481C1C}">
+                <a14:useLocalDpi xmlns:a14="http://schemas.microsoft.com/office/drawing/2010/main" val="0"/>
+              </a:ext>
+            </a:extLst>
+          </a:blip>
+          <a:srcRect l="-101" r="901"/>
+          <a:stretch/>
+        </p:blipFill>
+        <p:spPr>
+          <a:xfrm>
+            <a:off x="4491555" y="2105546"/>
+            <a:ext cx="10463462" cy="8401106"/>
+          </a:xfrm>
+          <a:prstGeom prst="rect">
+            <a:avLst/>
+          </a:prstGeom>
+        </p:spPr>
+      </p:pic>
+      <p:sp>
+        <p:nvSpPr>
+          <p:cNvPr id="5" name="テキスト ボックス 4">
+            <a:extLst>
+              <a:ext uri="{FF2B5EF4-FFF2-40B4-BE49-F238E27FC236}">
+                <a16:creationId xmlns:a16="http://schemas.microsoft.com/office/drawing/2014/main" id="{AF25E898-AA21-E296-A45A-4CB74A2731E0}"/>
+              </a:ext>
+            </a:extLst>
+          </p:cNvPr>
+          <p:cNvSpPr txBox="1"/>
+          <p:nvPr/>
+        </p:nvSpPr>
+        <p:spPr>
+          <a:xfrm>
+            <a:off x="4746461" y="1108662"/>
+            <a:ext cx="9953649" cy="769441"/>
+          </a:xfrm>
+          <a:prstGeom prst="rect">
+            <a:avLst/>
+          </a:prstGeom>
+          <a:noFill/>
+          <a:ln>
+            <a:solidFill>
+              <a:schemeClr val="accent6">
+                <a:lumMod val="60000"/>
+                <a:lumOff val="40000"/>
+              </a:schemeClr>
+            </a:solidFill>
+          </a:ln>
+        </p:spPr>
+        <p:txBody>
+          <a:bodyPr wrap="square" rtlCol="0">
+            <a:spAutoFit/>
+          </a:bodyPr>
+          <a:lstStyle/>
+          <a:p>
+            <a:r>
+              <a:rPr kumimoji="1" lang="ja-JP" altLang="en-US" sz="2200" dirty="0">
+                <a:latin typeface="+mn-ea"/>
+                <a:ea typeface="+mn-ea"/>
+              </a:rPr>
+              <a:t>ブロックが配置される組み合わせに応じて命令配列にマトリクス上動作命令を設定し、命令パッケージで配列インデックス順に命令を呼び出す</a:t>
+            </a:r>
+          </a:p>
+        </p:txBody>
+      </p:sp>
+      <p:pic>
+        <p:nvPicPr>
+          <p:cNvPr id="12" name="図 11" descr="ダイアグラム&#10;&#10;自動的に生成された説明">
+            <a:extLst>
+              <a:ext uri="{FF2B5EF4-FFF2-40B4-BE49-F238E27FC236}">
+                <a16:creationId xmlns:a16="http://schemas.microsoft.com/office/drawing/2014/main" id="{1A35D42F-B5F8-F647-F3AD-DD355CAC52EE}"/>
+              </a:ext>
+            </a:extLst>
+          </p:cNvPr>
+          <p:cNvPicPr>
+            <a:picLocks noChangeAspect="1"/>
+          </p:cNvPicPr>
+          <p:nvPr/>
+        </p:nvPicPr>
+        <p:blipFill rotWithShape="1">
+          <a:blip r:embed="rId3">
+            <a:extLst>
+              <a:ext uri="{28A0092B-C50C-407E-A947-70E740481C1C}">
+                <a14:useLocalDpi xmlns:a14="http://schemas.microsoft.com/office/drawing/2010/main" val="0"/>
+              </a:ext>
+            </a:extLst>
+          </a:blip>
+          <a:srcRect l="2013" r="1832" b="1885"/>
+          <a:stretch/>
+        </p:blipFill>
+        <p:spPr>
+          <a:xfrm>
+            <a:off x="209439" y="6022508"/>
+            <a:ext cx="4043283" cy="4372208"/>
+          </a:xfrm>
+          <a:prstGeom prst="rect">
+            <a:avLst/>
+          </a:prstGeom>
+        </p:spPr>
+      </p:pic>
+      <p:cxnSp>
+        <p:nvCxnSpPr>
+          <p:cNvPr id="17" name="直線矢印コネクタ 16">
+            <a:extLst>
+              <a:ext uri="{FF2B5EF4-FFF2-40B4-BE49-F238E27FC236}">
+                <a16:creationId xmlns:a16="http://schemas.microsoft.com/office/drawing/2014/main" id="{5FECE648-8E27-3792-C518-8FDE9D1B6942}"/>
+              </a:ext>
+            </a:extLst>
+          </p:cNvPr>
+          <p:cNvCxnSpPr>
+            <a:cxnSpLocks/>
+          </p:cNvCxnSpPr>
+          <p:nvPr/>
+        </p:nvCxnSpPr>
+        <p:spPr>
+          <a:xfrm>
+            <a:off x="790923" y="7434138"/>
+            <a:ext cx="0" cy="432048"/>
+          </a:xfrm>
+          <a:prstGeom prst="straightConnector1">
+            <a:avLst/>
+          </a:prstGeom>
+          <a:ln>
+            <a:tailEnd type="triangle"/>
+          </a:ln>
+        </p:spPr>
+        <p:style>
+          <a:lnRef idx="1">
+            <a:schemeClr val="dk1"/>
+          </a:lnRef>
+          <a:fillRef idx="0">
+            <a:schemeClr val="dk1"/>
+          </a:fillRef>
+          <a:effectRef idx="0">
+            <a:schemeClr val="dk1"/>
+          </a:effectRef>
+          <a:fontRef idx="minor">
+            <a:schemeClr val="tx1"/>
+          </a:fontRef>
+        </p:style>
+      </p:cxnSp>
+      <p:cxnSp>
+        <p:nvCxnSpPr>
+          <p:cNvPr id="20" name="直線矢印コネクタ 19">
+            <a:extLst>
+              <a:ext uri="{FF2B5EF4-FFF2-40B4-BE49-F238E27FC236}">
+                <a16:creationId xmlns:a16="http://schemas.microsoft.com/office/drawing/2014/main" id="{875D33A3-2B1A-8CFA-E3DE-45A28A7C4082}"/>
+              </a:ext>
+            </a:extLst>
+          </p:cNvPr>
+          <p:cNvCxnSpPr>
+            <a:cxnSpLocks/>
+          </p:cNvCxnSpPr>
+          <p:nvPr/>
+        </p:nvCxnSpPr>
+        <p:spPr>
+          <a:xfrm>
+            <a:off x="790923" y="8874298"/>
+            <a:ext cx="0" cy="432048"/>
+          </a:xfrm>
+          <a:prstGeom prst="straightConnector1">
+            <a:avLst/>
+          </a:prstGeom>
+          <a:ln>
+            <a:tailEnd type="triangle"/>
+          </a:ln>
+        </p:spPr>
+        <p:style>
+          <a:lnRef idx="1">
+            <a:schemeClr val="dk1"/>
+          </a:lnRef>
+          <a:fillRef idx="0">
+            <a:schemeClr val="dk1"/>
+          </a:fillRef>
+          <a:effectRef idx="0">
+            <a:schemeClr val="dk1"/>
+          </a:effectRef>
+          <a:fontRef idx="minor">
+            <a:schemeClr val="tx1"/>
+          </a:fontRef>
+        </p:style>
+      </p:cxnSp>
+      <p:cxnSp>
+        <p:nvCxnSpPr>
+          <p:cNvPr id="21" name="直線矢印コネクタ 20">
+            <a:extLst>
+              <a:ext uri="{FF2B5EF4-FFF2-40B4-BE49-F238E27FC236}">
+                <a16:creationId xmlns:a16="http://schemas.microsoft.com/office/drawing/2014/main" id="{088FAB77-849A-1668-7FC7-3239C5928703}"/>
+              </a:ext>
+            </a:extLst>
+          </p:cNvPr>
+          <p:cNvCxnSpPr>
+            <a:cxnSpLocks/>
+          </p:cNvCxnSpPr>
+          <p:nvPr/>
+        </p:nvCxnSpPr>
+        <p:spPr>
+          <a:xfrm>
+            <a:off x="2138826" y="7367968"/>
+            <a:ext cx="236273" cy="498218"/>
+          </a:xfrm>
+          <a:prstGeom prst="straightConnector1">
+            <a:avLst/>
+          </a:prstGeom>
+          <a:ln>
+            <a:tailEnd type="triangle"/>
+          </a:ln>
+        </p:spPr>
+        <p:style>
+          <a:lnRef idx="1">
+            <a:schemeClr val="dk1"/>
+          </a:lnRef>
+          <a:fillRef idx="0">
+            <a:schemeClr val="dk1"/>
+          </a:fillRef>
+          <a:effectRef idx="0">
+            <a:schemeClr val="dk1"/>
+          </a:effectRef>
+          <a:fontRef idx="minor">
+            <a:schemeClr val="tx1"/>
+          </a:fontRef>
+        </p:style>
+      </p:cxnSp>
+      <p:cxnSp>
+        <p:nvCxnSpPr>
+          <p:cNvPr id="24" name="直線矢印コネクタ 23">
+            <a:extLst>
+              <a:ext uri="{FF2B5EF4-FFF2-40B4-BE49-F238E27FC236}">
+                <a16:creationId xmlns:a16="http://schemas.microsoft.com/office/drawing/2014/main" id="{0CFDB890-9C9A-01BC-29D9-47BEDD05BC40}"/>
+              </a:ext>
+            </a:extLst>
+          </p:cNvPr>
+          <p:cNvCxnSpPr>
+            <a:cxnSpLocks/>
+          </p:cNvCxnSpPr>
+          <p:nvPr/>
+        </p:nvCxnSpPr>
+        <p:spPr>
+          <a:xfrm flipH="1">
+            <a:off x="2138826" y="8789488"/>
+            <a:ext cx="278142" cy="588867"/>
+          </a:xfrm>
+          <a:prstGeom prst="straightConnector1">
+            <a:avLst/>
+          </a:prstGeom>
+          <a:ln>
+            <a:tailEnd type="triangle"/>
+          </a:ln>
+        </p:spPr>
+        <p:style>
+          <a:lnRef idx="1">
+            <a:schemeClr val="dk1"/>
+          </a:lnRef>
+          <a:fillRef idx="0">
+            <a:schemeClr val="dk1"/>
+          </a:fillRef>
+          <a:effectRef idx="0">
+            <a:schemeClr val="dk1"/>
+          </a:effectRef>
+          <a:fontRef idx="minor">
+            <a:schemeClr val="tx1"/>
+          </a:fontRef>
+        </p:style>
+      </p:cxnSp>
     </p:spTree>
     <p:extLst>
       <p:ext uri="{BB962C8B-B14F-4D97-AF65-F5344CB8AC3E}">
-        <p14:creationId xmlns:p14="http://schemas.microsoft.com/office/powerpoint/2010/main" val="3437812161"/>
+        <p14:creationId xmlns:p14="http://schemas.microsoft.com/office/powerpoint/2010/main" val="1171162439"/>
       </p:ext>
     </p:extLst>
   </p:cSld>
@@ -8374,8 +9275,8 @@
         </p:nvSpPr>
         <p:spPr bwMode="auto">
           <a:xfrm>
-            <a:off x="7559674" y="4193778"/>
-            <a:ext cx="7344815" cy="6203939"/>
+            <a:off x="7559674" y="3709738"/>
+            <a:ext cx="7344815" cy="6687979"/>
           </a:xfrm>
           <a:prstGeom prst="rect">
             <a:avLst/>
@@ -8511,39 +9412,33 @@
             </a:lvl9pPr>
           </a:lstStyle>
           <a:p>
-            <a:pPr marL="0" indent="0" eaLnBrk="1" hangingPunct="1">
-              <a:lnSpc>
-                <a:spcPct val="80000"/>
-              </a:lnSpc>
+            <a:pPr marL="0" indent="252000" eaLnBrk="1" hangingPunct="1">
               <a:spcBef>
                 <a:spcPts val="668"/>
               </a:spcBef>
             </a:pPr>
             <a:r>
               <a:rPr lang="ja-JP" altLang="en-US" sz="2400" dirty="0">
-                <a:latin typeface="HG丸ｺﾞｼｯｸM-PRO" panose="020F0600000000000000" pitchFamily="50" charset="-128"/>
-                <a:ea typeface="HG丸ｺﾞｼｯｸM-PRO" panose="020F0600000000000000" pitchFamily="50" charset="-128"/>
+                <a:latin typeface="+mn-ea"/>
+                <a:ea typeface="+mn-ea"/>
               </a:rPr>
               <a:t>マトリクス走査状態　ステートマシン図</a:t>
             </a:r>
             <a:endParaRPr lang="en-US" altLang="ja-JP" sz="2400" dirty="0">
-              <a:latin typeface="HG丸ｺﾞｼｯｸM-PRO" panose="020F0600000000000000" pitchFamily="50" charset="-128"/>
-              <a:ea typeface="HG丸ｺﾞｼｯｸM-PRO" panose="020F0600000000000000" pitchFamily="50" charset="-128"/>
+              <a:latin typeface="+mn-ea"/>
+              <a:ea typeface="+mn-ea"/>
             </a:endParaRPr>
           </a:p>
           <a:p>
-            <a:pPr marL="0" indent="0" eaLnBrk="1" hangingPunct="1">
-              <a:lnSpc>
-                <a:spcPct val="80000"/>
-              </a:lnSpc>
+            <a:pPr marL="0" indent="252000" eaLnBrk="1" hangingPunct="1">
               <a:spcBef>
                 <a:spcPts val="668"/>
               </a:spcBef>
             </a:pPr>
             <a:r>
               <a:rPr lang="ja-JP" altLang="en-US" sz="1800" dirty="0">
-                <a:latin typeface="HG丸ｺﾞｼｯｸM-PRO" panose="020F0600000000000000" pitchFamily="50" charset="-128"/>
-                <a:ea typeface="HG丸ｺﾞｼｯｸM-PRO" panose="020F0600000000000000" pitchFamily="50" charset="-128"/>
+                <a:latin typeface="+mn-ea"/>
+                <a:ea typeface="+mn-ea"/>
               </a:rPr>
               <a:t>マトリクス走査状態の詳述したステートマシン図を以下に示す。本プログラムではブロックの配置ごとに用意された命令の配列を実行して、マトリクスを走査する。マトリクスの赤、青、黄、緑パターンの直上で命令を評価する。命令は前進命令、右旋回命令、左旋回命令、青ブロック押し出し命令、赤ブロック取得命令で構成される。マトリクス上の各パターンの上でそれぞれの命令が実行される。</a:t>
             </a:r>
@@ -8567,7 +9462,7 @@
         <p:spPr bwMode="auto">
           <a:xfrm>
             <a:off x="214860" y="311322"/>
-            <a:ext cx="7104254" cy="7698880"/>
+            <a:ext cx="7104254" cy="7338840"/>
           </a:xfrm>
           <a:prstGeom prst="rect">
             <a:avLst/>
@@ -8713,203 +9608,205 @@
             </a:pPr>
             <a:r>
               <a:rPr lang="ja-JP" altLang="en-US" sz="2400" dirty="0">
-                <a:latin typeface="HG丸ｺﾞｼｯｸM-PRO" panose="020F0600000000000000" pitchFamily="50" charset="-128"/>
-                <a:ea typeface="HG丸ｺﾞｼｯｸM-PRO" panose="020F0600000000000000" pitchFamily="50" charset="-128"/>
+                <a:latin typeface="+mn-ea"/>
+                <a:ea typeface="+mn-ea"/>
               </a:rPr>
               <a:t>ブロック　</a:t>
             </a:r>
             <a:r>
               <a:rPr lang="en-US" altLang="ja-JP" sz="2400" dirty="0">
-                <a:latin typeface="HG丸ｺﾞｼｯｸM-PRO" panose="020F0600000000000000" pitchFamily="50" charset="-128"/>
-                <a:ea typeface="HG丸ｺﾞｼｯｸM-PRO" panose="020F0600000000000000" pitchFamily="50" charset="-128"/>
+                <a:latin typeface="+mn-ea"/>
+                <a:ea typeface="+mn-ea"/>
               </a:rPr>
               <a:t>de</a:t>
             </a:r>
             <a:r>
               <a:rPr lang="ja-JP" altLang="en-US" sz="2400" dirty="0">
-                <a:latin typeface="HG丸ｺﾞｼｯｸM-PRO" panose="020F0600000000000000" pitchFamily="50" charset="-128"/>
-                <a:ea typeface="HG丸ｺﾞｼｯｸM-PRO" panose="020F0600000000000000" pitchFamily="50" charset="-128"/>
+                <a:latin typeface="+mn-ea"/>
+                <a:ea typeface="+mn-ea"/>
               </a:rPr>
               <a:t>　トレジャーハンター　要件分析</a:t>
             </a:r>
             <a:endParaRPr lang="en-US" altLang="ja-JP" sz="2400" dirty="0">
-              <a:latin typeface="HG丸ｺﾞｼｯｸM-PRO" panose="020F0600000000000000" pitchFamily="50" charset="-128"/>
-              <a:ea typeface="HG丸ｺﾞｼｯｸM-PRO" panose="020F0600000000000000" pitchFamily="50" charset="-128"/>
+              <a:latin typeface="+mn-ea"/>
+              <a:ea typeface="+mn-ea"/>
             </a:endParaRPr>
           </a:p>
           <a:p>
-            <a:pPr marL="0" indent="0" eaLnBrk="1" hangingPunct="1">
-              <a:lnSpc>
-                <a:spcPct val="80000"/>
-              </a:lnSpc>
+            <a:pPr marL="0" indent="252000" eaLnBrk="1" hangingPunct="1">
               <a:spcBef>
                 <a:spcPct val="20000"/>
               </a:spcBef>
             </a:pPr>
             <a:r>
               <a:rPr lang="ja-JP" altLang="en-US" sz="1800" dirty="0">
-                <a:latin typeface="HG丸ｺﾞｼｯｸM-PRO" panose="020F0600000000000000" pitchFamily="50" charset="-128"/>
-                <a:ea typeface="HG丸ｺﾞｼｯｸM-PRO" panose="020F0600000000000000" pitchFamily="50" charset="-128"/>
+                <a:latin typeface="+mn-ea"/>
+                <a:ea typeface="+mn-ea"/>
               </a:rPr>
               <a:t>ブロック </a:t>
             </a:r>
             <a:r>
               <a:rPr lang="en-US" altLang="ja-JP" sz="1800" dirty="0">
-                <a:latin typeface="HG丸ｺﾞｼｯｸM-PRO" panose="020F0600000000000000" pitchFamily="50" charset="-128"/>
-                <a:ea typeface="HG丸ｺﾞｼｯｸM-PRO" panose="020F0600000000000000" pitchFamily="50" charset="-128"/>
+                <a:latin typeface="+mn-ea"/>
+                <a:ea typeface="+mn-ea"/>
               </a:rPr>
               <a:t>de </a:t>
             </a:r>
             <a:r>
               <a:rPr lang="ja-JP" altLang="en-US" sz="1800" dirty="0">
-                <a:latin typeface="HG丸ｺﾞｼｯｸM-PRO" panose="020F0600000000000000" pitchFamily="50" charset="-128"/>
-                <a:ea typeface="HG丸ｺﾞｼｯｸM-PRO" panose="020F0600000000000000" pitchFamily="50" charset="-128"/>
+                <a:latin typeface="+mn-ea"/>
+                <a:ea typeface="+mn-ea"/>
               </a:rPr>
               <a:t>トレジャーハンターはライントレース終了後に走行する障害物コースである。この障害物のコースは格子状のマトリクスとマトリクスの交点にある赤、青、黄、緑のパターン、パターン間の黒線でできたノードで構成される。このマトリクス上に</a:t>
             </a:r>
             <a:r>
               <a:rPr lang="en-US" altLang="ja-JP" sz="1800" dirty="0">
-                <a:latin typeface="HG丸ｺﾞｼｯｸM-PRO" panose="020F0600000000000000" pitchFamily="50" charset="-128"/>
-                <a:ea typeface="HG丸ｺﾞｼｯｸM-PRO" panose="020F0600000000000000" pitchFamily="50" charset="-128"/>
+                <a:latin typeface="+mn-ea"/>
+                <a:ea typeface="+mn-ea"/>
               </a:rPr>
               <a:t>5</a:t>
             </a:r>
             <a:r>
               <a:rPr lang="ja-JP" altLang="en-US" sz="1800" dirty="0">
-                <a:latin typeface="HG丸ｺﾞｼｯｸM-PRO" panose="020F0600000000000000" pitchFamily="50" charset="-128"/>
-                <a:ea typeface="HG丸ｺﾞｼｯｸM-PRO" panose="020F0600000000000000" pitchFamily="50" charset="-128"/>
+                <a:latin typeface="+mn-ea"/>
+                <a:ea typeface="+mn-ea"/>
               </a:rPr>
               <a:t>つのパターンで、</a:t>
             </a:r>
             <a:r>
               <a:rPr lang="en-US" altLang="ja-JP" sz="1800" dirty="0">
-                <a:latin typeface="HG丸ｺﾞｼｯｸM-PRO" panose="020F0600000000000000" pitchFamily="50" charset="-128"/>
-                <a:ea typeface="HG丸ｺﾞｼｯｸM-PRO" panose="020F0600000000000000" pitchFamily="50" charset="-128"/>
+                <a:latin typeface="+mn-ea"/>
+                <a:ea typeface="+mn-ea"/>
               </a:rPr>
               <a:t>3</a:t>
             </a:r>
             <a:r>
               <a:rPr lang="ja-JP" altLang="en-US" sz="1800" dirty="0">
-                <a:latin typeface="HG丸ｺﾞｼｯｸM-PRO" panose="020F0600000000000000" pitchFamily="50" charset="-128"/>
-                <a:ea typeface="HG丸ｺﾞｼｯｸM-PRO" panose="020F0600000000000000" pitchFamily="50" charset="-128"/>
+                <a:latin typeface="+mn-ea"/>
+                <a:ea typeface="+mn-ea"/>
               </a:rPr>
               <a:t>つのブロックがパターン上に設置される。</a:t>
             </a:r>
             <a:r>
               <a:rPr lang="en-US" altLang="ja-JP" sz="1800" dirty="0">
-                <a:latin typeface="HG丸ｺﾞｼｯｸM-PRO" panose="020F0600000000000000" pitchFamily="50" charset="-128"/>
-                <a:ea typeface="HG丸ｺﾞｼｯｸM-PRO" panose="020F0600000000000000" pitchFamily="50" charset="-128"/>
+                <a:latin typeface="+mn-ea"/>
+                <a:ea typeface="+mn-ea"/>
               </a:rPr>
               <a:t>3</a:t>
             </a:r>
             <a:r>
               <a:rPr lang="ja-JP" altLang="en-US" sz="1800" dirty="0">
-                <a:latin typeface="HG丸ｺﾞｼｯｸM-PRO" panose="020F0600000000000000" pitchFamily="50" charset="-128"/>
-                <a:ea typeface="HG丸ｺﾞｼｯｸM-PRO" panose="020F0600000000000000" pitchFamily="50" charset="-128"/>
+                <a:latin typeface="+mn-ea"/>
+                <a:ea typeface="+mn-ea"/>
               </a:rPr>
               <a:t>つのブロックの</a:t>
             </a:r>
             <a:r>
               <a:rPr lang="en-US" altLang="ja-JP" sz="1800" dirty="0">
-                <a:latin typeface="HG丸ｺﾞｼｯｸM-PRO" panose="020F0600000000000000" pitchFamily="50" charset="-128"/>
-                <a:ea typeface="HG丸ｺﾞｼｯｸM-PRO" panose="020F0600000000000000" pitchFamily="50" charset="-128"/>
+                <a:latin typeface="+mn-ea"/>
+                <a:ea typeface="+mn-ea"/>
               </a:rPr>
               <a:t>2</a:t>
             </a:r>
             <a:r>
               <a:rPr lang="ja-JP" altLang="en-US" sz="1800" dirty="0">
-                <a:latin typeface="HG丸ｺﾞｼｯｸM-PRO" panose="020F0600000000000000" pitchFamily="50" charset="-128"/>
-                <a:ea typeface="HG丸ｺﾞｼｯｸM-PRO" panose="020F0600000000000000" pitchFamily="50" charset="-128"/>
+                <a:latin typeface="+mn-ea"/>
+                <a:ea typeface="+mn-ea"/>
               </a:rPr>
               <a:t>つは青で、</a:t>
             </a:r>
             <a:r>
               <a:rPr lang="en-US" altLang="ja-JP" sz="1800" dirty="0">
-                <a:latin typeface="HG丸ｺﾞｼｯｸM-PRO" panose="020F0600000000000000" pitchFamily="50" charset="-128"/>
-                <a:ea typeface="HG丸ｺﾞｼｯｸM-PRO" panose="020F0600000000000000" pitchFamily="50" charset="-128"/>
+                <a:latin typeface="+mn-ea"/>
+                <a:ea typeface="+mn-ea"/>
               </a:rPr>
               <a:t>1</a:t>
             </a:r>
             <a:r>
               <a:rPr lang="ja-JP" altLang="en-US" sz="1800" dirty="0">
-                <a:latin typeface="HG丸ｺﾞｼｯｸM-PRO" panose="020F0600000000000000" pitchFamily="50" charset="-128"/>
-                <a:ea typeface="HG丸ｺﾞｼｯｸM-PRO" panose="020F0600000000000000" pitchFamily="50" charset="-128"/>
+                <a:latin typeface="+mn-ea"/>
+                <a:ea typeface="+mn-ea"/>
               </a:rPr>
               <a:t>つは赤である。青ブロックを押し出し、赤ブロックをゴールまでもっていくことが求められる。ブロックの配置の組み合わせは上記の組み合わせの中から大会当日に決定される。</a:t>
             </a:r>
             <a:endParaRPr lang="en-US" altLang="ja-JP" sz="1800" dirty="0">
-              <a:latin typeface="HG丸ｺﾞｼｯｸM-PRO" panose="020F0600000000000000" pitchFamily="50" charset="-128"/>
-              <a:ea typeface="HG丸ｺﾞｼｯｸM-PRO" panose="020F0600000000000000" pitchFamily="50" charset="-128"/>
+              <a:latin typeface="+mn-ea"/>
+              <a:ea typeface="+mn-ea"/>
             </a:endParaRPr>
           </a:p>
           <a:p>
-            <a:pPr marL="0" indent="0" eaLnBrk="1" hangingPunct="1">
-              <a:lnSpc>
-                <a:spcPct val="80000"/>
-              </a:lnSpc>
+            <a:pPr marL="0" indent="252000" eaLnBrk="1" hangingPunct="1">
               <a:spcBef>
                 <a:spcPct val="20000"/>
               </a:spcBef>
             </a:pPr>
-            <a:r>
-              <a:rPr lang="ja-JP" altLang="en-US" sz="1800" dirty="0">
-                <a:latin typeface="HG丸ｺﾞｼｯｸM-PRO" panose="020F0600000000000000" pitchFamily="50" charset="-128"/>
-                <a:ea typeface="HG丸ｺﾞｼｯｸM-PRO" panose="020F0600000000000000" pitchFamily="50" charset="-128"/>
-              </a:rPr>
-              <a:t>本プログラムでは、あらかじめブロックが置かれる組み合わせに応じて、命令の組み合わせをあらかじめ記述し、それを読み込ませる方式とする。命令の組み合わせはブロックの置き方のパターンが５通り、赤ブロックの場所で３通り、左右のコースで２通りのため、</a:t>
-            </a:r>
-            <a:r>
-              <a:rPr lang="en-US" altLang="ja-JP" sz="1800" dirty="0">
-                <a:latin typeface="HG丸ｺﾞｼｯｸM-PRO" panose="020F0600000000000000" pitchFamily="50" charset="-128"/>
-                <a:ea typeface="HG丸ｺﾞｼｯｸM-PRO" panose="020F0600000000000000" pitchFamily="50" charset="-128"/>
-              </a:rPr>
-              <a:t>5x3x2=30</a:t>
-            </a:r>
-            <a:r>
-              <a:rPr lang="ja-JP" altLang="en-US" sz="1800" dirty="0">
-                <a:latin typeface="HG丸ｺﾞｼｯｸM-PRO" panose="020F0600000000000000" pitchFamily="50" charset="-128"/>
-                <a:ea typeface="HG丸ｺﾞｼｯｸM-PRO" panose="020F0600000000000000" pitchFamily="50" charset="-128"/>
-              </a:rPr>
-              <a:t>通りの命令の組み合わせをあらかじめ作成することができる。この命令の組み合わせは</a:t>
-            </a:r>
-            <a:r>
-              <a:rPr lang="en-US" altLang="ja-JP" sz="1800" dirty="0">
-                <a:latin typeface="HG丸ｺﾞｼｯｸM-PRO" panose="020F0600000000000000" pitchFamily="50" charset="-128"/>
-                <a:ea typeface="HG丸ｺﾞｼｯｸM-PRO" panose="020F0600000000000000" pitchFamily="50" charset="-128"/>
-              </a:rPr>
-              <a:t>EV3</a:t>
-            </a:r>
-            <a:r>
-              <a:rPr lang="ja-JP" altLang="en-US" sz="1800" dirty="0">
-                <a:latin typeface="HG丸ｺﾞｼｯｸM-PRO" panose="020F0600000000000000" pitchFamily="50" charset="-128"/>
-                <a:ea typeface="HG丸ｺﾞｼｯｸM-PRO" panose="020F0600000000000000" pitchFamily="50" charset="-128"/>
-              </a:rPr>
-              <a:t>マイコン本体に備えてある上下左右ボタンを用いて、走行前に読み込ませる。</a:t>
-            </a:r>
             <a:endParaRPr lang="en-US" altLang="ja-JP" sz="1800" dirty="0">
-              <a:latin typeface="HG丸ｺﾞｼｯｸM-PRO" panose="020F0600000000000000" pitchFamily="50" charset="-128"/>
-              <a:ea typeface="HG丸ｺﾞｼｯｸM-PRO" panose="020F0600000000000000" pitchFamily="50" charset="-128"/>
+              <a:latin typeface="+mn-ea"/>
+              <a:ea typeface="+mn-ea"/>
             </a:endParaRPr>
           </a:p>
           <a:p>
-            <a:pPr marL="0" indent="0" eaLnBrk="1" hangingPunct="1">
-              <a:lnSpc>
-                <a:spcPct val="80000"/>
-              </a:lnSpc>
+            <a:pPr marL="0" indent="252000" eaLnBrk="1" hangingPunct="1">
               <a:spcBef>
                 <a:spcPct val="20000"/>
               </a:spcBef>
             </a:pPr>
             <a:r>
               <a:rPr lang="ja-JP" altLang="en-US" sz="1800" dirty="0">
-                <a:latin typeface="HG丸ｺﾞｼｯｸM-PRO" panose="020F0600000000000000" pitchFamily="50" charset="-128"/>
-                <a:ea typeface="HG丸ｺﾞｼｯｸM-PRO" panose="020F0600000000000000" pitchFamily="50" charset="-128"/>
+                <a:latin typeface="+mn-ea"/>
+                <a:ea typeface="+mn-ea"/>
+              </a:rPr>
+              <a:t>本プログラムでは、あらかじめブロックが置かれる組み合わせに応じて、命令の組み合わせをあらかじめ記述し、それを読み込ませる方式とする。命令の組み合わせはブロックの置き方のパターンが５通り、赤ブロックの場所で３通り、左右のコースで２通りのため、</a:t>
+            </a:r>
+            <a:r>
+              <a:rPr lang="en-US" altLang="ja-JP" sz="1800" dirty="0">
+                <a:latin typeface="+mn-ea"/>
+                <a:ea typeface="+mn-ea"/>
+              </a:rPr>
+              <a:t>5x3x2=30</a:t>
+            </a:r>
+            <a:r>
+              <a:rPr lang="ja-JP" altLang="en-US" sz="1800" dirty="0">
+                <a:latin typeface="+mn-ea"/>
+                <a:ea typeface="+mn-ea"/>
+              </a:rPr>
+              <a:t>通りの命令の組み合わせをあらかじめ作成することができる。この命令の組み合わせは</a:t>
+            </a:r>
+            <a:r>
+              <a:rPr lang="en-US" altLang="ja-JP" sz="1800" dirty="0">
+                <a:latin typeface="+mn-ea"/>
+                <a:ea typeface="+mn-ea"/>
+              </a:rPr>
+              <a:t>EV3</a:t>
+            </a:r>
+            <a:r>
+              <a:rPr lang="ja-JP" altLang="en-US" sz="1800" dirty="0">
+                <a:latin typeface="+mn-ea"/>
+                <a:ea typeface="+mn-ea"/>
+              </a:rPr>
+              <a:t>マイコン本体に備えてある上下左右ボタンを用いて、走行前に読み込ませる。</a:t>
+            </a:r>
+            <a:endParaRPr lang="en-US" altLang="ja-JP" sz="1800" dirty="0">
+              <a:latin typeface="+mn-ea"/>
+              <a:ea typeface="+mn-ea"/>
+            </a:endParaRPr>
+          </a:p>
+          <a:p>
+            <a:pPr marL="0" indent="252000" eaLnBrk="1" hangingPunct="1">
+              <a:spcBef>
+                <a:spcPct val="20000"/>
+              </a:spcBef>
+            </a:pPr>
+            <a:r>
+              <a:rPr lang="ja-JP" altLang="en-US" sz="1800" dirty="0">
+                <a:latin typeface="+mn-ea"/>
+                <a:ea typeface="+mn-ea"/>
               </a:rPr>
               <a:t>以下に命令の組み合わせの例を示す。</a:t>
             </a:r>
             <a:endParaRPr lang="en-US" altLang="ja-JP" sz="1800" dirty="0">
-              <a:latin typeface="HG丸ｺﾞｼｯｸM-PRO" panose="020F0600000000000000" pitchFamily="50" charset="-128"/>
-              <a:ea typeface="HG丸ｺﾞｼｯｸM-PRO" panose="020F0600000000000000" pitchFamily="50" charset="-128"/>
+              <a:latin typeface="+mn-ea"/>
+              <a:ea typeface="+mn-ea"/>
             </a:endParaRPr>
           </a:p>
           <a:p>
@@ -8922,8 +9819,8 @@
               </a:spcBef>
             </a:pPr>
             <a:endParaRPr lang="en-US" altLang="ja-JP" sz="1800" dirty="0">
-              <a:latin typeface="HG丸ｺﾞｼｯｸM-PRO" panose="020F0600000000000000" pitchFamily="50" charset="-128"/>
-              <a:ea typeface="HG丸ｺﾞｼｯｸM-PRO" panose="020F0600000000000000" pitchFamily="50" charset="-128"/>
+              <a:latin typeface="+mn-ea"/>
+              <a:ea typeface="+mn-ea"/>
             </a:endParaRPr>
           </a:p>
           <a:p>
@@ -8936,8 +9833,8 @@
               </a:spcBef>
             </a:pPr>
             <a:endParaRPr lang="en-US" altLang="ja-JP" sz="1800" dirty="0">
-              <a:latin typeface="HG丸ｺﾞｼｯｸM-PRO" panose="020F0600000000000000" pitchFamily="50" charset="-128"/>
-              <a:ea typeface="HG丸ｺﾞｼｯｸM-PRO" panose="020F0600000000000000" pitchFamily="50" charset="-128"/>
+              <a:latin typeface="+mn-ea"/>
+              <a:ea typeface="+mn-ea"/>
             </a:endParaRPr>
           </a:p>
           <a:p>
@@ -8950,8 +9847,8 @@
               </a:spcBef>
             </a:pPr>
             <a:endParaRPr lang="en-US" altLang="ja-JP" sz="1800" dirty="0">
-              <a:latin typeface="HG丸ｺﾞｼｯｸM-PRO" panose="020F0600000000000000" pitchFamily="50" charset="-128"/>
-              <a:ea typeface="HG丸ｺﾞｼｯｸM-PRO" panose="020F0600000000000000" pitchFamily="50" charset="-128"/>
+              <a:latin typeface="+mn-ea"/>
+              <a:ea typeface="+mn-ea"/>
             </a:endParaRPr>
           </a:p>
           <a:p>
@@ -8964,8 +9861,8 @@
               </a:spcBef>
             </a:pPr>
             <a:endParaRPr lang="en-US" altLang="ja-JP" sz="1800" dirty="0">
-              <a:latin typeface="HG丸ｺﾞｼｯｸM-PRO" panose="020F0600000000000000" pitchFamily="50" charset="-128"/>
-              <a:ea typeface="HG丸ｺﾞｼｯｸM-PRO" panose="020F0600000000000000" pitchFamily="50" charset="-128"/>
+              <a:latin typeface="+mn-ea"/>
+              <a:ea typeface="+mn-ea"/>
             </a:endParaRPr>
           </a:p>
           <a:p>
@@ -8978,8 +9875,8 @@
               </a:spcBef>
             </a:pPr>
             <a:endParaRPr lang="en-US" altLang="ja-JP" sz="1800" dirty="0">
-              <a:latin typeface="HG丸ｺﾞｼｯｸM-PRO" panose="020F0600000000000000" pitchFamily="50" charset="-128"/>
-              <a:ea typeface="HG丸ｺﾞｼｯｸM-PRO" panose="020F0600000000000000" pitchFamily="50" charset="-128"/>
+              <a:latin typeface="+mn-ea"/>
+              <a:ea typeface="+mn-ea"/>
             </a:endParaRPr>
           </a:p>
           <a:p>
@@ -8992,8 +9889,8 @@
               </a:spcBef>
             </a:pPr>
             <a:endParaRPr lang="en-US" altLang="ja-JP" sz="1800" dirty="0">
-              <a:latin typeface="HG丸ｺﾞｼｯｸM-PRO" panose="020F0600000000000000" pitchFamily="50" charset="-128"/>
-              <a:ea typeface="HG丸ｺﾞｼｯｸM-PRO" panose="020F0600000000000000" pitchFamily="50" charset="-128"/>
+              <a:latin typeface="+mn-ea"/>
+              <a:ea typeface="+mn-ea"/>
             </a:endParaRPr>
           </a:p>
           <a:p>
@@ -9006,8 +9903,8 @@
               </a:spcBef>
             </a:pPr>
             <a:endParaRPr lang="en-US" altLang="ja-JP" sz="1800" dirty="0">
-              <a:latin typeface="HG丸ｺﾞｼｯｸM-PRO" panose="020F0600000000000000" pitchFamily="50" charset="-128"/>
-              <a:ea typeface="HG丸ｺﾞｼｯｸM-PRO" panose="020F0600000000000000" pitchFamily="50" charset="-128"/>
+              <a:latin typeface="+mn-ea"/>
+              <a:ea typeface="+mn-ea"/>
             </a:endParaRPr>
           </a:p>
           <a:p>
@@ -9020,29 +9917,8 @@
               </a:spcBef>
             </a:pPr>
             <a:endParaRPr lang="en-US" altLang="ja-JP" sz="1800" dirty="0">
-              <a:latin typeface="HG丸ｺﾞｼｯｸM-PRO" panose="020F0600000000000000" pitchFamily="50" charset="-128"/>
-              <a:ea typeface="HG丸ｺﾞｼｯｸM-PRO" panose="020F0600000000000000" pitchFamily="50" charset="-128"/>
-            </a:endParaRPr>
-          </a:p>
-          <a:p>
-            <a:pPr marL="0" indent="0" eaLnBrk="1" hangingPunct="1">
-              <a:lnSpc>
-                <a:spcPct val="80000"/>
-              </a:lnSpc>
-              <a:spcBef>
-                <a:spcPct val="20000"/>
-              </a:spcBef>
-            </a:pPr>
-            <a:r>
-              <a:rPr lang="ja-JP" altLang="en-US" sz="1800" dirty="0">
-                <a:latin typeface="HG丸ｺﾞｼｯｸM-PRO" panose="020F0600000000000000" pitchFamily="50" charset="-128"/>
-                <a:ea typeface="HG丸ｺﾞｼｯｸM-PRO" panose="020F0600000000000000" pitchFamily="50" charset="-128"/>
-              </a:rPr>
-              <a:t>この方式の利点として、無駄なパターンを経由しないことやブロックを読み込まないことでマトリクスの攻略の高速化が行える。そのため、マトリクス間のノードのライントレースやブロックの押し出し、保持を高精度で行えるよう低速で実行することができる。</a:t>
-            </a:r>
-            <a:endParaRPr lang="en-US" altLang="ja-JP" sz="1800" dirty="0">
-              <a:latin typeface="HG丸ｺﾞｼｯｸM-PRO" panose="020F0600000000000000" pitchFamily="50" charset="-128"/>
-              <a:ea typeface="HG丸ｺﾞｼｯｸM-PRO" panose="020F0600000000000000" pitchFamily="50" charset="-128"/>
+              <a:latin typeface="+mn-ea"/>
+              <a:ea typeface="+mn-ea"/>
             </a:endParaRPr>
           </a:p>
           <a:p>
@@ -9055,8 +9931,8 @@
               </a:spcBef>
             </a:pPr>
             <a:endParaRPr lang="ja-JP" altLang="en-US" sz="1800" dirty="0">
-              <a:latin typeface="HG丸ｺﾞｼｯｸM-PRO" panose="020F0600000000000000" pitchFamily="50" charset="-128"/>
-              <a:ea typeface="HG丸ｺﾞｼｯｸM-PRO" panose="020F0600000000000000" pitchFamily="50" charset="-128"/>
+              <a:latin typeface="+mn-ea"/>
+              <a:ea typeface="+mn-ea"/>
             </a:endParaRPr>
           </a:p>
         </p:txBody>
@@ -9077,8 +9953,8 @@
         </p:nvSpPr>
         <p:spPr bwMode="auto">
           <a:xfrm>
-            <a:off x="214860" y="8292259"/>
-            <a:ext cx="7104254" cy="2088232"/>
+            <a:off x="214860" y="7794178"/>
+            <a:ext cx="7104254" cy="2586313"/>
           </a:xfrm>
           <a:prstGeom prst="rect">
             <a:avLst/>
@@ -9224,35 +10100,32 @@
             </a:pPr>
             <a:r>
               <a:rPr lang="ja-JP" altLang="en-US" sz="2400" dirty="0">
-                <a:latin typeface="HG丸ｺﾞｼｯｸM-PRO" panose="020F0600000000000000" pitchFamily="50" charset="-128"/>
-                <a:ea typeface="HG丸ｺﾞｼｯｸM-PRO" panose="020F0600000000000000" pitchFamily="50" charset="-128"/>
+                <a:latin typeface="+mn-ea"/>
+                <a:ea typeface="+mn-ea"/>
               </a:rPr>
               <a:t>マトリクス進行の流れ　ステートマシン図</a:t>
             </a:r>
             <a:endParaRPr lang="en-US" altLang="ja-JP" sz="2400" dirty="0">
-              <a:latin typeface="HG丸ｺﾞｼｯｸM-PRO" panose="020F0600000000000000" pitchFamily="50" charset="-128"/>
-              <a:ea typeface="HG丸ｺﾞｼｯｸM-PRO" panose="020F0600000000000000" pitchFamily="50" charset="-128"/>
+              <a:latin typeface="+mn-ea"/>
+              <a:ea typeface="+mn-ea"/>
             </a:endParaRPr>
           </a:p>
           <a:p>
-            <a:pPr marL="0" indent="0" eaLnBrk="1" hangingPunct="1">
-              <a:lnSpc>
-                <a:spcPct val="80000"/>
-              </a:lnSpc>
+            <a:pPr marL="0" indent="252000" eaLnBrk="1" hangingPunct="1">
               <a:spcBef>
                 <a:spcPts val="668"/>
               </a:spcBef>
             </a:pPr>
             <a:r>
               <a:rPr lang="ja-JP" altLang="en-US" sz="1800" dirty="0">
-                <a:latin typeface="HG丸ｺﾞｼｯｸM-PRO" panose="020F0600000000000000" pitchFamily="50" charset="-128"/>
-                <a:ea typeface="HG丸ｺﾞｼｯｸM-PRO" panose="020F0600000000000000" pitchFamily="50" charset="-128"/>
+                <a:latin typeface="+mn-ea"/>
+                <a:ea typeface="+mn-ea"/>
               </a:rPr>
               <a:t>マトリクス進行の流れをステートマシン図として以下に示す。前半のライントレースは赤いパターンで認識で判定される。判定後、マトリクス開始位置移動状態に遷移する。マトリクス開始位置とは、青に隣接する外側の赤パターンである。この位置の判定によってマトリクス走査状態に入る。マトリクス走査状態は右のステートマシン図に示す。マトリクス走査状態は赤ブロック保持命令実行終了で終了し、ゴール位置移動状態に入る。</a:t>
             </a:r>
             <a:endParaRPr lang="en-US" altLang="ja-JP" sz="1800" dirty="0">
-              <a:latin typeface="HG丸ｺﾞｼｯｸM-PRO" panose="020F0600000000000000" pitchFamily="50" charset="-128"/>
-              <a:ea typeface="HG丸ｺﾞｼｯｸM-PRO" panose="020F0600000000000000" pitchFamily="50" charset="-128"/>
+              <a:latin typeface="+mn-ea"/>
+              <a:ea typeface="+mn-ea"/>
             </a:endParaRPr>
           </a:p>
           <a:p>
@@ -9265,8 +10138,8 @@
               </a:spcBef>
             </a:pPr>
             <a:endParaRPr lang="ja-JP" altLang="en-US" sz="2000" dirty="0">
-              <a:latin typeface="HG丸ｺﾞｼｯｸM-PRO" panose="020F0600000000000000" pitchFamily="50" charset="-128"/>
-              <a:ea typeface="HG丸ｺﾞｼｯｸM-PRO" panose="020F0600000000000000" pitchFamily="50" charset="-128"/>
+              <a:latin typeface="+mn-ea"/>
+              <a:ea typeface="+mn-ea"/>
             </a:endParaRPr>
           </a:p>
           <a:p>
@@ -9279,8 +10152,8 @@
               </a:spcBef>
             </a:pPr>
             <a:endParaRPr lang="en-US" altLang="ja-JP" sz="2004" dirty="0">
-              <a:latin typeface="HG丸ｺﾞｼｯｸM-PRO" panose="020F0600000000000000" pitchFamily="50" charset="-128"/>
-              <a:ea typeface="HG丸ｺﾞｼｯｸM-PRO" panose="020F0600000000000000" pitchFamily="50" charset="-128"/>
+              <a:latin typeface="+mn-ea"/>
+              <a:ea typeface="+mn-ea"/>
             </a:endParaRPr>
           </a:p>
           <a:p>
@@ -9293,8 +10166,8 @@
               </a:spcBef>
             </a:pPr>
             <a:endParaRPr lang="en-US" altLang="ja-JP" sz="2004" dirty="0">
-              <a:latin typeface="HG丸ｺﾞｼｯｸM-PRO" panose="020F0600000000000000" pitchFamily="50" charset="-128"/>
-              <a:ea typeface="HG丸ｺﾞｼｯｸM-PRO" panose="020F0600000000000000" pitchFamily="50" charset="-128"/>
+              <a:latin typeface="+mn-ea"/>
+              <a:ea typeface="+mn-ea"/>
             </a:endParaRPr>
           </a:p>
         </p:txBody>
@@ -9321,8 +10194,8 @@
         </p:blipFill>
         <p:spPr>
           <a:xfrm>
-            <a:off x="8423771" y="213887"/>
-            <a:ext cx="5256584" cy="3926109"/>
+            <a:off x="8423771" y="213888"/>
+            <a:ext cx="4680520" cy="3495850"/>
           </a:xfrm>
           <a:prstGeom prst="rect">
             <a:avLst/>
@@ -9376,7 +10249,7 @@
           </p:nvPr>
         </p:nvGraphicFramePr>
         <p:xfrm>
-          <a:off x="502892" y="4523854"/>
+          <a:off x="454619" y="5705946"/>
           <a:ext cx="6624736" cy="1798320"/>
         </p:xfrm>
         <a:graphic>
@@ -9555,7 +10428,7 @@
     </p:spTree>
     <p:extLst>
       <p:ext uri="{BB962C8B-B14F-4D97-AF65-F5344CB8AC3E}">
-        <p14:creationId xmlns:p14="http://schemas.microsoft.com/office/powerpoint/2010/main" val="3923744331"/>
+        <p14:creationId xmlns:p14="http://schemas.microsoft.com/office/powerpoint/2010/main" val="3347548378"/>
       </p:ext>
     </p:extLst>
   </p:cSld>
@@ -9766,8 +10639,8 @@
         </p:nvSpPr>
         <p:spPr bwMode="auto">
           <a:xfrm>
-            <a:off x="214860" y="295988"/>
-            <a:ext cx="7104254" cy="4833893"/>
+            <a:off x="214860" y="295987"/>
+            <a:ext cx="7104254" cy="10086395"/>
           </a:xfrm>
           <a:prstGeom prst="rect">
             <a:avLst/>
@@ -9913,150 +10786,63 @@
             </a:pPr>
             <a:r>
               <a:rPr lang="ja-JP" altLang="en-US" sz="2400" dirty="0">
-                <a:latin typeface="HG丸ｺﾞｼｯｸM-PRO" panose="020F0600000000000000" pitchFamily="50" charset="-128"/>
-                <a:ea typeface="HG丸ｺﾞｼｯｸM-PRO" panose="020F0600000000000000" pitchFamily="50" charset="-128"/>
+                <a:latin typeface="+mn-ea"/>
+                <a:ea typeface="+mn-ea"/>
               </a:rPr>
               <a:t>マトリクス走査処理　シーケンス図</a:t>
             </a:r>
             <a:endParaRPr lang="en-US" altLang="ja-JP" sz="2400" dirty="0">
-              <a:latin typeface="HG丸ｺﾞｼｯｸM-PRO" panose="020F0600000000000000" pitchFamily="50" charset="-128"/>
-              <a:ea typeface="HG丸ｺﾞｼｯｸM-PRO" panose="020F0600000000000000" pitchFamily="50" charset="-128"/>
+              <a:latin typeface="+mn-ea"/>
+              <a:ea typeface="+mn-ea"/>
             </a:endParaRPr>
           </a:p>
           <a:p>
-            <a:pPr marL="0" indent="0" eaLnBrk="1" hangingPunct="1">
-              <a:lnSpc>
-                <a:spcPct val="80000"/>
-              </a:lnSpc>
+            <a:pPr marL="0" indent="252000" eaLnBrk="1" hangingPunct="1">
               <a:spcBef>
                 <a:spcPct val="20000"/>
               </a:spcBef>
             </a:pPr>
             <a:r>
               <a:rPr lang="ja-JP" altLang="en-US" sz="1800" dirty="0">
-                <a:latin typeface="HG丸ｺﾞｼｯｸM-PRO" panose="020F0600000000000000" pitchFamily="50" charset="-128"/>
-                <a:ea typeface="HG丸ｺﾞｼｯｸM-PRO" panose="020F0600000000000000" pitchFamily="50" charset="-128"/>
-              </a:rPr>
-              <a:t>マトリクス走査処理でのシーケンス図を右に示す。マトリクス走査処理では</a:t>
+                <a:latin typeface="+mn-ea"/>
+                <a:ea typeface="+mn-ea"/>
+              </a:rPr>
+              <a:t>マトリクス走査処理でのシーケンス図を右に示す。マトリクス走査処理ではマトリクス攻略、モーター、反射値取得、</a:t>
             </a:r>
             <a:r>
               <a:rPr lang="en-US" altLang="ja-JP" sz="1800" dirty="0">
-                <a:latin typeface="HG丸ｺﾞｼｯｸM-PRO" panose="020F0600000000000000" pitchFamily="50" charset="-128"/>
-                <a:ea typeface="HG丸ｺﾞｼｯｸM-PRO" panose="020F0600000000000000" pitchFamily="50" charset="-128"/>
-              </a:rPr>
-              <a:t>ev3</a:t>
+                <a:latin typeface="+mn-ea"/>
+                <a:ea typeface="+mn-ea"/>
+              </a:rPr>
+              <a:t>RGB</a:t>
             </a:r>
             <a:r>
               <a:rPr lang="ja-JP" altLang="en-US" sz="1800" dirty="0">
-                <a:latin typeface="HG丸ｺﾞｼｯｸM-PRO" panose="020F0600000000000000" pitchFamily="50" charset="-128"/>
-                <a:ea typeface="HG丸ｺﾞｼｯｸM-PRO" panose="020F0600000000000000" pitchFamily="50" charset="-128"/>
-              </a:rPr>
-              <a:t>マイコン、モーターユニット、反射光センサユニット間で相互にメッセージのやり取りが行われる。</a:t>
-            </a:r>
-            <a:endParaRPr lang="en-US" altLang="ja-JP" sz="1800" dirty="0">
-              <a:latin typeface="HG丸ｺﾞｼｯｸM-PRO" panose="020F0600000000000000" pitchFamily="50" charset="-128"/>
-              <a:ea typeface="HG丸ｺﾞｼｯｸM-PRO" panose="020F0600000000000000" pitchFamily="50" charset="-128"/>
-            </a:endParaRPr>
-          </a:p>
-          <a:p>
-            <a:pPr marL="0" indent="0" eaLnBrk="1" hangingPunct="1">
-              <a:lnSpc>
-                <a:spcPct val="80000"/>
-              </a:lnSpc>
-              <a:spcBef>
-                <a:spcPct val="20000"/>
-              </a:spcBef>
-            </a:pPr>
-            <a:r>
-              <a:rPr lang="ja-JP" altLang="en-US" sz="1800" dirty="0">
-                <a:latin typeface="HG丸ｺﾞｼｯｸM-PRO" panose="020F0600000000000000" pitchFamily="50" charset="-128"/>
-                <a:ea typeface="HG丸ｺﾞｼｯｸM-PRO" panose="020F0600000000000000" pitchFamily="50" charset="-128"/>
-              </a:rPr>
-              <a:t>まず、前進命令が読みだされた場合について説明する。この命令では色を検出するまでループする。反射光センサユニットを用いて、反射量データを取得する。反射量データによって条件分岐を行い、反射量データが閾値以下の場合、白部分上であると判断し、線探索操作を行う。閾値以上の場合、黒線上と判断し前進処理を行う。次に色彩センサ色呼び出しデータを取得し、色を検出した場合ループを終了する。</a:t>
-            </a:r>
-            <a:endParaRPr lang="en-US" altLang="ja-JP" sz="1800" dirty="0">
-              <a:latin typeface="HG丸ｺﾞｼｯｸM-PRO" panose="020F0600000000000000" pitchFamily="50" charset="-128"/>
-              <a:ea typeface="HG丸ｺﾞｼｯｸM-PRO" panose="020F0600000000000000" pitchFamily="50" charset="-128"/>
-            </a:endParaRPr>
-          </a:p>
-          <a:p>
-            <a:pPr marL="0" indent="0" eaLnBrk="1" hangingPunct="1">
-              <a:lnSpc>
-                <a:spcPct val="80000"/>
-              </a:lnSpc>
-              <a:spcBef>
-                <a:spcPct val="20000"/>
-              </a:spcBef>
-            </a:pPr>
-            <a:r>
-              <a:rPr lang="ja-JP" altLang="en-US" sz="1800" dirty="0">
-                <a:latin typeface="HG丸ｺﾞｼｯｸM-PRO" panose="020F0600000000000000" pitchFamily="50" charset="-128"/>
-                <a:ea typeface="HG丸ｺﾞｼｯｸM-PRO" panose="020F0600000000000000" pitchFamily="50" charset="-128"/>
-              </a:rPr>
-              <a:t>次に右・左旋回命令が呼び出された場合を説明する。左右モータそれぞれに車体車軸間を直径とする円の４分の１を旋回するための回転量回転する命令が送信される。旋回角センサによって指定の旋回角回った後終了する。</a:t>
-            </a:r>
-            <a:endParaRPr lang="en-US" altLang="ja-JP" sz="1800" dirty="0">
-              <a:latin typeface="HG丸ｺﾞｼｯｸM-PRO" panose="020F0600000000000000" pitchFamily="50" charset="-128"/>
-              <a:ea typeface="HG丸ｺﾞｼｯｸM-PRO" panose="020F0600000000000000" pitchFamily="50" charset="-128"/>
-            </a:endParaRPr>
-          </a:p>
-          <a:p>
-            <a:pPr marL="0" indent="0" eaLnBrk="1" hangingPunct="1">
-              <a:lnSpc>
-                <a:spcPct val="80000"/>
-              </a:lnSpc>
-              <a:spcBef>
-                <a:spcPct val="20000"/>
-              </a:spcBef>
-            </a:pPr>
-            <a:r>
-              <a:rPr lang="ja-JP" altLang="en-US" sz="1800" dirty="0">
-                <a:latin typeface="HG丸ｺﾞｼｯｸM-PRO" panose="020F0600000000000000" pitchFamily="50" charset="-128"/>
-                <a:ea typeface="HG丸ｺﾞｼｯｸM-PRO" panose="020F0600000000000000" pitchFamily="50" charset="-128"/>
-              </a:rPr>
-              <a:t>青ブロック押し出し命令について説明する。この命令では、左右モーターを指定量指定して前進したあと、同じ量後退して同じ場所に戻る。</a:t>
-            </a:r>
-            <a:endParaRPr lang="en-US" altLang="ja-JP" sz="1800" dirty="0">
-              <a:latin typeface="HG丸ｺﾞｼｯｸM-PRO" panose="020F0600000000000000" pitchFamily="50" charset="-128"/>
-              <a:ea typeface="HG丸ｺﾞｼｯｸM-PRO" panose="020F0600000000000000" pitchFamily="50" charset="-128"/>
-            </a:endParaRPr>
-          </a:p>
-          <a:p>
-            <a:pPr marL="0" indent="0" eaLnBrk="1" hangingPunct="1">
-              <a:lnSpc>
-                <a:spcPct val="80000"/>
-              </a:lnSpc>
-              <a:spcBef>
-                <a:spcPct val="20000"/>
-              </a:spcBef>
-            </a:pPr>
-            <a:endParaRPr lang="en-US" altLang="ja-JP" sz="1800" dirty="0">
-              <a:latin typeface="HG丸ｺﾞｼｯｸM-PRO" panose="020F0600000000000000" pitchFamily="50" charset="-128"/>
-              <a:ea typeface="HG丸ｺﾞｼｯｸM-PRO" panose="020F0600000000000000" pitchFamily="50" charset="-128"/>
-            </a:endParaRPr>
-          </a:p>
-          <a:p>
-            <a:pPr eaLnBrk="1" hangingPunct="1">
-              <a:lnSpc>
-                <a:spcPct val="80000"/>
-              </a:lnSpc>
-              <a:spcBef>
-                <a:spcPct val="20000"/>
-              </a:spcBef>
-            </a:pPr>
+                <a:latin typeface="+mn-ea"/>
+                <a:ea typeface="+mn-ea"/>
+              </a:rPr>
+              <a:t>取得のクラス間で相互にメッセージのやり取りが行われる。マトリクス攻略クラスはクラス図のマトリクス上動作命令クラスを読み込み、あらかじめ書き込まれた順序に応じて、命令パッケージの前進命令、旋回命令、青ブロック押し出し命令、赤ブロック取得</a:t>
+            </a:r>
+            <a:r>
+              <a:rPr lang="ja-JP" altLang="en-US" sz="1800">
+                <a:latin typeface="+mn-ea"/>
+                <a:ea typeface="+mn-ea"/>
+              </a:rPr>
+              <a:t>命令、を実行してマトリクスを攻略する。</a:t>
+            </a:r>
             <a:endParaRPr lang="ja-JP" altLang="en-US" sz="1800" dirty="0">
-              <a:latin typeface="HG丸ｺﾞｼｯｸM-PRO" panose="020F0600000000000000" pitchFamily="50" charset="-128"/>
-              <a:ea typeface="HG丸ｺﾞｼｯｸM-PRO" panose="020F0600000000000000" pitchFamily="50" charset="-128"/>
+              <a:latin typeface="+mn-ea"/>
+              <a:ea typeface="+mn-ea"/>
             </a:endParaRPr>
           </a:p>
         </p:txBody>
       </p:sp>
       <p:pic>
         <p:nvPicPr>
-          <p:cNvPr id="2" name="図 1">
+          <p:cNvPr id="4" name="図 3">
             <a:extLst>
               <a:ext uri="{FF2B5EF4-FFF2-40B4-BE49-F238E27FC236}">
-                <a16:creationId xmlns:a16="http://schemas.microsoft.com/office/drawing/2014/main" id="{B0384B0F-30E0-9647-09A0-0B134F154987}"/>
+                <a16:creationId xmlns:a16="http://schemas.microsoft.com/office/drawing/2014/main" id="{0050AA71-8636-A1D2-47F1-AAB2795A673F}"/>
               </a:ext>
             </a:extLst>
           </p:cNvPr>
@@ -10073,8 +10859,8 @@
         </p:blipFill>
         <p:spPr>
           <a:xfrm>
-            <a:off x="8351763" y="576326"/>
-            <a:ext cx="6417900" cy="9702264"/>
+            <a:off x="8135739" y="424483"/>
+            <a:ext cx="6192688" cy="9842846"/>
           </a:xfrm>
           <a:prstGeom prst="rect">
             <a:avLst/>
@@ -10084,120 +10870,7 @@
     </p:spTree>
     <p:extLst>
       <p:ext uri="{BB962C8B-B14F-4D97-AF65-F5344CB8AC3E}">
-        <p14:creationId xmlns:p14="http://schemas.microsoft.com/office/powerpoint/2010/main" val="423237671"/>
-      </p:ext>
-    </p:extLst>
-  </p:cSld>
-  <p:clrMapOvr>
-    <a:masterClrMapping/>
-  </p:clrMapOvr>
-</p:sld>
-</file>
-
-<file path=ppt/slides/slide6.xml><?xml version="1.0" encoding="utf-8"?>
-<p:sld xmlns:a="http://schemas.openxmlformats.org/drawingml/2006/main" xmlns:r="http://schemas.openxmlformats.org/officeDocument/2006/relationships" xmlns:p="http://schemas.openxmlformats.org/presentationml/2006/main">
-  <p:cSld>
-    <p:spTree>
-      <p:nvGrpSpPr>
-        <p:cNvPr id="1" name=""/>
-        <p:cNvGrpSpPr/>
-        <p:nvPr/>
-      </p:nvGrpSpPr>
-      <p:grpSpPr>
-        <a:xfrm>
-          <a:off x="0" y="0"/>
-          <a:ext cx="0" cy="0"/>
-          <a:chOff x="0" y="0"/>
-          <a:chExt cx="0" cy="0"/>
-        </a:xfrm>
-      </p:grpSpPr>
-      <p:sp>
-        <p:nvSpPr>
-          <p:cNvPr id="2" name="タイトル 1">
-            <a:extLst>
-              <a:ext uri="{FF2B5EF4-FFF2-40B4-BE49-F238E27FC236}">
-                <a16:creationId xmlns:a16="http://schemas.microsoft.com/office/drawing/2014/main" id="{0A5C9B4A-2DC2-489D-8E52-893A4ED8479E}"/>
-              </a:ext>
-            </a:extLst>
-          </p:cNvPr>
-          <p:cNvSpPr>
-            <a:spLocks noGrp="1"/>
-          </p:cNvSpPr>
-          <p:nvPr>
-            <p:ph type="title"/>
-          </p:nvPr>
-        </p:nvSpPr>
-        <p:spPr/>
-        <p:txBody>
-          <a:bodyPr/>
-          <a:lstStyle/>
-          <a:p>
-            <a:r>
-              <a:rPr lang="ja-JP" altLang="en-US" dirty="0"/>
-              <a:t>工夫点（最終頁とする）</a:t>
-            </a:r>
-            <a:endParaRPr kumimoji="1" lang="ja-JP" altLang="en-US" dirty="0"/>
-          </a:p>
-        </p:txBody>
-      </p:sp>
-      <p:sp>
-        <p:nvSpPr>
-          <p:cNvPr id="3" name="コンテンツ プレースホルダー 2">
-            <a:extLst>
-              <a:ext uri="{FF2B5EF4-FFF2-40B4-BE49-F238E27FC236}">
-                <a16:creationId xmlns:a16="http://schemas.microsoft.com/office/drawing/2014/main" id="{D4651C66-4CA5-44C5-9C2F-0F0EC6F6B6FA}"/>
-              </a:ext>
-            </a:extLst>
-          </p:cNvPr>
-          <p:cNvSpPr>
-            <a:spLocks noGrp="1"/>
-          </p:cNvSpPr>
-          <p:nvPr>
-            <p:ph idx="1"/>
-          </p:nvPr>
-        </p:nvSpPr>
-        <p:spPr/>
-        <p:txBody>
-          <a:bodyPr/>
-          <a:lstStyle/>
-          <a:p>
-            <a:r>
-              <a:rPr kumimoji="1" lang="ja-JP" altLang="en-US" dirty="0"/>
-              <a:t>ここに選択した機能を実現するための工夫点を書く</a:t>
-            </a:r>
-            <a:endParaRPr kumimoji="1" lang="en-US" altLang="ja-JP" dirty="0"/>
-          </a:p>
-          <a:p>
-            <a:r>
-              <a:rPr lang="ja-JP" altLang="en-US" dirty="0"/>
-              <a:t>課題（問題）、対策、効果が分かる形で書く</a:t>
-            </a:r>
-            <a:r>
-              <a:rPr lang="en-US" altLang="ja-JP" dirty="0"/>
-              <a:t>…</a:t>
-            </a:r>
-            <a:r>
-              <a:rPr lang="ja-JP" altLang="en-US" dirty="0"/>
-              <a:t>などなど</a:t>
-            </a:r>
-            <a:endParaRPr lang="en-US" altLang="ja-JP" dirty="0"/>
-          </a:p>
-          <a:p>
-            <a:endParaRPr kumimoji="1" lang="en-US" altLang="ja-JP" dirty="0"/>
-          </a:p>
-          <a:p>
-            <a:r>
-              <a:rPr lang="ja-JP" altLang="en-US"/>
-              <a:t>工夫点を記載する場合でも、最大ページ数は変わらない。</a:t>
-            </a:r>
-            <a:endParaRPr lang="en-US" altLang="ja-JP" dirty="0"/>
-          </a:p>
-        </p:txBody>
-      </p:sp>
-    </p:spTree>
-    <p:extLst>
-      <p:ext uri="{BB962C8B-B14F-4D97-AF65-F5344CB8AC3E}">
-        <p14:creationId xmlns:p14="http://schemas.microsoft.com/office/powerpoint/2010/main" val="3238716692"/>
+        <p14:creationId xmlns:p14="http://schemas.microsoft.com/office/powerpoint/2010/main" val="2399265326"/>
       </p:ext>
     </p:extLst>
   </p:cSld>

--- a/document/PRI_040_RWKYI.pptx
+++ b/document/PRI_040_RWKYI.pptx
@@ -15,7 +15,7 @@
   <p:sldIdLst>
     <p:sldId id="273" r:id="rId4"/>
     <p:sldId id="259" r:id="rId5"/>
-    <p:sldId id="280" r:id="rId6"/>
+    <p:sldId id="283" r:id="rId6"/>
     <p:sldId id="281" r:id="rId7"/>
     <p:sldId id="282" r:id="rId8"/>
   </p:sldIdLst>
@@ -157,7 +157,7 @@
         <p14:section name="モデル図ページ（プライマリークラス）" id="{8B2B3982-7BAC-4EE5-974E-E0EE0719EC85}">
           <p14:sldIdLst>
             <p14:sldId id="259"/>
-            <p14:sldId id="280"/>
+            <p14:sldId id="283"/>
             <p14:sldId id="281"/>
             <p14:sldId id="282"/>
           </p14:sldIdLst>
@@ -8949,41 +8949,6 @@
           </a:graphicData>
         </a:graphic>
       </p:graphicFrame>
-      <p:pic>
-        <p:nvPicPr>
-          <p:cNvPr id="3" name="図 2" descr="ダイアグラム&#10;&#10;自動的に生成された説明">
-            <a:extLst>
-              <a:ext uri="{FF2B5EF4-FFF2-40B4-BE49-F238E27FC236}">
-                <a16:creationId xmlns:a16="http://schemas.microsoft.com/office/drawing/2014/main" id="{7DD8B10F-74BF-7920-BB20-EA7031E74884}"/>
-              </a:ext>
-            </a:extLst>
-          </p:cNvPr>
-          <p:cNvPicPr>
-            <a:picLocks noChangeAspect="1"/>
-          </p:cNvPicPr>
-          <p:nvPr/>
-        </p:nvPicPr>
-        <p:blipFill rotWithShape="1">
-          <a:blip r:embed="rId2">
-            <a:extLst>
-              <a:ext uri="{28A0092B-C50C-407E-A947-70E740481C1C}">
-                <a14:useLocalDpi xmlns:a14="http://schemas.microsoft.com/office/drawing/2010/main" val="0"/>
-              </a:ext>
-            </a:extLst>
-          </a:blip>
-          <a:srcRect l="-101" r="901"/>
-          <a:stretch/>
-        </p:blipFill>
-        <p:spPr>
-          <a:xfrm>
-            <a:off x="4491555" y="2105546"/>
-            <a:ext cx="10463462" cy="8401106"/>
-          </a:xfrm>
-          <a:prstGeom prst="rect">
-            <a:avLst/>
-          </a:prstGeom>
-        </p:spPr>
-      </p:pic>
       <p:sp>
         <p:nvSpPr>
           <p:cNvPr id="5" name="テキスト ボックス 4">
@@ -9045,7 +9010,7 @@
           <p:nvPr/>
         </p:nvPicPr>
         <p:blipFill rotWithShape="1">
-          <a:blip r:embed="rId3">
+          <a:blip r:embed="rId2">
             <a:extLst>
               <a:ext uri="{28A0092B-C50C-407E-A947-70E740481C1C}">
                 <a14:useLocalDpi xmlns:a14="http://schemas.microsoft.com/office/drawing/2010/main" val="0"/>
@@ -9229,10 +9194,45 @@
           </a:fontRef>
         </p:style>
       </p:cxnSp>
+      <p:pic>
+        <p:nvPicPr>
+          <p:cNvPr id="6" name="図 5" descr="ダイアグラム&#10;&#10;自動的に生成された説明">
+            <a:extLst>
+              <a:ext uri="{FF2B5EF4-FFF2-40B4-BE49-F238E27FC236}">
+                <a16:creationId xmlns:a16="http://schemas.microsoft.com/office/drawing/2014/main" id="{9F3D81CA-D58E-2663-B061-10267CABFD41}"/>
+              </a:ext>
+            </a:extLst>
+          </p:cNvPr>
+          <p:cNvPicPr>
+            <a:picLocks noChangeAspect="1"/>
+          </p:cNvPicPr>
+          <p:nvPr/>
+        </p:nvPicPr>
+        <p:blipFill rotWithShape="1">
+          <a:blip r:embed="rId3">
+            <a:extLst>
+              <a:ext uri="{28A0092B-C50C-407E-A947-70E740481C1C}">
+                <a14:useLocalDpi xmlns:a14="http://schemas.microsoft.com/office/drawing/2010/main" val="0"/>
+              </a:ext>
+            </a:extLst>
+          </a:blip>
+          <a:srcRect l="389" r="735"/>
+          <a:stretch/>
+        </p:blipFill>
+        <p:spPr>
+          <a:xfrm>
+            <a:off x="4538271" y="2248836"/>
+            <a:ext cx="10228864" cy="8239634"/>
+          </a:xfrm>
+          <a:prstGeom prst="rect">
+            <a:avLst/>
+          </a:prstGeom>
+        </p:spPr>
+      </p:pic>
     </p:spTree>
     <p:extLst>
       <p:ext uri="{BB962C8B-B14F-4D97-AF65-F5344CB8AC3E}">
-        <p14:creationId xmlns:p14="http://schemas.microsoft.com/office/powerpoint/2010/main" val="1171162439"/>
+        <p14:creationId xmlns:p14="http://schemas.microsoft.com/office/powerpoint/2010/main" val="2416235864"/>
       </p:ext>
     </p:extLst>
   </p:cSld>

--- a/document/PRI_040_RWKYI.pptx
+++ b/document/PRI_040_RWKYI.pptx
@@ -15,7 +15,7 @@
   <p:sldIdLst>
     <p:sldId id="273" r:id="rId4"/>
     <p:sldId id="259" r:id="rId5"/>
-    <p:sldId id="283" r:id="rId6"/>
+    <p:sldId id="284" r:id="rId6"/>
     <p:sldId id="281" r:id="rId7"/>
     <p:sldId id="282" r:id="rId8"/>
   </p:sldIdLst>
@@ -157,7 +157,7 @@
         <p14:section name="モデル図ページ（プライマリークラス）" id="{8B2B3982-7BAC-4EE5-974E-E0EE0719EC85}">
           <p14:sldIdLst>
             <p14:sldId id="259"/>
-            <p14:sldId id="283"/>
+            <p14:sldId id="284"/>
             <p14:sldId id="281"/>
             <p14:sldId id="282"/>
           </p14:sldIdLst>
@@ -1048,7 +1048,7 @@
           <a:p>
             <a:fld id="{C764DE79-268F-4C1A-8933-263129D2AF90}" type="datetimeFigureOut">
               <a:rPr lang="en-US" dirty="0"/>
-              <a:t>8/22/2023</a:t>
+              <a:t>8/23/2023</a:t>
             </a:fld>
             <a:endParaRPr lang="en-US" dirty="0"/>
           </a:p>
@@ -1143,7 +1143,7 @@
           <a:p>
             <a:fld id="{C764DE79-268F-4C1A-8933-263129D2AF90}" type="datetimeFigureOut">
               <a:rPr lang="en-US" dirty="0"/>
-              <a:t>8/22/2023</a:t>
+              <a:t>8/23/2023</a:t>
             </a:fld>
             <a:endParaRPr lang="en-US" dirty="0"/>
           </a:p>
@@ -1452,7 +1452,7 @@
           <a:p>
             <a:fld id="{C764DE79-268F-4C1A-8933-263129D2AF90}" type="datetimeFigureOut">
               <a:rPr lang="en-US" dirty="0"/>
-              <a:t>8/22/2023</a:t>
+              <a:t>8/23/2023</a:t>
             </a:fld>
             <a:endParaRPr lang="en-US" dirty="0"/>
           </a:p>
@@ -1709,7 +1709,7 @@
           <a:p>
             <a:fld id="{C764DE79-268F-4C1A-8933-263129D2AF90}" type="datetimeFigureOut">
               <a:rPr lang="en-US" dirty="0"/>
-              <a:t>8/22/2023</a:t>
+              <a:t>8/23/2023</a:t>
             </a:fld>
             <a:endParaRPr lang="en-US" dirty="0"/>
           </a:p>
@@ -1911,7 +1911,7 @@
           <a:p>
             <a:fld id="{C764DE79-268F-4C1A-8933-263129D2AF90}" type="datetimeFigureOut">
               <a:rPr lang="en-US" dirty="0"/>
-              <a:t>8/22/2023</a:t>
+              <a:t>8/23/2023</a:t>
             </a:fld>
             <a:endParaRPr lang="en-US" dirty="0"/>
           </a:p>
@@ -2123,7 +2123,7 @@
           <a:p>
             <a:fld id="{C764DE79-268F-4C1A-8933-263129D2AF90}" type="datetimeFigureOut">
               <a:rPr lang="en-US" dirty="0"/>
-              <a:t>8/22/2023</a:t>
+              <a:t>8/23/2023</a:t>
             </a:fld>
             <a:endParaRPr lang="en-US" dirty="0"/>
           </a:p>
@@ -2580,7 +2580,7 @@
           <a:p>
             <a:fld id="{C764DE79-268F-4C1A-8933-263129D2AF90}" type="datetimeFigureOut">
               <a:rPr lang="en-US" dirty="0"/>
-              <a:t>8/22/2023</a:t>
+              <a:t>8/23/2023</a:t>
             </a:fld>
             <a:endParaRPr lang="en-US" dirty="0"/>
           </a:p>
@@ -2782,7 +2782,7 @@
           <a:p>
             <a:fld id="{C764DE79-268F-4C1A-8933-263129D2AF90}" type="datetimeFigureOut">
               <a:rPr lang="en-US" dirty="0"/>
-              <a:t>8/22/2023</a:t>
+              <a:t>8/23/2023</a:t>
             </a:fld>
             <a:endParaRPr lang="en-US" dirty="0"/>
           </a:p>
@@ -3026,7 +3026,7 @@
           <a:p>
             <a:fld id="{C764DE79-268F-4C1A-8933-263129D2AF90}" type="datetimeFigureOut">
               <a:rPr lang="en-US" dirty="0"/>
-              <a:t>8/22/2023</a:t>
+              <a:t>8/23/2023</a:t>
             </a:fld>
             <a:endParaRPr lang="en-US" dirty="0"/>
           </a:p>
@@ -3322,7 +3322,7 @@
           <a:p>
             <a:fld id="{C764DE79-268F-4C1A-8933-263129D2AF90}" type="datetimeFigureOut">
               <a:rPr lang="en-US" dirty="0"/>
-              <a:t>8/22/2023</a:t>
+              <a:t>8/23/2023</a:t>
             </a:fld>
             <a:endParaRPr lang="en-US" dirty="0"/>
           </a:p>
@@ -3753,7 +3753,7 @@
           <a:p>
             <a:fld id="{C764DE79-268F-4C1A-8933-263129D2AF90}" type="datetimeFigureOut">
               <a:rPr lang="en-US" dirty="0"/>
-              <a:t>8/22/2023</a:t>
+              <a:t>8/23/2023</a:t>
             </a:fld>
             <a:endParaRPr lang="en-US" dirty="0"/>
           </a:p>
@@ -4778,7 +4778,7 @@
           <a:p>
             <a:fld id="{C764DE79-268F-4C1A-8933-263129D2AF90}" type="datetimeFigureOut">
               <a:rPr lang="en-US" dirty="0"/>
-              <a:t>8/22/2023</a:t>
+              <a:t>8/23/2023</a:t>
             </a:fld>
             <a:endParaRPr lang="en-US" dirty="0"/>
           </a:p>
@@ -6191,6 +6191,16 @@
               </a:spcBef>
             </a:pPr>
             <a:r>
+              <a:rPr lang="ja-JP" altLang="en-US" sz="2800" b="1" dirty="0" smtClean="0">
+                <a:solidFill>
+                  <a:srgbClr val="FF0000"/>
+                </a:solidFill>
+                <a:latin typeface="+mn-ea"/>
+                <a:ea typeface="+mn-ea"/>
+              </a:rPr>
+              <a:t>モデル</a:t>
+            </a:r>
+            <a:r>
               <a:rPr lang="ja-JP" altLang="en-US" sz="2800" b="1" dirty="0">
                 <a:solidFill>
                   <a:srgbClr val="FF0000"/>
@@ -6198,7 +6208,7 @@
                 <a:latin typeface="+mn-ea"/>
                 <a:ea typeface="+mn-ea"/>
               </a:rPr>
-              <a:t>モデルの</a:t>
+              <a:t>の</a:t>
             </a:r>
             <a:r>
               <a:rPr lang="ja-JP" altLang="en-US" sz="2800" b="1" dirty="0" smtClean="0">
@@ -6228,38 +6238,58 @@
               </a:spcBef>
             </a:pPr>
             <a:r>
-              <a:rPr lang="en-US" altLang="ja-JP" sz="1782" dirty="0" smtClean="0">
+              <a:rPr lang="en-US" altLang="ja-JP" sz="2000" dirty="0" smtClean="0">
                 <a:latin typeface="+mn-ea"/>
                 <a:ea typeface="+mn-ea"/>
               </a:rPr>
               <a:t/>
             </a:r>
             <a:br>
-              <a:rPr lang="en-US" altLang="ja-JP" sz="1782" dirty="0" smtClean="0">
+              <a:rPr lang="en-US" altLang="ja-JP" sz="2000" dirty="0" smtClean="0">
                 <a:latin typeface="+mn-ea"/>
                 <a:ea typeface="+mn-ea"/>
               </a:rPr>
             </a:br>
             <a:r>
+              <a:rPr lang="en-US" altLang="ja-JP" sz="2000" dirty="0" smtClean="0">
+                <a:latin typeface="+mn-ea"/>
+                <a:ea typeface="+mn-ea"/>
+              </a:rPr>
+              <a:t/>
+            </a:r>
+            <a:br>
+              <a:rPr lang="en-US" altLang="ja-JP" sz="2000" dirty="0" smtClean="0">
+                <a:latin typeface="+mn-ea"/>
+                <a:ea typeface="+mn-ea"/>
+              </a:rPr>
+            </a:br>
+            <a:r>
+              <a:rPr lang="ja-JP" altLang="en-US" sz="2400" b="1" dirty="0">
+                <a:latin typeface="+mn-ea"/>
+                <a:ea typeface="+mn-ea"/>
+              </a:rPr>
+              <a:t>１</a:t>
+            </a:r>
+            <a:r>
+              <a:rPr lang="en-US" altLang="ja-JP" sz="2400" b="1" dirty="0" smtClean="0">
+                <a:latin typeface="+mn-ea"/>
+                <a:ea typeface="+mn-ea"/>
+              </a:rPr>
+              <a:t>. </a:t>
+            </a:r>
+            <a:r>
+              <a:rPr lang="ja-JP" altLang="en-US" sz="2400" b="1" dirty="0">
+                <a:latin typeface="+mn-ea"/>
+                <a:ea typeface="+mn-ea"/>
+              </a:rPr>
+              <a:t>機能</a:t>
+            </a:r>
+            <a:r>
               <a:rPr lang="ja-JP" altLang="en-US" sz="2400" b="1" dirty="0" smtClean="0">
                 <a:latin typeface="+mn-ea"/>
                 <a:ea typeface="+mn-ea"/>
               </a:rPr>
-              <a:t>１</a:t>
-            </a:r>
-            <a:r>
-              <a:rPr lang="en-US" altLang="ja-JP" sz="2400" b="1" dirty="0" smtClean="0">
-                <a:latin typeface="+mn-ea"/>
-                <a:ea typeface="+mn-ea"/>
-              </a:rPr>
-              <a:t>. </a:t>
-            </a:r>
-            <a:r>
-              <a:rPr lang="ja-JP" altLang="en-US" sz="2400" b="1" dirty="0" smtClean="0">
-                <a:latin typeface="+mn-ea"/>
-                <a:ea typeface="+mn-ea"/>
-              </a:rPr>
-              <a:t>要求分析</a:t>
+              <a:t>モデル</a:t>
             </a:r>
             <a:r>
               <a:rPr lang="en-US" altLang="ja-JP" sz="2400" b="1" dirty="0" smtClean="0">
@@ -6275,6 +6305,40 @@
               </a:rPr>
             </a:br>
             <a:r>
+              <a:rPr lang="en-US" altLang="ja-JP" sz="2000" dirty="0">
+                <a:latin typeface="+mn-ea"/>
+                <a:ea typeface="+mn-ea"/>
+              </a:rPr>
+              <a:t/>
+            </a:r>
+            <a:br>
+              <a:rPr lang="en-US" altLang="ja-JP" sz="2000" dirty="0">
+                <a:latin typeface="+mn-ea"/>
+                <a:ea typeface="+mn-ea"/>
+              </a:rPr>
+            </a:br>
+            <a:r>
+              <a:rPr lang="ja-JP" altLang="en-US" sz="2000" dirty="0" smtClean="0">
+                <a:latin typeface="+mn-ea"/>
+                <a:ea typeface="+mn-ea"/>
+              </a:rPr>
+              <a:t>・ブロック </a:t>
+            </a:r>
+            <a:r>
+              <a:rPr lang="en-US" altLang="ja-JP" sz="2000" dirty="0">
+                <a:latin typeface="+mn-ea"/>
+                <a:ea typeface="+mn-ea"/>
+              </a:rPr>
+              <a:t>de </a:t>
+            </a:r>
+            <a:r>
+              <a:rPr lang="ja-JP" altLang="en-US" sz="2000" dirty="0" smtClean="0">
+                <a:latin typeface="+mn-ea"/>
+                <a:ea typeface="+mn-ea"/>
+              </a:rPr>
+              <a:t>トレジャーハンターのクリアに必要な機能をユースケース図で抽出。</a:t>
+            </a:r>
+            <a:r>
               <a:rPr lang="en-US" altLang="ja-JP" sz="2000" dirty="0" smtClean="0">
                 <a:latin typeface="+mn-ea"/>
                 <a:ea typeface="+mn-ea"/>
@@ -6292,8 +6356,21 @@
                 <a:latin typeface="+mn-ea"/>
                 <a:ea typeface="+mn-ea"/>
               </a:rPr>
-              <a:t>安定してゴールに到達する目標のもと、</a:t>
-            </a:r>
+              <a:t>・各機能で行う処理を小さくすることで、可用性を高めた。</a:t>
+            </a:r>
+            <a:r>
+              <a:rPr lang="en-US" altLang="ja-JP" sz="2000" dirty="0">
+                <a:latin typeface="+mn-ea"/>
+                <a:ea typeface="+mn-ea"/>
+              </a:rPr>
+              <a:t/>
+            </a:r>
+            <a:br>
+              <a:rPr lang="en-US" altLang="ja-JP" sz="2000" dirty="0">
+                <a:latin typeface="+mn-ea"/>
+                <a:ea typeface="+mn-ea"/>
+              </a:rPr>
+            </a:br>
             <a:r>
               <a:rPr lang="en-US" altLang="ja-JP" sz="2000" dirty="0" smtClean="0">
                 <a:latin typeface="+mn-ea"/>
@@ -6308,134 +6385,6 @@
               </a:rPr>
             </a:br>
             <a:r>
-              <a:rPr lang="ja-JP" altLang="en-US" sz="2000" dirty="0" smtClean="0">
-                <a:latin typeface="+mn-ea"/>
-                <a:ea typeface="+mn-ea"/>
-              </a:rPr>
-              <a:t>ブロック </a:t>
-            </a:r>
-            <a:r>
-              <a:rPr lang="en-US" altLang="ja-JP" sz="2000" dirty="0">
-                <a:latin typeface="+mn-ea"/>
-                <a:ea typeface="+mn-ea"/>
-              </a:rPr>
-              <a:t>de </a:t>
-            </a:r>
-            <a:r>
-              <a:rPr lang="ja-JP" altLang="en-US" sz="2000" dirty="0" smtClean="0">
-                <a:latin typeface="+mn-ea"/>
-                <a:ea typeface="+mn-ea"/>
-              </a:rPr>
-              <a:t>トレジャーをクリアするための要求を抽出した。</a:t>
-            </a:r>
-            <a:r>
-              <a:rPr lang="en-US" altLang="ja-JP" sz="2000" dirty="0" smtClean="0">
-                <a:latin typeface="+mn-ea"/>
-                <a:ea typeface="+mn-ea"/>
-              </a:rPr>
-              <a:t/>
-            </a:r>
-            <a:br>
-              <a:rPr lang="en-US" altLang="ja-JP" sz="2000" dirty="0" smtClean="0">
-                <a:latin typeface="+mn-ea"/>
-                <a:ea typeface="+mn-ea"/>
-              </a:rPr>
-            </a:br>
-            <a:r>
-              <a:rPr lang="ja-JP" altLang="en-US" sz="2000" dirty="0" smtClean="0">
-                <a:latin typeface="+mn-ea"/>
-                <a:ea typeface="+mn-ea"/>
-              </a:rPr>
-              <a:t>・ライントレースや旋回でコースアウトしないための処理を実現する</a:t>
-            </a:r>
-            <a:r>
-              <a:rPr lang="en-US" altLang="ja-JP" sz="2000" dirty="0" smtClean="0">
-                <a:latin typeface="+mn-ea"/>
-                <a:ea typeface="+mn-ea"/>
-              </a:rPr>
-              <a:t/>
-            </a:r>
-            <a:br>
-              <a:rPr lang="en-US" altLang="ja-JP" sz="2000" dirty="0" smtClean="0">
-                <a:latin typeface="+mn-ea"/>
-                <a:ea typeface="+mn-ea"/>
-              </a:rPr>
-            </a:br>
-            <a:r>
-              <a:rPr lang="ja-JP" altLang="en-US" sz="2000" dirty="0" smtClean="0">
-                <a:latin typeface="+mn-ea"/>
-                <a:ea typeface="+mn-ea"/>
-              </a:rPr>
-              <a:t>・ブロックを押し出す距離やブロックの配置パターンにおける走行経路など、固定化可能なものは事前に定義することでモデルが複雑化することを防ぐ。</a:t>
-            </a:r>
-            <a:r>
-              <a:rPr lang="en-US" altLang="ja-JP" sz="2000" dirty="0" smtClean="0">
-                <a:latin typeface="+mn-ea"/>
-                <a:ea typeface="+mn-ea"/>
-              </a:rPr>
-              <a:t/>
-            </a:r>
-            <a:br>
-              <a:rPr lang="en-US" altLang="ja-JP" sz="2000" dirty="0" smtClean="0">
-                <a:latin typeface="+mn-ea"/>
-                <a:ea typeface="+mn-ea"/>
-              </a:rPr>
-            </a:br>
-            <a:r>
-              <a:rPr lang="en-US" altLang="ja-JP" sz="2000" dirty="0" smtClean="0">
-                <a:latin typeface="+mn-ea"/>
-                <a:ea typeface="+mn-ea"/>
-              </a:rPr>
-              <a:t/>
-            </a:r>
-            <a:br>
-              <a:rPr lang="en-US" altLang="ja-JP" sz="2000" dirty="0" smtClean="0">
-                <a:latin typeface="+mn-ea"/>
-                <a:ea typeface="+mn-ea"/>
-              </a:rPr>
-            </a:br>
-            <a:r>
-              <a:rPr lang="ja-JP" altLang="en-US" sz="2400" b="1" dirty="0">
-                <a:latin typeface="+mn-ea"/>
-                <a:ea typeface="+mn-ea"/>
-              </a:rPr>
-              <a:t>２</a:t>
-            </a:r>
-            <a:r>
-              <a:rPr lang="en-US" altLang="ja-JP" sz="2400" b="1" dirty="0" smtClean="0">
-                <a:latin typeface="+mn-ea"/>
-                <a:ea typeface="+mn-ea"/>
-              </a:rPr>
-              <a:t>. </a:t>
-            </a:r>
-            <a:r>
-              <a:rPr lang="ja-JP" altLang="en-US" sz="2400" b="1" dirty="0">
-                <a:latin typeface="+mn-ea"/>
-                <a:ea typeface="+mn-ea"/>
-              </a:rPr>
-              <a:t>機能</a:t>
-            </a:r>
-            <a:r>
-              <a:rPr lang="ja-JP" altLang="en-US" sz="2400" b="1" dirty="0" smtClean="0">
-                <a:latin typeface="+mn-ea"/>
-                <a:ea typeface="+mn-ea"/>
-              </a:rPr>
-              <a:t>モデル</a:t>
-            </a:r>
-            <a:r>
-              <a:rPr lang="en-US" altLang="ja-JP" sz="2400" b="1" dirty="0" smtClean="0">
-                <a:latin typeface="+mn-ea"/>
-                <a:ea typeface="+mn-ea"/>
-              </a:rPr>
-              <a:t/>
-            </a:r>
-            <a:br>
-              <a:rPr lang="en-US" altLang="ja-JP" sz="2400" b="1" dirty="0" smtClean="0">
-                <a:latin typeface="+mn-ea"/>
-                <a:ea typeface="+mn-ea"/>
-              </a:rPr>
-            </a:br>
-            <a:r>
               <a:rPr lang="en-US" altLang="ja-JP" sz="2000" dirty="0">
                 <a:latin typeface="+mn-ea"/>
                 <a:ea typeface="+mn-ea"/>
@@ -6449,78 +6398,11 @@
               </a:rPr>
             </a:br>
             <a:r>
-              <a:rPr lang="ja-JP" altLang="en-US" sz="2000" dirty="0" smtClean="0">
-                <a:latin typeface="+mn-ea"/>
-                <a:ea typeface="+mn-ea"/>
-              </a:rPr>
-              <a:t>・ブロック </a:t>
-            </a:r>
-            <a:r>
-              <a:rPr lang="en-US" altLang="ja-JP" sz="2000" dirty="0">
-                <a:latin typeface="+mn-ea"/>
-                <a:ea typeface="+mn-ea"/>
-              </a:rPr>
-              <a:t>de </a:t>
-            </a:r>
-            <a:r>
-              <a:rPr lang="ja-JP" altLang="en-US" sz="2000" dirty="0" smtClean="0">
-                <a:latin typeface="+mn-ea"/>
-                <a:ea typeface="+mn-ea"/>
-              </a:rPr>
-              <a:t>トレジャーのクリアに必要な機能をユースケース図で抽出。</a:t>
-            </a:r>
-            <a:r>
-              <a:rPr lang="en-US" altLang="ja-JP" sz="2000" dirty="0" smtClean="0">
-                <a:latin typeface="+mn-ea"/>
-                <a:ea typeface="+mn-ea"/>
-              </a:rPr>
-              <a:t/>
-            </a:r>
-            <a:br>
-              <a:rPr lang="en-US" altLang="ja-JP" sz="2000" dirty="0" smtClean="0">
-                <a:latin typeface="+mn-ea"/>
-                <a:ea typeface="+mn-ea"/>
-              </a:rPr>
-            </a:br>
-            <a:r>
-              <a:rPr lang="ja-JP" altLang="en-US" sz="2000" dirty="0" smtClean="0">
-                <a:latin typeface="+mn-ea"/>
-                <a:ea typeface="+mn-ea"/>
-              </a:rPr>
-              <a:t>・各機能で行う処理を小さくすることで、可用性を高めた。</a:t>
-            </a:r>
-            <a:r>
-              <a:rPr lang="en-US" altLang="ja-JP" sz="2000" dirty="0">
-                <a:latin typeface="+mn-ea"/>
-                <a:ea typeface="+mn-ea"/>
-              </a:rPr>
-              <a:t/>
-            </a:r>
-            <a:br>
-              <a:rPr lang="en-US" altLang="ja-JP" sz="2000" dirty="0">
-                <a:latin typeface="+mn-ea"/>
-                <a:ea typeface="+mn-ea"/>
-              </a:rPr>
-            </a:br>
-            <a:r>
-              <a:rPr lang="en-US" altLang="ja-JP" sz="2000" dirty="0">
-                <a:latin typeface="+mn-ea"/>
-                <a:ea typeface="+mn-ea"/>
-              </a:rPr>
-              <a:t/>
-            </a:r>
-            <a:br>
-              <a:rPr lang="en-US" altLang="ja-JP" sz="2000" dirty="0">
-                <a:latin typeface="+mn-ea"/>
-                <a:ea typeface="+mn-ea"/>
-              </a:rPr>
-            </a:br>
-            <a:r>
-              <a:rPr lang="ja-JP" altLang="en-US" sz="2400" b="1" dirty="0" smtClean="0">
-                <a:latin typeface="+mn-ea"/>
-                <a:ea typeface="+mn-ea"/>
-              </a:rPr>
-              <a:t>３</a:t>
+              <a:rPr lang="ja-JP" altLang="en-US" sz="2400" b="1" dirty="0">
+                <a:latin typeface="+mn-ea"/>
+                <a:ea typeface="+mn-ea"/>
+              </a:rPr>
+              <a:t>２</a:t>
             </a:r>
             <a:r>
               <a:rPr lang="en-US" altLang="ja-JP" sz="2400" b="1" dirty="0" smtClean="0">
@@ -6598,7 +6480,14 @@
                 <a:latin typeface="+mn-ea"/>
                 <a:ea typeface="+mn-ea"/>
               </a:rPr>
-              <a:t>を高めるため、単一責任の原則に基づいてクラス間が疎結合となるようにした。</a:t>
+              <a:t>を高めるため、単一責任の原則に基づいて</a:t>
+            </a:r>
+            <a:r>
+              <a:rPr lang="ja-JP" altLang="en-US" sz="2000" dirty="0" smtClean="0">
+                <a:latin typeface="+mn-ea"/>
+                <a:ea typeface="+mn-ea"/>
+              </a:rPr>
+              <a:t>クラス間</a:t>
             </a:r>
             <a:r>
               <a:rPr lang="en-US" altLang="ja-JP" sz="2000" dirty="0" smtClean="0">
@@ -6614,6 +6503,46 @@
               </a:rPr>
             </a:br>
             <a:r>
+              <a:rPr lang="ja-JP" altLang="en-US" sz="2000" dirty="0" smtClean="0">
+                <a:latin typeface="+mn-ea"/>
+                <a:ea typeface="+mn-ea"/>
+              </a:rPr>
+              <a:t>が</a:t>
+            </a:r>
+            <a:r>
+              <a:rPr lang="ja-JP" altLang="en-US" sz="2000" dirty="0">
+                <a:latin typeface="+mn-ea"/>
+                <a:ea typeface="+mn-ea"/>
+              </a:rPr>
+              <a:t>疎結合となるようにした。</a:t>
+            </a:r>
+            <a:r>
+              <a:rPr lang="en-US" altLang="ja-JP" sz="2000" dirty="0" smtClean="0">
+                <a:latin typeface="+mn-ea"/>
+                <a:ea typeface="+mn-ea"/>
+              </a:rPr>
+              <a:t/>
+            </a:r>
+            <a:br>
+              <a:rPr lang="en-US" altLang="ja-JP" sz="2000" dirty="0" smtClean="0">
+                <a:latin typeface="+mn-ea"/>
+                <a:ea typeface="+mn-ea"/>
+              </a:rPr>
+            </a:br>
+            <a:r>
+              <a:rPr lang="en-US" altLang="ja-JP" sz="2000" dirty="0" smtClean="0">
+                <a:latin typeface="+mn-ea"/>
+                <a:ea typeface="+mn-ea"/>
+              </a:rPr>
+              <a:t/>
+            </a:r>
+            <a:br>
+              <a:rPr lang="en-US" altLang="ja-JP" sz="2000" dirty="0" smtClean="0">
+                <a:latin typeface="+mn-ea"/>
+                <a:ea typeface="+mn-ea"/>
+              </a:rPr>
+            </a:br>
+            <a:r>
               <a:rPr lang="en-US" altLang="ja-JP" sz="2000" dirty="0">
                 <a:latin typeface="+mn-ea"/>
                 <a:ea typeface="+mn-ea"/>
@@ -6627,11 +6556,11 @@
               </a:rPr>
             </a:br>
             <a:r>
-              <a:rPr lang="ja-JP" altLang="en-US" sz="2400" b="1" dirty="0" smtClean="0">
-                <a:latin typeface="+mn-ea"/>
-                <a:ea typeface="+mn-ea"/>
-              </a:rPr>
-              <a:t>４</a:t>
+              <a:rPr lang="ja-JP" altLang="en-US" sz="2400" b="1" dirty="0">
+                <a:latin typeface="+mn-ea"/>
+                <a:ea typeface="+mn-ea"/>
+              </a:rPr>
+              <a:t>３</a:t>
             </a:r>
             <a:r>
               <a:rPr lang="en-US" altLang="ja-JP" sz="2400" b="1" dirty="0" smtClean="0">
@@ -7047,7 +6976,7 @@
                 <a:latin typeface="+mn-ea"/>
                 <a:ea typeface="+mn-ea"/>
               </a:rPr>
-              <a:t>トレジャー をクリアし、走破することを目指</a:t>
+              <a:t>トレジャーハンター をクリアし、走破することを目指</a:t>
             </a:r>
             <a:r>
               <a:rPr lang="ja-JP" altLang="en-US" sz="2400" dirty="0">
@@ -7608,14 +7537,14 @@
           <p:nvPr>
             <p:extLst>
               <p:ext uri="{D42A27DB-BD31-4B8C-83A1-F6EECF244321}">
-                <p14:modId xmlns:p14="http://schemas.microsoft.com/office/powerpoint/2010/main" val="3177601013"/>
+                <p14:modId xmlns:p14="http://schemas.microsoft.com/office/powerpoint/2010/main" val="3349418828"/>
               </p:ext>
             </p:extLst>
           </p:nvPr>
         </p:nvGraphicFramePr>
         <p:xfrm>
-          <a:off x="7729978" y="5317637"/>
-          <a:ext cx="6932184" cy="4902200"/>
+          <a:off x="7620299" y="5086803"/>
+          <a:ext cx="6932184" cy="5511800"/>
         </p:xfrm>
         <a:graphic>
           <a:graphicData uri="http://schemas.openxmlformats.org/drawingml/2006/table">
@@ -7822,16 +7751,93 @@
                     <a:p>
                       <a:pPr algn="l" fontAlgn="ctr"/>
                       <a:r>
-                        <a:rPr lang="ja-JP" altLang="en-US" sz="2000" u="none" strike="noStrike" dirty="0">
+                        <a:rPr lang="ja-JP" altLang="en-US" sz="2000" u="none" strike="noStrike" dirty="0" smtClean="0">
                           <a:effectLst/>
                         </a:rPr>
-                        <a:t>トレジャーブロック</a:t>
+                        <a:t>・トレジャーブロック</a:t>
+                      </a:r>
+                      <a:r>
+                        <a:rPr lang="en-US" altLang="ja-JP" sz="2000" u="none" strike="noStrike" dirty="0" smtClean="0">
+                          <a:effectLst/>
+                        </a:rPr>
+                        <a:t>(</a:t>
+                      </a:r>
+                      <a:r>
+                        <a:rPr lang="ja-JP" altLang="en-US" sz="2000" u="none" strike="noStrike" dirty="0" smtClean="0">
+                          <a:effectLst/>
+                        </a:rPr>
+                        <a:t>赤ブロック</a:t>
+                      </a:r>
+                      <a:r>
+                        <a:rPr lang="en-US" altLang="ja-JP" sz="2000" u="none" strike="noStrike" dirty="0" smtClean="0">
+                          <a:effectLst/>
+                        </a:rPr>
+                        <a:t>)</a:t>
                       </a:r>
                       <a:r>
                         <a:rPr lang="ja-JP" altLang="en-US" sz="2000" u="none" strike="noStrike" dirty="0" smtClean="0">
                           <a:effectLst/>
                         </a:rPr>
                         <a:t>を運搬し、ゴールエリアに到達する</a:t>
+                      </a:r>
+                      <a:r>
+                        <a:rPr lang="en-US" altLang="ja-JP" sz="2000" u="none" strike="noStrike" dirty="0" smtClean="0">
+                          <a:effectLst/>
+                        </a:rPr>
+                        <a:t/>
+                      </a:r>
+                      <a:br>
+                        <a:rPr lang="en-US" altLang="ja-JP" sz="2000" u="none" strike="noStrike" dirty="0" smtClean="0">
+                          <a:effectLst/>
+                        </a:rPr>
+                      </a:br>
+                      <a:r>
+                        <a:rPr lang="ja-JP" altLang="en-US" sz="2000" u="none" strike="noStrike" dirty="0" smtClean="0">
+                          <a:effectLst/>
+                        </a:rPr>
+                        <a:t>・</a:t>
+                      </a:r>
+                      <a:r>
+                        <a:rPr lang="en-US" altLang="ja-JP" sz="2000" u="none" strike="noStrike" dirty="0" smtClean="0">
+                          <a:effectLst/>
+                        </a:rPr>
+                        <a:t>2</a:t>
+                      </a:r>
+                      <a:r>
+                        <a:rPr lang="ja-JP" altLang="en-US" sz="2000" u="none" strike="noStrike" dirty="0" err="1" smtClean="0">
+                          <a:effectLst/>
+                        </a:rPr>
+                        <a:t>つの</a:t>
+                      </a:r>
+                      <a:r>
+                        <a:rPr lang="ja-JP" altLang="en-US" sz="2000" u="none" strike="noStrike" dirty="0" smtClean="0">
+                          <a:effectLst/>
+                        </a:rPr>
+                        <a:t>デコイブロック</a:t>
+                      </a:r>
+                      <a:r>
+                        <a:rPr lang="en-US" altLang="ja-JP" sz="2000" u="none" strike="noStrike" dirty="0" smtClean="0">
+                          <a:effectLst/>
+                        </a:rPr>
+                        <a:t>(</a:t>
+                      </a:r>
+                      <a:r>
+                        <a:rPr lang="ja-JP" altLang="en-US" sz="2000" u="none" strike="noStrike" dirty="0" smtClean="0">
+                          <a:effectLst/>
+                        </a:rPr>
+                        <a:t>青ブロック</a:t>
+                      </a:r>
+                      <a:r>
+                        <a:rPr lang="en-US" altLang="ja-JP" sz="2000" u="none" strike="noStrike" dirty="0" smtClean="0">
+                          <a:effectLst/>
+                        </a:rPr>
+                        <a:t>)</a:t>
+                      </a:r>
+                      <a:r>
+                        <a:rPr lang="ja-JP" altLang="en-US" sz="2000" u="none" strike="noStrike" dirty="0" smtClean="0">
+                          <a:effectLst/>
+                        </a:rPr>
+                        <a:t>をブロックサークルの外に置かれた状態である</a:t>
                       </a:r>
                       <a:endParaRPr lang="en-US" altLang="ja-JP" sz="2000" u="none" strike="noStrike" dirty="0" smtClean="0">
                         <a:effectLst/>
@@ -8161,8 +8167,8 @@
         </p:nvSpPr>
         <p:spPr>
           <a:xfrm>
-            <a:off x="7839656" y="1750441"/>
-            <a:ext cx="6712827" cy="2246769"/>
+            <a:off x="7620300" y="1750441"/>
+            <a:ext cx="6932184" cy="2554545"/>
           </a:xfrm>
           <a:prstGeom prst="rect">
             <a:avLst/>
@@ -8224,15 +8230,7 @@
             </a:br>
             <a:r>
               <a:rPr lang="ja-JP" altLang="en-US" sz="2000" dirty="0" smtClean="0"/>
-              <a:t>ダブルループ、ブロック </a:t>
-            </a:r>
-            <a:r>
-              <a:rPr lang="en-US" altLang="ja-JP" sz="2000" dirty="0" smtClean="0"/>
-              <a:t>de </a:t>
-            </a:r>
-            <a:r>
-              <a:rPr lang="ja-JP" altLang="en-US" sz="2000" dirty="0" smtClean="0"/>
-              <a:t>トレジャーハンター で動作を切り替え、一連のシナリオとして動作させる。</a:t>
+              <a:t>以降のモデルにおいて、</a:t>
             </a:r>
             <a:r>
               <a:rPr lang="en-US" altLang="ja-JP" sz="2000" dirty="0" smtClean="0"/>
@@ -8243,36 +8241,42 @@
             </a:br>
             <a:r>
               <a:rPr lang="ja-JP" altLang="en-US" sz="2000" dirty="0" smtClean="0"/>
-              <a:t>汎用的なクラスは共通化し、それぞれのシナリオで使用できるようにする。</a:t>
-            </a:r>
-            <a:endParaRPr kumimoji="1" lang="ja-JP" altLang="en-US" sz="2000" dirty="0"/>
+              <a:t>・マトリクスはブロック </a:t>
+            </a:r>
+            <a:r>
+              <a:rPr lang="en-US" altLang="ja-JP" sz="2000" dirty="0" smtClean="0"/>
+              <a:t>de </a:t>
+            </a:r>
+            <a:r>
+              <a:rPr lang="ja-JP" altLang="en-US" sz="2000" dirty="0" smtClean="0"/>
+              <a:t>トレジャーハンターのブロックエリア</a:t>
+            </a:r>
+            <a:r>
+              <a:rPr lang="en-US" altLang="ja-JP" sz="2000" dirty="0" smtClean="0"/>
+              <a:t/>
+            </a:r>
+            <a:br>
+              <a:rPr lang="en-US" altLang="ja-JP" sz="2000" dirty="0" smtClean="0"/>
+            </a:br>
+            <a:r>
+              <a:rPr lang="ja-JP" altLang="en-US" sz="2000" dirty="0" smtClean="0"/>
+              <a:t>・ノードはブロックエリア間の黒線</a:t>
+            </a:r>
+            <a:r>
+              <a:rPr lang="en-US" altLang="ja-JP" sz="2000" dirty="0" smtClean="0"/>
+              <a:t/>
+            </a:r>
+            <a:br>
+              <a:rPr lang="en-US" altLang="ja-JP" sz="2000" dirty="0" smtClean="0"/>
+            </a:br>
+            <a:r>
+              <a:rPr lang="ja-JP" altLang="en-US" sz="2000" dirty="0" smtClean="0"/>
+              <a:t>を表す。</a:t>
+            </a:r>
+            <a:endParaRPr lang="en-US" altLang="ja-JP" sz="2000" dirty="0" smtClean="0"/>
           </a:p>
         </p:txBody>
       </p:sp>
-      <p:pic>
-        <p:nvPicPr>
-          <p:cNvPr id="6" name="図 5"/>
-          <p:cNvPicPr>
-            <a:picLocks noChangeAspect="1"/>
-          </p:cNvPicPr>
-          <p:nvPr/>
-        </p:nvPicPr>
-        <p:blipFill>
-          <a:blip r:embed="rId2"/>
-          <a:stretch>
-            <a:fillRect/>
-          </a:stretch>
-        </p:blipFill>
-        <p:spPr>
-          <a:xfrm>
-            <a:off x="582140" y="5132970"/>
-            <a:ext cx="6636882" cy="5400600"/>
-          </a:xfrm>
-          <a:prstGeom prst="rect">
-            <a:avLst/>
-          </a:prstGeom>
-        </p:spPr>
-      </p:pic>
       <p:sp>
         <p:nvSpPr>
           <p:cNvPr id="2" name="テキスト ボックス 1"/>
@@ -8367,16 +8371,52 @@
               <a:rPr lang="ja-JP" altLang="en-US" sz="2000" dirty="0">
                 <a:latin typeface="+mn-ea"/>
               </a:rPr>
-              <a:t>方式の利点として、無駄なパターンを経由しないことやブロックを読み込まないことで</a:t>
+              <a:t>方式の利点として、無駄</a:t>
             </a:r>
             <a:r>
               <a:rPr lang="ja-JP" altLang="en-US" sz="2000" dirty="0" smtClean="0">
+                <a:latin typeface="+mn-ea"/>
+              </a:rPr>
+              <a:t>な経路を</a:t>
+            </a:r>
+            <a:r>
+              <a:rPr lang="ja-JP" altLang="en-US" sz="2000" dirty="0">
+                <a:latin typeface="+mn-ea"/>
+              </a:rPr>
+              <a:t>経由しないことやブロックを読み込まないこと</a:t>
+            </a:r>
+            <a:r>
+              <a:rPr lang="ja-JP" altLang="en-US" sz="2000" dirty="0" smtClean="0">
+                <a:latin typeface="+mn-ea"/>
+              </a:rPr>
+              <a:t>で</a:t>
+            </a:r>
+            <a:r>
+              <a:rPr lang="ja-JP" altLang="en-US" sz="2000" dirty="0" smtClean="0">
                 <a:solidFill>
                   <a:srgbClr val="FF0000"/>
                 </a:solidFill>
                 <a:latin typeface="+mn-ea"/>
               </a:rPr>
-              <a:t>マトリクス攻略の安定化</a:t>
+              <a:t>ブロック </a:t>
+            </a:r>
+            <a:r>
+              <a:rPr lang="en-US" altLang="ja-JP" sz="2000" dirty="0" smtClean="0">
+                <a:solidFill>
+                  <a:srgbClr val="FF0000"/>
+                </a:solidFill>
+                <a:latin typeface="+mn-ea"/>
+              </a:rPr>
+              <a:t>de </a:t>
+            </a:r>
+            <a:r>
+              <a:rPr lang="ja-JP" altLang="en-US" sz="2000" dirty="0" smtClean="0">
+                <a:solidFill>
+                  <a:srgbClr val="FF0000"/>
+                </a:solidFill>
+                <a:latin typeface="+mn-ea"/>
+              </a:rPr>
+              <a:t>トレジャーハンター攻略の安定化</a:t>
             </a:r>
             <a:r>
               <a:rPr lang="ja-JP" altLang="en-US" sz="2000" dirty="0">
@@ -8411,7 +8451,19 @@
               <a:rPr lang="ja-JP" altLang="en-US" sz="2000" dirty="0">
                 <a:latin typeface="+mn-ea"/>
               </a:rPr>
-              <a:t>ため、マトリクス間のノードのライントレースやブロックの押し出し、保持を高精度で行えるよう低速で実行することが</a:t>
+              <a:t>ため</a:t>
+            </a:r>
+            <a:r>
+              <a:rPr lang="ja-JP" altLang="en-US" sz="2000" dirty="0" smtClean="0">
+                <a:latin typeface="+mn-ea"/>
+              </a:rPr>
+              <a:t>、ブロックサークル間の</a:t>
+            </a:r>
+            <a:r>
+              <a:rPr lang="ja-JP" altLang="en-US" sz="2000" dirty="0">
+                <a:latin typeface="+mn-ea"/>
+              </a:rPr>
+              <a:t>ライントレースやブロックの押し出し、保持を高精度で行えるよう低速で実行することが</a:t>
             </a:r>
             <a:r>
               <a:rPr lang="ja-JP" altLang="en-US" sz="2000" dirty="0" smtClean="0">
@@ -8422,6 +8474,86 @@
             <a:endParaRPr kumimoji="1" lang="ja-JP" altLang="en-US" dirty="0">
               <a:latin typeface="+mn-ea"/>
             </a:endParaRPr>
+          </a:p>
+        </p:txBody>
+      </p:sp>
+      <p:pic>
+        <p:nvPicPr>
+          <p:cNvPr id="12" name="図 11"/>
+          <p:cNvPicPr>
+            <a:picLocks noChangeAspect="1"/>
+          </p:cNvPicPr>
+          <p:nvPr/>
+        </p:nvPicPr>
+        <p:blipFill>
+          <a:blip r:embed="rId2"/>
+          <a:stretch>
+            <a:fillRect/>
+          </a:stretch>
+        </p:blipFill>
+        <p:spPr>
+          <a:xfrm>
+            <a:off x="216859" y="5132970"/>
+            <a:ext cx="7002163" cy="5543379"/>
+          </a:xfrm>
+          <a:prstGeom prst="rect">
+            <a:avLst/>
+          </a:prstGeom>
+        </p:spPr>
+      </p:pic>
+      <p:sp>
+        <p:nvSpPr>
+          <p:cNvPr id="13" name="四角形吹き出し 12"/>
+          <p:cNvSpPr/>
+          <p:nvPr/>
+        </p:nvSpPr>
+        <p:spPr>
+          <a:xfrm>
+            <a:off x="70843" y="9018314"/>
+            <a:ext cx="2758556" cy="648072"/>
+          </a:xfrm>
+          <a:prstGeom prst="wedgeRectCallout">
+            <a:avLst>
+              <a:gd name="adj1" fmla="val 29885"/>
+              <a:gd name="adj2" fmla="val -91591"/>
+            </a:avLst>
+          </a:prstGeom>
+        </p:spPr>
+        <p:style>
+          <a:lnRef idx="2">
+            <a:schemeClr val="dk1"/>
+          </a:lnRef>
+          <a:fillRef idx="1">
+            <a:schemeClr val="lt1"/>
+          </a:fillRef>
+          <a:effectRef idx="0">
+            <a:schemeClr val="dk1"/>
+          </a:effectRef>
+          <a:fontRef idx="minor">
+            <a:schemeClr val="dk1"/>
+          </a:fontRef>
+        </p:style>
+        <p:txBody>
+          <a:bodyPr rtlCol="0" anchor="ctr"/>
+          <a:lstStyle/>
+          <a:p>
+            <a:pPr algn="ctr"/>
+            <a:r>
+              <a:rPr kumimoji="1" lang="ja-JP" altLang="en-US" dirty="0" smtClean="0"/>
+              <a:t>設定したパターンから</a:t>
+            </a:r>
+            <a:r>
+              <a:rPr kumimoji="1" lang="en-US" altLang="ja-JP" dirty="0" smtClean="0"/>
+              <a:t/>
+            </a:r>
+            <a:br>
+              <a:rPr kumimoji="1" lang="en-US" altLang="ja-JP" dirty="0" smtClean="0"/>
+            </a:br>
+            <a:r>
+              <a:rPr kumimoji="1" lang="ja-JP" altLang="en-US" dirty="0" smtClean="0"/>
+              <a:t>走行ルートが決められる</a:t>
+            </a:r>
+            <a:endParaRPr kumimoji="1" lang="ja-JP" altLang="en-US" dirty="0"/>
           </a:p>
         </p:txBody>
       </p:sp>
@@ -8694,9 +8826,7 @@
           <p:cNvGraphicFramePr>
             <a:graphicFrameLocks noGrp="1"/>
           </p:cNvGraphicFramePr>
-          <p:nvPr>
-            <p:extLst/>
-          </p:nvPr>
+          <p:nvPr/>
         </p:nvGraphicFramePr>
         <p:xfrm>
           <a:off x="336574" y="2248836"/>
@@ -8997,10 +9127,10 @@
       </p:sp>
       <p:pic>
         <p:nvPicPr>
-          <p:cNvPr id="12" name="図 11" descr="ダイアグラム&#10;&#10;自動的に生成された説明">
+          <p:cNvPr id="7" name="図 6" descr="グラフィカル ユーザー インターフェイス, ダイアグラム&#10;&#10;自動的に生成された説明">
             <a:extLst>
               <a:ext uri="{FF2B5EF4-FFF2-40B4-BE49-F238E27FC236}">
-                <a16:creationId xmlns:a16="http://schemas.microsoft.com/office/drawing/2014/main" id="{1A35D42F-B5F8-F647-F3AD-DD355CAC52EE}"/>
+                <a16:creationId xmlns:a16="http://schemas.microsoft.com/office/drawing/2014/main" id="{32BAC963-C9A5-E89F-4520-45272D4120C8}"/>
               </a:ext>
             </a:extLst>
           </p:cNvPr>
@@ -9017,13 +9147,48 @@
               </a:ext>
             </a:extLst>
           </a:blip>
-          <a:srcRect l="2013" r="1832" b="1885"/>
+          <a:srcRect l="927" r="661"/>
           <a:stretch/>
         </p:blipFill>
         <p:spPr>
           <a:xfrm>
-            <a:off x="209439" y="6022508"/>
-            <a:ext cx="4043283" cy="4372208"/>
+            <a:off x="4581166" y="2100671"/>
+            <a:ext cx="10386305" cy="8405981"/>
+          </a:xfrm>
+          <a:prstGeom prst="rect">
+            <a:avLst/>
+          </a:prstGeom>
+        </p:spPr>
+      </p:pic>
+      <p:pic>
+        <p:nvPicPr>
+          <p:cNvPr id="11" name="図 10" descr="ダイアグラム&#10;&#10;自動的に生成された説明">
+            <a:extLst>
+              <a:ext uri="{FF2B5EF4-FFF2-40B4-BE49-F238E27FC236}">
+                <a16:creationId xmlns:a16="http://schemas.microsoft.com/office/drawing/2014/main" id="{7E3916CF-DD20-5AA5-B644-664AFF50E5EB}"/>
+              </a:ext>
+            </a:extLst>
+          </p:cNvPr>
+          <p:cNvPicPr>
+            <a:picLocks noChangeAspect="1"/>
+          </p:cNvPicPr>
+          <p:nvPr/>
+        </p:nvPicPr>
+        <p:blipFill rotWithShape="1">
+          <a:blip r:embed="rId3">
+            <a:extLst>
+              <a:ext uri="{28A0092B-C50C-407E-A947-70E740481C1C}">
+                <a14:useLocalDpi xmlns:a14="http://schemas.microsoft.com/office/drawing/2010/main" val="0"/>
+              </a:ext>
+            </a:extLst>
+          </a:blip>
+          <a:srcRect l="1458" r="1458"/>
+          <a:stretch/>
+        </p:blipFill>
+        <p:spPr>
+          <a:xfrm>
+            <a:off x="151879" y="6056549"/>
+            <a:ext cx="4174192" cy="4450103"/>
           </a:xfrm>
           <a:prstGeom prst="rect">
             <a:avLst/>
@@ -9046,7 +9211,7 @@
         </p:nvCxnSpPr>
         <p:spPr>
           <a:xfrm>
-            <a:off x="790923" y="7434138"/>
+            <a:off x="1222971" y="7506146"/>
             <a:ext cx="0" cy="432048"/>
           </a:xfrm>
           <a:prstGeom prst="straightConnector1">
@@ -9073,10 +9238,10 @@
       </p:cxnSp>
       <p:cxnSp>
         <p:nvCxnSpPr>
-          <p:cNvPr id="20" name="直線矢印コネクタ 19">
+          <p:cNvPr id="16" name="直線矢印コネクタ 15">
             <a:extLst>
               <a:ext uri="{FF2B5EF4-FFF2-40B4-BE49-F238E27FC236}">
-                <a16:creationId xmlns:a16="http://schemas.microsoft.com/office/drawing/2014/main" id="{875D33A3-2B1A-8CFA-E3DE-45A28A7C4082}"/>
+                <a16:creationId xmlns:a16="http://schemas.microsoft.com/office/drawing/2014/main" id="{1C5EB14B-621C-80DA-F3AF-5D0C0BAA290A}"/>
               </a:ext>
             </a:extLst>
           </p:cNvPr>
@@ -9087,7 +9252,7 @@
         </p:nvCxnSpPr>
         <p:spPr>
           <a:xfrm>
-            <a:off x="790923" y="8874298"/>
+            <a:off x="1222971" y="8874298"/>
             <a:ext cx="0" cy="432048"/>
           </a:xfrm>
           <a:prstGeom prst="straightConnector1">
@@ -9114,10 +9279,10 @@
       </p:cxnSp>
       <p:cxnSp>
         <p:nvCxnSpPr>
-          <p:cNvPr id="21" name="直線矢印コネクタ 20">
+          <p:cNvPr id="18" name="直線矢印コネクタ 17">
             <a:extLst>
               <a:ext uri="{FF2B5EF4-FFF2-40B4-BE49-F238E27FC236}">
-                <a16:creationId xmlns:a16="http://schemas.microsoft.com/office/drawing/2014/main" id="{088FAB77-849A-1668-7FC7-3239C5928703}"/>
+                <a16:creationId xmlns:a16="http://schemas.microsoft.com/office/drawing/2014/main" id="{302342B6-D1FD-E93B-5C24-D6A992A2C9DB}"/>
               </a:ext>
             </a:extLst>
           </p:cNvPr>
@@ -9128,8 +9293,8 @@
         </p:nvCxnSpPr>
         <p:spPr>
           <a:xfrm>
-            <a:off x="2138826" y="7367968"/>
-            <a:ext cx="236273" cy="498218"/>
+            <a:off x="1655019" y="8874298"/>
+            <a:ext cx="936104" cy="432048"/>
           </a:xfrm>
           <a:prstGeom prst="straightConnector1">
             <a:avLst/>
@@ -9153,86 +9318,10 @@
           </a:fontRef>
         </p:style>
       </p:cxnSp>
-      <p:cxnSp>
-        <p:nvCxnSpPr>
-          <p:cNvPr id="24" name="直線矢印コネクタ 23">
-            <a:extLst>
-              <a:ext uri="{FF2B5EF4-FFF2-40B4-BE49-F238E27FC236}">
-                <a16:creationId xmlns:a16="http://schemas.microsoft.com/office/drawing/2014/main" id="{0CFDB890-9C9A-01BC-29D9-47BEDD05BC40}"/>
-              </a:ext>
-            </a:extLst>
-          </p:cNvPr>
-          <p:cNvCxnSpPr>
-            <a:cxnSpLocks/>
-          </p:cNvCxnSpPr>
-          <p:nvPr/>
-        </p:nvCxnSpPr>
-        <p:spPr>
-          <a:xfrm flipH="1">
-            <a:off x="2138826" y="8789488"/>
-            <a:ext cx="278142" cy="588867"/>
-          </a:xfrm>
-          <a:prstGeom prst="straightConnector1">
-            <a:avLst/>
-          </a:prstGeom>
-          <a:ln>
-            <a:tailEnd type="triangle"/>
-          </a:ln>
-        </p:spPr>
-        <p:style>
-          <a:lnRef idx="1">
-            <a:schemeClr val="dk1"/>
-          </a:lnRef>
-          <a:fillRef idx="0">
-            <a:schemeClr val="dk1"/>
-          </a:fillRef>
-          <a:effectRef idx="0">
-            <a:schemeClr val="dk1"/>
-          </a:effectRef>
-          <a:fontRef idx="minor">
-            <a:schemeClr val="tx1"/>
-          </a:fontRef>
-        </p:style>
-      </p:cxnSp>
-      <p:pic>
-        <p:nvPicPr>
-          <p:cNvPr id="6" name="図 5" descr="ダイアグラム&#10;&#10;自動的に生成された説明">
-            <a:extLst>
-              <a:ext uri="{FF2B5EF4-FFF2-40B4-BE49-F238E27FC236}">
-                <a16:creationId xmlns:a16="http://schemas.microsoft.com/office/drawing/2014/main" id="{9F3D81CA-D58E-2663-B061-10267CABFD41}"/>
-              </a:ext>
-            </a:extLst>
-          </p:cNvPr>
-          <p:cNvPicPr>
-            <a:picLocks noChangeAspect="1"/>
-          </p:cNvPicPr>
-          <p:nvPr/>
-        </p:nvPicPr>
-        <p:blipFill rotWithShape="1">
-          <a:blip r:embed="rId3">
-            <a:extLst>
-              <a:ext uri="{28A0092B-C50C-407E-A947-70E740481C1C}">
-                <a14:useLocalDpi xmlns:a14="http://schemas.microsoft.com/office/drawing/2010/main" val="0"/>
-              </a:ext>
-            </a:extLst>
-          </a:blip>
-          <a:srcRect l="389" r="735"/>
-          <a:stretch/>
-        </p:blipFill>
-        <p:spPr>
-          <a:xfrm>
-            <a:off x="4538271" y="2248836"/>
-            <a:ext cx="10228864" cy="8239634"/>
-          </a:xfrm>
-          <a:prstGeom prst="rect">
-            <a:avLst/>
-          </a:prstGeom>
-        </p:spPr>
-      </p:pic>
     </p:spTree>
     <p:extLst>
       <p:ext uri="{BB962C8B-B14F-4D97-AF65-F5344CB8AC3E}">
-        <p14:creationId xmlns:p14="http://schemas.microsoft.com/office/powerpoint/2010/main" val="2416235864"/>
+        <p14:creationId xmlns:p14="http://schemas.microsoft.com/office/powerpoint/2010/main" val="1485656020"/>
       </p:ext>
     </p:extLst>
   </p:cSld>
@@ -9261,10 +9350,10 @@
       </p:grpSpPr>
       <p:sp>
         <p:nvSpPr>
-          <p:cNvPr id="7" name="Rectangle 4">
+          <p:cNvPr id="17" name="Rectangle 3">
             <a:extLst>
               <a:ext uri="{FF2B5EF4-FFF2-40B4-BE49-F238E27FC236}">
-                <a16:creationId xmlns:a16="http://schemas.microsoft.com/office/drawing/2014/main" id="{4DCE695B-C0E7-7944-89B8-D691FAEA74EE}"/>
+                <a16:creationId xmlns:a16="http://schemas.microsoft.com/office/drawing/2014/main" id="{12351C5A-CF92-284C-AD2D-94D23A07A721}"/>
               </a:ext>
             </a:extLst>
           </p:cNvPr>
@@ -9275,8 +9364,8 @@
         </p:nvSpPr>
         <p:spPr bwMode="auto">
           <a:xfrm>
-            <a:off x="7559674" y="3709738"/>
-            <a:ext cx="7344815" cy="6687979"/>
+            <a:off x="142850" y="1601490"/>
+            <a:ext cx="7104254" cy="5209867"/>
           </a:xfrm>
           <a:prstGeom prst="rect">
             <a:avLst/>
@@ -9412,9 +9501,12 @@
             </a:lvl9pPr>
           </a:lstStyle>
           <a:p>
-            <a:pPr marL="0" indent="252000" eaLnBrk="1" hangingPunct="1">
+            <a:pPr eaLnBrk="1" hangingPunct="1">
+              <a:lnSpc>
+                <a:spcPct val="80000"/>
+              </a:lnSpc>
               <a:spcBef>
-                <a:spcPts val="668"/>
+                <a:spcPct val="20000"/>
               </a:spcBef>
             </a:pPr>
             <a:r>
@@ -9422,7 +9514,21 @@
                 <a:latin typeface="+mn-ea"/>
                 <a:ea typeface="+mn-ea"/>
               </a:rPr>
-              <a:t>マトリクス走査状態　ステートマシン図</a:t>
+              <a:t>ブロック　</a:t>
+            </a:r>
+            <a:r>
+              <a:rPr lang="en-US" altLang="ja-JP" sz="2400" dirty="0">
+                <a:latin typeface="+mn-ea"/>
+                <a:ea typeface="+mn-ea"/>
+              </a:rPr>
+              <a:t>de</a:t>
+            </a:r>
+            <a:r>
+              <a:rPr lang="ja-JP" altLang="en-US" sz="2400" dirty="0">
+                <a:latin typeface="+mn-ea"/>
+                <a:ea typeface="+mn-ea"/>
+              </a:rPr>
+              <a:t>　トレジャーハンター　要件分析</a:t>
             </a:r>
             <a:endParaRPr lang="en-US" altLang="ja-JP" sz="2400" dirty="0">
               <a:latin typeface="+mn-ea"/>
@@ -9432,7 +9538,7 @@
           <a:p>
             <a:pPr marL="0" indent="252000" eaLnBrk="1" hangingPunct="1">
               <a:spcBef>
-                <a:spcPts val="668"/>
+                <a:spcPct val="20000"/>
               </a:spcBef>
             </a:pPr>
             <a:r>
@@ -9440,17 +9546,281 @@
                 <a:latin typeface="+mn-ea"/>
                 <a:ea typeface="+mn-ea"/>
               </a:rPr>
-              <a:t>マトリクス走査状態の詳述したステートマシン図を以下に示す。本プログラムではブロックの配置ごとに用意された命令の配列を実行して、マトリクスを走査する。マトリクスの赤、青、黄、緑パターンの直上で命令を評価する。命令は前進命令、右旋回命令、左旋回命令、青ブロック押し出し命令、赤ブロック取得命令で構成される。マトリクス上の各パターンの上でそれぞれの命令が実行される。</a:t>
-            </a:r>
+              <a:t>ブロック </a:t>
+            </a:r>
+            <a:r>
+              <a:rPr lang="en-US" altLang="ja-JP" sz="1800" dirty="0">
+                <a:latin typeface="+mn-ea"/>
+                <a:ea typeface="+mn-ea"/>
+              </a:rPr>
+              <a:t>de </a:t>
+            </a:r>
+            <a:r>
+              <a:rPr lang="ja-JP" altLang="en-US" sz="1800" dirty="0">
+                <a:latin typeface="+mn-ea"/>
+                <a:ea typeface="+mn-ea"/>
+              </a:rPr>
+              <a:t>トレジャーハンターはライントレース終了後に走行する障害物コースである。この障害物のコースは格子状のマトリクスとマトリクスの交点にある赤、青、黄、緑のパターン、パターン間の黒線でできたノードで構成される。このマトリクス上に</a:t>
+            </a:r>
+            <a:r>
+              <a:rPr lang="en-US" altLang="ja-JP" sz="1800" dirty="0">
+                <a:latin typeface="+mn-ea"/>
+                <a:ea typeface="+mn-ea"/>
+              </a:rPr>
+              <a:t>5</a:t>
+            </a:r>
+            <a:r>
+              <a:rPr lang="ja-JP" altLang="en-US" sz="1800" dirty="0">
+                <a:latin typeface="+mn-ea"/>
+                <a:ea typeface="+mn-ea"/>
+              </a:rPr>
+              <a:t>つのパターンで、</a:t>
+            </a:r>
+            <a:r>
+              <a:rPr lang="en-US" altLang="ja-JP" sz="1800" dirty="0">
+                <a:latin typeface="+mn-ea"/>
+                <a:ea typeface="+mn-ea"/>
+              </a:rPr>
+              <a:t>3</a:t>
+            </a:r>
+            <a:r>
+              <a:rPr lang="ja-JP" altLang="en-US" sz="1800" dirty="0">
+                <a:latin typeface="+mn-ea"/>
+                <a:ea typeface="+mn-ea"/>
+              </a:rPr>
+              <a:t>つのブロックがパターン上に設置される。</a:t>
+            </a:r>
+            <a:r>
+              <a:rPr lang="en-US" altLang="ja-JP" sz="1800" dirty="0">
+                <a:latin typeface="+mn-ea"/>
+                <a:ea typeface="+mn-ea"/>
+              </a:rPr>
+              <a:t>3</a:t>
+            </a:r>
+            <a:r>
+              <a:rPr lang="ja-JP" altLang="en-US" sz="1800" dirty="0">
+                <a:latin typeface="+mn-ea"/>
+                <a:ea typeface="+mn-ea"/>
+              </a:rPr>
+              <a:t>つのブロックの</a:t>
+            </a:r>
+            <a:r>
+              <a:rPr lang="en-US" altLang="ja-JP" sz="1800" dirty="0">
+                <a:latin typeface="+mn-ea"/>
+                <a:ea typeface="+mn-ea"/>
+              </a:rPr>
+              <a:t>2</a:t>
+            </a:r>
+            <a:r>
+              <a:rPr lang="ja-JP" altLang="en-US" sz="1800" dirty="0">
+                <a:latin typeface="+mn-ea"/>
+                <a:ea typeface="+mn-ea"/>
+              </a:rPr>
+              <a:t>つは青で、</a:t>
+            </a:r>
+            <a:r>
+              <a:rPr lang="en-US" altLang="ja-JP" sz="1800" dirty="0">
+                <a:latin typeface="+mn-ea"/>
+                <a:ea typeface="+mn-ea"/>
+              </a:rPr>
+              <a:t>1</a:t>
+            </a:r>
+            <a:r>
+              <a:rPr lang="ja-JP" altLang="en-US" sz="1800" dirty="0">
+                <a:latin typeface="+mn-ea"/>
+                <a:ea typeface="+mn-ea"/>
+              </a:rPr>
+              <a:t>つは赤である。青ブロックを押し出し、赤ブロックをゴールまでもっていくことが求められる。ブロックの配置の組み合わせは上記の組み合わせの中から大会当日に決定される。</a:t>
+            </a:r>
+            <a:endParaRPr lang="en-US" altLang="ja-JP" sz="1800" dirty="0">
+              <a:latin typeface="+mn-ea"/>
+              <a:ea typeface="+mn-ea"/>
+            </a:endParaRPr>
+          </a:p>
+          <a:p>
+            <a:pPr marL="0" indent="252000" eaLnBrk="1" hangingPunct="1">
+              <a:spcBef>
+                <a:spcPct val="20000"/>
+              </a:spcBef>
+            </a:pPr>
+            <a:endParaRPr lang="en-US" altLang="ja-JP" sz="1800" dirty="0">
+              <a:latin typeface="+mn-ea"/>
+              <a:ea typeface="+mn-ea"/>
+            </a:endParaRPr>
+          </a:p>
+          <a:p>
+            <a:pPr marL="0" indent="252000" eaLnBrk="1" hangingPunct="1">
+              <a:spcBef>
+                <a:spcPct val="20000"/>
+              </a:spcBef>
+            </a:pPr>
+            <a:r>
+              <a:rPr lang="ja-JP" altLang="en-US" sz="1800" dirty="0">
+                <a:latin typeface="+mn-ea"/>
+                <a:ea typeface="+mn-ea"/>
+              </a:rPr>
+              <a:t>本プログラムでは、あらかじめブロックが置かれる組み合わせに応じて、命令の組み合わせをあらかじめ記述し、それを読み込ませる方式とする。命令の組み合わせはブロックの置き方のパターンが５通り、赤ブロックの場所で３通り、左右のコースで２通りのため、</a:t>
+            </a:r>
+            <a:r>
+              <a:rPr lang="en-US" altLang="ja-JP" sz="1800" dirty="0">
+                <a:latin typeface="+mn-ea"/>
+                <a:ea typeface="+mn-ea"/>
+              </a:rPr>
+              <a:t>5x3x2=30</a:t>
+            </a:r>
+            <a:r>
+              <a:rPr lang="ja-JP" altLang="en-US" sz="1800" dirty="0">
+                <a:latin typeface="+mn-ea"/>
+                <a:ea typeface="+mn-ea"/>
+              </a:rPr>
+              <a:t>通りの命令の組み合わせをあらかじめ作成することができる。この命令の組み合わせは</a:t>
+            </a:r>
+            <a:r>
+              <a:rPr lang="en-US" altLang="ja-JP" sz="1800" dirty="0">
+                <a:latin typeface="+mn-ea"/>
+                <a:ea typeface="+mn-ea"/>
+              </a:rPr>
+              <a:t>EV3</a:t>
+            </a:r>
+            <a:r>
+              <a:rPr lang="ja-JP" altLang="en-US" sz="1800" dirty="0">
+                <a:latin typeface="+mn-ea"/>
+                <a:ea typeface="+mn-ea"/>
+              </a:rPr>
+              <a:t>マイコン本体に備えてある上下左右ボタンを用いて、走行前に読み込ませる</a:t>
+            </a:r>
+            <a:r>
+              <a:rPr lang="ja-JP" altLang="en-US" sz="1800" dirty="0" smtClean="0">
+                <a:latin typeface="+mn-ea"/>
+                <a:ea typeface="+mn-ea"/>
+              </a:rPr>
+              <a:t>。</a:t>
+            </a:r>
+            <a:endParaRPr lang="en-US" altLang="ja-JP" sz="1800" dirty="0">
+              <a:latin typeface="+mn-ea"/>
+              <a:ea typeface="+mn-ea"/>
+            </a:endParaRPr>
+          </a:p>
+          <a:p>
+            <a:pPr marL="0" indent="0" eaLnBrk="1" hangingPunct="1">
+              <a:lnSpc>
+                <a:spcPct val="80000"/>
+              </a:lnSpc>
+              <a:spcBef>
+                <a:spcPct val="20000"/>
+              </a:spcBef>
+            </a:pPr>
+            <a:endParaRPr lang="en-US" altLang="ja-JP" sz="1800" dirty="0">
+              <a:latin typeface="+mn-ea"/>
+              <a:ea typeface="+mn-ea"/>
+            </a:endParaRPr>
+          </a:p>
+          <a:p>
+            <a:pPr marL="0" indent="0" eaLnBrk="1" hangingPunct="1">
+              <a:lnSpc>
+                <a:spcPct val="80000"/>
+              </a:lnSpc>
+              <a:spcBef>
+                <a:spcPct val="20000"/>
+              </a:spcBef>
+            </a:pPr>
+            <a:endParaRPr lang="en-US" altLang="ja-JP" sz="1800" dirty="0">
+              <a:latin typeface="+mn-ea"/>
+              <a:ea typeface="+mn-ea"/>
+            </a:endParaRPr>
+          </a:p>
+          <a:p>
+            <a:pPr marL="0" indent="0" eaLnBrk="1" hangingPunct="1">
+              <a:lnSpc>
+                <a:spcPct val="80000"/>
+              </a:lnSpc>
+              <a:spcBef>
+                <a:spcPct val="20000"/>
+              </a:spcBef>
+            </a:pPr>
+            <a:endParaRPr lang="en-US" altLang="ja-JP" sz="1800" dirty="0">
+              <a:latin typeface="+mn-ea"/>
+              <a:ea typeface="+mn-ea"/>
+            </a:endParaRPr>
+          </a:p>
+          <a:p>
+            <a:pPr marL="0" indent="0" eaLnBrk="1" hangingPunct="1">
+              <a:lnSpc>
+                <a:spcPct val="80000"/>
+              </a:lnSpc>
+              <a:spcBef>
+                <a:spcPct val="20000"/>
+              </a:spcBef>
+            </a:pPr>
+            <a:endParaRPr lang="en-US" altLang="ja-JP" sz="1800" dirty="0">
+              <a:latin typeface="+mn-ea"/>
+              <a:ea typeface="+mn-ea"/>
+            </a:endParaRPr>
+          </a:p>
+          <a:p>
+            <a:pPr marL="0" indent="0" eaLnBrk="1" hangingPunct="1">
+              <a:lnSpc>
+                <a:spcPct val="80000"/>
+              </a:lnSpc>
+              <a:spcBef>
+                <a:spcPct val="20000"/>
+              </a:spcBef>
+            </a:pPr>
+            <a:endParaRPr lang="en-US" altLang="ja-JP" sz="1800" dirty="0">
+              <a:latin typeface="+mn-ea"/>
+              <a:ea typeface="+mn-ea"/>
+            </a:endParaRPr>
+          </a:p>
+          <a:p>
+            <a:pPr marL="0" indent="0" eaLnBrk="1" hangingPunct="1">
+              <a:lnSpc>
+                <a:spcPct val="80000"/>
+              </a:lnSpc>
+              <a:spcBef>
+                <a:spcPct val="20000"/>
+              </a:spcBef>
+            </a:pPr>
+            <a:endParaRPr lang="en-US" altLang="ja-JP" sz="1800" dirty="0">
+              <a:latin typeface="+mn-ea"/>
+              <a:ea typeface="+mn-ea"/>
+            </a:endParaRPr>
+          </a:p>
+          <a:p>
+            <a:pPr marL="0" indent="0" eaLnBrk="1" hangingPunct="1">
+              <a:lnSpc>
+                <a:spcPct val="80000"/>
+              </a:lnSpc>
+              <a:spcBef>
+                <a:spcPct val="20000"/>
+              </a:spcBef>
+            </a:pPr>
+            <a:endParaRPr lang="en-US" altLang="ja-JP" sz="1800" dirty="0">
+              <a:latin typeface="+mn-ea"/>
+              <a:ea typeface="+mn-ea"/>
+            </a:endParaRPr>
+          </a:p>
+          <a:p>
+            <a:pPr marL="0" indent="0" eaLnBrk="1" hangingPunct="1">
+              <a:lnSpc>
+                <a:spcPct val="80000"/>
+              </a:lnSpc>
+              <a:spcBef>
+                <a:spcPct val="20000"/>
+              </a:spcBef>
+            </a:pPr>
+            <a:endParaRPr lang="ja-JP" altLang="en-US" sz="1800" dirty="0">
+              <a:latin typeface="+mn-ea"/>
+              <a:ea typeface="+mn-ea"/>
+            </a:endParaRPr>
           </a:p>
         </p:txBody>
       </p:sp>
       <p:sp>
         <p:nvSpPr>
-          <p:cNvPr id="17" name="Rectangle 3">
+          <p:cNvPr id="18" name="Rectangle 3">
             <a:extLst>
               <a:ext uri="{FF2B5EF4-FFF2-40B4-BE49-F238E27FC236}">
-                <a16:creationId xmlns:a16="http://schemas.microsoft.com/office/drawing/2014/main" id="{12351C5A-CF92-284C-AD2D-94D23A07A721}"/>
+                <a16:creationId xmlns:a16="http://schemas.microsoft.com/office/drawing/2014/main" id="{C94F9FC9-983D-6341-84E1-6185BB35C52E}"/>
               </a:ext>
             </a:extLst>
           </p:cNvPr>
@@ -9461,8 +9831,8 @@
         </p:nvSpPr>
         <p:spPr bwMode="auto">
           <a:xfrm>
-            <a:off x="214860" y="311322"/>
-            <a:ext cx="7104254" cy="7338840"/>
+            <a:off x="142850" y="7402415"/>
+            <a:ext cx="7104254" cy="2830708"/>
           </a:xfrm>
           <a:prstGeom prst="rect">
             <a:avLst/>
@@ -9598,498 +9968,6 @@
             </a:lvl9pPr>
           </a:lstStyle>
           <a:p>
-            <a:pPr eaLnBrk="1" hangingPunct="1">
-              <a:lnSpc>
-                <a:spcPct val="80000"/>
-              </a:lnSpc>
-              <a:spcBef>
-                <a:spcPct val="20000"/>
-              </a:spcBef>
-            </a:pPr>
-            <a:r>
-              <a:rPr lang="ja-JP" altLang="en-US" sz="2400" dirty="0">
-                <a:latin typeface="+mn-ea"/>
-                <a:ea typeface="+mn-ea"/>
-              </a:rPr>
-              <a:t>ブロック　</a:t>
-            </a:r>
-            <a:r>
-              <a:rPr lang="en-US" altLang="ja-JP" sz="2400" dirty="0">
-                <a:latin typeface="+mn-ea"/>
-                <a:ea typeface="+mn-ea"/>
-              </a:rPr>
-              <a:t>de</a:t>
-            </a:r>
-            <a:r>
-              <a:rPr lang="ja-JP" altLang="en-US" sz="2400" dirty="0">
-                <a:latin typeface="+mn-ea"/>
-                <a:ea typeface="+mn-ea"/>
-              </a:rPr>
-              <a:t>　トレジャーハンター　要件分析</a:t>
-            </a:r>
-            <a:endParaRPr lang="en-US" altLang="ja-JP" sz="2400" dirty="0">
-              <a:latin typeface="+mn-ea"/>
-              <a:ea typeface="+mn-ea"/>
-            </a:endParaRPr>
-          </a:p>
-          <a:p>
-            <a:pPr marL="0" indent="252000" eaLnBrk="1" hangingPunct="1">
-              <a:spcBef>
-                <a:spcPct val="20000"/>
-              </a:spcBef>
-            </a:pPr>
-            <a:r>
-              <a:rPr lang="ja-JP" altLang="en-US" sz="1800" dirty="0">
-                <a:latin typeface="+mn-ea"/>
-                <a:ea typeface="+mn-ea"/>
-              </a:rPr>
-              <a:t>ブロック </a:t>
-            </a:r>
-            <a:r>
-              <a:rPr lang="en-US" altLang="ja-JP" sz="1800" dirty="0">
-                <a:latin typeface="+mn-ea"/>
-                <a:ea typeface="+mn-ea"/>
-              </a:rPr>
-              <a:t>de </a:t>
-            </a:r>
-            <a:r>
-              <a:rPr lang="ja-JP" altLang="en-US" sz="1800" dirty="0">
-                <a:latin typeface="+mn-ea"/>
-                <a:ea typeface="+mn-ea"/>
-              </a:rPr>
-              <a:t>トレジャーハンターはライントレース終了後に走行する障害物コースである。この障害物のコースは格子状のマトリクスとマトリクスの交点にある赤、青、黄、緑のパターン、パターン間の黒線でできたノードで構成される。このマトリクス上に</a:t>
-            </a:r>
-            <a:r>
-              <a:rPr lang="en-US" altLang="ja-JP" sz="1800" dirty="0">
-                <a:latin typeface="+mn-ea"/>
-                <a:ea typeface="+mn-ea"/>
-              </a:rPr>
-              <a:t>5</a:t>
-            </a:r>
-            <a:r>
-              <a:rPr lang="ja-JP" altLang="en-US" sz="1800" dirty="0">
-                <a:latin typeface="+mn-ea"/>
-                <a:ea typeface="+mn-ea"/>
-              </a:rPr>
-              <a:t>つのパターンで、</a:t>
-            </a:r>
-            <a:r>
-              <a:rPr lang="en-US" altLang="ja-JP" sz="1800" dirty="0">
-                <a:latin typeface="+mn-ea"/>
-                <a:ea typeface="+mn-ea"/>
-              </a:rPr>
-              <a:t>3</a:t>
-            </a:r>
-            <a:r>
-              <a:rPr lang="ja-JP" altLang="en-US" sz="1800" dirty="0">
-                <a:latin typeface="+mn-ea"/>
-                <a:ea typeface="+mn-ea"/>
-              </a:rPr>
-              <a:t>つのブロックがパターン上に設置される。</a:t>
-            </a:r>
-            <a:r>
-              <a:rPr lang="en-US" altLang="ja-JP" sz="1800" dirty="0">
-                <a:latin typeface="+mn-ea"/>
-                <a:ea typeface="+mn-ea"/>
-              </a:rPr>
-              <a:t>3</a:t>
-            </a:r>
-            <a:r>
-              <a:rPr lang="ja-JP" altLang="en-US" sz="1800" dirty="0">
-                <a:latin typeface="+mn-ea"/>
-                <a:ea typeface="+mn-ea"/>
-              </a:rPr>
-              <a:t>つのブロックの</a:t>
-            </a:r>
-            <a:r>
-              <a:rPr lang="en-US" altLang="ja-JP" sz="1800" dirty="0">
-                <a:latin typeface="+mn-ea"/>
-                <a:ea typeface="+mn-ea"/>
-              </a:rPr>
-              <a:t>2</a:t>
-            </a:r>
-            <a:r>
-              <a:rPr lang="ja-JP" altLang="en-US" sz="1800" dirty="0">
-                <a:latin typeface="+mn-ea"/>
-                <a:ea typeface="+mn-ea"/>
-              </a:rPr>
-              <a:t>つは青で、</a:t>
-            </a:r>
-            <a:r>
-              <a:rPr lang="en-US" altLang="ja-JP" sz="1800" dirty="0">
-                <a:latin typeface="+mn-ea"/>
-                <a:ea typeface="+mn-ea"/>
-              </a:rPr>
-              <a:t>1</a:t>
-            </a:r>
-            <a:r>
-              <a:rPr lang="ja-JP" altLang="en-US" sz="1800" dirty="0">
-                <a:latin typeface="+mn-ea"/>
-                <a:ea typeface="+mn-ea"/>
-              </a:rPr>
-              <a:t>つは赤である。青ブロックを押し出し、赤ブロックをゴールまでもっていくことが求められる。ブロックの配置の組み合わせは上記の組み合わせの中から大会当日に決定される。</a:t>
-            </a:r>
-            <a:endParaRPr lang="en-US" altLang="ja-JP" sz="1800" dirty="0">
-              <a:latin typeface="+mn-ea"/>
-              <a:ea typeface="+mn-ea"/>
-            </a:endParaRPr>
-          </a:p>
-          <a:p>
-            <a:pPr marL="0" indent="252000" eaLnBrk="1" hangingPunct="1">
-              <a:spcBef>
-                <a:spcPct val="20000"/>
-              </a:spcBef>
-            </a:pPr>
-            <a:endParaRPr lang="en-US" altLang="ja-JP" sz="1800" dirty="0">
-              <a:latin typeface="+mn-ea"/>
-              <a:ea typeface="+mn-ea"/>
-            </a:endParaRPr>
-          </a:p>
-          <a:p>
-            <a:pPr marL="0" indent="252000" eaLnBrk="1" hangingPunct="1">
-              <a:spcBef>
-                <a:spcPct val="20000"/>
-              </a:spcBef>
-            </a:pPr>
-            <a:r>
-              <a:rPr lang="ja-JP" altLang="en-US" sz="1800" dirty="0">
-                <a:latin typeface="+mn-ea"/>
-                <a:ea typeface="+mn-ea"/>
-              </a:rPr>
-              <a:t>本プログラムでは、あらかじめブロックが置かれる組み合わせに応じて、命令の組み合わせをあらかじめ記述し、それを読み込ませる方式とする。命令の組み合わせはブロックの置き方のパターンが５通り、赤ブロックの場所で３通り、左右のコースで２通りのため、</a:t>
-            </a:r>
-            <a:r>
-              <a:rPr lang="en-US" altLang="ja-JP" sz="1800" dirty="0">
-                <a:latin typeface="+mn-ea"/>
-                <a:ea typeface="+mn-ea"/>
-              </a:rPr>
-              <a:t>5x3x2=30</a:t>
-            </a:r>
-            <a:r>
-              <a:rPr lang="ja-JP" altLang="en-US" sz="1800" dirty="0">
-                <a:latin typeface="+mn-ea"/>
-                <a:ea typeface="+mn-ea"/>
-              </a:rPr>
-              <a:t>通りの命令の組み合わせをあらかじめ作成することができる。この命令の組み合わせは</a:t>
-            </a:r>
-            <a:r>
-              <a:rPr lang="en-US" altLang="ja-JP" sz="1800" dirty="0">
-                <a:latin typeface="+mn-ea"/>
-                <a:ea typeface="+mn-ea"/>
-              </a:rPr>
-              <a:t>EV3</a:t>
-            </a:r>
-            <a:r>
-              <a:rPr lang="ja-JP" altLang="en-US" sz="1800" dirty="0">
-                <a:latin typeface="+mn-ea"/>
-                <a:ea typeface="+mn-ea"/>
-              </a:rPr>
-              <a:t>マイコン本体に備えてある上下左右ボタンを用いて、走行前に読み込ませる。</a:t>
-            </a:r>
-            <a:endParaRPr lang="en-US" altLang="ja-JP" sz="1800" dirty="0">
-              <a:latin typeface="+mn-ea"/>
-              <a:ea typeface="+mn-ea"/>
-            </a:endParaRPr>
-          </a:p>
-          <a:p>
-            <a:pPr marL="0" indent="252000" eaLnBrk="1" hangingPunct="1">
-              <a:spcBef>
-                <a:spcPct val="20000"/>
-              </a:spcBef>
-            </a:pPr>
-            <a:r>
-              <a:rPr lang="ja-JP" altLang="en-US" sz="1800" dirty="0">
-                <a:latin typeface="+mn-ea"/>
-                <a:ea typeface="+mn-ea"/>
-              </a:rPr>
-              <a:t>以下に命令の組み合わせの例を示す。</a:t>
-            </a:r>
-            <a:endParaRPr lang="en-US" altLang="ja-JP" sz="1800" dirty="0">
-              <a:latin typeface="+mn-ea"/>
-              <a:ea typeface="+mn-ea"/>
-            </a:endParaRPr>
-          </a:p>
-          <a:p>
-            <a:pPr marL="0" indent="0" eaLnBrk="1" hangingPunct="1">
-              <a:lnSpc>
-                <a:spcPct val="80000"/>
-              </a:lnSpc>
-              <a:spcBef>
-                <a:spcPct val="20000"/>
-              </a:spcBef>
-            </a:pPr>
-            <a:endParaRPr lang="en-US" altLang="ja-JP" sz="1800" dirty="0">
-              <a:latin typeface="+mn-ea"/>
-              <a:ea typeface="+mn-ea"/>
-            </a:endParaRPr>
-          </a:p>
-          <a:p>
-            <a:pPr marL="0" indent="0" eaLnBrk="1" hangingPunct="1">
-              <a:lnSpc>
-                <a:spcPct val="80000"/>
-              </a:lnSpc>
-              <a:spcBef>
-                <a:spcPct val="20000"/>
-              </a:spcBef>
-            </a:pPr>
-            <a:endParaRPr lang="en-US" altLang="ja-JP" sz="1800" dirty="0">
-              <a:latin typeface="+mn-ea"/>
-              <a:ea typeface="+mn-ea"/>
-            </a:endParaRPr>
-          </a:p>
-          <a:p>
-            <a:pPr marL="0" indent="0" eaLnBrk="1" hangingPunct="1">
-              <a:lnSpc>
-                <a:spcPct val="80000"/>
-              </a:lnSpc>
-              <a:spcBef>
-                <a:spcPct val="20000"/>
-              </a:spcBef>
-            </a:pPr>
-            <a:endParaRPr lang="en-US" altLang="ja-JP" sz="1800" dirty="0">
-              <a:latin typeface="+mn-ea"/>
-              <a:ea typeface="+mn-ea"/>
-            </a:endParaRPr>
-          </a:p>
-          <a:p>
-            <a:pPr marL="0" indent="0" eaLnBrk="1" hangingPunct="1">
-              <a:lnSpc>
-                <a:spcPct val="80000"/>
-              </a:lnSpc>
-              <a:spcBef>
-                <a:spcPct val="20000"/>
-              </a:spcBef>
-            </a:pPr>
-            <a:endParaRPr lang="en-US" altLang="ja-JP" sz="1800" dirty="0">
-              <a:latin typeface="+mn-ea"/>
-              <a:ea typeface="+mn-ea"/>
-            </a:endParaRPr>
-          </a:p>
-          <a:p>
-            <a:pPr marL="0" indent="0" eaLnBrk="1" hangingPunct="1">
-              <a:lnSpc>
-                <a:spcPct val="80000"/>
-              </a:lnSpc>
-              <a:spcBef>
-                <a:spcPct val="20000"/>
-              </a:spcBef>
-            </a:pPr>
-            <a:endParaRPr lang="en-US" altLang="ja-JP" sz="1800" dirty="0">
-              <a:latin typeface="+mn-ea"/>
-              <a:ea typeface="+mn-ea"/>
-            </a:endParaRPr>
-          </a:p>
-          <a:p>
-            <a:pPr marL="0" indent="0" eaLnBrk="1" hangingPunct="1">
-              <a:lnSpc>
-                <a:spcPct val="80000"/>
-              </a:lnSpc>
-              <a:spcBef>
-                <a:spcPct val="20000"/>
-              </a:spcBef>
-            </a:pPr>
-            <a:endParaRPr lang="en-US" altLang="ja-JP" sz="1800" dirty="0">
-              <a:latin typeface="+mn-ea"/>
-              <a:ea typeface="+mn-ea"/>
-            </a:endParaRPr>
-          </a:p>
-          <a:p>
-            <a:pPr marL="0" indent="0" eaLnBrk="1" hangingPunct="1">
-              <a:lnSpc>
-                <a:spcPct val="80000"/>
-              </a:lnSpc>
-              <a:spcBef>
-                <a:spcPct val="20000"/>
-              </a:spcBef>
-            </a:pPr>
-            <a:endParaRPr lang="en-US" altLang="ja-JP" sz="1800" dirty="0">
-              <a:latin typeface="+mn-ea"/>
-              <a:ea typeface="+mn-ea"/>
-            </a:endParaRPr>
-          </a:p>
-          <a:p>
-            <a:pPr marL="0" indent="0" eaLnBrk="1" hangingPunct="1">
-              <a:lnSpc>
-                <a:spcPct val="80000"/>
-              </a:lnSpc>
-              <a:spcBef>
-                <a:spcPct val="20000"/>
-              </a:spcBef>
-            </a:pPr>
-            <a:endParaRPr lang="en-US" altLang="ja-JP" sz="1800" dirty="0">
-              <a:latin typeface="+mn-ea"/>
-              <a:ea typeface="+mn-ea"/>
-            </a:endParaRPr>
-          </a:p>
-          <a:p>
-            <a:pPr marL="0" indent="0" eaLnBrk="1" hangingPunct="1">
-              <a:lnSpc>
-                <a:spcPct val="80000"/>
-              </a:lnSpc>
-              <a:spcBef>
-                <a:spcPct val="20000"/>
-              </a:spcBef>
-            </a:pPr>
-            <a:endParaRPr lang="ja-JP" altLang="en-US" sz="1800" dirty="0">
-              <a:latin typeface="+mn-ea"/>
-              <a:ea typeface="+mn-ea"/>
-            </a:endParaRPr>
-          </a:p>
-        </p:txBody>
-      </p:sp>
-      <p:sp>
-        <p:nvSpPr>
-          <p:cNvPr id="18" name="Rectangle 3">
-            <a:extLst>
-              <a:ext uri="{FF2B5EF4-FFF2-40B4-BE49-F238E27FC236}">
-                <a16:creationId xmlns:a16="http://schemas.microsoft.com/office/drawing/2014/main" id="{C94F9FC9-983D-6341-84E1-6185BB35C52E}"/>
-              </a:ext>
-            </a:extLst>
-          </p:cNvPr>
-          <p:cNvSpPr>
-            <a:spLocks noChangeArrowheads="1"/>
-          </p:cNvSpPr>
-          <p:nvPr/>
-        </p:nvSpPr>
-        <p:spPr bwMode="auto">
-          <a:xfrm>
-            <a:off x="214860" y="7794178"/>
-            <a:ext cx="7104254" cy="2586313"/>
-          </a:xfrm>
-          <a:prstGeom prst="rect">
-            <a:avLst/>
-          </a:prstGeom>
-          <a:noFill/>
-          <a:ln w="9525">
-            <a:solidFill>
-              <a:schemeClr val="accent6">
-                <a:lumMod val="75000"/>
-              </a:schemeClr>
-            </a:solidFill>
-            <a:miter lim="800000"/>
-            <a:headEnd/>
-            <a:tailEnd/>
-          </a:ln>
-          <a:extLst>
-            <a:ext uri="{909E8E84-426E-40DD-AFC4-6F175D3DCCD1}">
-              <a14:hiddenFill xmlns:a14="http://schemas.microsoft.com/office/drawing/2010/main">
-                <a:solidFill>
-                  <a:srgbClr val="FFFFFF"/>
-                </a:solidFill>
-              </a14:hiddenFill>
-            </a:ext>
-          </a:extLst>
-        </p:spPr>
-        <p:txBody>
-          <a:bodyPr lIns="120687" tIns="60343" rIns="120687" bIns="60343"/>
-          <a:lstStyle>
-            <a:lvl1pPr marL="481013" indent="-481013" defTabSz="1279525" eaLnBrk="0" hangingPunct="0">
-              <a:defRPr kumimoji="1" sz="1600">
-                <a:solidFill>
-                  <a:schemeClr val="tx1"/>
-                </a:solidFill>
-                <a:latin typeface="Times New Roman" panose="02020603050405020304" pitchFamily="18" charset="0"/>
-                <a:ea typeface="ＭＳ Ｐゴシック" panose="020B0600070205080204" pitchFamily="34" charset="-128"/>
-              </a:defRPr>
-            </a:lvl1pPr>
-            <a:lvl2pPr marL="742950" indent="-285750" defTabSz="1279525" eaLnBrk="0" hangingPunct="0">
-              <a:defRPr kumimoji="1" sz="1600">
-                <a:solidFill>
-                  <a:schemeClr val="tx1"/>
-                </a:solidFill>
-                <a:latin typeface="Times New Roman" panose="02020603050405020304" pitchFamily="18" charset="0"/>
-                <a:ea typeface="ＭＳ Ｐゴシック" panose="020B0600070205080204" pitchFamily="34" charset="-128"/>
-              </a:defRPr>
-            </a:lvl2pPr>
-            <a:lvl3pPr marL="1143000" indent="-228600" defTabSz="1279525" eaLnBrk="0" hangingPunct="0">
-              <a:defRPr kumimoji="1" sz="1600">
-                <a:solidFill>
-                  <a:schemeClr val="tx1"/>
-                </a:solidFill>
-                <a:latin typeface="Times New Roman" panose="02020603050405020304" pitchFamily="18" charset="0"/>
-                <a:ea typeface="ＭＳ Ｐゴシック" panose="020B0600070205080204" pitchFamily="34" charset="-128"/>
-              </a:defRPr>
-            </a:lvl3pPr>
-            <a:lvl4pPr marL="1600200" indent="-228600" defTabSz="1279525" eaLnBrk="0" hangingPunct="0">
-              <a:defRPr kumimoji="1" sz="1600">
-                <a:solidFill>
-                  <a:schemeClr val="tx1"/>
-                </a:solidFill>
-                <a:latin typeface="Times New Roman" panose="02020603050405020304" pitchFamily="18" charset="0"/>
-                <a:ea typeface="ＭＳ Ｐゴシック" panose="020B0600070205080204" pitchFamily="34" charset="-128"/>
-              </a:defRPr>
-            </a:lvl4pPr>
-            <a:lvl5pPr marL="2057400" indent="-228600" defTabSz="1279525" eaLnBrk="0" hangingPunct="0">
-              <a:defRPr kumimoji="1" sz="1600">
-                <a:solidFill>
-                  <a:schemeClr val="tx1"/>
-                </a:solidFill>
-                <a:latin typeface="Times New Roman" panose="02020603050405020304" pitchFamily="18" charset="0"/>
-                <a:ea typeface="ＭＳ Ｐゴシック" panose="020B0600070205080204" pitchFamily="34" charset="-128"/>
-              </a:defRPr>
-            </a:lvl5pPr>
-            <a:lvl6pPr marL="2514600" indent="-228600" defTabSz="1279525" eaLnBrk="0" fontAlgn="base" hangingPunct="0">
-              <a:spcBef>
-                <a:spcPct val="0"/>
-              </a:spcBef>
-              <a:spcAft>
-                <a:spcPct val="0"/>
-              </a:spcAft>
-              <a:defRPr kumimoji="1" sz="1600">
-                <a:solidFill>
-                  <a:schemeClr val="tx1"/>
-                </a:solidFill>
-                <a:latin typeface="Times New Roman" panose="02020603050405020304" pitchFamily="18" charset="0"/>
-                <a:ea typeface="ＭＳ Ｐゴシック" panose="020B0600070205080204" pitchFamily="34" charset="-128"/>
-              </a:defRPr>
-            </a:lvl6pPr>
-            <a:lvl7pPr marL="2971800" indent="-228600" defTabSz="1279525" eaLnBrk="0" fontAlgn="base" hangingPunct="0">
-              <a:spcBef>
-                <a:spcPct val="0"/>
-              </a:spcBef>
-              <a:spcAft>
-                <a:spcPct val="0"/>
-              </a:spcAft>
-              <a:defRPr kumimoji="1" sz="1600">
-                <a:solidFill>
-                  <a:schemeClr val="tx1"/>
-                </a:solidFill>
-                <a:latin typeface="Times New Roman" panose="02020603050405020304" pitchFamily="18" charset="0"/>
-                <a:ea typeface="ＭＳ Ｐゴシック" panose="020B0600070205080204" pitchFamily="34" charset="-128"/>
-              </a:defRPr>
-            </a:lvl7pPr>
-            <a:lvl8pPr marL="3429000" indent="-228600" defTabSz="1279525" eaLnBrk="0" fontAlgn="base" hangingPunct="0">
-              <a:spcBef>
-                <a:spcPct val="0"/>
-              </a:spcBef>
-              <a:spcAft>
-                <a:spcPct val="0"/>
-              </a:spcAft>
-              <a:defRPr kumimoji="1" sz="1600">
-                <a:solidFill>
-                  <a:schemeClr val="tx1"/>
-                </a:solidFill>
-                <a:latin typeface="Times New Roman" panose="02020603050405020304" pitchFamily="18" charset="0"/>
-                <a:ea typeface="ＭＳ Ｐゴシック" panose="020B0600070205080204" pitchFamily="34" charset="-128"/>
-              </a:defRPr>
-            </a:lvl8pPr>
-            <a:lvl9pPr marL="3886200" indent="-228600" defTabSz="1279525" eaLnBrk="0" fontAlgn="base" hangingPunct="0">
-              <a:spcBef>
-                <a:spcPct val="0"/>
-              </a:spcBef>
-              <a:spcAft>
-                <a:spcPct val="0"/>
-              </a:spcAft>
-              <a:defRPr kumimoji="1" sz="1600">
-                <a:solidFill>
-                  <a:schemeClr val="tx1"/>
-                </a:solidFill>
-                <a:latin typeface="Times New Roman" panose="02020603050405020304" pitchFamily="18" charset="0"/>
-                <a:ea typeface="ＭＳ Ｐゴシック" panose="020B0600070205080204" pitchFamily="34" charset="-128"/>
-              </a:defRPr>
-            </a:lvl9pPr>
-          </a:lstStyle>
-          <a:p>
             <a:pPr marL="0" indent="0" eaLnBrk="1" hangingPunct="1">
               <a:lnSpc>
                 <a:spcPct val="80000"/>
@@ -10117,11 +9995,31 @@
               </a:spcBef>
             </a:pPr>
             <a:r>
+              <a:rPr lang="en-US" altLang="ja-JP" sz="1800" dirty="0" smtClean="0">
+                <a:latin typeface="+mn-ea"/>
+                <a:ea typeface="+mn-ea"/>
+              </a:rPr>
+              <a:t/>
+            </a:r>
+            <a:br>
+              <a:rPr lang="en-US" altLang="ja-JP" sz="1800" dirty="0" smtClean="0">
+                <a:latin typeface="+mn-ea"/>
+                <a:ea typeface="+mn-ea"/>
+              </a:rPr>
+            </a:br>
+            <a:r>
+              <a:rPr lang="ja-JP" altLang="en-US" sz="1800" dirty="0" smtClean="0">
+                <a:latin typeface="+mn-ea"/>
+                <a:ea typeface="+mn-ea"/>
+              </a:rPr>
+              <a:t>　マトリクス</a:t>
+            </a:r>
+            <a:r>
               <a:rPr lang="ja-JP" altLang="en-US" sz="1800" dirty="0">
                 <a:latin typeface="+mn-ea"/>
                 <a:ea typeface="+mn-ea"/>
               </a:rPr>
-              <a:t>マトリクス進行の流れをステートマシン図として以下に示す。前半のライントレースは赤いパターンで認識で判定される。判定後、マトリクス開始位置移動状態に遷移する。マトリクス開始位置とは、青に隣接する外側の赤パターンである。この位置の判定によってマトリクス走査状態に入る。マトリクス走査状態は右のステートマシン図に示す。マトリクス走査状態は赤ブロック保持命令実行終了で終了し、ゴール位置移動状態に入る。</a:t>
+              <a:t>進行の流れをステートマシン図として以下に示す。前半のライントレースは赤いパターンで認識で判定される。判定後、マトリクス開始位置移動状態に遷移する。マトリクス開始位置とは、青に隣接する外側の赤パターンである。この位置の判定によってマトリクス走査状態に入る。マトリクス走査状態は右のステートマシン図に示す。マトリクス走査状態は赤ブロック保持命令実行終了で終了し、ゴール位置移動状態に入る。</a:t>
             </a:r>
             <a:endParaRPr lang="en-US" altLang="ja-JP" sz="1800" dirty="0">
               <a:latin typeface="+mn-ea"/>
@@ -10202,6 +10100,253 @@
           </a:prstGeom>
         </p:spPr>
       </p:pic>
+      <p:sp>
+        <p:nvSpPr>
+          <p:cNvPr id="8" name="タイトル 1">
+            <a:extLst>
+              <a:ext uri="{FF2B5EF4-FFF2-40B4-BE49-F238E27FC236}">
+                <a16:creationId xmlns:a16="http://schemas.microsoft.com/office/drawing/2014/main" id="{017B31C4-798E-65B4-9637-1AE0CE3532FC}"/>
+              </a:ext>
+            </a:extLst>
+          </p:cNvPr>
+          <p:cNvSpPr txBox="1">
+            <a:spLocks/>
+          </p:cNvSpPr>
+          <p:nvPr/>
+        </p:nvSpPr>
+        <p:spPr>
+          <a:xfrm>
+            <a:off x="142850" y="185161"/>
+            <a:ext cx="5472609" cy="984281"/>
+          </a:xfrm>
+          <a:prstGeom prst="rect">
+            <a:avLst/>
+          </a:prstGeom>
+        </p:spPr>
+        <p:txBody>
+          <a:bodyPr/>
+          <a:lstStyle>
+            <a:lvl1pPr algn="l" defTabSz="1425550" rtl="0" eaLnBrk="1" latinLnBrk="0" hangingPunct="1">
+              <a:lnSpc>
+                <a:spcPct val="90000"/>
+              </a:lnSpc>
+              <a:spcBef>
+                <a:spcPct val="0"/>
+              </a:spcBef>
+              <a:buNone/>
+              <a:defRPr kumimoji="1" sz="6860" kern="1200">
+                <a:solidFill>
+                  <a:schemeClr val="tx1"/>
+                </a:solidFill>
+                <a:latin typeface="+mj-lt"/>
+                <a:ea typeface="+mj-ea"/>
+                <a:cs typeface="+mj-cs"/>
+              </a:defRPr>
+            </a:lvl1pPr>
+          </a:lstStyle>
+          <a:p>
+            <a:pPr fontAlgn="auto">
+              <a:spcAft>
+                <a:spcPts val="0"/>
+              </a:spcAft>
+            </a:pPr>
+            <a:r>
+              <a:rPr lang="ja-JP" altLang="en-US" sz="6000" dirty="0" smtClean="0"/>
+              <a:t>振舞いモデル </a:t>
+            </a:r>
+            <a:r>
+              <a:rPr lang="en-US" altLang="ja-JP" sz="6000" dirty="0" smtClean="0"/>
+              <a:t>1</a:t>
+            </a:r>
+          </a:p>
+        </p:txBody>
+      </p:sp>
+      <p:sp>
+        <p:nvSpPr>
+          <p:cNvPr id="7" name="Rectangle 4">
+            <a:extLst>
+              <a:ext uri="{FF2B5EF4-FFF2-40B4-BE49-F238E27FC236}">
+                <a16:creationId xmlns:a16="http://schemas.microsoft.com/office/drawing/2014/main" id="{4DCE695B-C0E7-7944-89B8-D691FAEA74EE}"/>
+              </a:ext>
+            </a:extLst>
+          </p:cNvPr>
+          <p:cNvSpPr>
+            <a:spLocks noChangeArrowheads="1"/>
+          </p:cNvSpPr>
+          <p:nvPr/>
+        </p:nvSpPr>
+        <p:spPr bwMode="auto">
+          <a:xfrm>
+            <a:off x="7559673" y="3545144"/>
+            <a:ext cx="7344815" cy="6687979"/>
+          </a:xfrm>
+          <a:prstGeom prst="rect">
+            <a:avLst/>
+          </a:prstGeom>
+          <a:noFill/>
+          <a:ln w="9525">
+            <a:solidFill>
+              <a:schemeClr val="accent6">
+                <a:lumMod val="75000"/>
+              </a:schemeClr>
+            </a:solidFill>
+            <a:miter lim="800000"/>
+            <a:headEnd/>
+            <a:tailEnd/>
+          </a:ln>
+          <a:extLst>
+            <a:ext uri="{909E8E84-426E-40DD-AFC4-6F175D3DCCD1}">
+              <a14:hiddenFill xmlns:a14="http://schemas.microsoft.com/office/drawing/2010/main">
+                <a:solidFill>
+                  <a:srgbClr val="FFFFFF"/>
+                </a:solidFill>
+              </a14:hiddenFill>
+            </a:ext>
+          </a:extLst>
+        </p:spPr>
+        <p:txBody>
+          <a:bodyPr lIns="120687" tIns="60343" rIns="120687" bIns="60343"/>
+          <a:lstStyle>
+            <a:lvl1pPr marL="481013" indent="-481013" defTabSz="1279525" eaLnBrk="0" hangingPunct="0">
+              <a:defRPr kumimoji="1" sz="1600">
+                <a:solidFill>
+                  <a:schemeClr val="tx1"/>
+                </a:solidFill>
+                <a:latin typeface="Times New Roman" panose="02020603050405020304" pitchFamily="18" charset="0"/>
+                <a:ea typeface="ＭＳ Ｐゴシック" panose="020B0600070205080204" pitchFamily="34" charset="-128"/>
+              </a:defRPr>
+            </a:lvl1pPr>
+            <a:lvl2pPr marL="742950" indent="-285750" defTabSz="1279525" eaLnBrk="0" hangingPunct="0">
+              <a:defRPr kumimoji="1" sz="1600">
+                <a:solidFill>
+                  <a:schemeClr val="tx1"/>
+                </a:solidFill>
+                <a:latin typeface="Times New Roman" panose="02020603050405020304" pitchFamily="18" charset="0"/>
+                <a:ea typeface="ＭＳ Ｐゴシック" panose="020B0600070205080204" pitchFamily="34" charset="-128"/>
+              </a:defRPr>
+            </a:lvl2pPr>
+            <a:lvl3pPr marL="1143000" indent="-228600" defTabSz="1279525" eaLnBrk="0" hangingPunct="0">
+              <a:defRPr kumimoji="1" sz="1600">
+                <a:solidFill>
+                  <a:schemeClr val="tx1"/>
+                </a:solidFill>
+                <a:latin typeface="Times New Roman" panose="02020603050405020304" pitchFamily="18" charset="0"/>
+                <a:ea typeface="ＭＳ Ｐゴシック" panose="020B0600070205080204" pitchFamily="34" charset="-128"/>
+              </a:defRPr>
+            </a:lvl3pPr>
+            <a:lvl4pPr marL="1600200" indent="-228600" defTabSz="1279525" eaLnBrk="0" hangingPunct="0">
+              <a:defRPr kumimoji="1" sz="1600">
+                <a:solidFill>
+                  <a:schemeClr val="tx1"/>
+                </a:solidFill>
+                <a:latin typeface="Times New Roman" panose="02020603050405020304" pitchFamily="18" charset="0"/>
+                <a:ea typeface="ＭＳ Ｐゴシック" panose="020B0600070205080204" pitchFamily="34" charset="-128"/>
+              </a:defRPr>
+            </a:lvl4pPr>
+            <a:lvl5pPr marL="2057400" indent="-228600" defTabSz="1279525" eaLnBrk="0" hangingPunct="0">
+              <a:defRPr kumimoji="1" sz="1600">
+                <a:solidFill>
+                  <a:schemeClr val="tx1"/>
+                </a:solidFill>
+                <a:latin typeface="Times New Roman" panose="02020603050405020304" pitchFamily="18" charset="0"/>
+                <a:ea typeface="ＭＳ Ｐゴシック" panose="020B0600070205080204" pitchFamily="34" charset="-128"/>
+              </a:defRPr>
+            </a:lvl5pPr>
+            <a:lvl6pPr marL="2514600" indent="-228600" defTabSz="1279525" eaLnBrk="0" fontAlgn="base" hangingPunct="0">
+              <a:spcBef>
+                <a:spcPct val="0"/>
+              </a:spcBef>
+              <a:spcAft>
+                <a:spcPct val="0"/>
+              </a:spcAft>
+              <a:defRPr kumimoji="1" sz="1600">
+                <a:solidFill>
+                  <a:schemeClr val="tx1"/>
+                </a:solidFill>
+                <a:latin typeface="Times New Roman" panose="02020603050405020304" pitchFamily="18" charset="0"/>
+                <a:ea typeface="ＭＳ Ｐゴシック" panose="020B0600070205080204" pitchFamily="34" charset="-128"/>
+              </a:defRPr>
+            </a:lvl6pPr>
+            <a:lvl7pPr marL="2971800" indent="-228600" defTabSz="1279525" eaLnBrk="0" fontAlgn="base" hangingPunct="0">
+              <a:spcBef>
+                <a:spcPct val="0"/>
+              </a:spcBef>
+              <a:spcAft>
+                <a:spcPct val="0"/>
+              </a:spcAft>
+              <a:defRPr kumimoji="1" sz="1600">
+                <a:solidFill>
+                  <a:schemeClr val="tx1"/>
+                </a:solidFill>
+                <a:latin typeface="Times New Roman" panose="02020603050405020304" pitchFamily="18" charset="0"/>
+                <a:ea typeface="ＭＳ Ｐゴシック" panose="020B0600070205080204" pitchFamily="34" charset="-128"/>
+              </a:defRPr>
+            </a:lvl7pPr>
+            <a:lvl8pPr marL="3429000" indent="-228600" defTabSz="1279525" eaLnBrk="0" fontAlgn="base" hangingPunct="0">
+              <a:spcBef>
+                <a:spcPct val="0"/>
+              </a:spcBef>
+              <a:spcAft>
+                <a:spcPct val="0"/>
+              </a:spcAft>
+              <a:defRPr kumimoji="1" sz="1600">
+                <a:solidFill>
+                  <a:schemeClr val="tx1"/>
+                </a:solidFill>
+                <a:latin typeface="Times New Roman" panose="02020603050405020304" pitchFamily="18" charset="0"/>
+                <a:ea typeface="ＭＳ Ｐゴシック" panose="020B0600070205080204" pitchFamily="34" charset="-128"/>
+              </a:defRPr>
+            </a:lvl8pPr>
+            <a:lvl9pPr marL="3886200" indent="-228600" defTabSz="1279525" eaLnBrk="0" fontAlgn="base" hangingPunct="0">
+              <a:spcBef>
+                <a:spcPct val="0"/>
+              </a:spcBef>
+              <a:spcAft>
+                <a:spcPct val="0"/>
+              </a:spcAft>
+              <a:defRPr kumimoji="1" sz="1600">
+                <a:solidFill>
+                  <a:schemeClr val="tx1"/>
+                </a:solidFill>
+                <a:latin typeface="Times New Roman" panose="02020603050405020304" pitchFamily="18" charset="0"/>
+                <a:ea typeface="ＭＳ Ｐゴシック" panose="020B0600070205080204" pitchFamily="34" charset="-128"/>
+              </a:defRPr>
+            </a:lvl9pPr>
+          </a:lstStyle>
+          <a:p>
+            <a:pPr marL="0" indent="252000" eaLnBrk="1" hangingPunct="1">
+              <a:spcBef>
+                <a:spcPts val="668"/>
+              </a:spcBef>
+            </a:pPr>
+            <a:r>
+              <a:rPr lang="ja-JP" altLang="en-US" sz="2400" dirty="0">
+                <a:latin typeface="+mn-ea"/>
+                <a:ea typeface="+mn-ea"/>
+              </a:rPr>
+              <a:t>マトリクス走査状態　ステートマシン図</a:t>
+            </a:r>
+            <a:endParaRPr lang="en-US" altLang="ja-JP" sz="2400" dirty="0">
+              <a:latin typeface="+mn-ea"/>
+              <a:ea typeface="+mn-ea"/>
+            </a:endParaRPr>
+          </a:p>
+          <a:p>
+            <a:pPr marL="0" indent="252000" eaLnBrk="1" hangingPunct="1">
+              <a:spcBef>
+                <a:spcPts val="668"/>
+              </a:spcBef>
+            </a:pPr>
+            <a:r>
+              <a:rPr lang="ja-JP" altLang="en-US" sz="1800" dirty="0">
+                <a:latin typeface="+mn-ea"/>
+                <a:ea typeface="+mn-ea"/>
+              </a:rPr>
+              <a:t>マトリクス走査状態の詳述したステートマシン図を以下に示す。本プログラムではブロックの配置ごとに用意された命令の配列を実行して、マトリクスを走査する。マトリクスの赤、青、黄、緑パターンの直上で命令を評価する。命令は前進命令、右旋回命令、左旋回命令、青ブロック押し出し命令、赤ブロック取得命令で構成される。マトリクス上の各パターンの上でそれぞれの命令が実行される。</a:t>
+            </a:r>
+          </a:p>
+        </p:txBody>
+      </p:sp>
       <p:pic>
         <p:nvPicPr>
           <p:cNvPr id="12" name="図 11">
@@ -10224,207 +10369,14 @@
         </p:blipFill>
         <p:spPr>
           <a:xfrm>
-            <a:off x="8107881" y="6137994"/>
-            <a:ext cx="6248400" cy="4162044"/>
+            <a:off x="7955716" y="5705946"/>
+            <a:ext cx="6552728" cy="4364756"/>
           </a:xfrm>
           <a:prstGeom prst="rect">
             <a:avLst/>
           </a:prstGeom>
         </p:spPr>
       </p:pic>
-      <p:graphicFrame>
-        <p:nvGraphicFramePr>
-          <p:cNvPr id="20" name="表 20">
-            <a:extLst>
-              <a:ext uri="{FF2B5EF4-FFF2-40B4-BE49-F238E27FC236}">
-                <a16:creationId xmlns:a16="http://schemas.microsoft.com/office/drawing/2014/main" id="{804E7C44-B900-1CB1-8894-69CB4AC501EE}"/>
-              </a:ext>
-            </a:extLst>
-          </p:cNvPr>
-          <p:cNvGraphicFramePr>
-            <a:graphicFrameLocks noGrp="1"/>
-          </p:cNvGraphicFramePr>
-          <p:nvPr>
-            <p:extLst/>
-          </p:nvPr>
-        </p:nvGraphicFramePr>
-        <p:xfrm>
-          <a:off x="454619" y="5705946"/>
-          <a:ext cx="6624736" cy="1798320"/>
-        </p:xfrm>
-        <a:graphic>
-          <a:graphicData uri="http://schemas.openxmlformats.org/drawingml/2006/table">
-            <a:tbl>
-              <a:tblPr firstRow="1" bandRow="1">
-                <a:tableStyleId>{5940675A-B579-460E-94D1-54222C63F5DA}</a:tableStyleId>
-              </a:tblPr>
-              <a:tblGrid>
-                <a:gridCol w="6624736">
-                  <a:extLst>
-                    <a:ext uri="{9D8B030D-6E8A-4147-A177-3AD203B41FA5}">
-                      <a16:colId xmlns:a16="http://schemas.microsoft.com/office/drawing/2014/main" val="502906895"/>
-                    </a:ext>
-                  </a:extLst>
-                </a:gridCol>
-              </a:tblGrid>
-              <a:tr h="1686148">
-                <a:tc>
-                  <a:txBody>
-                    <a:bodyPr/>
-                    <a:lstStyle/>
-                    <a:p>
-                      <a:r>
-                        <a:rPr kumimoji="1" lang="en-US" altLang="ja-JP" sz="1600" dirty="0">
-                          <a:latin typeface="Consolas" panose="020B0609020204030204" pitchFamily="49" charset="0"/>
-                        </a:rPr>
-                        <a:t>int </a:t>
-                      </a:r>
-                      <a:r>
-                        <a:rPr kumimoji="1" lang="en-US" altLang="ja-JP" sz="1600" dirty="0" err="1">
-                          <a:latin typeface="Consolas" panose="020B0609020204030204" pitchFamily="49" charset="0"/>
-                        </a:rPr>
-                        <a:t>matrix_order</a:t>
-                      </a:r>
-                      <a:r>
-                        <a:rPr kumimoji="1" lang="en-US" altLang="ja-JP" sz="1600" dirty="0">
-                          <a:latin typeface="Consolas" panose="020B0609020204030204" pitchFamily="49" charset="0"/>
-                        </a:rPr>
-                        <a:t>[]={</a:t>
-                      </a:r>
-                      <a:r>
-                        <a:rPr kumimoji="1" lang="en-US" altLang="ja-JP" sz="1600" dirty="0" err="1">
-                          <a:latin typeface="Consolas" panose="020B0609020204030204" pitchFamily="49" charset="0"/>
-                        </a:rPr>
-                        <a:t>move_forward</a:t>
-                      </a:r>
-                      <a:r>
-                        <a:rPr kumimoji="1" lang="en-US" altLang="ja-JP" sz="1600" dirty="0">
-                          <a:latin typeface="Consolas" panose="020B0609020204030204" pitchFamily="49" charset="0"/>
-                        </a:rPr>
-                        <a:t>,</a:t>
-                      </a:r>
-                    </a:p>
-                    <a:p>
-                      <a:r>
-                        <a:rPr kumimoji="1" lang="en-US" altLang="ja-JP" sz="1600" dirty="0">
-                          <a:latin typeface="Consolas" panose="020B0609020204030204" pitchFamily="49" charset="0"/>
-                        </a:rPr>
-                        <a:t>                    </a:t>
-                      </a:r>
-                      <a:r>
-                        <a:rPr kumimoji="1" lang="en-US" altLang="ja-JP" sz="1600" dirty="0" err="1">
-                          <a:latin typeface="Consolas" panose="020B0609020204030204" pitchFamily="49" charset="0"/>
-                        </a:rPr>
-                        <a:t>move_forward</a:t>
-                      </a:r>
-                      <a:r>
-                        <a:rPr kumimoji="1" lang="en-US" altLang="ja-JP" sz="1600" dirty="0">
-                          <a:latin typeface="Consolas" panose="020B0609020204030204" pitchFamily="49" charset="0"/>
-                        </a:rPr>
-                        <a:t>,</a:t>
-                      </a:r>
-                    </a:p>
-                    <a:p>
-                      <a:r>
-                        <a:rPr kumimoji="1" lang="en-US" altLang="ja-JP" sz="1600" dirty="0">
-                          <a:latin typeface="Consolas" panose="020B0609020204030204" pitchFamily="49" charset="0"/>
-                        </a:rPr>
-                        <a:t>                    </a:t>
-                      </a:r>
-                      <a:r>
-                        <a:rPr kumimoji="1" lang="en-US" altLang="ja-JP" sz="1600" dirty="0" err="1">
-                          <a:latin typeface="Consolas" panose="020B0609020204030204" pitchFamily="49" charset="0"/>
-                        </a:rPr>
-                        <a:t>push_blue_block</a:t>
-                      </a:r>
-                      <a:r>
-                        <a:rPr kumimoji="1" lang="en-US" altLang="ja-JP" sz="1600" dirty="0">
-                          <a:latin typeface="Consolas" panose="020B0609020204030204" pitchFamily="49" charset="0"/>
-                        </a:rPr>
-                        <a:t>,</a:t>
-                      </a:r>
-                    </a:p>
-                    <a:p>
-                      <a:r>
-                        <a:rPr kumimoji="1" lang="en-US" altLang="ja-JP" sz="1600" dirty="0">
-                          <a:latin typeface="Consolas" panose="020B0609020204030204" pitchFamily="49" charset="0"/>
-                        </a:rPr>
-                        <a:t>                    </a:t>
-                      </a:r>
-                      <a:r>
-                        <a:rPr kumimoji="1" lang="en-US" altLang="ja-JP" sz="1600" dirty="0" err="1">
-                          <a:latin typeface="Consolas" panose="020B0609020204030204" pitchFamily="49" charset="0"/>
-                        </a:rPr>
-                        <a:t>turn_right</a:t>
-                      </a:r>
-                      <a:r>
-                        <a:rPr kumimoji="1" lang="en-US" altLang="ja-JP" sz="1600" dirty="0">
-                          <a:latin typeface="Consolas" panose="020B0609020204030204" pitchFamily="49" charset="0"/>
-                        </a:rPr>
-                        <a:t>,</a:t>
-                      </a:r>
-                    </a:p>
-                    <a:p>
-                      <a:r>
-                        <a:rPr kumimoji="1" lang="en-US" altLang="ja-JP" sz="1600" dirty="0">
-                          <a:latin typeface="Consolas" panose="020B0609020204030204" pitchFamily="49" charset="0"/>
-                        </a:rPr>
-                        <a:t>                    </a:t>
-                      </a:r>
-                      <a:r>
-                        <a:rPr kumimoji="1" lang="en-US" altLang="ja-JP" sz="1600" dirty="0" err="1">
-                          <a:latin typeface="Consolas" panose="020B0609020204030204" pitchFamily="49" charset="0"/>
-                        </a:rPr>
-                        <a:t>move_forward</a:t>
-                      </a:r>
-                      <a:r>
-                        <a:rPr kumimoji="1" lang="en-US" altLang="ja-JP" sz="1600" dirty="0">
-                          <a:latin typeface="Consolas" panose="020B0609020204030204" pitchFamily="49" charset="0"/>
-                        </a:rPr>
-                        <a:t>,</a:t>
-                      </a:r>
-                    </a:p>
-                    <a:p>
-                      <a:r>
-                        <a:rPr kumimoji="1" lang="en-US" altLang="ja-JP" sz="1600" dirty="0">
-                          <a:latin typeface="Consolas" panose="020B0609020204030204" pitchFamily="49" charset="0"/>
-                        </a:rPr>
-                        <a:t>                    </a:t>
-                      </a:r>
-                      <a:r>
-                        <a:rPr kumimoji="1" lang="en-US" altLang="ja-JP" sz="1600" dirty="0" err="1">
-                          <a:latin typeface="Consolas" panose="020B0609020204030204" pitchFamily="49" charset="0"/>
-                        </a:rPr>
-                        <a:t>turn_right</a:t>
-                      </a:r>
-                      <a:r>
-                        <a:rPr kumimoji="1" lang="en-US" altLang="ja-JP" sz="1600" dirty="0">
-                          <a:latin typeface="Consolas" panose="020B0609020204030204" pitchFamily="49" charset="0"/>
-                        </a:rPr>
-                        <a:t>,</a:t>
-                      </a:r>
-                    </a:p>
-                    <a:p>
-                      <a:r>
-                        <a:rPr kumimoji="1" lang="en-US" altLang="ja-JP" sz="1600" dirty="0">
-                          <a:latin typeface="Consolas" panose="020B0609020204030204" pitchFamily="49" charset="0"/>
-                        </a:rPr>
-                        <a:t>***</a:t>
-                      </a:r>
-                    </a:p>
-                  </a:txBody>
-                  <a:tcPr/>
-                </a:tc>
-                <a:extLst>
-                  <a:ext uri="{0D108BD9-81ED-4DB2-BD59-A6C34878D82A}">
-                    <a16:rowId xmlns:a16="http://schemas.microsoft.com/office/drawing/2014/main" val="219639150"/>
-                  </a:ext>
-                </a:extLst>
-              </a:tr>
-            </a:tbl>
-          </a:graphicData>
-        </a:graphic>
-      </p:graphicFrame>
     </p:spTree>
     <p:extLst>
       <p:ext uri="{BB962C8B-B14F-4D97-AF65-F5344CB8AC3E}">
@@ -10639,8 +10591,8 @@
         </p:nvSpPr>
         <p:spPr bwMode="auto">
           <a:xfrm>
-            <a:off x="214860" y="295987"/>
-            <a:ext cx="7104254" cy="10086395"/>
+            <a:off x="214860" y="1313458"/>
+            <a:ext cx="7104254" cy="9068924"/>
           </a:xfrm>
           <a:prstGeom prst="rect">
             <a:avLst/>
@@ -10821,19 +10773,8 @@
                 <a:latin typeface="+mn-ea"/>
                 <a:ea typeface="+mn-ea"/>
               </a:rPr>
-              <a:t>取得のクラス間で相互にメッセージのやり取りが行われる。マトリクス攻略クラスはクラス図のマトリクス上動作命令クラスを読み込み、あらかじめ書き込まれた順序に応じて、命令パッケージの前進命令、旋回命令、青ブロック押し出し命令、赤ブロック取得</a:t>
-            </a:r>
-            <a:r>
-              <a:rPr lang="ja-JP" altLang="en-US" sz="1800">
-                <a:latin typeface="+mn-ea"/>
-                <a:ea typeface="+mn-ea"/>
-              </a:rPr>
-              <a:t>命令、を実行してマトリクスを攻略する。</a:t>
-            </a:r>
-            <a:endParaRPr lang="ja-JP" altLang="en-US" sz="1800" dirty="0">
-              <a:latin typeface="+mn-ea"/>
-              <a:ea typeface="+mn-ea"/>
-            </a:endParaRPr>
+              <a:t>取得のクラス間で相互にメッセージのやり取りが行われる。マトリクス攻略クラスはクラス図のマトリクス上動作命令クラスを読み込み、あらかじめ書き込まれた順序に応じて、命令パッケージの前進命令、旋回命令、青ブロック押し出し命令、赤ブロック取得命令、を実行してマトリクスを攻略する。</a:t>
+            </a:r>
           </a:p>
         </p:txBody>
       </p:sp>
@@ -10867,6 +10808,67 @@
           </a:prstGeom>
         </p:spPr>
       </p:pic>
+      <p:sp>
+        <p:nvSpPr>
+          <p:cNvPr id="6" name="タイトル 1">
+            <a:extLst>
+              <a:ext uri="{FF2B5EF4-FFF2-40B4-BE49-F238E27FC236}">
+                <a16:creationId xmlns:a16="http://schemas.microsoft.com/office/drawing/2014/main" id="{017B31C4-798E-65B4-9637-1AE0CE3532FC}"/>
+              </a:ext>
+            </a:extLst>
+          </p:cNvPr>
+          <p:cNvSpPr txBox="1">
+            <a:spLocks/>
+          </p:cNvSpPr>
+          <p:nvPr/>
+        </p:nvSpPr>
+        <p:spPr>
+          <a:xfrm>
+            <a:off x="142850" y="185161"/>
+            <a:ext cx="5472609" cy="984281"/>
+          </a:xfrm>
+          <a:prstGeom prst="rect">
+            <a:avLst/>
+          </a:prstGeom>
+        </p:spPr>
+        <p:txBody>
+          <a:bodyPr/>
+          <a:lstStyle>
+            <a:lvl1pPr algn="l" defTabSz="1425550" rtl="0" eaLnBrk="1" latinLnBrk="0" hangingPunct="1">
+              <a:lnSpc>
+                <a:spcPct val="90000"/>
+              </a:lnSpc>
+              <a:spcBef>
+                <a:spcPct val="0"/>
+              </a:spcBef>
+              <a:buNone/>
+              <a:defRPr kumimoji="1" sz="6860" kern="1200">
+                <a:solidFill>
+                  <a:schemeClr val="tx1"/>
+                </a:solidFill>
+                <a:latin typeface="+mj-lt"/>
+                <a:ea typeface="+mj-ea"/>
+                <a:cs typeface="+mj-cs"/>
+              </a:defRPr>
+            </a:lvl1pPr>
+          </a:lstStyle>
+          <a:p>
+            <a:pPr fontAlgn="auto">
+              <a:spcAft>
+                <a:spcPts val="0"/>
+              </a:spcAft>
+            </a:pPr>
+            <a:r>
+              <a:rPr lang="ja-JP" altLang="en-US" sz="6000" dirty="0" smtClean="0"/>
+              <a:t>振舞いモデル </a:t>
+            </a:r>
+            <a:r>
+              <a:rPr lang="en-US" altLang="ja-JP" sz="6000" dirty="0" smtClean="0"/>
+              <a:t>2</a:t>
+            </a:r>
+          </a:p>
+        </p:txBody>
+      </p:sp>
     </p:spTree>
     <p:extLst>
       <p:ext uri="{BB962C8B-B14F-4D97-AF65-F5344CB8AC3E}">

--- a/document/PRI_040_RWKYI.pptx
+++ b/document/PRI_040_RWKYI.pptx
@@ -8286,7 +8286,7 @@
         <p:spPr>
           <a:xfrm>
             <a:off x="397690" y="1750441"/>
-            <a:ext cx="6821332" cy="2554545"/>
+            <a:ext cx="6821332" cy="2246769"/>
           </a:xfrm>
           <a:prstGeom prst="rect">
             <a:avLst/>
@@ -8371,25 +8371,13 @@
               <a:rPr lang="ja-JP" altLang="en-US" sz="2000" dirty="0">
                 <a:latin typeface="+mn-ea"/>
               </a:rPr>
-              <a:t>方式の利点として、無駄</a:t>
+              <a:t>方式の利点として</a:t>
             </a:r>
             <a:r>
               <a:rPr lang="ja-JP" altLang="en-US" sz="2000" dirty="0" smtClean="0">
                 <a:latin typeface="+mn-ea"/>
               </a:rPr>
-              <a:t>な経路を</a:t>
-            </a:r>
-            <a:r>
-              <a:rPr lang="ja-JP" altLang="en-US" sz="2000" dirty="0">
-                <a:latin typeface="+mn-ea"/>
-              </a:rPr>
-              <a:t>経由しないことやブロックを読み込まないこと</a:t>
-            </a:r>
-            <a:r>
-              <a:rPr lang="ja-JP" altLang="en-US" sz="2000" dirty="0" smtClean="0">
-                <a:latin typeface="+mn-ea"/>
-              </a:rPr>
-              <a:t>で</a:t>
+              <a:t>、無駄な経路を経由しないことで</a:t>
             </a:r>
             <a:r>
               <a:rPr lang="ja-JP" altLang="en-US" sz="2000" dirty="0" smtClean="0">
@@ -8479,7 +8467,7 @@
       </p:sp>
       <p:pic>
         <p:nvPicPr>
-          <p:cNvPr id="12" name="図 11"/>
+          <p:cNvPr id="4" name="図 3"/>
           <p:cNvPicPr>
             <a:picLocks noChangeAspect="1"/>
           </p:cNvPicPr>
@@ -8493,8 +8481,8 @@
         </p:blipFill>
         <p:spPr>
           <a:xfrm>
-            <a:off x="216859" y="5132970"/>
-            <a:ext cx="7002163" cy="5543379"/>
+            <a:off x="214859" y="5086803"/>
+            <a:ext cx="7004163" cy="5544962"/>
           </a:xfrm>
           <a:prstGeom prst="rect">
             <a:avLst/>

--- a/document/PRI_040_RWKYI.pptx
+++ b/document/PRI_040_RWKYI.pptx
@@ -15,7 +15,7 @@
   <p:sldIdLst>
     <p:sldId id="273" r:id="rId4"/>
     <p:sldId id="259" r:id="rId5"/>
-    <p:sldId id="284" r:id="rId6"/>
+    <p:sldId id="285" r:id="rId6"/>
     <p:sldId id="281" r:id="rId7"/>
     <p:sldId id="282" r:id="rId8"/>
   </p:sldIdLst>
@@ -157,7 +157,7 @@
         <p14:section name="モデル図ページ（プライマリークラス）" id="{8B2B3982-7BAC-4EE5-974E-E0EE0719EC85}">
           <p14:sldIdLst>
             <p14:sldId id="259"/>
-            <p14:sldId id="284"/>
+            <p14:sldId id="285"/>
             <p14:sldId id="281"/>
             <p14:sldId id="282"/>
           </p14:sldIdLst>
@@ -9115,41 +9115,6 @@
       </p:sp>
       <p:pic>
         <p:nvPicPr>
-          <p:cNvPr id="7" name="図 6" descr="グラフィカル ユーザー インターフェイス, ダイアグラム&#10;&#10;自動的に生成された説明">
-            <a:extLst>
-              <a:ext uri="{FF2B5EF4-FFF2-40B4-BE49-F238E27FC236}">
-                <a16:creationId xmlns:a16="http://schemas.microsoft.com/office/drawing/2014/main" id="{32BAC963-C9A5-E89F-4520-45272D4120C8}"/>
-              </a:ext>
-            </a:extLst>
-          </p:cNvPr>
-          <p:cNvPicPr>
-            <a:picLocks noChangeAspect="1"/>
-          </p:cNvPicPr>
-          <p:nvPr/>
-        </p:nvPicPr>
-        <p:blipFill rotWithShape="1">
-          <a:blip r:embed="rId2">
-            <a:extLst>
-              <a:ext uri="{28A0092B-C50C-407E-A947-70E740481C1C}">
-                <a14:useLocalDpi xmlns:a14="http://schemas.microsoft.com/office/drawing/2010/main" val="0"/>
-              </a:ext>
-            </a:extLst>
-          </a:blip>
-          <a:srcRect l="927" r="661"/>
-          <a:stretch/>
-        </p:blipFill>
-        <p:spPr>
-          <a:xfrm>
-            <a:off x="4581166" y="2100671"/>
-            <a:ext cx="10386305" cy="8405981"/>
-          </a:xfrm>
-          <a:prstGeom prst="rect">
-            <a:avLst/>
-          </a:prstGeom>
-        </p:spPr>
-      </p:pic>
-      <p:pic>
-        <p:nvPicPr>
           <p:cNvPr id="11" name="図 10" descr="ダイアグラム&#10;&#10;自動的に生成された説明">
             <a:extLst>
               <a:ext uri="{FF2B5EF4-FFF2-40B4-BE49-F238E27FC236}">
@@ -9163,7 +9128,7 @@
           <p:nvPr/>
         </p:nvPicPr>
         <p:blipFill rotWithShape="1">
-          <a:blip r:embed="rId3">
+          <a:blip r:embed="rId2">
             <a:extLst>
               <a:ext uri="{28A0092B-C50C-407E-A947-70E740481C1C}">
                 <a14:useLocalDpi xmlns:a14="http://schemas.microsoft.com/office/drawing/2010/main" val="0"/>
@@ -9306,10 +9271,45 @@
           </a:fontRef>
         </p:style>
       </p:cxnSp>
+      <p:pic>
+        <p:nvPicPr>
+          <p:cNvPr id="3" name="図 2" descr="ダイアグラム&#10;&#10;自動的に生成された説明">
+            <a:extLst>
+              <a:ext uri="{FF2B5EF4-FFF2-40B4-BE49-F238E27FC236}">
+                <a16:creationId xmlns:a16="http://schemas.microsoft.com/office/drawing/2014/main" id="{EF156195-5FD6-3A77-6907-936660F47C02}"/>
+              </a:ext>
+            </a:extLst>
+          </p:cNvPr>
+          <p:cNvPicPr>
+            <a:picLocks noChangeAspect="1"/>
+          </p:cNvPicPr>
+          <p:nvPr/>
+        </p:nvPicPr>
+        <p:blipFill rotWithShape="1">
+          <a:blip r:embed="rId3">
+            <a:extLst>
+              <a:ext uri="{28A0092B-C50C-407E-A947-70E740481C1C}">
+                <a14:useLocalDpi xmlns:a14="http://schemas.microsoft.com/office/drawing/2010/main" val="0"/>
+              </a:ext>
+            </a:extLst>
+          </a:blip>
+          <a:srcRect l="927" r="927"/>
+          <a:stretch/>
+        </p:blipFill>
+        <p:spPr>
+          <a:xfrm>
+            <a:off x="4522551" y="2047466"/>
+            <a:ext cx="10392206" cy="8433527"/>
+          </a:xfrm>
+          <a:prstGeom prst="rect">
+            <a:avLst/>
+          </a:prstGeom>
+        </p:spPr>
+      </p:pic>
     </p:spTree>
     <p:extLst>
       <p:ext uri="{BB962C8B-B14F-4D97-AF65-F5344CB8AC3E}">
-        <p14:creationId xmlns:p14="http://schemas.microsoft.com/office/powerpoint/2010/main" val="1485656020"/>
+        <p14:creationId xmlns:p14="http://schemas.microsoft.com/office/powerpoint/2010/main" val="1155956767"/>
       </p:ext>
     </p:extLst>
   </p:cSld>
